--- a/Presentation/Presentation.pptx
+++ b/Presentation/Presentation.pptx
@@ -13,8 +13,8 @@
     <p:sldId id="259" r:id="rId4"/>
     <p:sldId id="284" r:id="rId5"/>
     <p:sldId id="281" r:id="rId6"/>
-    <p:sldId id="282" r:id="rId7"/>
-    <p:sldId id="283" r:id="rId8"/>
+    <p:sldId id="283" r:id="rId7"/>
+    <p:sldId id="282" r:id="rId8"/>
     <p:sldId id="285" r:id="rId9"/>
     <p:sldId id="286" r:id="rId10"/>
     <p:sldId id="261" r:id="rId11"/>
@@ -1690,7 +1690,7 @@
     </p:spTree>
     <p:extLst>
       <p:ext uri="{BB962C8B-B14F-4D97-AF65-F5344CB8AC3E}">
-        <p14:creationId xmlns:p14="http://schemas.microsoft.com/office/powerpoint/2010/main" val="1700399122"/>
+        <p14:creationId xmlns:p14="http://schemas.microsoft.com/office/powerpoint/2010/main" val="2816039107"/>
       </p:ext>
     </p:extLst>
   </p:cSld>
@@ -1799,7 +1799,7 @@
     </p:spTree>
     <p:extLst>
       <p:ext uri="{BB962C8B-B14F-4D97-AF65-F5344CB8AC3E}">
-        <p14:creationId xmlns:p14="http://schemas.microsoft.com/office/powerpoint/2010/main" val="2816039107"/>
+        <p14:creationId xmlns:p14="http://schemas.microsoft.com/office/powerpoint/2010/main" val="1700399122"/>
       </p:ext>
     </p:extLst>
   </p:cSld>
@@ -23205,11 +23205,11 @@
               <a:buNone/>
             </a:pPr>
             <a:r>
-              <a:rPr lang="en"/>
+              <a:rPr lang="en" dirty="0"/>
               <a:t>We will talk about this </a:t>
             </a:r>
             <a:r>
-              <a:rPr lang="en">
+              <a:rPr lang="en" dirty="0">
                 <a:solidFill>
                   <a:schemeClr val="accent1"/>
                 </a:solidFill>
@@ -23217,10 +23217,10 @@
               <a:t>first</a:t>
             </a:r>
             <a:r>
-              <a:rPr lang="en"/>
+              <a:rPr lang="en" dirty="0"/>
               <a:t>.</a:t>
             </a:r>
-            <a:endParaRPr/>
+            <a:endParaRPr dirty="0"/>
           </a:p>
         </p:txBody>
       </p:sp>
@@ -23835,8 +23835,8 @@
         </p:nvSpPr>
         <p:spPr>
           <a:xfrm>
-            <a:off x="3506900" y="2041675"/>
-            <a:ext cx="7345500" cy="1575000"/>
+            <a:off x="3731490" y="1958191"/>
+            <a:ext cx="7345500" cy="1065746"/>
           </a:xfrm>
           <a:prstGeom prst="rect">
             <a:avLst/>
@@ -23858,18 +23858,32 @@
               <a:buNone/>
             </a:pPr>
             <a:r>
-              <a:rPr lang="en" sz="5800" dirty="0"/>
-              <a:t>DDoS Attack </a:t>
+              <a:rPr lang="en" sz="7200" dirty="0"/>
+              <a:t>DDoS </a:t>
             </a:r>
             <a:r>
-              <a:rPr lang="en" sz="6800" dirty="0">
+              <a:rPr lang="en" sz="7200" dirty="0">
                 <a:solidFill>
                   <a:schemeClr val="accent1"/>
                 </a:solidFill>
+                <a:latin typeface="Roboto" panose="02000000000000000000" pitchFamily="2" charset="0"/>
+                <a:ea typeface="Roboto" panose="02000000000000000000" pitchFamily="2" charset="0"/>
+                <a:cs typeface="Roboto" panose="02000000000000000000" pitchFamily="2" charset="0"/>
+                <a:sym typeface="Roboto Mono"/>
               </a:rPr>
-              <a:t>vectors</a:t>
+              <a:t>Attack </a:t>
             </a:r>
-            <a:endParaRPr sz="5800" dirty="0"/>
+            <a:r>
+              <a:rPr lang="en" sz="7200" dirty="0">
+                <a:sym typeface="Roboto Mono"/>
+              </a:rPr>
+              <a:t>Types</a:t>
+            </a:r>
+            <a:r>
+              <a:rPr lang="en" sz="7200" dirty="0"/>
+              <a:t> </a:t>
+            </a:r>
+            <a:endParaRPr sz="7200" dirty="0"/>
           </a:p>
         </p:txBody>
       </p:sp>
@@ -23982,7 +23996,7 @@
               </a:spcAft>
               <a:buNone/>
             </a:pPr>
-            <a:endParaRPr sz="1800" b="0" i="0" u="none" strike="noStrike" cap="none">
+            <a:endParaRPr sz="1800" b="0" i="0" u="none" strike="noStrike" cap="none" dirty="0">
               <a:solidFill>
                 <a:srgbClr val="FFFFFF"/>
               </a:solidFill>
@@ -24007,8 +24021,8 @@
         </p:blipFill>
         <p:spPr>
           <a:xfrm>
-            <a:off x="5755821" y="2560397"/>
-            <a:ext cx="6025243" cy="3154603"/>
+            <a:off x="5233160" y="2829017"/>
+            <a:ext cx="6331240" cy="3409353"/>
           </a:xfrm>
           <a:prstGeom prst="roundRect">
             <a:avLst>
@@ -24036,7 +24050,7 @@
         </p:nvGrpSpPr>
         <p:grpSpPr>
           <a:xfrm>
-            <a:off x="5985670" y="2668969"/>
+            <a:off x="5367912" y="2938266"/>
             <a:ext cx="693284" cy="168491"/>
             <a:chOff x="2147366" y="4139382"/>
             <a:chExt cx="635280" cy="147600"/>
@@ -24364,7 +24378,7 @@
         </p:nvSpPr>
         <p:spPr>
           <a:xfrm>
-            <a:off x="1203692" y="1273347"/>
+            <a:off x="1024686" y="1235533"/>
             <a:ext cx="7794000" cy="763500"/>
           </a:xfrm>
           <a:prstGeom prst="rect">
@@ -24422,7 +24436,7 @@
         </p:nvSpPr>
         <p:spPr>
           <a:xfrm>
-            <a:off x="1172286" y="2362802"/>
+            <a:off x="1455197" y="2946099"/>
             <a:ext cx="3746557" cy="612334"/>
           </a:xfrm>
           <a:prstGeom prst="rect">
@@ -24747,7 +24761,7 @@
         </p:nvSpPr>
         <p:spPr>
           <a:xfrm>
-            <a:off x="1203692" y="2975135"/>
+            <a:off x="1486603" y="3558432"/>
             <a:ext cx="3746557" cy="2218835"/>
           </a:xfrm>
           <a:prstGeom prst="rect">
@@ -25045,19 +25059,6 @@
                 <a:latin typeface="Roboto Mono" pitchFamily="49" charset="0"/>
                 <a:ea typeface="Roboto Mono" pitchFamily="49" charset="0"/>
               </a:rPr>
-              <a:t>DNS Water Torture</a:t>
-            </a:r>
-          </a:p>
-          <a:p>
-            <a:pPr marL="285750" indent="-285750"/>
-            <a:r>
-              <a:rPr lang="it-IT" dirty="0">
-                <a:solidFill>
-                  <a:schemeClr val="bg2"/>
-                </a:solidFill>
-                <a:latin typeface="Roboto Mono" pitchFamily="49" charset="0"/>
-                <a:ea typeface="Roboto Mono" pitchFamily="49" charset="0"/>
-              </a:rPr>
               <a:t>DNS </a:t>
             </a:r>
             <a:r>
@@ -25109,98 +25110,299 @@
                 <a:ea typeface="Roboto Mono" pitchFamily="49" charset="0"/>
               </a:rPr>
             </a:br>
-            <a:r>
-              <a:rPr lang="it-IT" dirty="0">
-                <a:solidFill>
-                  <a:schemeClr val="bg2"/>
-                </a:solidFill>
-                <a:latin typeface="Roboto Mono" pitchFamily="49" charset="0"/>
-                <a:ea typeface="Roboto Mono" pitchFamily="49" charset="0"/>
-              </a:rPr>
-              <a:t>(</a:t>
-            </a:r>
-            <a:r>
-              <a:rPr lang="it-IT" dirty="0" err="1">
-                <a:solidFill>
-                  <a:schemeClr val="bg2"/>
-                </a:solidFill>
-                <a:latin typeface="Roboto Mono" pitchFamily="49" charset="0"/>
-                <a:ea typeface="Roboto Mono" pitchFamily="49" charset="0"/>
-              </a:rPr>
-              <a:t>Most</a:t>
-            </a:r>
-            <a:r>
-              <a:rPr lang="it-IT" dirty="0">
-                <a:solidFill>
-                  <a:schemeClr val="bg2"/>
-                </a:solidFill>
-                <a:latin typeface="Roboto Mono" pitchFamily="49" charset="0"/>
-                <a:ea typeface="Roboto Mono" pitchFamily="49" charset="0"/>
-              </a:rPr>
-              <a:t> </a:t>
-            </a:r>
-            <a:r>
-              <a:rPr lang="it-IT" dirty="0" err="1">
-                <a:solidFill>
-                  <a:schemeClr val="bg2"/>
-                </a:solidFill>
-                <a:latin typeface="Roboto Mono" pitchFamily="49" charset="0"/>
-                <a:ea typeface="Roboto Mono" pitchFamily="49" charset="0"/>
-              </a:rPr>
-              <a:t>used</a:t>
-            </a:r>
-            <a:r>
-              <a:rPr lang="it-IT" dirty="0">
-                <a:solidFill>
-                  <a:schemeClr val="bg2"/>
-                </a:solidFill>
-                <a:latin typeface="Roboto Mono" pitchFamily="49" charset="0"/>
-                <a:ea typeface="Roboto Mono" pitchFamily="49" charset="0"/>
-              </a:rPr>
-              <a:t>)</a:t>
-            </a:r>
+            <a:endParaRPr lang="it-IT" dirty="0">
+              <a:solidFill>
+                <a:schemeClr val="bg2"/>
+              </a:solidFill>
+              <a:latin typeface="Roboto Mono" pitchFamily="49" charset="0"/>
+              <a:ea typeface="Roboto Mono" pitchFamily="49" charset="0"/>
+            </a:endParaRPr>
           </a:p>
         </p:txBody>
       </p:sp>
       <p:sp>
         <p:nvSpPr>
-          <p:cNvPr id="9" name="Google Shape;418;p26">
+          <p:cNvPr id="3" name="Google Shape;418;p26">
             <a:extLst>
               <a:ext uri="{FF2B5EF4-FFF2-40B4-BE49-F238E27FC236}">
-                <a16:creationId xmlns:a16="http://schemas.microsoft.com/office/drawing/2014/main" id="{04BDD9DA-9D32-A5F1-399F-CE3143FE45D0}"/>
+                <a16:creationId xmlns:a16="http://schemas.microsoft.com/office/drawing/2014/main" id="{4ED45DBB-ED7C-A20E-CFC7-B48152D5951B}"/>
               </a:ext>
             </a:extLst>
           </p:cNvPr>
           <p:cNvSpPr txBox="1">
-            <a:spLocks noGrp="1"/>
+            <a:spLocks/>
           </p:cNvSpPr>
-          <p:nvPr>
-            <p:ph type="subTitle" idx="1"/>
-          </p:nvPr>
+          <p:nvPr/>
         </p:nvSpPr>
         <p:spPr>
           <a:xfrm>
-            <a:off x="7130993" y="1939672"/>
-            <a:ext cx="5061007" cy="717900"/>
+            <a:off x="780846" y="2031984"/>
+            <a:ext cx="6711002" cy="717900"/>
           </a:xfrm>
           <a:prstGeom prst="rect">
             <a:avLst/>
           </a:prstGeom>
+          <a:noFill/>
+          <a:ln>
+            <a:noFill/>
+          </a:ln>
         </p:spPr>
         <p:txBody>
           <a:bodyPr spcFirstLastPara="1" wrap="square" lIns="121900" tIns="121900" rIns="121900" bIns="121900" anchor="t" anchorCtr="0">
             <a:noAutofit/>
           </a:bodyPr>
-          <a:lstStyle/>
+          <a:lstStyle>
+            <a:defPPr marR="0" lvl="0" algn="l" rtl="0">
+              <a:lnSpc>
+                <a:spcPct val="100000"/>
+              </a:lnSpc>
+              <a:spcBef>
+                <a:spcPts val="0"/>
+              </a:spcBef>
+              <a:spcAft>
+                <a:spcPts val="0"/>
+              </a:spcAft>
+            </a:defPPr>
+            <a:lvl1pPr marL="457200" marR="0" lvl="0" indent="-342900" algn="l" rtl="0">
+              <a:lnSpc>
+                <a:spcPct val="115000"/>
+              </a:lnSpc>
+              <a:spcBef>
+                <a:spcPts val="0"/>
+              </a:spcBef>
+              <a:spcAft>
+                <a:spcPts val="0"/>
+              </a:spcAft>
+              <a:buClr>
+                <a:schemeClr val="dk2"/>
+              </a:buClr>
+              <a:buSzPts val="1800"/>
+              <a:buFont typeface="Roboto Mono"/>
+              <a:buNone/>
+              <a:defRPr sz="1800" b="0" i="0" u="none" strike="noStrike" cap="none">
+                <a:solidFill>
+                  <a:schemeClr val="dk2"/>
+                </a:solidFill>
+                <a:latin typeface="Roboto Mono"/>
+                <a:ea typeface="Roboto Mono"/>
+                <a:cs typeface="Roboto Mono"/>
+                <a:sym typeface="Roboto Mono"/>
+              </a:defRPr>
+            </a:lvl1pPr>
+            <a:lvl2pPr marL="914400" marR="0" lvl="1" indent="-342900" algn="l" rtl="0">
+              <a:lnSpc>
+                <a:spcPct val="115000"/>
+              </a:lnSpc>
+              <a:spcBef>
+                <a:spcPts val="2100"/>
+              </a:spcBef>
+              <a:spcAft>
+                <a:spcPts val="0"/>
+              </a:spcAft>
+              <a:buClr>
+                <a:schemeClr val="dk2"/>
+              </a:buClr>
+              <a:buSzPts val="1800"/>
+              <a:buFont typeface="Roboto Mono"/>
+              <a:buNone/>
+              <a:defRPr sz="1800" b="0" i="0" u="none" strike="noStrike" cap="none">
+                <a:solidFill>
+                  <a:schemeClr val="dk2"/>
+                </a:solidFill>
+                <a:latin typeface="Roboto Mono"/>
+                <a:ea typeface="Roboto Mono"/>
+                <a:cs typeface="Roboto Mono"/>
+                <a:sym typeface="Roboto Mono"/>
+              </a:defRPr>
+            </a:lvl2pPr>
+            <a:lvl3pPr marL="1371600" marR="0" lvl="2" indent="-342900" algn="l" rtl="0">
+              <a:lnSpc>
+                <a:spcPct val="115000"/>
+              </a:lnSpc>
+              <a:spcBef>
+                <a:spcPts val="2100"/>
+              </a:spcBef>
+              <a:spcAft>
+                <a:spcPts val="0"/>
+              </a:spcAft>
+              <a:buClr>
+                <a:schemeClr val="dk2"/>
+              </a:buClr>
+              <a:buSzPts val="1800"/>
+              <a:buFont typeface="Roboto Mono"/>
+              <a:buNone/>
+              <a:defRPr sz="1800" b="0" i="0" u="none" strike="noStrike" cap="none">
+                <a:solidFill>
+                  <a:schemeClr val="dk2"/>
+                </a:solidFill>
+                <a:latin typeface="Roboto Mono"/>
+                <a:ea typeface="Roboto Mono"/>
+                <a:cs typeface="Roboto Mono"/>
+                <a:sym typeface="Roboto Mono"/>
+              </a:defRPr>
+            </a:lvl3pPr>
+            <a:lvl4pPr marL="1828800" marR="0" lvl="3" indent="-342900" algn="l" rtl="0">
+              <a:lnSpc>
+                <a:spcPct val="115000"/>
+              </a:lnSpc>
+              <a:spcBef>
+                <a:spcPts val="2100"/>
+              </a:spcBef>
+              <a:spcAft>
+                <a:spcPts val="0"/>
+              </a:spcAft>
+              <a:buClr>
+                <a:schemeClr val="dk2"/>
+              </a:buClr>
+              <a:buSzPts val="1800"/>
+              <a:buFont typeface="Roboto Mono"/>
+              <a:buNone/>
+              <a:defRPr sz="1800" b="0" i="0" u="none" strike="noStrike" cap="none">
+                <a:solidFill>
+                  <a:schemeClr val="dk2"/>
+                </a:solidFill>
+                <a:latin typeface="Roboto Mono"/>
+                <a:ea typeface="Roboto Mono"/>
+                <a:cs typeface="Roboto Mono"/>
+                <a:sym typeface="Roboto Mono"/>
+              </a:defRPr>
+            </a:lvl4pPr>
+            <a:lvl5pPr marL="2286000" marR="0" lvl="4" indent="-342900" algn="l" rtl="0">
+              <a:lnSpc>
+                <a:spcPct val="115000"/>
+              </a:lnSpc>
+              <a:spcBef>
+                <a:spcPts val="2100"/>
+              </a:spcBef>
+              <a:spcAft>
+                <a:spcPts val="0"/>
+              </a:spcAft>
+              <a:buClr>
+                <a:schemeClr val="dk2"/>
+              </a:buClr>
+              <a:buSzPts val="1800"/>
+              <a:buFont typeface="Roboto Mono"/>
+              <a:buNone/>
+              <a:defRPr sz="1800" b="0" i="0" u="none" strike="noStrike" cap="none">
+                <a:solidFill>
+                  <a:schemeClr val="dk2"/>
+                </a:solidFill>
+                <a:latin typeface="Roboto Mono"/>
+                <a:ea typeface="Roboto Mono"/>
+                <a:cs typeface="Roboto Mono"/>
+                <a:sym typeface="Roboto Mono"/>
+              </a:defRPr>
+            </a:lvl5pPr>
+            <a:lvl6pPr marL="2743200" marR="0" lvl="5" indent="-342900" algn="l" rtl="0">
+              <a:lnSpc>
+                <a:spcPct val="115000"/>
+              </a:lnSpc>
+              <a:spcBef>
+                <a:spcPts val="2100"/>
+              </a:spcBef>
+              <a:spcAft>
+                <a:spcPts val="0"/>
+              </a:spcAft>
+              <a:buClr>
+                <a:schemeClr val="dk2"/>
+              </a:buClr>
+              <a:buSzPts val="1800"/>
+              <a:buFont typeface="Roboto Mono"/>
+              <a:buNone/>
+              <a:defRPr sz="1800" b="0" i="0" u="none" strike="noStrike" cap="none">
+                <a:solidFill>
+                  <a:schemeClr val="dk2"/>
+                </a:solidFill>
+                <a:latin typeface="Roboto Mono"/>
+                <a:ea typeface="Roboto Mono"/>
+                <a:cs typeface="Roboto Mono"/>
+                <a:sym typeface="Roboto Mono"/>
+              </a:defRPr>
+            </a:lvl6pPr>
+            <a:lvl7pPr marL="3200400" marR="0" lvl="6" indent="-342900" algn="l" rtl="0">
+              <a:lnSpc>
+                <a:spcPct val="115000"/>
+              </a:lnSpc>
+              <a:spcBef>
+                <a:spcPts val="2100"/>
+              </a:spcBef>
+              <a:spcAft>
+                <a:spcPts val="0"/>
+              </a:spcAft>
+              <a:buClr>
+                <a:schemeClr val="dk2"/>
+              </a:buClr>
+              <a:buSzPts val="1800"/>
+              <a:buFont typeface="Roboto Mono"/>
+              <a:buNone/>
+              <a:defRPr sz="1800" b="0" i="0" u="none" strike="noStrike" cap="none">
+                <a:solidFill>
+                  <a:schemeClr val="dk2"/>
+                </a:solidFill>
+                <a:latin typeface="Roboto Mono"/>
+                <a:ea typeface="Roboto Mono"/>
+                <a:cs typeface="Roboto Mono"/>
+                <a:sym typeface="Roboto Mono"/>
+              </a:defRPr>
+            </a:lvl7pPr>
+            <a:lvl8pPr marL="3657600" marR="0" lvl="7" indent="-342900" algn="l" rtl="0">
+              <a:lnSpc>
+                <a:spcPct val="115000"/>
+              </a:lnSpc>
+              <a:spcBef>
+                <a:spcPts val="2100"/>
+              </a:spcBef>
+              <a:spcAft>
+                <a:spcPts val="0"/>
+              </a:spcAft>
+              <a:buClr>
+                <a:schemeClr val="dk2"/>
+              </a:buClr>
+              <a:buSzPts val="1800"/>
+              <a:buFont typeface="Roboto Mono"/>
+              <a:buNone/>
+              <a:defRPr sz="1800" b="0" i="0" u="none" strike="noStrike" cap="none">
+                <a:solidFill>
+                  <a:schemeClr val="dk2"/>
+                </a:solidFill>
+                <a:latin typeface="Roboto Mono"/>
+                <a:ea typeface="Roboto Mono"/>
+                <a:cs typeface="Roboto Mono"/>
+                <a:sym typeface="Roboto Mono"/>
+              </a:defRPr>
+            </a:lvl8pPr>
+            <a:lvl9pPr marL="4114800" marR="0" lvl="8" indent="-342900" algn="l" rtl="0">
+              <a:lnSpc>
+                <a:spcPct val="115000"/>
+              </a:lnSpc>
+              <a:spcBef>
+                <a:spcPts val="2100"/>
+              </a:spcBef>
+              <a:spcAft>
+                <a:spcPts val="2100"/>
+              </a:spcAft>
+              <a:buClr>
+                <a:schemeClr val="dk2"/>
+              </a:buClr>
+              <a:buSzPts val="1800"/>
+              <a:buFont typeface="Roboto Mono"/>
+              <a:buNone/>
+              <a:defRPr sz="1800" b="0" i="0" u="none" strike="noStrike" cap="none">
+                <a:solidFill>
+                  <a:schemeClr val="dk2"/>
+                </a:solidFill>
+                <a:latin typeface="Roboto Mono"/>
+                <a:ea typeface="Roboto Mono"/>
+                <a:cs typeface="Roboto Mono"/>
+                <a:sym typeface="Roboto Mono"/>
+              </a:defRPr>
+            </a:lvl9pPr>
+          </a:lstStyle>
           <a:p>
-            <a:pPr marL="0" lvl="0" indent="0" algn="ctr" rtl="0">
-              <a:spcBef>
-                <a:spcPts val="0"/>
-              </a:spcBef>
-              <a:spcAft>
-                <a:spcPts val="2100"/>
-              </a:spcAft>
-              <a:buNone/>
+            <a:pPr marL="0" indent="0" algn="ctr">
+              <a:spcAft>
+                <a:spcPts val="2100"/>
+              </a:spcAft>
             </a:pPr>
             <a:r>
               <a:rPr lang="en" b="0" dirty="0">
@@ -25212,7 +25414,43 @@
             </a:r>
             <a:r>
               <a:rPr lang="en" b="0" dirty="0"/>
-              <a:t> DDoS vectors </a:t>
+              <a:t> </a:t>
+            </a:r>
+            <a:r>
+              <a:rPr lang="it-IT" dirty="0"/>
+              <a:t>1/3 of </a:t>
+            </a:r>
+            <a:r>
+              <a:rPr lang="it-IT" dirty="0" err="1"/>
+              <a:t>all</a:t>
+            </a:r>
+            <a:r>
+              <a:rPr lang="it-IT" dirty="0"/>
+              <a:t> </a:t>
+            </a:r>
+            <a:r>
+              <a:rPr lang="it-IT" dirty="0" err="1"/>
+              <a:t>DDoS</a:t>
+            </a:r>
+            <a:r>
+              <a:rPr lang="it-IT" dirty="0"/>
+              <a:t> </a:t>
+            </a:r>
+            <a:r>
+              <a:rPr lang="it-IT" dirty="0" err="1"/>
+              <a:t>attacks</a:t>
+            </a:r>
+            <a:r>
+              <a:rPr lang="it-IT" dirty="0"/>
+              <a:t> are DNS-</a:t>
+            </a:r>
+            <a:r>
+              <a:rPr lang="it-IT" dirty="0" err="1"/>
+              <a:t>based</a:t>
+            </a:r>
+            <a:r>
+              <a:rPr lang="it-IT" dirty="0"/>
+              <a:t>. </a:t>
             </a:r>
             <a:r>
               <a:rPr lang="en" b="0" dirty="0">
@@ -25220,13 +25458,13 @@
                   <a:schemeClr val="accent3"/>
                 </a:solidFill>
               </a:rPr>
-              <a:t>&lt;/p&gt;</a:t>
+              <a:t>&lt;p&gt;</a:t>
             </a:r>
-            <a:endParaRPr b="0" dirty="0">
-              <a:solidFill>
-                <a:schemeClr val="accent3"/>
-              </a:solidFill>
-            </a:endParaRPr>
+            <a:r>
+              <a:rPr lang="en" b="0" dirty="0"/>
+              <a:t> </a:t>
+            </a:r>
+            <a:endParaRPr lang="it-IT" dirty="0"/>
           </a:p>
         </p:txBody>
       </p:sp>
@@ -25373,7 +25611,7 @@
         </p:nvSpPr>
         <p:spPr>
           <a:xfrm>
-            <a:off x="1081965" y="2939740"/>
+            <a:off x="1081963" y="2785840"/>
             <a:ext cx="7794000" cy="717900"/>
           </a:xfrm>
           <a:prstGeom prst="rect">
@@ -25642,7 +25880,7 @@
             </a:r>
             <a:r>
               <a:rPr lang="en-US" b="0" dirty="0"/>
-              <a:t>Exhausting recursive target’s resources</a:t>
+              <a:t>Exhausting target’s resources</a:t>
             </a:r>
             <a:endParaRPr lang="en-US" dirty="0"/>
           </a:p>
@@ -25664,7 +25902,7 @@
         </p:nvSpPr>
         <p:spPr>
           <a:xfrm>
-            <a:off x="1081964" y="3549340"/>
+            <a:off x="1081962" y="3395440"/>
             <a:ext cx="8813151" cy="717900"/>
           </a:xfrm>
           <a:prstGeom prst="rect">
@@ -25955,7 +26193,7 @@
         </p:nvSpPr>
         <p:spPr>
           <a:xfrm>
-            <a:off x="1081963" y="4177675"/>
+            <a:off x="1081961" y="4023775"/>
             <a:ext cx="8813151" cy="717900"/>
           </a:xfrm>
           <a:prstGeom prst="rect">
@@ -26220,13 +26458,127 @@
           <a:p>
             <a:r>
               <a:rPr lang="en-US" dirty="0"/>
-              <a:t>Trick: </a:t>
+              <a:t>Target: </a:t>
             </a:r>
             <a:r>
               <a:rPr lang="en-US" b="0" dirty="0"/>
-              <a:t>DNS queries not already cached</a:t>
+              <a:t>Recursive server or Authoritative server</a:t>
             </a:r>
             <a:endParaRPr lang="en-US" dirty="0"/>
+          </a:p>
+        </p:txBody>
+      </p:sp>
+      <p:sp>
+        <p:nvSpPr>
+          <p:cNvPr id="4" name="CasellaDiTesto 3">
+            <a:extLst>
+              <a:ext uri="{FF2B5EF4-FFF2-40B4-BE49-F238E27FC236}">
+                <a16:creationId xmlns:a16="http://schemas.microsoft.com/office/drawing/2014/main" id="{A16F71F5-F9AB-271D-3DEB-335341EE881E}"/>
+              </a:ext>
+            </a:extLst>
+          </p:cNvPr>
+          <p:cNvSpPr txBox="1"/>
+          <p:nvPr/>
+        </p:nvSpPr>
+        <p:spPr>
+          <a:xfrm>
+            <a:off x="1943098" y="4898083"/>
+            <a:ext cx="4794584" cy="338554"/>
+          </a:xfrm>
+          <a:prstGeom prst="rect">
+            <a:avLst/>
+          </a:prstGeom>
+          <a:noFill/>
+        </p:spPr>
+        <p:txBody>
+          <a:bodyPr wrap="square">
+            <a:spAutoFit/>
+          </a:bodyPr>
+          <a:lstStyle/>
+          <a:p>
+            <a:r>
+              <a:rPr lang="en-US" sz="1600" b="1" dirty="0">
+                <a:solidFill>
+                  <a:schemeClr val="bg2"/>
+                </a:solidFill>
+                <a:latin typeface="Roboto Mono" pitchFamily="49" charset="0"/>
+                <a:ea typeface="Roboto Mono" pitchFamily="49" charset="0"/>
+              </a:rPr>
+              <a:t>Trick:</a:t>
+            </a:r>
+            <a:r>
+              <a:rPr lang="en-US" sz="1600" dirty="0">
+                <a:solidFill>
+                  <a:schemeClr val="bg2"/>
+                </a:solidFill>
+                <a:latin typeface="Roboto Mono" pitchFamily="49" charset="0"/>
+                <a:ea typeface="Roboto Mono" pitchFamily="49" charset="0"/>
+              </a:rPr>
+              <a:t> </a:t>
+            </a:r>
+            <a:r>
+              <a:rPr lang="en-US" sz="1600" b="0" dirty="0">
+                <a:solidFill>
+                  <a:schemeClr val="bg2"/>
+                </a:solidFill>
+                <a:latin typeface="Roboto Mono" pitchFamily="49" charset="0"/>
+                <a:ea typeface="Roboto Mono" pitchFamily="49" charset="0"/>
+              </a:rPr>
+              <a:t>DNS queries not already cached </a:t>
+            </a:r>
+            <a:endParaRPr lang="en-US" sz="1600" dirty="0">
+              <a:solidFill>
+                <a:schemeClr val="bg2"/>
+              </a:solidFill>
+              <a:latin typeface="Roboto Mono" pitchFamily="49" charset="0"/>
+              <a:ea typeface="Roboto Mono" pitchFamily="49" charset="0"/>
+            </a:endParaRPr>
+          </a:p>
+        </p:txBody>
+      </p:sp>
+      <p:sp>
+        <p:nvSpPr>
+          <p:cNvPr id="7" name="Freccia giù 6">
+            <a:extLst>
+              <a:ext uri="{FF2B5EF4-FFF2-40B4-BE49-F238E27FC236}">
+                <a16:creationId xmlns:a16="http://schemas.microsoft.com/office/drawing/2014/main" id="{78C3EC2E-CD83-8573-3893-A575674FECD2}"/>
+              </a:ext>
+            </a:extLst>
+          </p:cNvPr>
+          <p:cNvSpPr/>
+          <p:nvPr/>
+        </p:nvSpPr>
+        <p:spPr>
+          <a:xfrm>
+            <a:off x="4042609" y="4601245"/>
+            <a:ext cx="240631" cy="280860"/>
+          </a:xfrm>
+          <a:prstGeom prst="downArrow">
+            <a:avLst/>
+          </a:prstGeom>
+        </p:spPr>
+        <p:style>
+          <a:lnRef idx="2">
+            <a:schemeClr val="accent1">
+              <a:shade val="15000"/>
+            </a:schemeClr>
+          </a:lnRef>
+          <a:fillRef idx="1">
+            <a:schemeClr val="accent1"/>
+          </a:fillRef>
+          <a:effectRef idx="0">
+            <a:schemeClr val="accent1"/>
+          </a:effectRef>
+          <a:fontRef idx="minor">
+            <a:schemeClr val="lt1"/>
+          </a:fontRef>
+        </p:style>
+        <p:txBody>
+          <a:bodyPr rtlCol="0" anchor="ctr"/>
+          <a:lstStyle/>
+          <a:p>
+            <a:pPr algn="ctr"/>
+            <a:endParaRPr lang="en-US"/>
           </a:p>
         </p:txBody>
       </p:sp>
@@ -26244,709 +26596,6 @@
 </file>
 
 <file path=ppt/slides/slide6.xml><?xml version="1.0" encoding="utf-8"?>
-<p:sld xmlns:a="http://schemas.openxmlformats.org/drawingml/2006/main" xmlns:r="http://schemas.openxmlformats.org/officeDocument/2006/relationships" xmlns:p="http://schemas.openxmlformats.org/presentationml/2006/main">
-  <p:cSld>
-    <p:spTree>
-      <p:nvGrpSpPr>
-        <p:cNvPr id="1" name="Shape 416"/>
-        <p:cNvGrpSpPr/>
-        <p:nvPr/>
-      </p:nvGrpSpPr>
-      <p:grpSpPr>
-        <a:xfrm>
-          <a:off x="0" y="0"/>
-          <a:ext cx="0" cy="0"/>
-          <a:chOff x="0" y="0"/>
-          <a:chExt cx="0" cy="0"/>
-        </a:xfrm>
-      </p:grpSpPr>
-      <p:sp>
-        <p:nvSpPr>
-          <p:cNvPr id="417" name="Google Shape;417;p26"/>
-          <p:cNvSpPr txBox="1">
-            <a:spLocks noGrp="1"/>
-          </p:cNvSpPr>
-          <p:nvPr>
-            <p:ph type="title"/>
-          </p:nvPr>
-        </p:nvSpPr>
-        <p:spPr>
-          <a:xfrm>
-            <a:off x="1168343" y="1171885"/>
-            <a:ext cx="7794000" cy="763500"/>
-          </a:xfrm>
-          <a:prstGeom prst="rect">
-            <a:avLst/>
-          </a:prstGeom>
-        </p:spPr>
-        <p:txBody>
-          <a:bodyPr spcFirstLastPara="1" wrap="square" lIns="121900" tIns="121900" rIns="121900" bIns="121900" anchor="t" anchorCtr="0">
-            <a:noAutofit/>
-          </a:bodyPr>
-          <a:lstStyle/>
-          <a:p>
-            <a:pPr marL="0" lvl="0" indent="0" algn="l" rtl="0">
-              <a:spcBef>
-                <a:spcPts val="0"/>
-              </a:spcBef>
-              <a:spcAft>
-                <a:spcPts val="0"/>
-              </a:spcAft>
-              <a:buNone/>
-            </a:pPr>
-            <a:r>
-              <a:rPr lang="en" sz="4800" dirty="0">
-                <a:solidFill>
-                  <a:schemeClr val="accent3"/>
-                </a:solidFill>
-              </a:rPr>
-              <a:t>TCP </a:t>
-            </a:r>
-            <a:r>
-              <a:rPr lang="en" sz="4800" dirty="0">
-                <a:solidFill>
-                  <a:schemeClr val="tx1"/>
-                </a:solidFill>
-              </a:rPr>
-              <a:t>Flood</a:t>
-            </a:r>
-            <a:endParaRPr sz="4800" dirty="0">
-              <a:solidFill>
-                <a:schemeClr val="tx1"/>
-              </a:solidFill>
-            </a:endParaRPr>
-          </a:p>
-        </p:txBody>
-      </p:sp>
-      <p:sp>
-        <p:nvSpPr>
-          <p:cNvPr id="5" name="Sottotitolo 4">
-            <a:extLst>
-              <a:ext uri="{FF2B5EF4-FFF2-40B4-BE49-F238E27FC236}">
-                <a16:creationId xmlns:a16="http://schemas.microsoft.com/office/drawing/2014/main" id="{DDBA7A11-5B52-0490-B253-CDF84CFFB8BF}"/>
-              </a:ext>
-            </a:extLst>
-          </p:cNvPr>
-          <p:cNvSpPr>
-            <a:spLocks noGrp="1"/>
-          </p:cNvSpPr>
-          <p:nvPr>
-            <p:ph type="subTitle" idx="1"/>
-          </p:nvPr>
-        </p:nvSpPr>
-        <p:spPr>
-          <a:xfrm>
-            <a:off x="1081963" y="2022448"/>
-            <a:ext cx="7794000" cy="717900"/>
-          </a:xfrm>
-        </p:spPr>
-        <p:txBody>
-          <a:bodyPr/>
-          <a:lstStyle/>
-          <a:p>
-            <a:r>
-              <a:rPr lang="en-US" sz="2400" dirty="0"/>
-              <a:t>Specifics</a:t>
-            </a:r>
-          </a:p>
-        </p:txBody>
-      </p:sp>
-      <p:sp>
-        <p:nvSpPr>
-          <p:cNvPr id="8" name="Sottotitolo 4">
-            <a:extLst>
-              <a:ext uri="{FF2B5EF4-FFF2-40B4-BE49-F238E27FC236}">
-                <a16:creationId xmlns:a16="http://schemas.microsoft.com/office/drawing/2014/main" id="{F5FBD590-2AD0-651F-7E1C-659576E94810}"/>
-              </a:ext>
-            </a:extLst>
-          </p:cNvPr>
-          <p:cNvSpPr txBox="1">
-            <a:spLocks/>
-          </p:cNvSpPr>
-          <p:nvPr/>
-        </p:nvSpPr>
-        <p:spPr>
-          <a:xfrm>
-            <a:off x="1081964" y="3209161"/>
-            <a:ext cx="7794000" cy="717900"/>
-          </a:xfrm>
-          <a:prstGeom prst="rect">
-            <a:avLst/>
-          </a:prstGeom>
-          <a:noFill/>
-          <a:ln>
-            <a:noFill/>
-          </a:ln>
-        </p:spPr>
-        <p:txBody>
-          <a:bodyPr spcFirstLastPara="1" wrap="square" lIns="121900" tIns="121900" rIns="121900" bIns="121900" anchor="t" anchorCtr="0">
-            <a:noAutofit/>
-          </a:bodyPr>
-          <a:lstStyle>
-            <a:defPPr marR="0" lvl="0" algn="l" rtl="0">
-              <a:lnSpc>
-                <a:spcPct val="100000"/>
-              </a:lnSpc>
-              <a:spcBef>
-                <a:spcPts val="0"/>
-              </a:spcBef>
-              <a:spcAft>
-                <a:spcPts val="0"/>
-              </a:spcAft>
-            </a:defPPr>
-            <a:lvl1pPr marL="457200" marR="0" lvl="0" indent="-342900" algn="l" rtl="0">
-              <a:lnSpc>
-                <a:spcPct val="115000"/>
-              </a:lnSpc>
-              <a:spcBef>
-                <a:spcPts val="0"/>
-              </a:spcBef>
-              <a:spcAft>
-                <a:spcPts val="0"/>
-              </a:spcAft>
-              <a:buClr>
-                <a:schemeClr val="dk2"/>
-              </a:buClr>
-              <a:buSzPts val="2100"/>
-              <a:buFont typeface="Roboto Mono"/>
-              <a:buNone/>
-              <a:defRPr sz="2100" b="1" i="0" u="none" strike="noStrike" cap="none">
-                <a:solidFill>
-                  <a:schemeClr val="dk2"/>
-                </a:solidFill>
-                <a:latin typeface="Roboto Mono"/>
-                <a:ea typeface="Roboto Mono"/>
-                <a:cs typeface="Roboto Mono"/>
-                <a:sym typeface="Roboto Mono"/>
-              </a:defRPr>
-            </a:lvl1pPr>
-            <a:lvl2pPr marL="914400" marR="0" lvl="1" indent="-342900" algn="l" rtl="0">
-              <a:lnSpc>
-                <a:spcPct val="115000"/>
-              </a:lnSpc>
-              <a:spcBef>
-                <a:spcPts val="2100"/>
-              </a:spcBef>
-              <a:spcAft>
-                <a:spcPts val="0"/>
-              </a:spcAft>
-              <a:buClr>
-                <a:schemeClr val="dk2"/>
-              </a:buClr>
-              <a:buSzPts val="2100"/>
-              <a:buFont typeface="Roboto Mono"/>
-              <a:buNone/>
-              <a:defRPr sz="2100" b="1" i="0" u="none" strike="noStrike" cap="none">
-                <a:solidFill>
-                  <a:schemeClr val="dk2"/>
-                </a:solidFill>
-                <a:latin typeface="Roboto Mono"/>
-                <a:ea typeface="Roboto Mono"/>
-                <a:cs typeface="Roboto Mono"/>
-                <a:sym typeface="Roboto Mono"/>
-              </a:defRPr>
-            </a:lvl2pPr>
-            <a:lvl3pPr marL="1371600" marR="0" lvl="2" indent="-342900" algn="l" rtl="0">
-              <a:lnSpc>
-                <a:spcPct val="115000"/>
-              </a:lnSpc>
-              <a:spcBef>
-                <a:spcPts val="2100"/>
-              </a:spcBef>
-              <a:spcAft>
-                <a:spcPts val="0"/>
-              </a:spcAft>
-              <a:buClr>
-                <a:schemeClr val="dk2"/>
-              </a:buClr>
-              <a:buSzPts val="2100"/>
-              <a:buFont typeface="Roboto Mono"/>
-              <a:buNone/>
-              <a:defRPr sz="2100" b="1" i="0" u="none" strike="noStrike" cap="none">
-                <a:solidFill>
-                  <a:schemeClr val="dk2"/>
-                </a:solidFill>
-                <a:latin typeface="Roboto Mono"/>
-                <a:ea typeface="Roboto Mono"/>
-                <a:cs typeface="Roboto Mono"/>
-                <a:sym typeface="Roboto Mono"/>
-              </a:defRPr>
-            </a:lvl3pPr>
-            <a:lvl4pPr marL="1828800" marR="0" lvl="3" indent="-342900" algn="l" rtl="0">
-              <a:lnSpc>
-                <a:spcPct val="115000"/>
-              </a:lnSpc>
-              <a:spcBef>
-                <a:spcPts val="2100"/>
-              </a:spcBef>
-              <a:spcAft>
-                <a:spcPts val="0"/>
-              </a:spcAft>
-              <a:buClr>
-                <a:schemeClr val="dk2"/>
-              </a:buClr>
-              <a:buSzPts val="2100"/>
-              <a:buFont typeface="Roboto Mono"/>
-              <a:buNone/>
-              <a:defRPr sz="2100" b="1" i="0" u="none" strike="noStrike" cap="none">
-                <a:solidFill>
-                  <a:schemeClr val="dk2"/>
-                </a:solidFill>
-                <a:latin typeface="Roboto Mono"/>
-                <a:ea typeface="Roboto Mono"/>
-                <a:cs typeface="Roboto Mono"/>
-                <a:sym typeface="Roboto Mono"/>
-              </a:defRPr>
-            </a:lvl4pPr>
-            <a:lvl5pPr marL="2286000" marR="0" lvl="4" indent="-342900" algn="l" rtl="0">
-              <a:lnSpc>
-                <a:spcPct val="115000"/>
-              </a:lnSpc>
-              <a:spcBef>
-                <a:spcPts val="2100"/>
-              </a:spcBef>
-              <a:spcAft>
-                <a:spcPts val="0"/>
-              </a:spcAft>
-              <a:buClr>
-                <a:schemeClr val="dk2"/>
-              </a:buClr>
-              <a:buSzPts val="2100"/>
-              <a:buFont typeface="Roboto Mono"/>
-              <a:buNone/>
-              <a:defRPr sz="2100" b="1" i="0" u="none" strike="noStrike" cap="none">
-                <a:solidFill>
-                  <a:schemeClr val="dk2"/>
-                </a:solidFill>
-                <a:latin typeface="Roboto Mono"/>
-                <a:ea typeface="Roboto Mono"/>
-                <a:cs typeface="Roboto Mono"/>
-                <a:sym typeface="Roboto Mono"/>
-              </a:defRPr>
-            </a:lvl5pPr>
-            <a:lvl6pPr marL="2743200" marR="0" lvl="5" indent="-342900" algn="l" rtl="0">
-              <a:lnSpc>
-                <a:spcPct val="115000"/>
-              </a:lnSpc>
-              <a:spcBef>
-                <a:spcPts val="2100"/>
-              </a:spcBef>
-              <a:spcAft>
-                <a:spcPts val="0"/>
-              </a:spcAft>
-              <a:buClr>
-                <a:schemeClr val="dk2"/>
-              </a:buClr>
-              <a:buSzPts val="2100"/>
-              <a:buFont typeface="Roboto Mono"/>
-              <a:buNone/>
-              <a:defRPr sz="2100" b="1" i="0" u="none" strike="noStrike" cap="none">
-                <a:solidFill>
-                  <a:schemeClr val="dk2"/>
-                </a:solidFill>
-                <a:latin typeface="Roboto Mono"/>
-                <a:ea typeface="Roboto Mono"/>
-                <a:cs typeface="Roboto Mono"/>
-                <a:sym typeface="Roboto Mono"/>
-              </a:defRPr>
-            </a:lvl6pPr>
-            <a:lvl7pPr marL="3200400" marR="0" lvl="6" indent="-342900" algn="l" rtl="0">
-              <a:lnSpc>
-                <a:spcPct val="115000"/>
-              </a:lnSpc>
-              <a:spcBef>
-                <a:spcPts val="2100"/>
-              </a:spcBef>
-              <a:spcAft>
-                <a:spcPts val="0"/>
-              </a:spcAft>
-              <a:buClr>
-                <a:schemeClr val="dk2"/>
-              </a:buClr>
-              <a:buSzPts val="2100"/>
-              <a:buFont typeface="Roboto Mono"/>
-              <a:buNone/>
-              <a:defRPr sz="2100" b="1" i="0" u="none" strike="noStrike" cap="none">
-                <a:solidFill>
-                  <a:schemeClr val="dk2"/>
-                </a:solidFill>
-                <a:latin typeface="Roboto Mono"/>
-                <a:ea typeface="Roboto Mono"/>
-                <a:cs typeface="Roboto Mono"/>
-                <a:sym typeface="Roboto Mono"/>
-              </a:defRPr>
-            </a:lvl7pPr>
-            <a:lvl8pPr marL="3657600" marR="0" lvl="7" indent="-342900" algn="l" rtl="0">
-              <a:lnSpc>
-                <a:spcPct val="115000"/>
-              </a:lnSpc>
-              <a:spcBef>
-                <a:spcPts val="2100"/>
-              </a:spcBef>
-              <a:spcAft>
-                <a:spcPts val="0"/>
-              </a:spcAft>
-              <a:buClr>
-                <a:schemeClr val="dk2"/>
-              </a:buClr>
-              <a:buSzPts val="2100"/>
-              <a:buFont typeface="Roboto Mono"/>
-              <a:buNone/>
-              <a:defRPr sz="2100" b="1" i="0" u="none" strike="noStrike" cap="none">
-                <a:solidFill>
-                  <a:schemeClr val="dk2"/>
-                </a:solidFill>
-                <a:latin typeface="Roboto Mono"/>
-                <a:ea typeface="Roboto Mono"/>
-                <a:cs typeface="Roboto Mono"/>
-                <a:sym typeface="Roboto Mono"/>
-              </a:defRPr>
-            </a:lvl8pPr>
-            <a:lvl9pPr marL="4114800" marR="0" lvl="8" indent="-342900" algn="l" rtl="0">
-              <a:lnSpc>
-                <a:spcPct val="115000"/>
-              </a:lnSpc>
-              <a:spcBef>
-                <a:spcPts val="2100"/>
-              </a:spcBef>
-              <a:spcAft>
-                <a:spcPts val="2100"/>
-              </a:spcAft>
-              <a:buClr>
-                <a:schemeClr val="dk2"/>
-              </a:buClr>
-              <a:buSzPts val="2100"/>
-              <a:buFont typeface="Roboto Mono"/>
-              <a:buNone/>
-              <a:defRPr sz="2100" b="1" i="0" u="none" strike="noStrike" cap="none">
-                <a:solidFill>
-                  <a:schemeClr val="dk2"/>
-                </a:solidFill>
-                <a:latin typeface="Roboto Mono"/>
-                <a:ea typeface="Roboto Mono"/>
-                <a:cs typeface="Roboto Mono"/>
-                <a:sym typeface="Roboto Mono"/>
-              </a:defRPr>
-            </a:lvl9pPr>
-          </a:lstStyle>
-          <a:p>
-            <a:r>
-              <a:rPr lang="en-US" dirty="0"/>
-              <a:t>Goal: </a:t>
-            </a:r>
-            <a:r>
-              <a:rPr lang="en-US" b="0" dirty="0"/>
-              <a:t>Exhausting target’s resources</a:t>
-            </a:r>
-            <a:endParaRPr lang="en-US" dirty="0"/>
-          </a:p>
-        </p:txBody>
-      </p:sp>
-      <p:sp>
-        <p:nvSpPr>
-          <p:cNvPr id="9" name="Sottotitolo 4">
-            <a:extLst>
-              <a:ext uri="{FF2B5EF4-FFF2-40B4-BE49-F238E27FC236}">
-                <a16:creationId xmlns:a16="http://schemas.microsoft.com/office/drawing/2014/main" id="{28C0E11C-D0B0-907F-9740-16979CF0D955}"/>
-              </a:ext>
-            </a:extLst>
-          </p:cNvPr>
-          <p:cNvSpPr txBox="1">
-            <a:spLocks/>
-          </p:cNvSpPr>
-          <p:nvPr/>
-        </p:nvSpPr>
-        <p:spPr>
-          <a:xfrm>
-            <a:off x="1081963" y="3818761"/>
-            <a:ext cx="8813151" cy="717900"/>
-          </a:xfrm>
-          <a:prstGeom prst="rect">
-            <a:avLst/>
-          </a:prstGeom>
-          <a:noFill/>
-          <a:ln>
-            <a:noFill/>
-          </a:ln>
-        </p:spPr>
-        <p:txBody>
-          <a:bodyPr spcFirstLastPara="1" wrap="square" lIns="121900" tIns="121900" rIns="121900" bIns="121900" anchor="t" anchorCtr="0">
-            <a:noAutofit/>
-          </a:bodyPr>
-          <a:lstStyle>
-            <a:defPPr marR="0" lvl="0" algn="l" rtl="0">
-              <a:lnSpc>
-                <a:spcPct val="100000"/>
-              </a:lnSpc>
-              <a:spcBef>
-                <a:spcPts val="0"/>
-              </a:spcBef>
-              <a:spcAft>
-                <a:spcPts val="0"/>
-              </a:spcAft>
-            </a:defPPr>
-            <a:lvl1pPr marL="457200" marR="0" lvl="0" indent="-342900" algn="l" rtl="0">
-              <a:lnSpc>
-                <a:spcPct val="115000"/>
-              </a:lnSpc>
-              <a:spcBef>
-                <a:spcPts val="0"/>
-              </a:spcBef>
-              <a:spcAft>
-                <a:spcPts val="0"/>
-              </a:spcAft>
-              <a:buClr>
-                <a:schemeClr val="dk2"/>
-              </a:buClr>
-              <a:buSzPts val="2100"/>
-              <a:buFont typeface="Roboto Mono"/>
-              <a:buNone/>
-              <a:defRPr sz="2100" b="1" i="0" u="none" strike="noStrike" cap="none">
-                <a:solidFill>
-                  <a:schemeClr val="dk2"/>
-                </a:solidFill>
-                <a:latin typeface="Roboto Mono"/>
-                <a:ea typeface="Roboto Mono"/>
-                <a:cs typeface="Roboto Mono"/>
-                <a:sym typeface="Roboto Mono"/>
-              </a:defRPr>
-            </a:lvl1pPr>
-            <a:lvl2pPr marL="914400" marR="0" lvl="1" indent="-342900" algn="l" rtl="0">
-              <a:lnSpc>
-                <a:spcPct val="115000"/>
-              </a:lnSpc>
-              <a:spcBef>
-                <a:spcPts val="2100"/>
-              </a:spcBef>
-              <a:spcAft>
-                <a:spcPts val="0"/>
-              </a:spcAft>
-              <a:buClr>
-                <a:schemeClr val="dk2"/>
-              </a:buClr>
-              <a:buSzPts val="2100"/>
-              <a:buFont typeface="Roboto Mono"/>
-              <a:buNone/>
-              <a:defRPr sz="2100" b="1" i="0" u="none" strike="noStrike" cap="none">
-                <a:solidFill>
-                  <a:schemeClr val="dk2"/>
-                </a:solidFill>
-                <a:latin typeface="Roboto Mono"/>
-                <a:ea typeface="Roboto Mono"/>
-                <a:cs typeface="Roboto Mono"/>
-                <a:sym typeface="Roboto Mono"/>
-              </a:defRPr>
-            </a:lvl2pPr>
-            <a:lvl3pPr marL="1371600" marR="0" lvl="2" indent="-342900" algn="l" rtl="0">
-              <a:lnSpc>
-                <a:spcPct val="115000"/>
-              </a:lnSpc>
-              <a:spcBef>
-                <a:spcPts val="2100"/>
-              </a:spcBef>
-              <a:spcAft>
-                <a:spcPts val="0"/>
-              </a:spcAft>
-              <a:buClr>
-                <a:schemeClr val="dk2"/>
-              </a:buClr>
-              <a:buSzPts val="2100"/>
-              <a:buFont typeface="Roboto Mono"/>
-              <a:buNone/>
-              <a:defRPr sz="2100" b="1" i="0" u="none" strike="noStrike" cap="none">
-                <a:solidFill>
-                  <a:schemeClr val="dk2"/>
-                </a:solidFill>
-                <a:latin typeface="Roboto Mono"/>
-                <a:ea typeface="Roboto Mono"/>
-                <a:cs typeface="Roboto Mono"/>
-                <a:sym typeface="Roboto Mono"/>
-              </a:defRPr>
-            </a:lvl3pPr>
-            <a:lvl4pPr marL="1828800" marR="0" lvl="3" indent="-342900" algn="l" rtl="0">
-              <a:lnSpc>
-                <a:spcPct val="115000"/>
-              </a:lnSpc>
-              <a:spcBef>
-                <a:spcPts val="2100"/>
-              </a:spcBef>
-              <a:spcAft>
-                <a:spcPts val="0"/>
-              </a:spcAft>
-              <a:buClr>
-                <a:schemeClr val="dk2"/>
-              </a:buClr>
-              <a:buSzPts val="2100"/>
-              <a:buFont typeface="Roboto Mono"/>
-              <a:buNone/>
-              <a:defRPr sz="2100" b="1" i="0" u="none" strike="noStrike" cap="none">
-                <a:solidFill>
-                  <a:schemeClr val="dk2"/>
-                </a:solidFill>
-                <a:latin typeface="Roboto Mono"/>
-                <a:ea typeface="Roboto Mono"/>
-                <a:cs typeface="Roboto Mono"/>
-                <a:sym typeface="Roboto Mono"/>
-              </a:defRPr>
-            </a:lvl4pPr>
-            <a:lvl5pPr marL="2286000" marR="0" lvl="4" indent="-342900" algn="l" rtl="0">
-              <a:lnSpc>
-                <a:spcPct val="115000"/>
-              </a:lnSpc>
-              <a:spcBef>
-                <a:spcPts val="2100"/>
-              </a:spcBef>
-              <a:spcAft>
-                <a:spcPts val="0"/>
-              </a:spcAft>
-              <a:buClr>
-                <a:schemeClr val="dk2"/>
-              </a:buClr>
-              <a:buSzPts val="2100"/>
-              <a:buFont typeface="Roboto Mono"/>
-              <a:buNone/>
-              <a:defRPr sz="2100" b="1" i="0" u="none" strike="noStrike" cap="none">
-                <a:solidFill>
-                  <a:schemeClr val="dk2"/>
-                </a:solidFill>
-                <a:latin typeface="Roboto Mono"/>
-                <a:ea typeface="Roboto Mono"/>
-                <a:cs typeface="Roboto Mono"/>
-                <a:sym typeface="Roboto Mono"/>
-              </a:defRPr>
-            </a:lvl5pPr>
-            <a:lvl6pPr marL="2743200" marR="0" lvl="5" indent="-342900" algn="l" rtl="0">
-              <a:lnSpc>
-                <a:spcPct val="115000"/>
-              </a:lnSpc>
-              <a:spcBef>
-                <a:spcPts val="2100"/>
-              </a:spcBef>
-              <a:spcAft>
-                <a:spcPts val="0"/>
-              </a:spcAft>
-              <a:buClr>
-                <a:schemeClr val="dk2"/>
-              </a:buClr>
-              <a:buSzPts val="2100"/>
-              <a:buFont typeface="Roboto Mono"/>
-              <a:buNone/>
-              <a:defRPr sz="2100" b="1" i="0" u="none" strike="noStrike" cap="none">
-                <a:solidFill>
-                  <a:schemeClr val="dk2"/>
-                </a:solidFill>
-                <a:latin typeface="Roboto Mono"/>
-                <a:ea typeface="Roboto Mono"/>
-                <a:cs typeface="Roboto Mono"/>
-                <a:sym typeface="Roboto Mono"/>
-              </a:defRPr>
-            </a:lvl6pPr>
-            <a:lvl7pPr marL="3200400" marR="0" lvl="6" indent="-342900" algn="l" rtl="0">
-              <a:lnSpc>
-                <a:spcPct val="115000"/>
-              </a:lnSpc>
-              <a:spcBef>
-                <a:spcPts val="2100"/>
-              </a:spcBef>
-              <a:spcAft>
-                <a:spcPts val="0"/>
-              </a:spcAft>
-              <a:buClr>
-                <a:schemeClr val="dk2"/>
-              </a:buClr>
-              <a:buSzPts val="2100"/>
-              <a:buFont typeface="Roboto Mono"/>
-              <a:buNone/>
-              <a:defRPr sz="2100" b="1" i="0" u="none" strike="noStrike" cap="none">
-                <a:solidFill>
-                  <a:schemeClr val="dk2"/>
-                </a:solidFill>
-                <a:latin typeface="Roboto Mono"/>
-                <a:ea typeface="Roboto Mono"/>
-                <a:cs typeface="Roboto Mono"/>
-                <a:sym typeface="Roboto Mono"/>
-              </a:defRPr>
-            </a:lvl7pPr>
-            <a:lvl8pPr marL="3657600" marR="0" lvl="7" indent="-342900" algn="l" rtl="0">
-              <a:lnSpc>
-                <a:spcPct val="115000"/>
-              </a:lnSpc>
-              <a:spcBef>
-                <a:spcPts val="2100"/>
-              </a:spcBef>
-              <a:spcAft>
-                <a:spcPts val="0"/>
-              </a:spcAft>
-              <a:buClr>
-                <a:schemeClr val="dk2"/>
-              </a:buClr>
-              <a:buSzPts val="2100"/>
-              <a:buFont typeface="Roboto Mono"/>
-              <a:buNone/>
-              <a:defRPr sz="2100" b="1" i="0" u="none" strike="noStrike" cap="none">
-                <a:solidFill>
-                  <a:schemeClr val="dk2"/>
-                </a:solidFill>
-                <a:latin typeface="Roboto Mono"/>
-                <a:ea typeface="Roboto Mono"/>
-                <a:cs typeface="Roboto Mono"/>
-                <a:sym typeface="Roboto Mono"/>
-              </a:defRPr>
-            </a:lvl8pPr>
-            <a:lvl9pPr marL="4114800" marR="0" lvl="8" indent="-342900" algn="l" rtl="0">
-              <a:lnSpc>
-                <a:spcPct val="115000"/>
-              </a:lnSpc>
-              <a:spcBef>
-                <a:spcPts val="2100"/>
-              </a:spcBef>
-              <a:spcAft>
-                <a:spcPts val="2100"/>
-              </a:spcAft>
-              <a:buClr>
-                <a:schemeClr val="dk2"/>
-              </a:buClr>
-              <a:buSzPts val="2100"/>
-              <a:buFont typeface="Roboto Mono"/>
-              <a:buNone/>
-              <a:defRPr sz="2100" b="1" i="0" u="none" strike="noStrike" cap="none">
-                <a:solidFill>
-                  <a:schemeClr val="dk2"/>
-                </a:solidFill>
-                <a:latin typeface="Roboto Mono"/>
-                <a:ea typeface="Roboto Mono"/>
-                <a:cs typeface="Roboto Mono"/>
-                <a:sym typeface="Roboto Mono"/>
-              </a:defRPr>
-            </a:lvl9pPr>
-          </a:lstStyle>
-          <a:p>
-            <a:r>
-              <a:rPr lang="en-US" dirty="0"/>
-              <a:t>How: </a:t>
-            </a:r>
-            <a:r>
-              <a:rPr lang="en-US" b="0" dirty="0"/>
-              <a:t>Opening lots of TCP connections</a:t>
-            </a:r>
-            <a:endParaRPr lang="en-US" dirty="0"/>
-          </a:p>
-        </p:txBody>
-      </p:sp>
-    </p:spTree>
-    <p:extLst>
-      <p:ext uri="{BB962C8B-B14F-4D97-AF65-F5344CB8AC3E}">
-        <p14:creationId xmlns:p14="http://schemas.microsoft.com/office/powerpoint/2010/main" val="2218624532"/>
-      </p:ext>
-    </p:extLst>
-  </p:cSld>
-  <p:clrMapOvr>
-    <a:masterClrMapping/>
-  </p:clrMapOvr>
-</p:sld>
-</file>
-
-<file path=ppt/slides/slide7.xml><?xml version="1.0" encoding="utf-8"?>
 <p:sld xmlns:a="http://schemas.openxmlformats.org/drawingml/2006/main" xmlns:r="http://schemas.openxmlformats.org/officeDocument/2006/relationships" xmlns:p="http://schemas.openxmlformats.org/presentationml/2006/main">
   <p:cSld>
     <p:spTree>
@@ -27638,7 +27287,7 @@
             </a:r>
             <a:r>
               <a:rPr lang="en-US" b="0" dirty="0"/>
-              <a:t>Sending NXDOMAIN queries</a:t>
+              <a:t>Sending a huge amount of queries</a:t>
             </a:r>
             <a:endParaRPr lang="en-US" dirty="0"/>
           </a:p>
@@ -27939,6 +27588,1000 @@
     <p:extLst>
       <p:ext uri="{BB962C8B-B14F-4D97-AF65-F5344CB8AC3E}">
         <p14:creationId xmlns:p14="http://schemas.microsoft.com/office/powerpoint/2010/main" val="3923058950"/>
+      </p:ext>
+    </p:extLst>
+  </p:cSld>
+  <p:clrMapOvr>
+    <a:masterClrMapping/>
+  </p:clrMapOvr>
+</p:sld>
+</file>
+
+<file path=ppt/slides/slide7.xml><?xml version="1.0" encoding="utf-8"?>
+<p:sld xmlns:a="http://schemas.openxmlformats.org/drawingml/2006/main" xmlns:r="http://schemas.openxmlformats.org/officeDocument/2006/relationships" xmlns:p="http://schemas.openxmlformats.org/presentationml/2006/main">
+  <p:cSld>
+    <p:spTree>
+      <p:nvGrpSpPr>
+        <p:cNvPr id="1" name="Shape 416"/>
+        <p:cNvGrpSpPr/>
+        <p:nvPr/>
+      </p:nvGrpSpPr>
+      <p:grpSpPr>
+        <a:xfrm>
+          <a:off x="0" y="0"/>
+          <a:ext cx="0" cy="0"/>
+          <a:chOff x="0" y="0"/>
+          <a:chExt cx="0" cy="0"/>
+        </a:xfrm>
+      </p:grpSpPr>
+      <p:sp>
+        <p:nvSpPr>
+          <p:cNvPr id="417" name="Google Shape;417;p26"/>
+          <p:cNvSpPr txBox="1">
+            <a:spLocks noGrp="1"/>
+          </p:cNvSpPr>
+          <p:nvPr>
+            <p:ph type="title"/>
+          </p:nvPr>
+        </p:nvSpPr>
+        <p:spPr>
+          <a:xfrm>
+            <a:off x="1168343" y="1179906"/>
+            <a:ext cx="7794000" cy="763500"/>
+          </a:xfrm>
+          <a:prstGeom prst="rect">
+            <a:avLst/>
+          </a:prstGeom>
+        </p:spPr>
+        <p:txBody>
+          <a:bodyPr spcFirstLastPara="1" wrap="square" lIns="121900" tIns="121900" rIns="121900" bIns="121900" anchor="t" anchorCtr="0">
+            <a:noAutofit/>
+          </a:bodyPr>
+          <a:lstStyle/>
+          <a:p>
+            <a:pPr marL="0" lvl="0" indent="0" algn="l" rtl="0">
+              <a:spcBef>
+                <a:spcPts val="0"/>
+              </a:spcBef>
+              <a:spcAft>
+                <a:spcPts val="0"/>
+              </a:spcAft>
+              <a:buNone/>
+            </a:pPr>
+            <a:r>
+              <a:rPr lang="en" sz="4800" dirty="0">
+                <a:solidFill>
+                  <a:schemeClr val="accent3"/>
+                </a:solidFill>
+              </a:rPr>
+              <a:t>TCP </a:t>
+            </a:r>
+            <a:r>
+              <a:rPr lang="en" sz="4800" dirty="0">
+                <a:solidFill>
+                  <a:schemeClr val="tx1"/>
+                </a:solidFill>
+              </a:rPr>
+              <a:t>Flood</a:t>
+            </a:r>
+            <a:endParaRPr sz="4800" dirty="0">
+              <a:solidFill>
+                <a:schemeClr val="tx1"/>
+              </a:solidFill>
+            </a:endParaRPr>
+          </a:p>
+        </p:txBody>
+      </p:sp>
+      <p:sp>
+        <p:nvSpPr>
+          <p:cNvPr id="5" name="Sottotitolo 4">
+            <a:extLst>
+              <a:ext uri="{FF2B5EF4-FFF2-40B4-BE49-F238E27FC236}">
+                <a16:creationId xmlns:a16="http://schemas.microsoft.com/office/drawing/2014/main" id="{DDBA7A11-5B52-0490-B253-CDF84CFFB8BF}"/>
+              </a:ext>
+            </a:extLst>
+          </p:cNvPr>
+          <p:cNvSpPr>
+            <a:spLocks noGrp="1"/>
+          </p:cNvSpPr>
+          <p:nvPr>
+            <p:ph type="subTitle" idx="1"/>
+          </p:nvPr>
+        </p:nvSpPr>
+        <p:spPr>
+          <a:xfrm>
+            <a:off x="1081963" y="2022448"/>
+            <a:ext cx="7794000" cy="717900"/>
+          </a:xfrm>
+        </p:spPr>
+        <p:txBody>
+          <a:bodyPr/>
+          <a:lstStyle/>
+          <a:p>
+            <a:r>
+              <a:rPr lang="en-US" sz="2400" dirty="0"/>
+              <a:t>Specifics</a:t>
+            </a:r>
+          </a:p>
+        </p:txBody>
+      </p:sp>
+      <p:sp>
+        <p:nvSpPr>
+          <p:cNvPr id="8" name="Sottotitolo 4">
+            <a:extLst>
+              <a:ext uri="{FF2B5EF4-FFF2-40B4-BE49-F238E27FC236}">
+                <a16:creationId xmlns:a16="http://schemas.microsoft.com/office/drawing/2014/main" id="{F5FBD590-2AD0-651F-7E1C-659576E94810}"/>
+              </a:ext>
+            </a:extLst>
+          </p:cNvPr>
+          <p:cNvSpPr txBox="1">
+            <a:spLocks/>
+          </p:cNvSpPr>
+          <p:nvPr/>
+        </p:nvSpPr>
+        <p:spPr>
+          <a:xfrm>
+            <a:off x="1081963" y="2827411"/>
+            <a:ext cx="7794000" cy="717900"/>
+          </a:xfrm>
+          <a:prstGeom prst="rect">
+            <a:avLst/>
+          </a:prstGeom>
+          <a:noFill/>
+          <a:ln>
+            <a:noFill/>
+          </a:ln>
+        </p:spPr>
+        <p:txBody>
+          <a:bodyPr spcFirstLastPara="1" wrap="square" lIns="121900" tIns="121900" rIns="121900" bIns="121900" anchor="t" anchorCtr="0">
+            <a:noAutofit/>
+          </a:bodyPr>
+          <a:lstStyle>
+            <a:defPPr marR="0" lvl="0" algn="l" rtl="0">
+              <a:lnSpc>
+                <a:spcPct val="100000"/>
+              </a:lnSpc>
+              <a:spcBef>
+                <a:spcPts val="0"/>
+              </a:spcBef>
+              <a:spcAft>
+                <a:spcPts val="0"/>
+              </a:spcAft>
+            </a:defPPr>
+            <a:lvl1pPr marL="457200" marR="0" lvl="0" indent="-342900" algn="l" rtl="0">
+              <a:lnSpc>
+                <a:spcPct val="115000"/>
+              </a:lnSpc>
+              <a:spcBef>
+                <a:spcPts val="0"/>
+              </a:spcBef>
+              <a:spcAft>
+                <a:spcPts val="0"/>
+              </a:spcAft>
+              <a:buClr>
+                <a:schemeClr val="dk2"/>
+              </a:buClr>
+              <a:buSzPts val="2100"/>
+              <a:buFont typeface="Roboto Mono"/>
+              <a:buNone/>
+              <a:defRPr sz="2100" b="1" i="0" u="none" strike="noStrike" cap="none">
+                <a:solidFill>
+                  <a:schemeClr val="dk2"/>
+                </a:solidFill>
+                <a:latin typeface="Roboto Mono"/>
+                <a:ea typeface="Roboto Mono"/>
+                <a:cs typeface="Roboto Mono"/>
+                <a:sym typeface="Roboto Mono"/>
+              </a:defRPr>
+            </a:lvl1pPr>
+            <a:lvl2pPr marL="914400" marR="0" lvl="1" indent="-342900" algn="l" rtl="0">
+              <a:lnSpc>
+                <a:spcPct val="115000"/>
+              </a:lnSpc>
+              <a:spcBef>
+                <a:spcPts val="2100"/>
+              </a:spcBef>
+              <a:spcAft>
+                <a:spcPts val="0"/>
+              </a:spcAft>
+              <a:buClr>
+                <a:schemeClr val="dk2"/>
+              </a:buClr>
+              <a:buSzPts val="2100"/>
+              <a:buFont typeface="Roboto Mono"/>
+              <a:buNone/>
+              <a:defRPr sz="2100" b="1" i="0" u="none" strike="noStrike" cap="none">
+                <a:solidFill>
+                  <a:schemeClr val="dk2"/>
+                </a:solidFill>
+                <a:latin typeface="Roboto Mono"/>
+                <a:ea typeface="Roboto Mono"/>
+                <a:cs typeface="Roboto Mono"/>
+                <a:sym typeface="Roboto Mono"/>
+              </a:defRPr>
+            </a:lvl2pPr>
+            <a:lvl3pPr marL="1371600" marR="0" lvl="2" indent="-342900" algn="l" rtl="0">
+              <a:lnSpc>
+                <a:spcPct val="115000"/>
+              </a:lnSpc>
+              <a:spcBef>
+                <a:spcPts val="2100"/>
+              </a:spcBef>
+              <a:spcAft>
+                <a:spcPts val="0"/>
+              </a:spcAft>
+              <a:buClr>
+                <a:schemeClr val="dk2"/>
+              </a:buClr>
+              <a:buSzPts val="2100"/>
+              <a:buFont typeface="Roboto Mono"/>
+              <a:buNone/>
+              <a:defRPr sz="2100" b="1" i="0" u="none" strike="noStrike" cap="none">
+                <a:solidFill>
+                  <a:schemeClr val="dk2"/>
+                </a:solidFill>
+                <a:latin typeface="Roboto Mono"/>
+                <a:ea typeface="Roboto Mono"/>
+                <a:cs typeface="Roboto Mono"/>
+                <a:sym typeface="Roboto Mono"/>
+              </a:defRPr>
+            </a:lvl3pPr>
+            <a:lvl4pPr marL="1828800" marR="0" lvl="3" indent="-342900" algn="l" rtl="0">
+              <a:lnSpc>
+                <a:spcPct val="115000"/>
+              </a:lnSpc>
+              <a:spcBef>
+                <a:spcPts val="2100"/>
+              </a:spcBef>
+              <a:spcAft>
+                <a:spcPts val="0"/>
+              </a:spcAft>
+              <a:buClr>
+                <a:schemeClr val="dk2"/>
+              </a:buClr>
+              <a:buSzPts val="2100"/>
+              <a:buFont typeface="Roboto Mono"/>
+              <a:buNone/>
+              <a:defRPr sz="2100" b="1" i="0" u="none" strike="noStrike" cap="none">
+                <a:solidFill>
+                  <a:schemeClr val="dk2"/>
+                </a:solidFill>
+                <a:latin typeface="Roboto Mono"/>
+                <a:ea typeface="Roboto Mono"/>
+                <a:cs typeface="Roboto Mono"/>
+                <a:sym typeface="Roboto Mono"/>
+              </a:defRPr>
+            </a:lvl4pPr>
+            <a:lvl5pPr marL="2286000" marR="0" lvl="4" indent="-342900" algn="l" rtl="0">
+              <a:lnSpc>
+                <a:spcPct val="115000"/>
+              </a:lnSpc>
+              <a:spcBef>
+                <a:spcPts val="2100"/>
+              </a:spcBef>
+              <a:spcAft>
+                <a:spcPts val="0"/>
+              </a:spcAft>
+              <a:buClr>
+                <a:schemeClr val="dk2"/>
+              </a:buClr>
+              <a:buSzPts val="2100"/>
+              <a:buFont typeface="Roboto Mono"/>
+              <a:buNone/>
+              <a:defRPr sz="2100" b="1" i="0" u="none" strike="noStrike" cap="none">
+                <a:solidFill>
+                  <a:schemeClr val="dk2"/>
+                </a:solidFill>
+                <a:latin typeface="Roboto Mono"/>
+                <a:ea typeface="Roboto Mono"/>
+                <a:cs typeface="Roboto Mono"/>
+                <a:sym typeface="Roboto Mono"/>
+              </a:defRPr>
+            </a:lvl5pPr>
+            <a:lvl6pPr marL="2743200" marR="0" lvl="5" indent="-342900" algn="l" rtl="0">
+              <a:lnSpc>
+                <a:spcPct val="115000"/>
+              </a:lnSpc>
+              <a:spcBef>
+                <a:spcPts val="2100"/>
+              </a:spcBef>
+              <a:spcAft>
+                <a:spcPts val="0"/>
+              </a:spcAft>
+              <a:buClr>
+                <a:schemeClr val="dk2"/>
+              </a:buClr>
+              <a:buSzPts val="2100"/>
+              <a:buFont typeface="Roboto Mono"/>
+              <a:buNone/>
+              <a:defRPr sz="2100" b="1" i="0" u="none" strike="noStrike" cap="none">
+                <a:solidFill>
+                  <a:schemeClr val="dk2"/>
+                </a:solidFill>
+                <a:latin typeface="Roboto Mono"/>
+                <a:ea typeface="Roboto Mono"/>
+                <a:cs typeface="Roboto Mono"/>
+                <a:sym typeface="Roboto Mono"/>
+              </a:defRPr>
+            </a:lvl6pPr>
+            <a:lvl7pPr marL="3200400" marR="0" lvl="6" indent="-342900" algn="l" rtl="0">
+              <a:lnSpc>
+                <a:spcPct val="115000"/>
+              </a:lnSpc>
+              <a:spcBef>
+                <a:spcPts val="2100"/>
+              </a:spcBef>
+              <a:spcAft>
+                <a:spcPts val="0"/>
+              </a:spcAft>
+              <a:buClr>
+                <a:schemeClr val="dk2"/>
+              </a:buClr>
+              <a:buSzPts val="2100"/>
+              <a:buFont typeface="Roboto Mono"/>
+              <a:buNone/>
+              <a:defRPr sz="2100" b="1" i="0" u="none" strike="noStrike" cap="none">
+                <a:solidFill>
+                  <a:schemeClr val="dk2"/>
+                </a:solidFill>
+                <a:latin typeface="Roboto Mono"/>
+                <a:ea typeface="Roboto Mono"/>
+                <a:cs typeface="Roboto Mono"/>
+                <a:sym typeface="Roboto Mono"/>
+              </a:defRPr>
+            </a:lvl7pPr>
+            <a:lvl8pPr marL="3657600" marR="0" lvl="7" indent="-342900" algn="l" rtl="0">
+              <a:lnSpc>
+                <a:spcPct val="115000"/>
+              </a:lnSpc>
+              <a:spcBef>
+                <a:spcPts val="2100"/>
+              </a:spcBef>
+              <a:spcAft>
+                <a:spcPts val="0"/>
+              </a:spcAft>
+              <a:buClr>
+                <a:schemeClr val="dk2"/>
+              </a:buClr>
+              <a:buSzPts val="2100"/>
+              <a:buFont typeface="Roboto Mono"/>
+              <a:buNone/>
+              <a:defRPr sz="2100" b="1" i="0" u="none" strike="noStrike" cap="none">
+                <a:solidFill>
+                  <a:schemeClr val="dk2"/>
+                </a:solidFill>
+                <a:latin typeface="Roboto Mono"/>
+                <a:ea typeface="Roboto Mono"/>
+                <a:cs typeface="Roboto Mono"/>
+                <a:sym typeface="Roboto Mono"/>
+              </a:defRPr>
+            </a:lvl8pPr>
+            <a:lvl9pPr marL="4114800" marR="0" lvl="8" indent="-342900" algn="l" rtl="0">
+              <a:lnSpc>
+                <a:spcPct val="115000"/>
+              </a:lnSpc>
+              <a:spcBef>
+                <a:spcPts val="2100"/>
+              </a:spcBef>
+              <a:spcAft>
+                <a:spcPts val="2100"/>
+              </a:spcAft>
+              <a:buClr>
+                <a:schemeClr val="dk2"/>
+              </a:buClr>
+              <a:buSzPts val="2100"/>
+              <a:buFont typeface="Roboto Mono"/>
+              <a:buNone/>
+              <a:defRPr sz="2100" b="1" i="0" u="none" strike="noStrike" cap="none">
+                <a:solidFill>
+                  <a:schemeClr val="dk2"/>
+                </a:solidFill>
+                <a:latin typeface="Roboto Mono"/>
+                <a:ea typeface="Roboto Mono"/>
+                <a:cs typeface="Roboto Mono"/>
+                <a:sym typeface="Roboto Mono"/>
+              </a:defRPr>
+            </a:lvl9pPr>
+          </a:lstStyle>
+          <a:p>
+            <a:r>
+              <a:rPr lang="en-US" dirty="0"/>
+              <a:t>Goal: </a:t>
+            </a:r>
+            <a:r>
+              <a:rPr lang="en-US" b="0" dirty="0"/>
+              <a:t>Exhausting target’s resources</a:t>
+            </a:r>
+            <a:endParaRPr lang="en-US" dirty="0"/>
+          </a:p>
+        </p:txBody>
+      </p:sp>
+      <p:sp>
+        <p:nvSpPr>
+          <p:cNvPr id="9" name="Sottotitolo 4">
+            <a:extLst>
+              <a:ext uri="{FF2B5EF4-FFF2-40B4-BE49-F238E27FC236}">
+                <a16:creationId xmlns:a16="http://schemas.microsoft.com/office/drawing/2014/main" id="{28C0E11C-D0B0-907F-9740-16979CF0D955}"/>
+              </a:ext>
+            </a:extLst>
+          </p:cNvPr>
+          <p:cNvSpPr txBox="1">
+            <a:spLocks/>
+          </p:cNvSpPr>
+          <p:nvPr/>
+        </p:nvSpPr>
+        <p:spPr>
+          <a:xfrm>
+            <a:off x="1081962" y="3437011"/>
+            <a:ext cx="8813151" cy="717900"/>
+          </a:xfrm>
+          <a:prstGeom prst="rect">
+            <a:avLst/>
+          </a:prstGeom>
+          <a:noFill/>
+          <a:ln>
+            <a:noFill/>
+          </a:ln>
+        </p:spPr>
+        <p:txBody>
+          <a:bodyPr spcFirstLastPara="1" wrap="square" lIns="121900" tIns="121900" rIns="121900" bIns="121900" anchor="t" anchorCtr="0">
+            <a:noAutofit/>
+          </a:bodyPr>
+          <a:lstStyle>
+            <a:defPPr marR="0" lvl="0" algn="l" rtl="0">
+              <a:lnSpc>
+                <a:spcPct val="100000"/>
+              </a:lnSpc>
+              <a:spcBef>
+                <a:spcPts val="0"/>
+              </a:spcBef>
+              <a:spcAft>
+                <a:spcPts val="0"/>
+              </a:spcAft>
+            </a:defPPr>
+            <a:lvl1pPr marL="457200" marR="0" lvl="0" indent="-342900" algn="l" rtl="0">
+              <a:lnSpc>
+                <a:spcPct val="115000"/>
+              </a:lnSpc>
+              <a:spcBef>
+                <a:spcPts val="0"/>
+              </a:spcBef>
+              <a:spcAft>
+                <a:spcPts val="0"/>
+              </a:spcAft>
+              <a:buClr>
+                <a:schemeClr val="dk2"/>
+              </a:buClr>
+              <a:buSzPts val="2100"/>
+              <a:buFont typeface="Roboto Mono"/>
+              <a:buNone/>
+              <a:defRPr sz="2100" b="1" i="0" u="none" strike="noStrike" cap="none">
+                <a:solidFill>
+                  <a:schemeClr val="dk2"/>
+                </a:solidFill>
+                <a:latin typeface="Roboto Mono"/>
+                <a:ea typeface="Roboto Mono"/>
+                <a:cs typeface="Roboto Mono"/>
+                <a:sym typeface="Roboto Mono"/>
+              </a:defRPr>
+            </a:lvl1pPr>
+            <a:lvl2pPr marL="914400" marR="0" lvl="1" indent="-342900" algn="l" rtl="0">
+              <a:lnSpc>
+                <a:spcPct val="115000"/>
+              </a:lnSpc>
+              <a:spcBef>
+                <a:spcPts val="2100"/>
+              </a:spcBef>
+              <a:spcAft>
+                <a:spcPts val="0"/>
+              </a:spcAft>
+              <a:buClr>
+                <a:schemeClr val="dk2"/>
+              </a:buClr>
+              <a:buSzPts val="2100"/>
+              <a:buFont typeface="Roboto Mono"/>
+              <a:buNone/>
+              <a:defRPr sz="2100" b="1" i="0" u="none" strike="noStrike" cap="none">
+                <a:solidFill>
+                  <a:schemeClr val="dk2"/>
+                </a:solidFill>
+                <a:latin typeface="Roboto Mono"/>
+                <a:ea typeface="Roboto Mono"/>
+                <a:cs typeface="Roboto Mono"/>
+                <a:sym typeface="Roboto Mono"/>
+              </a:defRPr>
+            </a:lvl2pPr>
+            <a:lvl3pPr marL="1371600" marR="0" lvl="2" indent="-342900" algn="l" rtl="0">
+              <a:lnSpc>
+                <a:spcPct val="115000"/>
+              </a:lnSpc>
+              <a:spcBef>
+                <a:spcPts val="2100"/>
+              </a:spcBef>
+              <a:spcAft>
+                <a:spcPts val="0"/>
+              </a:spcAft>
+              <a:buClr>
+                <a:schemeClr val="dk2"/>
+              </a:buClr>
+              <a:buSzPts val="2100"/>
+              <a:buFont typeface="Roboto Mono"/>
+              <a:buNone/>
+              <a:defRPr sz="2100" b="1" i="0" u="none" strike="noStrike" cap="none">
+                <a:solidFill>
+                  <a:schemeClr val="dk2"/>
+                </a:solidFill>
+                <a:latin typeface="Roboto Mono"/>
+                <a:ea typeface="Roboto Mono"/>
+                <a:cs typeface="Roboto Mono"/>
+                <a:sym typeface="Roboto Mono"/>
+              </a:defRPr>
+            </a:lvl3pPr>
+            <a:lvl4pPr marL="1828800" marR="0" lvl="3" indent="-342900" algn="l" rtl="0">
+              <a:lnSpc>
+                <a:spcPct val="115000"/>
+              </a:lnSpc>
+              <a:spcBef>
+                <a:spcPts val="2100"/>
+              </a:spcBef>
+              <a:spcAft>
+                <a:spcPts val="0"/>
+              </a:spcAft>
+              <a:buClr>
+                <a:schemeClr val="dk2"/>
+              </a:buClr>
+              <a:buSzPts val="2100"/>
+              <a:buFont typeface="Roboto Mono"/>
+              <a:buNone/>
+              <a:defRPr sz="2100" b="1" i="0" u="none" strike="noStrike" cap="none">
+                <a:solidFill>
+                  <a:schemeClr val="dk2"/>
+                </a:solidFill>
+                <a:latin typeface="Roboto Mono"/>
+                <a:ea typeface="Roboto Mono"/>
+                <a:cs typeface="Roboto Mono"/>
+                <a:sym typeface="Roboto Mono"/>
+              </a:defRPr>
+            </a:lvl4pPr>
+            <a:lvl5pPr marL="2286000" marR="0" lvl="4" indent="-342900" algn="l" rtl="0">
+              <a:lnSpc>
+                <a:spcPct val="115000"/>
+              </a:lnSpc>
+              <a:spcBef>
+                <a:spcPts val="2100"/>
+              </a:spcBef>
+              <a:spcAft>
+                <a:spcPts val="0"/>
+              </a:spcAft>
+              <a:buClr>
+                <a:schemeClr val="dk2"/>
+              </a:buClr>
+              <a:buSzPts val="2100"/>
+              <a:buFont typeface="Roboto Mono"/>
+              <a:buNone/>
+              <a:defRPr sz="2100" b="1" i="0" u="none" strike="noStrike" cap="none">
+                <a:solidFill>
+                  <a:schemeClr val="dk2"/>
+                </a:solidFill>
+                <a:latin typeface="Roboto Mono"/>
+                <a:ea typeface="Roboto Mono"/>
+                <a:cs typeface="Roboto Mono"/>
+                <a:sym typeface="Roboto Mono"/>
+              </a:defRPr>
+            </a:lvl5pPr>
+            <a:lvl6pPr marL="2743200" marR="0" lvl="5" indent="-342900" algn="l" rtl="0">
+              <a:lnSpc>
+                <a:spcPct val="115000"/>
+              </a:lnSpc>
+              <a:spcBef>
+                <a:spcPts val="2100"/>
+              </a:spcBef>
+              <a:spcAft>
+                <a:spcPts val="0"/>
+              </a:spcAft>
+              <a:buClr>
+                <a:schemeClr val="dk2"/>
+              </a:buClr>
+              <a:buSzPts val="2100"/>
+              <a:buFont typeface="Roboto Mono"/>
+              <a:buNone/>
+              <a:defRPr sz="2100" b="1" i="0" u="none" strike="noStrike" cap="none">
+                <a:solidFill>
+                  <a:schemeClr val="dk2"/>
+                </a:solidFill>
+                <a:latin typeface="Roboto Mono"/>
+                <a:ea typeface="Roboto Mono"/>
+                <a:cs typeface="Roboto Mono"/>
+                <a:sym typeface="Roboto Mono"/>
+              </a:defRPr>
+            </a:lvl6pPr>
+            <a:lvl7pPr marL="3200400" marR="0" lvl="6" indent="-342900" algn="l" rtl="0">
+              <a:lnSpc>
+                <a:spcPct val="115000"/>
+              </a:lnSpc>
+              <a:spcBef>
+                <a:spcPts val="2100"/>
+              </a:spcBef>
+              <a:spcAft>
+                <a:spcPts val="0"/>
+              </a:spcAft>
+              <a:buClr>
+                <a:schemeClr val="dk2"/>
+              </a:buClr>
+              <a:buSzPts val="2100"/>
+              <a:buFont typeface="Roboto Mono"/>
+              <a:buNone/>
+              <a:defRPr sz="2100" b="1" i="0" u="none" strike="noStrike" cap="none">
+                <a:solidFill>
+                  <a:schemeClr val="dk2"/>
+                </a:solidFill>
+                <a:latin typeface="Roboto Mono"/>
+                <a:ea typeface="Roboto Mono"/>
+                <a:cs typeface="Roboto Mono"/>
+                <a:sym typeface="Roboto Mono"/>
+              </a:defRPr>
+            </a:lvl7pPr>
+            <a:lvl8pPr marL="3657600" marR="0" lvl="7" indent="-342900" algn="l" rtl="0">
+              <a:lnSpc>
+                <a:spcPct val="115000"/>
+              </a:lnSpc>
+              <a:spcBef>
+                <a:spcPts val="2100"/>
+              </a:spcBef>
+              <a:spcAft>
+                <a:spcPts val="0"/>
+              </a:spcAft>
+              <a:buClr>
+                <a:schemeClr val="dk2"/>
+              </a:buClr>
+              <a:buSzPts val="2100"/>
+              <a:buFont typeface="Roboto Mono"/>
+              <a:buNone/>
+              <a:defRPr sz="2100" b="1" i="0" u="none" strike="noStrike" cap="none">
+                <a:solidFill>
+                  <a:schemeClr val="dk2"/>
+                </a:solidFill>
+                <a:latin typeface="Roboto Mono"/>
+                <a:ea typeface="Roboto Mono"/>
+                <a:cs typeface="Roboto Mono"/>
+                <a:sym typeface="Roboto Mono"/>
+              </a:defRPr>
+            </a:lvl8pPr>
+            <a:lvl9pPr marL="4114800" marR="0" lvl="8" indent="-342900" algn="l" rtl="0">
+              <a:lnSpc>
+                <a:spcPct val="115000"/>
+              </a:lnSpc>
+              <a:spcBef>
+                <a:spcPts val="2100"/>
+              </a:spcBef>
+              <a:spcAft>
+                <a:spcPts val="2100"/>
+              </a:spcAft>
+              <a:buClr>
+                <a:schemeClr val="dk2"/>
+              </a:buClr>
+              <a:buSzPts val="2100"/>
+              <a:buFont typeface="Roboto Mono"/>
+              <a:buNone/>
+              <a:defRPr sz="2100" b="1" i="0" u="none" strike="noStrike" cap="none">
+                <a:solidFill>
+                  <a:schemeClr val="dk2"/>
+                </a:solidFill>
+                <a:latin typeface="Roboto Mono"/>
+                <a:ea typeface="Roboto Mono"/>
+                <a:cs typeface="Roboto Mono"/>
+                <a:sym typeface="Roboto Mono"/>
+              </a:defRPr>
+            </a:lvl9pPr>
+          </a:lstStyle>
+          <a:p>
+            <a:r>
+              <a:rPr lang="en-US" dirty="0"/>
+              <a:t>How: </a:t>
+            </a:r>
+            <a:r>
+              <a:rPr lang="en-US" b="0" dirty="0"/>
+              <a:t>Opening lots of TCP connections</a:t>
+            </a:r>
+            <a:endParaRPr lang="en-US" dirty="0"/>
+          </a:p>
+        </p:txBody>
+      </p:sp>
+      <p:sp>
+        <p:nvSpPr>
+          <p:cNvPr id="2" name="Sottotitolo 4">
+            <a:extLst>
+              <a:ext uri="{FF2B5EF4-FFF2-40B4-BE49-F238E27FC236}">
+                <a16:creationId xmlns:a16="http://schemas.microsoft.com/office/drawing/2014/main" id="{FE501A94-738E-6049-3B47-B64C1BD8B1DF}"/>
+              </a:ext>
+            </a:extLst>
+          </p:cNvPr>
+          <p:cNvSpPr txBox="1">
+            <a:spLocks/>
+          </p:cNvSpPr>
+          <p:nvPr/>
+        </p:nvSpPr>
+        <p:spPr>
+          <a:xfrm>
+            <a:off x="1081962" y="4046611"/>
+            <a:ext cx="8813151" cy="717900"/>
+          </a:xfrm>
+          <a:prstGeom prst="rect">
+            <a:avLst/>
+          </a:prstGeom>
+          <a:noFill/>
+          <a:ln>
+            <a:noFill/>
+          </a:ln>
+        </p:spPr>
+        <p:txBody>
+          <a:bodyPr spcFirstLastPara="1" wrap="square" lIns="121900" tIns="121900" rIns="121900" bIns="121900" anchor="t" anchorCtr="0">
+            <a:noAutofit/>
+          </a:bodyPr>
+          <a:lstStyle>
+            <a:defPPr marR="0" lvl="0" algn="l" rtl="0">
+              <a:lnSpc>
+                <a:spcPct val="100000"/>
+              </a:lnSpc>
+              <a:spcBef>
+                <a:spcPts val="0"/>
+              </a:spcBef>
+              <a:spcAft>
+                <a:spcPts val="0"/>
+              </a:spcAft>
+            </a:defPPr>
+            <a:lvl1pPr marL="457200" marR="0" lvl="0" indent="-342900" algn="l" rtl="0">
+              <a:lnSpc>
+                <a:spcPct val="115000"/>
+              </a:lnSpc>
+              <a:spcBef>
+                <a:spcPts val="0"/>
+              </a:spcBef>
+              <a:spcAft>
+                <a:spcPts val="0"/>
+              </a:spcAft>
+              <a:buClr>
+                <a:schemeClr val="dk2"/>
+              </a:buClr>
+              <a:buSzPts val="2100"/>
+              <a:buFont typeface="Roboto Mono"/>
+              <a:buNone/>
+              <a:defRPr sz="2100" b="1" i="0" u="none" strike="noStrike" cap="none">
+                <a:solidFill>
+                  <a:schemeClr val="dk2"/>
+                </a:solidFill>
+                <a:latin typeface="Roboto Mono"/>
+                <a:ea typeface="Roboto Mono"/>
+                <a:cs typeface="Roboto Mono"/>
+                <a:sym typeface="Roboto Mono"/>
+              </a:defRPr>
+            </a:lvl1pPr>
+            <a:lvl2pPr marL="914400" marR="0" lvl="1" indent="-342900" algn="l" rtl="0">
+              <a:lnSpc>
+                <a:spcPct val="115000"/>
+              </a:lnSpc>
+              <a:spcBef>
+                <a:spcPts val="2100"/>
+              </a:spcBef>
+              <a:spcAft>
+                <a:spcPts val="0"/>
+              </a:spcAft>
+              <a:buClr>
+                <a:schemeClr val="dk2"/>
+              </a:buClr>
+              <a:buSzPts val="2100"/>
+              <a:buFont typeface="Roboto Mono"/>
+              <a:buNone/>
+              <a:defRPr sz="2100" b="1" i="0" u="none" strike="noStrike" cap="none">
+                <a:solidFill>
+                  <a:schemeClr val="dk2"/>
+                </a:solidFill>
+                <a:latin typeface="Roboto Mono"/>
+                <a:ea typeface="Roboto Mono"/>
+                <a:cs typeface="Roboto Mono"/>
+                <a:sym typeface="Roboto Mono"/>
+              </a:defRPr>
+            </a:lvl2pPr>
+            <a:lvl3pPr marL="1371600" marR="0" lvl="2" indent="-342900" algn="l" rtl="0">
+              <a:lnSpc>
+                <a:spcPct val="115000"/>
+              </a:lnSpc>
+              <a:spcBef>
+                <a:spcPts val="2100"/>
+              </a:spcBef>
+              <a:spcAft>
+                <a:spcPts val="0"/>
+              </a:spcAft>
+              <a:buClr>
+                <a:schemeClr val="dk2"/>
+              </a:buClr>
+              <a:buSzPts val="2100"/>
+              <a:buFont typeface="Roboto Mono"/>
+              <a:buNone/>
+              <a:defRPr sz="2100" b="1" i="0" u="none" strike="noStrike" cap="none">
+                <a:solidFill>
+                  <a:schemeClr val="dk2"/>
+                </a:solidFill>
+                <a:latin typeface="Roboto Mono"/>
+                <a:ea typeface="Roboto Mono"/>
+                <a:cs typeface="Roboto Mono"/>
+                <a:sym typeface="Roboto Mono"/>
+              </a:defRPr>
+            </a:lvl3pPr>
+            <a:lvl4pPr marL="1828800" marR="0" lvl="3" indent="-342900" algn="l" rtl="0">
+              <a:lnSpc>
+                <a:spcPct val="115000"/>
+              </a:lnSpc>
+              <a:spcBef>
+                <a:spcPts val="2100"/>
+              </a:spcBef>
+              <a:spcAft>
+                <a:spcPts val="0"/>
+              </a:spcAft>
+              <a:buClr>
+                <a:schemeClr val="dk2"/>
+              </a:buClr>
+              <a:buSzPts val="2100"/>
+              <a:buFont typeface="Roboto Mono"/>
+              <a:buNone/>
+              <a:defRPr sz="2100" b="1" i="0" u="none" strike="noStrike" cap="none">
+                <a:solidFill>
+                  <a:schemeClr val="dk2"/>
+                </a:solidFill>
+                <a:latin typeface="Roboto Mono"/>
+                <a:ea typeface="Roboto Mono"/>
+                <a:cs typeface="Roboto Mono"/>
+                <a:sym typeface="Roboto Mono"/>
+              </a:defRPr>
+            </a:lvl4pPr>
+            <a:lvl5pPr marL="2286000" marR="0" lvl="4" indent="-342900" algn="l" rtl="0">
+              <a:lnSpc>
+                <a:spcPct val="115000"/>
+              </a:lnSpc>
+              <a:spcBef>
+                <a:spcPts val="2100"/>
+              </a:spcBef>
+              <a:spcAft>
+                <a:spcPts val="0"/>
+              </a:spcAft>
+              <a:buClr>
+                <a:schemeClr val="dk2"/>
+              </a:buClr>
+              <a:buSzPts val="2100"/>
+              <a:buFont typeface="Roboto Mono"/>
+              <a:buNone/>
+              <a:defRPr sz="2100" b="1" i="0" u="none" strike="noStrike" cap="none">
+                <a:solidFill>
+                  <a:schemeClr val="dk2"/>
+                </a:solidFill>
+                <a:latin typeface="Roboto Mono"/>
+                <a:ea typeface="Roboto Mono"/>
+                <a:cs typeface="Roboto Mono"/>
+                <a:sym typeface="Roboto Mono"/>
+              </a:defRPr>
+            </a:lvl5pPr>
+            <a:lvl6pPr marL="2743200" marR="0" lvl="5" indent="-342900" algn="l" rtl="0">
+              <a:lnSpc>
+                <a:spcPct val="115000"/>
+              </a:lnSpc>
+              <a:spcBef>
+                <a:spcPts val="2100"/>
+              </a:spcBef>
+              <a:spcAft>
+                <a:spcPts val="0"/>
+              </a:spcAft>
+              <a:buClr>
+                <a:schemeClr val="dk2"/>
+              </a:buClr>
+              <a:buSzPts val="2100"/>
+              <a:buFont typeface="Roboto Mono"/>
+              <a:buNone/>
+              <a:defRPr sz="2100" b="1" i="0" u="none" strike="noStrike" cap="none">
+                <a:solidFill>
+                  <a:schemeClr val="dk2"/>
+                </a:solidFill>
+                <a:latin typeface="Roboto Mono"/>
+                <a:ea typeface="Roboto Mono"/>
+                <a:cs typeface="Roboto Mono"/>
+                <a:sym typeface="Roboto Mono"/>
+              </a:defRPr>
+            </a:lvl6pPr>
+            <a:lvl7pPr marL="3200400" marR="0" lvl="6" indent="-342900" algn="l" rtl="0">
+              <a:lnSpc>
+                <a:spcPct val="115000"/>
+              </a:lnSpc>
+              <a:spcBef>
+                <a:spcPts val="2100"/>
+              </a:spcBef>
+              <a:spcAft>
+                <a:spcPts val="0"/>
+              </a:spcAft>
+              <a:buClr>
+                <a:schemeClr val="dk2"/>
+              </a:buClr>
+              <a:buSzPts val="2100"/>
+              <a:buFont typeface="Roboto Mono"/>
+              <a:buNone/>
+              <a:defRPr sz="2100" b="1" i="0" u="none" strike="noStrike" cap="none">
+                <a:solidFill>
+                  <a:schemeClr val="dk2"/>
+                </a:solidFill>
+                <a:latin typeface="Roboto Mono"/>
+                <a:ea typeface="Roboto Mono"/>
+                <a:cs typeface="Roboto Mono"/>
+                <a:sym typeface="Roboto Mono"/>
+              </a:defRPr>
+            </a:lvl7pPr>
+            <a:lvl8pPr marL="3657600" marR="0" lvl="7" indent="-342900" algn="l" rtl="0">
+              <a:lnSpc>
+                <a:spcPct val="115000"/>
+              </a:lnSpc>
+              <a:spcBef>
+                <a:spcPts val="2100"/>
+              </a:spcBef>
+              <a:spcAft>
+                <a:spcPts val="0"/>
+              </a:spcAft>
+              <a:buClr>
+                <a:schemeClr val="dk2"/>
+              </a:buClr>
+              <a:buSzPts val="2100"/>
+              <a:buFont typeface="Roboto Mono"/>
+              <a:buNone/>
+              <a:defRPr sz="2100" b="1" i="0" u="none" strike="noStrike" cap="none">
+                <a:solidFill>
+                  <a:schemeClr val="dk2"/>
+                </a:solidFill>
+                <a:latin typeface="Roboto Mono"/>
+                <a:ea typeface="Roboto Mono"/>
+                <a:cs typeface="Roboto Mono"/>
+                <a:sym typeface="Roboto Mono"/>
+              </a:defRPr>
+            </a:lvl8pPr>
+            <a:lvl9pPr marL="4114800" marR="0" lvl="8" indent="-342900" algn="l" rtl="0">
+              <a:lnSpc>
+                <a:spcPct val="115000"/>
+              </a:lnSpc>
+              <a:spcBef>
+                <a:spcPts val="2100"/>
+              </a:spcBef>
+              <a:spcAft>
+                <a:spcPts val="2100"/>
+              </a:spcAft>
+              <a:buClr>
+                <a:schemeClr val="dk2"/>
+              </a:buClr>
+              <a:buSzPts val="2100"/>
+              <a:buFont typeface="Roboto Mono"/>
+              <a:buNone/>
+              <a:defRPr sz="2100" b="1" i="0" u="none" strike="noStrike" cap="none">
+                <a:solidFill>
+                  <a:schemeClr val="dk2"/>
+                </a:solidFill>
+                <a:latin typeface="Roboto Mono"/>
+                <a:ea typeface="Roboto Mono"/>
+                <a:cs typeface="Roboto Mono"/>
+                <a:sym typeface="Roboto Mono"/>
+              </a:defRPr>
+            </a:lvl9pPr>
+          </a:lstStyle>
+          <a:p>
+            <a:r>
+              <a:rPr lang="en-US" dirty="0"/>
+              <a:t>Trick: </a:t>
+            </a:r>
+            <a:r>
+              <a:rPr lang="en-US" b="0" dirty="0"/>
+              <a:t>Do not close TCP connections</a:t>
+            </a:r>
+            <a:endParaRPr lang="en-US" dirty="0"/>
+          </a:p>
+        </p:txBody>
+      </p:sp>
+    </p:spTree>
+    <p:extLst>
+      <p:ext uri="{BB962C8B-B14F-4D97-AF65-F5344CB8AC3E}">
+        <p14:creationId xmlns:p14="http://schemas.microsoft.com/office/powerpoint/2010/main" val="2218624532"/>
       </p:ext>
     </p:extLst>
   </p:cSld>
@@ -28955,6 +29598,52 @@
               <a:rPr lang="en-US" b="0" dirty="0"/>
               <a:t>Spoofing IP (not difficult with UDP protocol)</a:t>
             </a:r>
+          </a:p>
+        </p:txBody>
+      </p:sp>
+      <p:sp>
+        <p:nvSpPr>
+          <p:cNvPr id="3" name="CasellaDiTesto 2">
+            <a:extLst>
+              <a:ext uri="{FF2B5EF4-FFF2-40B4-BE49-F238E27FC236}">
+                <a16:creationId xmlns:a16="http://schemas.microsoft.com/office/drawing/2014/main" id="{CB630AEC-1255-B3A4-9719-413B9CA58BA5}"/>
+              </a:ext>
+            </a:extLst>
+          </p:cNvPr>
+          <p:cNvSpPr txBox="1"/>
+          <p:nvPr/>
+        </p:nvSpPr>
+        <p:spPr>
+          <a:xfrm>
+            <a:off x="1150724" y="4918465"/>
+            <a:ext cx="6132094" cy="369332"/>
+          </a:xfrm>
+          <a:prstGeom prst="rect">
+            <a:avLst/>
+          </a:prstGeom>
+          <a:noFill/>
+        </p:spPr>
+        <p:txBody>
+          <a:bodyPr wrap="square">
+            <a:spAutoFit/>
+          </a:bodyPr>
+          <a:lstStyle/>
+          <a:p>
+            <a:r>
+              <a:rPr lang="en-US" sz="1800" u="sng" dirty="0">
+                <a:solidFill>
+                  <a:schemeClr val="bg2"/>
+                </a:solidFill>
+                <a:latin typeface="Roboto Mono" pitchFamily="49" charset="0"/>
+                <a:ea typeface="Roboto Mono" pitchFamily="49" charset="0"/>
+              </a:rPr>
+              <a:t>It is the Most used DNS-based DDoS attack</a:t>
+            </a:r>
+            <a:endParaRPr lang="en-US" sz="1800" u="sng" dirty="0">
+              <a:solidFill>
+                <a:schemeClr val="bg2"/>
+              </a:solidFill>
+            </a:endParaRPr>
           </a:p>
         </p:txBody>
       </p:sp>

--- a/Presentation/Presentation.pptx
+++ b/Presentation/Presentation.pptx
@@ -5,49 +5,50 @@
     <p:sldMasterId id="2147483668" r:id="rId1"/>
   </p:sldMasterIdLst>
   <p:notesMasterIdLst>
-    <p:notesMasterId r:id="rId14"/>
+    <p:notesMasterId r:id="rId15"/>
   </p:notesMasterIdLst>
   <p:sldIdLst>
     <p:sldId id="256" r:id="rId2"/>
     <p:sldId id="258" r:id="rId3"/>
     <p:sldId id="259" r:id="rId4"/>
-    <p:sldId id="284" r:id="rId5"/>
-    <p:sldId id="281" r:id="rId6"/>
-    <p:sldId id="283" r:id="rId7"/>
-    <p:sldId id="282" r:id="rId8"/>
-    <p:sldId id="285" r:id="rId9"/>
-    <p:sldId id="286" r:id="rId10"/>
-    <p:sldId id="261" r:id="rId11"/>
-    <p:sldId id="287" r:id="rId12"/>
-    <p:sldId id="289" r:id="rId13"/>
+    <p:sldId id="268" r:id="rId5"/>
+    <p:sldId id="284" r:id="rId6"/>
+    <p:sldId id="281" r:id="rId7"/>
+    <p:sldId id="283" r:id="rId8"/>
+    <p:sldId id="282" r:id="rId9"/>
+    <p:sldId id="285" r:id="rId10"/>
+    <p:sldId id="286" r:id="rId11"/>
+    <p:sldId id="261" r:id="rId12"/>
+    <p:sldId id="287" r:id="rId13"/>
+    <p:sldId id="289" r:id="rId14"/>
   </p:sldIdLst>
   <p:sldSz cx="12192000" cy="6858000"/>
   <p:notesSz cx="6858000" cy="9144000"/>
   <p:embeddedFontLst>
     <p:embeddedFont>
       <p:font typeface="Abril Fatface" panose="02000503000000020003" pitchFamily="2" charset="77"/>
-      <p:regular r:id="rId15"/>
+      <p:regular r:id="rId16"/>
     </p:embeddedFont>
     <p:embeddedFont>
       <p:font typeface="Calibri" panose="020F0502020204030204" pitchFamily="34" charset="0"/>
-      <p:regular r:id="rId16"/>
-      <p:bold r:id="rId17"/>
-      <p:italic r:id="rId18"/>
-      <p:boldItalic r:id="rId19"/>
+      <p:regular r:id="rId17"/>
+      <p:bold r:id="rId18"/>
+      <p:italic r:id="rId19"/>
+      <p:boldItalic r:id="rId20"/>
     </p:embeddedFont>
     <p:embeddedFont>
       <p:font typeface="Roboto" panose="02000000000000000000" pitchFamily="2" charset="0"/>
-      <p:regular r:id="rId20"/>
-      <p:bold r:id="rId21"/>
-      <p:italic r:id="rId22"/>
-      <p:boldItalic r:id="rId23"/>
+      <p:regular r:id="rId21"/>
+      <p:bold r:id="rId22"/>
+      <p:italic r:id="rId23"/>
+      <p:boldItalic r:id="rId24"/>
     </p:embeddedFont>
     <p:embeddedFont>
       <p:font typeface="Roboto Mono" pitchFamily="49" charset="0"/>
-      <p:regular r:id="rId24"/>
-      <p:bold r:id="rId25"/>
-      <p:italic r:id="rId26"/>
-      <p:boldItalic r:id="rId27"/>
+      <p:regular r:id="rId25"/>
+      <p:bold r:id="rId26"/>
+      <p:italic r:id="rId27"/>
+      <p:boldItalic r:id="rId28"/>
     </p:embeddedFont>
   </p:embeddedFontLst>
   <p:defaultTextStyle>
@@ -848,6 +849,115 @@
   <p:cSld>
     <p:spTree>
       <p:nvGrpSpPr>
+        <p:cNvPr id="1" name="Shape 453"/>
+        <p:cNvGrpSpPr/>
+        <p:nvPr/>
+      </p:nvGrpSpPr>
+      <p:grpSpPr>
+        <a:xfrm>
+          <a:off x="0" y="0"/>
+          <a:ext cx="0" cy="0"/>
+          <a:chOff x="0" y="0"/>
+          <a:chExt cx="0" cy="0"/>
+        </a:xfrm>
+      </p:grpSpPr>
+      <p:sp>
+        <p:nvSpPr>
+          <p:cNvPr id="454" name="Google Shape;454;g13a4d1c76c4_0_373:notes"/>
+          <p:cNvSpPr>
+            <a:spLocks noGrp="1" noRot="1" noChangeAspect="1"/>
+          </p:cNvSpPr>
+          <p:nvPr>
+            <p:ph type="sldImg" idx="2"/>
+          </p:nvPr>
+        </p:nvSpPr>
+        <p:spPr>
+          <a:xfrm>
+            <a:off x="381000" y="685800"/>
+            <a:ext cx="6096000" cy="3429000"/>
+          </a:xfrm>
+          <a:custGeom>
+            <a:avLst/>
+            <a:gdLst/>
+            <a:ahLst/>
+            <a:cxnLst/>
+            <a:rect l="l" t="t" r="r" b="b"/>
+            <a:pathLst>
+              <a:path w="120000" h="120000" extrusionOk="0">
+                <a:moveTo>
+                  <a:pt x="0" y="0"/>
+                </a:moveTo>
+                <a:lnTo>
+                  <a:pt x="120000" y="0"/>
+                </a:lnTo>
+                <a:lnTo>
+                  <a:pt x="120000" y="120000"/>
+                </a:lnTo>
+                <a:lnTo>
+                  <a:pt x="0" y="120000"/>
+                </a:lnTo>
+                <a:close/>
+              </a:path>
+            </a:pathLst>
+          </a:custGeom>
+        </p:spPr>
+      </p:sp>
+      <p:sp>
+        <p:nvSpPr>
+          <p:cNvPr id="455" name="Google Shape;455;g13a4d1c76c4_0_373:notes"/>
+          <p:cNvSpPr txBox="1">
+            <a:spLocks noGrp="1"/>
+          </p:cNvSpPr>
+          <p:nvPr>
+            <p:ph type="body" idx="1"/>
+          </p:nvPr>
+        </p:nvSpPr>
+        <p:spPr>
+          <a:xfrm>
+            <a:off x="685800" y="4343400"/>
+            <a:ext cx="5486400" cy="4114800"/>
+          </a:xfrm>
+          <a:prstGeom prst="rect">
+            <a:avLst/>
+          </a:prstGeom>
+        </p:spPr>
+        <p:txBody>
+          <a:bodyPr spcFirstLastPara="1" wrap="square" lIns="91425" tIns="91425" rIns="91425" bIns="91425" anchor="t" anchorCtr="0">
+            <a:noAutofit/>
+          </a:bodyPr>
+          <a:lstStyle/>
+          <a:p>
+            <a:pPr marL="0" lvl="0" indent="0" algn="l" rtl="0">
+              <a:spcBef>
+                <a:spcPts val="0"/>
+              </a:spcBef>
+              <a:spcAft>
+                <a:spcPts val="0"/>
+              </a:spcAft>
+              <a:buNone/>
+            </a:pPr>
+            <a:endParaRPr/>
+          </a:p>
+        </p:txBody>
+      </p:sp>
+    </p:spTree>
+    <p:extLst>
+      <p:ext uri="{BB962C8B-B14F-4D97-AF65-F5344CB8AC3E}">
+        <p14:creationId xmlns:p14="http://schemas.microsoft.com/office/powerpoint/2010/main" val="4106909393"/>
+      </p:ext>
+    </p:extLst>
+  </p:cSld>
+  <p:clrMapOvr>
+    <a:masterClrMapping/>
+  </p:clrMapOvr>
+</p:notes>
+</file>
+
+<file path=ppt/notesSlides/notesSlide11.xml><?xml version="1.0" encoding="utf-8"?>
+<p:notes xmlns:a="http://schemas.openxmlformats.org/drawingml/2006/main" xmlns:r="http://schemas.openxmlformats.org/officeDocument/2006/relationships" xmlns:p="http://schemas.openxmlformats.org/presentationml/2006/main" showMasterSp="0" showMasterPhAnim="0">
+  <p:cSld>
+    <p:spTree>
+      <p:nvGrpSpPr>
         <p:cNvPr id="1" name="Shape 420"/>
         <p:cNvGrpSpPr/>
         <p:nvPr/>
@@ -947,7 +1057,7 @@
 </p:notes>
 </file>
 
-<file path=ppt/notesSlides/notesSlide11.xml><?xml version="1.0" encoding="utf-8"?>
+<file path=ppt/notesSlides/notesSlide12.xml><?xml version="1.0" encoding="utf-8"?>
 <p:notes xmlns:a="http://schemas.openxmlformats.org/drawingml/2006/main" xmlns:r="http://schemas.openxmlformats.org/officeDocument/2006/relationships" xmlns:p="http://schemas.openxmlformats.org/presentationml/2006/main" showMasterSp="0" showMasterPhAnim="0">
   <p:cSld>
     <p:spTree>
@@ -1056,7 +1166,7 @@
 </p:notes>
 </file>
 
-<file path=ppt/notesSlides/notesSlide12.xml><?xml version="1.0" encoding="utf-8"?>
+<file path=ppt/notesSlides/notesSlide13.xml><?xml version="1.0" encoding="utf-8"?>
 <p:notes xmlns:a="http://schemas.openxmlformats.org/drawingml/2006/main" xmlns:r="http://schemas.openxmlformats.org/officeDocument/2006/relationships" xmlns:p="http://schemas.openxmlformats.org/presentationml/2006/main" showMasterSp="0" showMasterPhAnim="0">
   <p:cSld>
     <p:spTree>
@@ -1361,7 +1471,365 @@
               </a:spcAft>
               <a:buNone/>
             </a:pPr>
-            <a:endParaRPr/>
+            <a:r>
+              <a:rPr lang="it-IT" dirty="0" err="1"/>
+              <a:t>As</a:t>
+            </a:r>
+            <a:r>
+              <a:rPr lang="it-IT" dirty="0"/>
+              <a:t> </a:t>
+            </a:r>
+            <a:r>
+              <a:rPr lang="it-IT" dirty="0" err="1"/>
+              <a:t>you</a:t>
+            </a:r>
+            <a:r>
+              <a:rPr lang="it-IT" dirty="0"/>
+              <a:t> </a:t>
+            </a:r>
+            <a:r>
+              <a:rPr lang="it-IT" dirty="0" err="1"/>
+              <a:t>have</a:t>
+            </a:r>
+            <a:r>
+              <a:rPr lang="it-IT" dirty="0"/>
+              <a:t> </a:t>
+            </a:r>
+            <a:r>
+              <a:rPr lang="it-IT" dirty="0" err="1"/>
+              <a:t>seen</a:t>
+            </a:r>
+            <a:r>
+              <a:rPr lang="it-IT" dirty="0"/>
+              <a:t> from the first slide, </a:t>
+            </a:r>
+            <a:r>
+              <a:rPr lang="it-IT" dirty="0" err="1"/>
+              <a:t>our</a:t>
+            </a:r>
+            <a:r>
+              <a:rPr lang="it-IT" dirty="0"/>
+              <a:t> project </a:t>
+            </a:r>
+            <a:r>
+              <a:rPr lang="it-IT" dirty="0" err="1"/>
+              <a:t>is</a:t>
+            </a:r>
+            <a:r>
+              <a:rPr lang="it-IT" dirty="0"/>
+              <a:t> </a:t>
+            </a:r>
+            <a:r>
+              <a:rPr lang="it-IT" dirty="0" err="1"/>
+              <a:t>about</a:t>
+            </a:r>
+            <a:r>
+              <a:rPr lang="it-IT" dirty="0"/>
+              <a:t> the </a:t>
+            </a:r>
+            <a:r>
+              <a:rPr lang="it-IT" dirty="0" err="1"/>
+              <a:t>implmenetation</a:t>
+            </a:r>
+            <a:r>
+              <a:rPr lang="it-IT" dirty="0"/>
+              <a:t> of a </a:t>
+            </a:r>
+            <a:r>
+              <a:rPr lang="it-IT" dirty="0" err="1"/>
+              <a:t>DDoS</a:t>
+            </a:r>
+            <a:r>
+              <a:rPr lang="it-IT" dirty="0"/>
+              <a:t> </a:t>
+            </a:r>
+            <a:r>
+              <a:rPr lang="it-IT" dirty="0" err="1"/>
+              <a:t>attack</a:t>
+            </a:r>
+            <a:r>
+              <a:rPr lang="it-IT" dirty="0"/>
+              <a:t>, </a:t>
+            </a:r>
+            <a:r>
+              <a:rPr lang="it-IT" dirty="0" err="1"/>
+              <a:t>specifically</a:t>
+            </a:r>
+            <a:r>
+              <a:rPr lang="it-IT" dirty="0"/>
+              <a:t> a DNS </a:t>
+            </a:r>
+            <a:r>
+              <a:rPr lang="it-IT" dirty="0" err="1"/>
+              <a:t>reflection</a:t>
+            </a:r>
+            <a:r>
+              <a:rPr lang="it-IT" dirty="0"/>
+              <a:t> and </a:t>
+            </a:r>
+            <a:r>
+              <a:rPr lang="it-IT" dirty="0" err="1"/>
+              <a:t>amplification</a:t>
+            </a:r>
+            <a:r>
+              <a:rPr lang="it-IT" dirty="0"/>
+              <a:t> </a:t>
+            </a:r>
+            <a:r>
+              <a:rPr lang="it-IT" dirty="0" err="1"/>
+              <a:t>attack</a:t>
+            </a:r>
+            <a:r>
+              <a:rPr lang="it-IT" dirty="0"/>
+              <a:t>.</a:t>
+            </a:r>
+          </a:p>
+          <a:p>
+            <a:pPr marL="0" lvl="0" indent="0" algn="l" rtl="0">
+              <a:spcBef>
+                <a:spcPts val="0"/>
+              </a:spcBef>
+              <a:spcAft>
+                <a:spcPts val="0"/>
+              </a:spcAft>
+              <a:buNone/>
+            </a:pPr>
+            <a:endParaRPr lang="it-IT" dirty="0"/>
+          </a:p>
+          <a:p>
+            <a:pPr marL="0" lvl="0" indent="0" algn="l" rtl="0">
+              <a:spcBef>
+                <a:spcPts val="0"/>
+              </a:spcBef>
+              <a:spcAft>
+                <a:spcPts val="0"/>
+              </a:spcAft>
+              <a:buNone/>
+            </a:pPr>
+            <a:r>
+              <a:rPr lang="it-IT" dirty="0"/>
+              <a:t>The </a:t>
+            </a:r>
+            <a:r>
+              <a:rPr lang="it-IT" dirty="0" err="1"/>
+              <a:t>choice</a:t>
+            </a:r>
+            <a:r>
+              <a:rPr lang="it-IT" dirty="0"/>
+              <a:t> </a:t>
+            </a:r>
+            <a:r>
+              <a:rPr lang="it-IT" dirty="0" err="1"/>
+              <a:t>was</a:t>
+            </a:r>
+            <a:r>
+              <a:rPr lang="it-IT" dirty="0"/>
+              <a:t> </a:t>
+            </a:r>
+            <a:r>
+              <a:rPr lang="it-IT" dirty="0" err="1"/>
+              <a:t>not</a:t>
+            </a:r>
+            <a:r>
+              <a:rPr lang="it-IT" dirty="0"/>
+              <a:t> made </a:t>
+            </a:r>
+            <a:r>
+              <a:rPr lang="it-IT" dirty="0" err="1"/>
+              <a:t>at</a:t>
+            </a:r>
+            <a:r>
+              <a:rPr lang="it-IT" dirty="0"/>
+              <a:t> random, </a:t>
+            </a:r>
+            <a:r>
+              <a:rPr lang="it-IT" dirty="0" err="1"/>
+              <a:t>instead</a:t>
+            </a:r>
+            <a:r>
+              <a:rPr lang="it-IT" dirty="0"/>
+              <a:t> </a:t>
+            </a:r>
+            <a:r>
+              <a:rPr lang="it-IT" dirty="0" err="1"/>
+              <a:t>it</a:t>
+            </a:r>
+            <a:r>
+              <a:rPr lang="it-IT" dirty="0"/>
+              <a:t> </a:t>
+            </a:r>
+            <a:r>
+              <a:rPr lang="it-IT" dirty="0" err="1"/>
+              <a:t>was</a:t>
+            </a:r>
+            <a:r>
+              <a:rPr lang="it-IT" dirty="0"/>
+              <a:t> the </a:t>
+            </a:r>
+            <a:r>
+              <a:rPr lang="it-IT" dirty="0" err="1"/>
+              <a:t>result</a:t>
+            </a:r>
+            <a:r>
+              <a:rPr lang="it-IT" dirty="0"/>
+              <a:t> of a </a:t>
+            </a:r>
+            <a:r>
+              <a:rPr lang="it-IT" dirty="0" err="1"/>
+              <a:t>selection</a:t>
+            </a:r>
+            <a:r>
+              <a:rPr lang="it-IT" dirty="0"/>
+              <a:t> and </a:t>
+            </a:r>
+            <a:r>
+              <a:rPr lang="it-IT" dirty="0" err="1"/>
+              <a:t>research</a:t>
+            </a:r>
+            <a:r>
+              <a:rPr lang="it-IT" dirty="0"/>
+              <a:t> </a:t>
+            </a:r>
+            <a:r>
+              <a:rPr lang="it-IT" dirty="0" err="1"/>
+              <a:t>process</a:t>
+            </a:r>
+            <a:r>
+              <a:rPr lang="it-IT" dirty="0"/>
+              <a:t>.</a:t>
+            </a:r>
+          </a:p>
+          <a:p>
+            <a:pPr marL="0" lvl="0" indent="0" algn="l" rtl="0">
+              <a:spcBef>
+                <a:spcPts val="0"/>
+              </a:spcBef>
+              <a:spcAft>
+                <a:spcPts val="0"/>
+              </a:spcAft>
+              <a:buNone/>
+            </a:pPr>
+            <a:endParaRPr lang="it-IT" dirty="0"/>
+          </a:p>
+          <a:p>
+            <a:pPr marL="0" lvl="0" indent="0" algn="l" rtl="0">
+              <a:spcBef>
+                <a:spcPts val="0"/>
+              </a:spcBef>
+              <a:spcAft>
+                <a:spcPts val="0"/>
+              </a:spcAft>
+              <a:buNone/>
+            </a:pPr>
+            <a:r>
+              <a:rPr lang="it-IT" dirty="0"/>
+              <a:t>In the </a:t>
+            </a:r>
+            <a:r>
+              <a:rPr lang="it-IT" dirty="0" err="1"/>
+              <a:t>next</a:t>
+            </a:r>
+            <a:r>
+              <a:rPr lang="it-IT" dirty="0"/>
+              <a:t> slides </a:t>
+            </a:r>
+            <a:r>
+              <a:rPr lang="it-IT" dirty="0" err="1"/>
+              <a:t>i'm</a:t>
+            </a:r>
+            <a:r>
+              <a:rPr lang="it-IT" dirty="0"/>
+              <a:t> gonna introduce </a:t>
+            </a:r>
+            <a:r>
+              <a:rPr lang="it-IT" dirty="0" err="1"/>
+              <a:t>you</a:t>
+            </a:r>
+            <a:r>
+              <a:rPr lang="it-IT" dirty="0"/>
+              <a:t> to the </a:t>
+            </a:r>
+            <a:r>
+              <a:rPr lang="it-IT" dirty="0" err="1"/>
+              <a:t>reasons</a:t>
+            </a:r>
+            <a:r>
+              <a:rPr lang="it-IT" dirty="0"/>
+              <a:t> </a:t>
+            </a:r>
+            <a:r>
+              <a:rPr lang="it-IT" dirty="0" err="1"/>
+              <a:t>behind</a:t>
+            </a:r>
+            <a:r>
+              <a:rPr lang="it-IT" dirty="0"/>
+              <a:t> </a:t>
+            </a:r>
+            <a:r>
+              <a:rPr lang="it-IT" dirty="0" err="1"/>
+              <a:t>our</a:t>
+            </a:r>
+            <a:r>
+              <a:rPr lang="it-IT" dirty="0"/>
+              <a:t> </a:t>
+            </a:r>
+            <a:r>
+              <a:rPr lang="it-IT" dirty="0" err="1"/>
+              <a:t>choice</a:t>
+            </a:r>
+            <a:r>
+              <a:rPr lang="it-IT" dirty="0"/>
+              <a:t> and </a:t>
+            </a:r>
+            <a:r>
+              <a:rPr lang="it-IT" dirty="0" err="1"/>
+              <a:t>we</a:t>
+            </a:r>
+            <a:r>
+              <a:rPr lang="it-IT" dirty="0"/>
+              <a:t> are gonna </a:t>
+            </a:r>
+            <a:r>
+              <a:rPr lang="it-IT" dirty="0" err="1"/>
+              <a:t>see</a:t>
+            </a:r>
+            <a:r>
+              <a:rPr lang="it-IT" dirty="0"/>
+              <a:t> </a:t>
+            </a:r>
+            <a:r>
+              <a:rPr lang="it-IT" dirty="0" err="1"/>
+              <a:t>briefly</a:t>
+            </a:r>
+            <a:r>
+              <a:rPr lang="it-IT" dirty="0"/>
+              <a:t> some </a:t>
+            </a:r>
+            <a:r>
+              <a:rPr lang="it-IT" dirty="0" err="1"/>
+              <a:t>kinds</a:t>
+            </a:r>
+            <a:r>
+              <a:rPr lang="it-IT" dirty="0"/>
+              <a:t> of </a:t>
+            </a:r>
+            <a:r>
+              <a:rPr lang="it-IT" dirty="0" err="1"/>
+              <a:t>DDoS</a:t>
+            </a:r>
+            <a:r>
+              <a:rPr lang="it-IT" dirty="0"/>
+              <a:t> </a:t>
+            </a:r>
+            <a:r>
+              <a:rPr lang="it-IT" dirty="0" err="1"/>
+              <a:t>attacks</a:t>
+            </a:r>
+            <a:r>
+              <a:rPr lang="it-IT" dirty="0"/>
+              <a:t>.</a:t>
+            </a:r>
+            <a:endParaRPr dirty="0"/>
           </a:p>
         </p:txBody>
       </p:sp>
@@ -1374,6 +1842,365 @@
 </file>
 
 <file path=ppt/notesSlides/notesSlide4.xml><?xml version="1.0" encoding="utf-8"?>
+<p:notes xmlns:a="http://schemas.openxmlformats.org/drawingml/2006/main" xmlns:r="http://schemas.openxmlformats.org/officeDocument/2006/relationships" xmlns:p="http://schemas.openxmlformats.org/presentationml/2006/main" showMasterSp="0" showMasterPhAnim="0">
+  <p:cSld>
+    <p:spTree>
+      <p:nvGrpSpPr>
+        <p:cNvPr id="1" name="Shape 492"/>
+        <p:cNvGrpSpPr/>
+        <p:nvPr/>
+      </p:nvGrpSpPr>
+      <p:grpSpPr>
+        <a:xfrm>
+          <a:off x="0" y="0"/>
+          <a:ext cx="0" cy="0"/>
+          <a:chOff x="0" y="0"/>
+          <a:chExt cx="0" cy="0"/>
+        </a:xfrm>
+      </p:grpSpPr>
+      <p:sp>
+        <p:nvSpPr>
+          <p:cNvPr id="493" name="Google Shape;493;g111c3728c19_0_108:notes"/>
+          <p:cNvSpPr>
+            <a:spLocks noGrp="1" noRot="1" noChangeAspect="1"/>
+          </p:cNvSpPr>
+          <p:nvPr>
+            <p:ph type="sldImg" idx="2"/>
+          </p:nvPr>
+        </p:nvSpPr>
+        <p:spPr>
+          <a:xfrm>
+            <a:off x="381000" y="685800"/>
+            <a:ext cx="6096000" cy="3429000"/>
+          </a:xfrm>
+          <a:custGeom>
+            <a:avLst/>
+            <a:gdLst/>
+            <a:ahLst/>
+            <a:cxnLst/>
+            <a:rect l="l" t="t" r="r" b="b"/>
+            <a:pathLst>
+              <a:path w="120000" h="120000" extrusionOk="0">
+                <a:moveTo>
+                  <a:pt x="0" y="0"/>
+                </a:moveTo>
+                <a:lnTo>
+                  <a:pt x="120000" y="0"/>
+                </a:lnTo>
+                <a:lnTo>
+                  <a:pt x="120000" y="120000"/>
+                </a:lnTo>
+                <a:lnTo>
+                  <a:pt x="0" y="120000"/>
+                </a:lnTo>
+                <a:close/>
+              </a:path>
+            </a:pathLst>
+          </a:custGeom>
+        </p:spPr>
+      </p:sp>
+      <p:sp>
+        <p:nvSpPr>
+          <p:cNvPr id="494" name="Google Shape;494;g111c3728c19_0_108:notes"/>
+          <p:cNvSpPr txBox="1">
+            <a:spLocks noGrp="1"/>
+          </p:cNvSpPr>
+          <p:nvPr>
+            <p:ph type="body" idx="1"/>
+          </p:nvPr>
+        </p:nvSpPr>
+        <p:spPr>
+          <a:xfrm>
+            <a:off x="685800" y="4343400"/>
+            <a:ext cx="5486400" cy="4114800"/>
+          </a:xfrm>
+          <a:prstGeom prst="rect">
+            <a:avLst/>
+          </a:prstGeom>
+        </p:spPr>
+        <p:txBody>
+          <a:bodyPr spcFirstLastPara="1" wrap="square" lIns="91425" tIns="91425" rIns="91425" bIns="91425" anchor="t" anchorCtr="0">
+            <a:noAutofit/>
+          </a:bodyPr>
+          <a:lstStyle/>
+          <a:p>
+            <a:pPr marL="0" lvl="0" indent="0" algn="l" rtl="0">
+              <a:spcBef>
+                <a:spcPts val="0"/>
+              </a:spcBef>
+              <a:spcAft>
+                <a:spcPts val="0"/>
+              </a:spcAft>
+              <a:buNone/>
+            </a:pPr>
+            <a:r>
+              <a:rPr lang="it-IT" dirty="0" err="1"/>
+              <a:t>We</a:t>
+            </a:r>
+            <a:r>
+              <a:rPr lang="it-IT" dirty="0"/>
+              <a:t> </a:t>
+            </a:r>
+            <a:r>
+              <a:rPr lang="it-IT" dirty="0" err="1"/>
+              <a:t>started</a:t>
+            </a:r>
+            <a:r>
+              <a:rPr lang="it-IT" dirty="0"/>
+              <a:t> from the </a:t>
+            </a:r>
+            <a:r>
+              <a:rPr lang="it-IT" dirty="0" err="1"/>
+              <a:t>intention</a:t>
+            </a:r>
+            <a:r>
+              <a:rPr lang="it-IT" dirty="0"/>
+              <a:t> of </a:t>
+            </a:r>
+            <a:r>
+              <a:rPr lang="it-IT" dirty="0" err="1"/>
+              <a:t>simulating</a:t>
+            </a:r>
+            <a:r>
+              <a:rPr lang="it-IT" dirty="0"/>
+              <a:t> a </a:t>
+            </a:r>
+            <a:r>
+              <a:rPr lang="it-IT" dirty="0" err="1"/>
+              <a:t>DDoS</a:t>
+            </a:r>
+            <a:r>
+              <a:rPr lang="it-IT" dirty="0"/>
+              <a:t> </a:t>
+            </a:r>
+            <a:r>
+              <a:rPr lang="it-IT" dirty="0" err="1"/>
+              <a:t>attack</a:t>
+            </a:r>
+            <a:r>
+              <a:rPr lang="it-IT" dirty="0"/>
+              <a:t>, </a:t>
+            </a:r>
+            <a:r>
+              <a:rPr lang="it-IT" dirty="0" err="1"/>
+              <a:t>however</a:t>
+            </a:r>
+            <a:r>
+              <a:rPr lang="it-IT" dirty="0"/>
+              <a:t> </a:t>
+            </a:r>
+            <a:r>
+              <a:rPr lang="it-IT" dirty="0" err="1"/>
+              <a:t>as</a:t>
+            </a:r>
+            <a:r>
+              <a:rPr lang="it-IT" dirty="0"/>
+              <a:t> </a:t>
+            </a:r>
+            <a:r>
+              <a:rPr lang="it-IT" dirty="0" err="1"/>
+              <a:t>you</a:t>
+            </a:r>
+            <a:r>
+              <a:rPr lang="it-IT" dirty="0"/>
+              <a:t> can </a:t>
+            </a:r>
+            <a:r>
+              <a:rPr lang="it-IT" dirty="0" err="1"/>
+              <a:t>see</a:t>
+            </a:r>
+            <a:r>
+              <a:rPr lang="it-IT" dirty="0"/>
+              <a:t> from the figure, </a:t>
+            </a:r>
+            <a:r>
+              <a:rPr lang="it-IT" dirty="0" err="1"/>
+              <a:t>there</a:t>
+            </a:r>
+            <a:r>
+              <a:rPr lang="it-IT" dirty="0"/>
+              <a:t> </a:t>
+            </a:r>
+            <a:r>
+              <a:rPr lang="it-IT" dirty="0" err="1"/>
+              <a:t>many</a:t>
+            </a:r>
+            <a:r>
+              <a:rPr lang="it-IT" dirty="0"/>
+              <a:t> </a:t>
+            </a:r>
+            <a:r>
+              <a:rPr lang="it-IT" dirty="0" err="1"/>
+              <a:t>different</a:t>
+            </a:r>
+            <a:r>
+              <a:rPr lang="it-IT" dirty="0"/>
+              <a:t> ways in </a:t>
+            </a:r>
+            <a:r>
+              <a:rPr lang="it-IT" dirty="0" err="1"/>
+              <a:t>which</a:t>
+            </a:r>
+            <a:r>
+              <a:rPr lang="it-IT" dirty="0"/>
+              <a:t> </a:t>
+            </a:r>
+            <a:r>
+              <a:rPr lang="it-IT" dirty="0" err="1"/>
+              <a:t>this</a:t>
+            </a:r>
+            <a:r>
+              <a:rPr lang="it-IT" dirty="0"/>
+              <a:t> </a:t>
+            </a:r>
+            <a:r>
+              <a:rPr lang="it-IT" dirty="0" err="1"/>
+              <a:t>type</a:t>
+            </a:r>
+            <a:r>
+              <a:rPr lang="it-IT" dirty="0"/>
+              <a:t> of </a:t>
+            </a:r>
+            <a:r>
+              <a:rPr lang="it-IT" dirty="0" err="1"/>
+              <a:t>attack</a:t>
+            </a:r>
+            <a:r>
+              <a:rPr lang="it-IT" dirty="0"/>
+              <a:t> can be </a:t>
+            </a:r>
+            <a:r>
+              <a:rPr lang="it-IT" dirty="0" err="1"/>
+              <a:t>performed</a:t>
+            </a:r>
+            <a:r>
+              <a:rPr lang="it-IT" dirty="0"/>
+              <a:t>. </a:t>
+            </a:r>
+          </a:p>
+          <a:p>
+            <a:pPr marL="0" lvl="0" indent="0" algn="l" rtl="0">
+              <a:spcBef>
+                <a:spcPts val="0"/>
+              </a:spcBef>
+              <a:spcAft>
+                <a:spcPts val="0"/>
+              </a:spcAft>
+              <a:buNone/>
+            </a:pPr>
+            <a:endParaRPr lang="it-IT" dirty="0"/>
+          </a:p>
+          <a:p>
+            <a:pPr marL="0" lvl="0" indent="0" algn="l" rtl="0">
+              <a:spcBef>
+                <a:spcPts val="0"/>
+              </a:spcBef>
+              <a:spcAft>
+                <a:spcPts val="0"/>
+              </a:spcAft>
+              <a:buNone/>
+            </a:pPr>
+            <a:r>
+              <a:rPr lang="it-IT" dirty="0" err="1"/>
+              <a:t>Our</a:t>
+            </a:r>
+            <a:r>
+              <a:rPr lang="it-IT" dirty="0"/>
+              <a:t> goal </a:t>
+            </a:r>
+            <a:r>
+              <a:rPr lang="it-IT" dirty="0" err="1"/>
+              <a:t>was</a:t>
+            </a:r>
+            <a:r>
+              <a:rPr lang="it-IT" dirty="0"/>
+              <a:t> </a:t>
+            </a:r>
+            <a:r>
+              <a:rPr lang="it-IT" dirty="0" err="1"/>
+              <a:t>that</a:t>
+            </a:r>
+            <a:r>
+              <a:rPr lang="it-IT" dirty="0"/>
+              <a:t> of </a:t>
+            </a:r>
+            <a:r>
+              <a:rPr lang="it-IT" dirty="0" err="1"/>
+              <a:t>experimenting</a:t>
+            </a:r>
+            <a:r>
+              <a:rPr lang="it-IT" dirty="0"/>
+              <a:t> </a:t>
+            </a:r>
+            <a:r>
+              <a:rPr lang="it-IT" dirty="0" err="1"/>
+              <a:t>something</a:t>
+            </a:r>
+            <a:r>
+              <a:rPr lang="it-IT" dirty="0"/>
+              <a:t> </a:t>
+            </a:r>
+            <a:r>
+              <a:rPr lang="it-IT" dirty="0" err="1"/>
+              <a:t>commonly</a:t>
+            </a:r>
+            <a:r>
+              <a:rPr lang="it-IT" dirty="0"/>
+              <a:t> </a:t>
+            </a:r>
+            <a:r>
+              <a:rPr lang="it-IT" dirty="0" err="1"/>
+              <a:t>used</a:t>
+            </a:r>
+            <a:r>
+              <a:rPr lang="it-IT" dirty="0"/>
+              <a:t> in </a:t>
+            </a:r>
+            <a:r>
+              <a:rPr lang="it-IT" dirty="0" err="1"/>
+              <a:t>real</a:t>
+            </a:r>
+            <a:r>
+              <a:rPr lang="it-IT" dirty="0"/>
+              <a:t> word situations and </a:t>
+            </a:r>
+            <a:r>
+              <a:rPr lang="it-IT" dirty="0" err="1"/>
+              <a:t>not</a:t>
+            </a:r>
+            <a:r>
+              <a:rPr lang="it-IT" dirty="0"/>
+              <a:t> just in </a:t>
+            </a:r>
+            <a:r>
+              <a:rPr lang="it-IT" dirty="0" err="1"/>
+              <a:t>sporadic</a:t>
+            </a:r>
+            <a:r>
+              <a:rPr lang="it-IT" dirty="0"/>
+              <a:t> </a:t>
+            </a:r>
+            <a:r>
+              <a:rPr lang="it-IT" dirty="0" err="1"/>
+              <a:t>cases</a:t>
+            </a:r>
+            <a:r>
+              <a:rPr lang="it-IT" dirty="0"/>
+              <a:t>.</a:t>
+            </a:r>
+            <a:endParaRPr dirty="0"/>
+          </a:p>
+        </p:txBody>
+      </p:sp>
+    </p:spTree>
+  </p:cSld>
+  <p:clrMapOvr>
+    <a:masterClrMapping/>
+  </p:clrMapOvr>
+</p:notes>
+</file>
+
+<file path=ppt/notesSlides/notesSlide5.xml><?xml version="1.0" encoding="utf-8"?>
 <p:notes xmlns:a="http://schemas.openxmlformats.org/drawingml/2006/main" xmlns:r="http://schemas.openxmlformats.org/officeDocument/2006/relationships" xmlns:p="http://schemas.openxmlformats.org/presentationml/2006/main" showMasterSp="0" showMasterPhAnim="0">
   <p:cSld>
     <p:spTree>
@@ -1465,7 +2292,273 @@
               </a:spcAft>
               <a:buNone/>
             </a:pPr>
-            <a:endParaRPr/>
+            <a:r>
+              <a:rPr lang="it-IT" dirty="0" err="1"/>
+              <a:t>We</a:t>
+            </a:r>
+            <a:r>
+              <a:rPr lang="it-IT" dirty="0"/>
+              <a:t> </a:t>
+            </a:r>
+            <a:r>
+              <a:rPr lang="it-IT" dirty="0" err="1"/>
+              <a:t>discovered</a:t>
+            </a:r>
+            <a:r>
+              <a:rPr lang="it-IT" dirty="0"/>
+              <a:t> </a:t>
+            </a:r>
+            <a:r>
+              <a:rPr lang="it-IT" dirty="0" err="1"/>
+              <a:t>that</a:t>
+            </a:r>
+            <a:r>
+              <a:rPr lang="it-IT" dirty="0"/>
+              <a:t> </a:t>
+            </a:r>
+            <a:r>
+              <a:rPr lang="it-IT" dirty="0" err="1"/>
+              <a:t>according</a:t>
+            </a:r>
+            <a:r>
+              <a:rPr lang="it-IT" dirty="0"/>
+              <a:t> to a </a:t>
+            </a:r>
+            <a:r>
+              <a:rPr lang="it-IT" dirty="0" err="1"/>
+              <a:t>recent</a:t>
+            </a:r>
+            <a:r>
+              <a:rPr lang="it-IT" dirty="0"/>
+              <a:t> report by </a:t>
+            </a:r>
+            <a:r>
+              <a:rPr lang="it-IT" dirty="0" err="1"/>
+              <a:t>cloudflare</a:t>
+            </a:r>
+            <a:r>
+              <a:rPr lang="it-IT" dirty="0"/>
+              <a:t>, </a:t>
+            </a:r>
+            <a:r>
+              <a:rPr lang="it-IT" dirty="0" err="1"/>
+              <a:t>published</a:t>
+            </a:r>
+            <a:r>
+              <a:rPr lang="it-IT" dirty="0"/>
+              <a:t> in the first quarter of 2023, </a:t>
+            </a:r>
+            <a:r>
+              <a:rPr lang="it-IT" dirty="0" err="1"/>
+              <a:t>almost</a:t>
+            </a:r>
+            <a:r>
+              <a:rPr lang="it-IT" dirty="0"/>
+              <a:t> 1/3 of </a:t>
+            </a:r>
+            <a:r>
+              <a:rPr lang="it-IT" dirty="0" err="1"/>
+              <a:t>all</a:t>
+            </a:r>
+            <a:r>
+              <a:rPr lang="it-IT" dirty="0"/>
+              <a:t> the </a:t>
+            </a:r>
+            <a:r>
+              <a:rPr lang="it-IT" dirty="0" err="1"/>
+              <a:t>DDoS</a:t>
+            </a:r>
+            <a:r>
+              <a:rPr lang="it-IT" dirty="0"/>
+              <a:t> </a:t>
+            </a:r>
+            <a:r>
+              <a:rPr lang="it-IT" dirty="0" err="1"/>
+              <a:t>attacks</a:t>
+            </a:r>
+            <a:r>
+              <a:rPr lang="it-IT" dirty="0"/>
+              <a:t> are DNS </a:t>
+            </a:r>
+            <a:r>
+              <a:rPr lang="it-IT" dirty="0" err="1"/>
+              <a:t>based</a:t>
+            </a:r>
+            <a:r>
+              <a:rPr lang="it-IT" dirty="0"/>
+              <a:t>.</a:t>
+            </a:r>
+          </a:p>
+          <a:p>
+            <a:pPr marL="0" lvl="0" indent="0" algn="l" rtl="0">
+              <a:spcBef>
+                <a:spcPts val="0"/>
+              </a:spcBef>
+              <a:spcAft>
+                <a:spcPts val="0"/>
+              </a:spcAft>
+              <a:buNone/>
+            </a:pPr>
+            <a:endParaRPr lang="it-IT" dirty="0"/>
+          </a:p>
+          <a:p>
+            <a:pPr marL="0" lvl="0" indent="0" algn="l" rtl="0">
+              <a:spcBef>
+                <a:spcPts val="0"/>
+              </a:spcBef>
+              <a:spcAft>
+                <a:spcPts val="0"/>
+              </a:spcAft>
+              <a:buNone/>
+            </a:pPr>
+            <a:r>
+              <a:rPr lang="it-IT" dirty="0" err="1"/>
+              <a:t>However</a:t>
+            </a:r>
+            <a:r>
+              <a:rPr lang="it-IT" dirty="0"/>
+              <a:t> </a:t>
+            </a:r>
+            <a:r>
+              <a:rPr lang="it-IT" dirty="0" err="1"/>
+              <a:t>also</a:t>
+            </a:r>
+            <a:r>
+              <a:rPr lang="it-IT" dirty="0"/>
+              <a:t> inside the sub-</a:t>
+            </a:r>
+            <a:r>
+              <a:rPr lang="it-IT" dirty="0" err="1"/>
+              <a:t>category</a:t>
+            </a:r>
+            <a:r>
+              <a:rPr lang="it-IT" dirty="0"/>
+              <a:t> of the </a:t>
+            </a:r>
+            <a:r>
+              <a:rPr lang="it-IT" dirty="0" err="1"/>
+              <a:t>dns-based</a:t>
+            </a:r>
+            <a:r>
+              <a:rPr lang="it-IT" dirty="0"/>
+              <a:t> </a:t>
+            </a:r>
+            <a:r>
+              <a:rPr lang="it-IT" dirty="0" err="1"/>
+              <a:t>attack</a:t>
+            </a:r>
+            <a:r>
+              <a:rPr lang="it-IT" dirty="0"/>
+              <a:t> </a:t>
+            </a:r>
+            <a:r>
+              <a:rPr lang="it-IT" dirty="0" err="1"/>
+              <a:t>there</a:t>
+            </a:r>
+            <a:r>
+              <a:rPr lang="it-IT" dirty="0"/>
+              <a:t> are </a:t>
+            </a:r>
+            <a:r>
+              <a:rPr lang="it-IT" dirty="0" err="1"/>
+              <a:t>several</a:t>
+            </a:r>
+            <a:r>
+              <a:rPr lang="it-IT" dirty="0"/>
+              <a:t> </a:t>
+            </a:r>
+            <a:r>
+              <a:rPr lang="it-IT" dirty="0" err="1"/>
+              <a:t>possibilites</a:t>
+            </a:r>
+            <a:r>
+              <a:rPr lang="it-IT" dirty="0"/>
+              <a:t> and </a:t>
+            </a:r>
+            <a:r>
+              <a:rPr lang="it-IT" dirty="0" err="1"/>
+              <a:t>here</a:t>
+            </a:r>
+            <a:r>
+              <a:rPr lang="it-IT" dirty="0"/>
+              <a:t> are </a:t>
+            </a:r>
+            <a:r>
+              <a:rPr lang="it-IT" dirty="0" err="1"/>
+              <a:t>listed</a:t>
+            </a:r>
+            <a:r>
+              <a:rPr lang="it-IT" dirty="0"/>
+              <a:t> the </a:t>
+            </a:r>
+            <a:r>
+              <a:rPr lang="it-IT" dirty="0" err="1"/>
+              <a:t>three</a:t>
+            </a:r>
+            <a:r>
+              <a:rPr lang="it-IT" dirty="0"/>
+              <a:t> </a:t>
+            </a:r>
+            <a:r>
+              <a:rPr lang="it-IT" dirty="0" err="1"/>
+              <a:t>most</a:t>
+            </a:r>
+            <a:r>
+              <a:rPr lang="it-IT" dirty="0"/>
+              <a:t> </a:t>
+            </a:r>
+            <a:r>
+              <a:rPr lang="it-IT" dirty="0" err="1"/>
+              <a:t>important</a:t>
+            </a:r>
+            <a:r>
+              <a:rPr lang="it-IT" dirty="0"/>
+              <a:t>.</a:t>
+            </a:r>
+          </a:p>
+          <a:p>
+            <a:pPr marL="0" lvl="0" indent="0" algn="l" rtl="0">
+              <a:spcBef>
+                <a:spcPts val="0"/>
+              </a:spcBef>
+              <a:spcAft>
+                <a:spcPts val="0"/>
+              </a:spcAft>
+              <a:buNone/>
+            </a:pPr>
+            <a:endParaRPr lang="it-IT" dirty="0"/>
+          </a:p>
+          <a:p>
+            <a:pPr marL="0" lvl="0" indent="0" algn="l" rtl="0">
+              <a:spcBef>
+                <a:spcPts val="0"/>
+              </a:spcBef>
+              <a:spcAft>
+                <a:spcPts val="0"/>
+              </a:spcAft>
+              <a:buNone/>
+            </a:pPr>
+            <a:r>
+              <a:rPr lang="it-IT" dirty="0"/>
+              <a:t>DNS query flood, TCP flood and DNS </a:t>
+            </a:r>
+            <a:r>
+              <a:rPr lang="it-IT" dirty="0" err="1"/>
+              <a:t>reflection</a:t>
+            </a:r>
+            <a:r>
+              <a:rPr lang="it-IT" dirty="0"/>
+              <a:t> and </a:t>
+            </a:r>
+            <a:r>
+              <a:rPr lang="it-IT" dirty="0" err="1"/>
+              <a:t>amplification</a:t>
+            </a:r>
+            <a:r>
+              <a:rPr lang="it-IT" dirty="0"/>
+              <a:t>.</a:t>
+            </a:r>
+            <a:endParaRPr dirty="0"/>
           </a:p>
         </p:txBody>
       </p:sp>
@@ -1473,115 +2566,6 @@
     <p:extLst>
       <p:ext uri="{BB962C8B-B14F-4D97-AF65-F5344CB8AC3E}">
         <p14:creationId xmlns:p14="http://schemas.microsoft.com/office/powerpoint/2010/main" val="1316498722"/>
-      </p:ext>
-    </p:extLst>
-  </p:cSld>
-  <p:clrMapOvr>
-    <a:masterClrMapping/>
-  </p:clrMapOvr>
-</p:notes>
-</file>
-
-<file path=ppt/notesSlides/notesSlide5.xml><?xml version="1.0" encoding="utf-8"?>
-<p:notes xmlns:a="http://schemas.openxmlformats.org/drawingml/2006/main" xmlns:r="http://schemas.openxmlformats.org/officeDocument/2006/relationships" xmlns:p="http://schemas.openxmlformats.org/presentationml/2006/main" showMasterSp="0" showMasterPhAnim="0">
-  <p:cSld>
-    <p:spTree>
-      <p:nvGrpSpPr>
-        <p:cNvPr id="1" name="Shape 413"/>
-        <p:cNvGrpSpPr/>
-        <p:nvPr/>
-      </p:nvGrpSpPr>
-      <p:grpSpPr>
-        <a:xfrm>
-          <a:off x="0" y="0"/>
-          <a:ext cx="0" cy="0"/>
-          <a:chOff x="0" y="0"/>
-          <a:chExt cx="0" cy="0"/>
-        </a:xfrm>
-      </p:grpSpPr>
-      <p:sp>
-        <p:nvSpPr>
-          <p:cNvPr id="414" name="Google Shape;414;ga073618e60_0_63:notes"/>
-          <p:cNvSpPr>
-            <a:spLocks noGrp="1" noRot="1" noChangeAspect="1"/>
-          </p:cNvSpPr>
-          <p:nvPr>
-            <p:ph type="sldImg" idx="2"/>
-          </p:nvPr>
-        </p:nvSpPr>
-        <p:spPr>
-          <a:xfrm>
-            <a:off x="381000" y="685800"/>
-            <a:ext cx="6096000" cy="3429000"/>
-          </a:xfrm>
-          <a:custGeom>
-            <a:avLst/>
-            <a:gdLst/>
-            <a:ahLst/>
-            <a:cxnLst/>
-            <a:rect l="l" t="t" r="r" b="b"/>
-            <a:pathLst>
-              <a:path w="120000" h="120000" extrusionOk="0">
-                <a:moveTo>
-                  <a:pt x="0" y="0"/>
-                </a:moveTo>
-                <a:lnTo>
-                  <a:pt x="120000" y="0"/>
-                </a:lnTo>
-                <a:lnTo>
-                  <a:pt x="120000" y="120000"/>
-                </a:lnTo>
-                <a:lnTo>
-                  <a:pt x="0" y="120000"/>
-                </a:lnTo>
-                <a:close/>
-              </a:path>
-            </a:pathLst>
-          </a:custGeom>
-        </p:spPr>
-      </p:sp>
-      <p:sp>
-        <p:nvSpPr>
-          <p:cNvPr id="415" name="Google Shape;415;ga073618e60_0_63:notes"/>
-          <p:cNvSpPr txBox="1">
-            <a:spLocks noGrp="1"/>
-          </p:cNvSpPr>
-          <p:nvPr>
-            <p:ph type="body" idx="1"/>
-          </p:nvPr>
-        </p:nvSpPr>
-        <p:spPr>
-          <a:xfrm>
-            <a:off x="685800" y="4343400"/>
-            <a:ext cx="5486400" cy="4114800"/>
-          </a:xfrm>
-          <a:prstGeom prst="rect">
-            <a:avLst/>
-          </a:prstGeom>
-        </p:spPr>
-        <p:txBody>
-          <a:bodyPr spcFirstLastPara="1" wrap="square" lIns="91425" tIns="91425" rIns="91425" bIns="91425" anchor="t" anchorCtr="0">
-            <a:noAutofit/>
-          </a:bodyPr>
-          <a:lstStyle/>
-          <a:p>
-            <a:pPr marL="0" lvl="0" indent="0" algn="l" rtl="0">
-              <a:spcBef>
-                <a:spcPts val="0"/>
-              </a:spcBef>
-              <a:spcAft>
-                <a:spcPts val="0"/>
-              </a:spcAft>
-              <a:buNone/>
-            </a:pPr>
-            <a:endParaRPr/>
-          </a:p>
-        </p:txBody>
-      </p:sp>
-    </p:spTree>
-    <p:extLst>
-      <p:ext uri="{BB962C8B-B14F-4D97-AF65-F5344CB8AC3E}">
-        <p14:creationId xmlns:p14="http://schemas.microsoft.com/office/powerpoint/2010/main" val="2592282445"/>
       </p:ext>
     </p:extLst>
   </p:cSld>
@@ -1683,14 +2667,538 @@
               </a:spcAft>
               <a:buNone/>
             </a:pPr>
-            <a:endParaRPr/>
+            <a:r>
+              <a:rPr lang="it-IT" dirty="0"/>
+              <a:t>The DNS query flood </a:t>
+            </a:r>
+            <a:r>
+              <a:rPr lang="it-IT" dirty="0" err="1"/>
+              <a:t>is</a:t>
+            </a:r>
+            <a:r>
+              <a:rPr lang="it-IT" dirty="0"/>
+              <a:t> </a:t>
+            </a:r>
+            <a:r>
+              <a:rPr lang="it-IT" dirty="0" err="1"/>
+              <a:t>aimed</a:t>
+            </a:r>
+            <a:r>
+              <a:rPr lang="it-IT" dirty="0"/>
+              <a:t> </a:t>
+            </a:r>
+            <a:r>
+              <a:rPr lang="it-IT" dirty="0" err="1"/>
+              <a:t>at</a:t>
+            </a:r>
+            <a:r>
+              <a:rPr lang="it-IT" dirty="0"/>
+              <a:t> </a:t>
+            </a:r>
+            <a:r>
+              <a:rPr lang="it-IT" dirty="0" err="1"/>
+              <a:t>exahusting</a:t>
+            </a:r>
+            <a:r>
+              <a:rPr lang="it-IT" dirty="0"/>
+              <a:t> the target </a:t>
+            </a:r>
+            <a:r>
+              <a:rPr lang="it-IT" dirty="0" err="1"/>
+              <a:t>resources</a:t>
+            </a:r>
+            <a:r>
+              <a:rPr lang="it-IT" dirty="0"/>
+              <a:t>, by </a:t>
+            </a:r>
+            <a:r>
+              <a:rPr lang="it-IT" dirty="0" err="1"/>
+              <a:t>sending</a:t>
+            </a:r>
+            <a:r>
+              <a:rPr lang="it-IT" dirty="0"/>
+              <a:t> a </a:t>
+            </a:r>
+            <a:r>
+              <a:rPr lang="it-IT" dirty="0" err="1"/>
+              <a:t>huge</a:t>
+            </a:r>
+            <a:r>
+              <a:rPr lang="it-IT" dirty="0"/>
+              <a:t> </a:t>
+            </a:r>
+            <a:r>
+              <a:rPr lang="it-IT" dirty="0" err="1"/>
+              <a:t>amount</a:t>
+            </a:r>
+            <a:r>
+              <a:rPr lang="it-IT" dirty="0"/>
+              <a:t> of DNS queries.</a:t>
+            </a:r>
+          </a:p>
+          <a:p>
+            <a:pPr marL="0" lvl="0" indent="0" algn="l" rtl="0">
+              <a:spcBef>
+                <a:spcPts val="0"/>
+              </a:spcBef>
+              <a:spcAft>
+                <a:spcPts val="0"/>
+              </a:spcAft>
+              <a:buNone/>
+            </a:pPr>
+            <a:endParaRPr lang="it-IT" dirty="0"/>
+          </a:p>
+          <a:p>
+            <a:pPr marL="0" lvl="0" indent="0" algn="l" rtl="0">
+              <a:spcBef>
+                <a:spcPts val="0"/>
+              </a:spcBef>
+              <a:spcAft>
+                <a:spcPts val="0"/>
+              </a:spcAft>
+              <a:buNone/>
+            </a:pPr>
+            <a:r>
+              <a:rPr lang="it-IT" dirty="0"/>
+              <a:t>The key point </a:t>
+            </a:r>
+            <a:r>
+              <a:rPr lang="it-IT" dirty="0" err="1"/>
+              <a:t>is</a:t>
+            </a:r>
+            <a:r>
+              <a:rPr lang="it-IT" dirty="0"/>
+              <a:t> </a:t>
+            </a:r>
+            <a:r>
+              <a:rPr lang="it-IT" dirty="0" err="1"/>
+              <a:t>sending</a:t>
+            </a:r>
+            <a:r>
+              <a:rPr lang="it-IT" dirty="0"/>
+              <a:t> </a:t>
+            </a:r>
+            <a:r>
+              <a:rPr lang="it-IT" dirty="0" err="1"/>
+              <a:t>lots</a:t>
+            </a:r>
+            <a:r>
+              <a:rPr lang="it-IT" dirty="0"/>
+              <a:t> of queries and </a:t>
+            </a:r>
+            <a:r>
+              <a:rPr lang="it-IT" dirty="0" err="1"/>
+              <a:t>this</a:t>
+            </a:r>
+            <a:r>
+              <a:rPr lang="it-IT" dirty="0"/>
+              <a:t> </a:t>
+            </a:r>
+            <a:r>
+              <a:rPr lang="it-IT" dirty="0" err="1"/>
+              <a:t>is</a:t>
+            </a:r>
+            <a:r>
+              <a:rPr lang="it-IT" dirty="0"/>
+              <a:t> </a:t>
+            </a:r>
+            <a:r>
+              <a:rPr lang="it-IT" dirty="0" err="1"/>
+              <a:t>achieved</a:t>
+            </a:r>
+            <a:r>
+              <a:rPr lang="it-IT" dirty="0"/>
+              <a:t> by the </a:t>
+            </a:r>
+            <a:r>
+              <a:rPr lang="it-IT" dirty="0" err="1"/>
+              <a:t>attackers</a:t>
+            </a:r>
+            <a:r>
+              <a:rPr lang="it-IT" dirty="0"/>
+              <a:t> </a:t>
+            </a:r>
+            <a:r>
+              <a:rPr lang="it-IT" dirty="0" err="1"/>
+              <a:t>using</a:t>
+            </a:r>
+            <a:r>
+              <a:rPr lang="it-IT" dirty="0"/>
+              <a:t> a botnet. A botnet </a:t>
+            </a:r>
+            <a:r>
+              <a:rPr lang="it-IT" dirty="0" err="1"/>
+              <a:t>is</a:t>
+            </a:r>
+            <a:r>
+              <a:rPr lang="it-IT" dirty="0"/>
+              <a:t> an </a:t>
+            </a:r>
+            <a:r>
+              <a:rPr lang="it-IT" dirty="0" err="1"/>
+              <a:t>army</a:t>
+            </a:r>
+            <a:r>
+              <a:rPr lang="it-IT" dirty="0"/>
+              <a:t> of </a:t>
+            </a:r>
+            <a:r>
+              <a:rPr lang="it-IT" dirty="0" err="1"/>
+              <a:t>compormised</a:t>
+            </a:r>
+            <a:r>
+              <a:rPr lang="it-IT" dirty="0"/>
+              <a:t> devices </a:t>
+            </a:r>
+            <a:r>
+              <a:rPr lang="it-IT" dirty="0" err="1"/>
+              <a:t>controlled</a:t>
+            </a:r>
+            <a:r>
+              <a:rPr lang="it-IT" dirty="0"/>
+              <a:t> by the </a:t>
+            </a:r>
+            <a:r>
+              <a:rPr lang="it-IT" dirty="0" err="1"/>
+              <a:t>attacker</a:t>
+            </a:r>
+            <a:r>
+              <a:rPr lang="it-IT" dirty="0"/>
+              <a:t> to </a:t>
+            </a:r>
+            <a:r>
+              <a:rPr lang="it-IT" dirty="0" err="1"/>
+              <a:t>send</a:t>
+            </a:r>
+            <a:r>
+              <a:rPr lang="it-IT" dirty="0"/>
+              <a:t> DNS queries.</a:t>
+            </a:r>
+          </a:p>
+          <a:p>
+            <a:pPr marL="0" lvl="0" indent="0" algn="l" rtl="0">
+              <a:spcBef>
+                <a:spcPts val="0"/>
+              </a:spcBef>
+              <a:spcAft>
+                <a:spcPts val="0"/>
+              </a:spcAft>
+              <a:buNone/>
+            </a:pPr>
+            <a:endParaRPr lang="it-IT" dirty="0"/>
+          </a:p>
+          <a:p>
+            <a:pPr marL="0" lvl="0" indent="0" algn="l" rtl="0">
+              <a:spcBef>
+                <a:spcPts val="0"/>
+              </a:spcBef>
+              <a:spcAft>
+                <a:spcPts val="0"/>
+              </a:spcAft>
+              <a:buNone/>
+            </a:pPr>
+            <a:r>
+              <a:rPr lang="it-IT" dirty="0" err="1"/>
+              <a:t>This</a:t>
+            </a:r>
+            <a:r>
+              <a:rPr lang="it-IT" dirty="0"/>
+              <a:t> </a:t>
+            </a:r>
+            <a:r>
+              <a:rPr lang="it-IT" dirty="0" err="1"/>
+              <a:t>attack</a:t>
+            </a:r>
+            <a:r>
+              <a:rPr lang="it-IT" dirty="0"/>
+              <a:t> can </a:t>
+            </a:r>
+            <a:r>
+              <a:rPr lang="it-IT" dirty="0" err="1"/>
+              <a:t>mainly</a:t>
+            </a:r>
+            <a:r>
+              <a:rPr lang="it-IT" dirty="0"/>
+              <a:t> </a:t>
+            </a:r>
+            <a:r>
+              <a:rPr lang="it-IT" dirty="0" err="1"/>
+              <a:t>have</a:t>
+            </a:r>
+            <a:r>
+              <a:rPr lang="it-IT" dirty="0"/>
+              <a:t> </a:t>
+            </a:r>
+            <a:r>
+              <a:rPr lang="it-IT" dirty="0" err="1"/>
+              <a:t>two</a:t>
+            </a:r>
+            <a:r>
+              <a:rPr lang="it-IT" dirty="0"/>
+              <a:t> target, a recursive NS or an </a:t>
+            </a:r>
+            <a:r>
+              <a:rPr lang="it-IT" dirty="0" err="1"/>
+              <a:t>authoritative</a:t>
+            </a:r>
+            <a:r>
+              <a:rPr lang="it-IT" dirty="0"/>
+              <a:t> one. </a:t>
+            </a:r>
+          </a:p>
+          <a:p>
+            <a:pPr marL="0" lvl="0" indent="0" algn="l" rtl="0">
+              <a:spcBef>
+                <a:spcPts val="0"/>
+              </a:spcBef>
+              <a:spcAft>
+                <a:spcPts val="0"/>
+              </a:spcAft>
+              <a:buNone/>
+            </a:pPr>
+            <a:endParaRPr lang="it-IT" dirty="0"/>
+          </a:p>
+          <a:p>
+            <a:pPr marL="0" lvl="0" indent="0" algn="l" rtl="0">
+              <a:spcBef>
+                <a:spcPts val="0"/>
+              </a:spcBef>
+              <a:spcAft>
+                <a:spcPts val="0"/>
+              </a:spcAft>
+              <a:buNone/>
+            </a:pPr>
+            <a:r>
+              <a:rPr lang="it-IT" dirty="0"/>
+              <a:t>In the case the target </a:t>
+            </a:r>
+            <a:r>
+              <a:rPr lang="it-IT" dirty="0" err="1"/>
+              <a:t>is</a:t>
+            </a:r>
+            <a:r>
+              <a:rPr lang="it-IT" dirty="0"/>
+              <a:t> the first one, </a:t>
+            </a:r>
+            <a:r>
+              <a:rPr lang="it-IT" dirty="0" err="1"/>
+              <a:t>there</a:t>
+            </a:r>
+            <a:r>
+              <a:rPr lang="it-IT" dirty="0"/>
+              <a:t> </a:t>
+            </a:r>
+            <a:r>
+              <a:rPr lang="it-IT" dirty="0" err="1"/>
+              <a:t>is</a:t>
+            </a:r>
+            <a:r>
+              <a:rPr lang="it-IT" dirty="0"/>
+              <a:t> a </a:t>
+            </a:r>
+            <a:r>
+              <a:rPr lang="it-IT" dirty="0" err="1"/>
+              <a:t>trick</a:t>
+            </a:r>
+            <a:r>
+              <a:rPr lang="it-IT" dirty="0"/>
+              <a:t> </a:t>
+            </a:r>
+            <a:r>
+              <a:rPr lang="it-IT" dirty="0" err="1"/>
+              <a:t>played</a:t>
+            </a:r>
+            <a:r>
+              <a:rPr lang="it-IT" dirty="0"/>
+              <a:t> by the </a:t>
+            </a:r>
+            <a:r>
+              <a:rPr lang="it-IT" dirty="0" err="1"/>
+              <a:t>attacker</a:t>
+            </a:r>
+            <a:r>
+              <a:rPr lang="it-IT" dirty="0"/>
+              <a:t>, </a:t>
+            </a:r>
+            <a:r>
+              <a:rPr lang="it-IT" dirty="0" err="1"/>
+              <a:t>that</a:t>
+            </a:r>
+            <a:r>
+              <a:rPr lang="it-IT" dirty="0"/>
+              <a:t> </a:t>
+            </a:r>
+            <a:r>
+              <a:rPr lang="it-IT" dirty="0" err="1"/>
+              <a:t>consists</a:t>
+            </a:r>
+            <a:r>
+              <a:rPr lang="it-IT" dirty="0"/>
+              <a:t> in </a:t>
+            </a:r>
+            <a:r>
+              <a:rPr lang="it-IT" dirty="0" err="1"/>
+              <a:t>crafting</a:t>
+            </a:r>
+            <a:r>
+              <a:rPr lang="it-IT" dirty="0"/>
+              <a:t> the queries in a </a:t>
+            </a:r>
+            <a:r>
+              <a:rPr lang="it-IT" dirty="0" err="1"/>
+              <a:t>such</a:t>
+            </a:r>
+            <a:r>
+              <a:rPr lang="it-IT" dirty="0"/>
+              <a:t> a way </a:t>
+            </a:r>
+            <a:r>
+              <a:rPr lang="it-IT" dirty="0" err="1"/>
+              <a:t>that</a:t>
+            </a:r>
+            <a:r>
+              <a:rPr lang="it-IT" dirty="0"/>
+              <a:t> </a:t>
+            </a:r>
+            <a:r>
+              <a:rPr lang="it-IT" dirty="0" err="1"/>
+              <a:t>they</a:t>
+            </a:r>
+            <a:r>
+              <a:rPr lang="it-IT" dirty="0"/>
+              <a:t> are </a:t>
+            </a:r>
+            <a:r>
+              <a:rPr lang="it-IT" dirty="0" err="1"/>
+              <a:t>not</a:t>
+            </a:r>
+            <a:r>
+              <a:rPr lang="it-IT" dirty="0"/>
+              <a:t> </a:t>
+            </a:r>
+            <a:r>
+              <a:rPr lang="it-IT" dirty="0" err="1"/>
+              <a:t>already</a:t>
+            </a:r>
+            <a:r>
+              <a:rPr lang="it-IT" dirty="0"/>
+              <a:t> </a:t>
+            </a:r>
+            <a:r>
+              <a:rPr lang="it-IT" dirty="0" err="1"/>
+              <a:t>cached</a:t>
+            </a:r>
+            <a:r>
+              <a:rPr lang="it-IT" dirty="0"/>
+              <a:t> in the server. </a:t>
+            </a:r>
+            <a:r>
+              <a:rPr lang="it-IT" dirty="0" err="1"/>
+              <a:t>That</a:t>
+            </a:r>
+            <a:r>
+              <a:rPr lang="it-IT" dirty="0"/>
+              <a:t> way the server </a:t>
+            </a:r>
+            <a:r>
+              <a:rPr lang="it-IT" dirty="0" err="1"/>
+              <a:t>is</a:t>
+            </a:r>
+            <a:r>
+              <a:rPr lang="it-IT" dirty="0"/>
+              <a:t> </a:t>
+            </a:r>
+            <a:r>
+              <a:rPr lang="it-IT" dirty="0" err="1"/>
+              <a:t>forced</a:t>
+            </a:r>
+            <a:r>
+              <a:rPr lang="it-IT" dirty="0"/>
+              <a:t> to query </a:t>
+            </a:r>
+            <a:r>
+              <a:rPr lang="it-IT" dirty="0" err="1"/>
+              <a:t>other</a:t>
+            </a:r>
+            <a:r>
+              <a:rPr lang="it-IT" dirty="0"/>
+              <a:t> NS </a:t>
+            </a:r>
+            <a:r>
+              <a:rPr lang="it-IT" dirty="0" err="1"/>
+              <a:t>until</a:t>
+            </a:r>
+            <a:r>
+              <a:rPr lang="it-IT" dirty="0"/>
+              <a:t>, </a:t>
+            </a:r>
+            <a:r>
+              <a:rPr lang="it-IT" dirty="0" err="1"/>
+              <a:t>eventually</a:t>
+            </a:r>
+            <a:r>
+              <a:rPr lang="it-IT" dirty="0"/>
+              <a:t> </a:t>
+            </a:r>
+            <a:r>
+              <a:rPr lang="it-IT" dirty="0" err="1"/>
+              <a:t>it</a:t>
+            </a:r>
+            <a:r>
+              <a:rPr lang="it-IT" dirty="0"/>
+              <a:t> </a:t>
+            </a:r>
+            <a:r>
+              <a:rPr lang="it-IT" dirty="0" err="1"/>
+              <a:t>gets</a:t>
+            </a:r>
+            <a:r>
+              <a:rPr lang="it-IT" dirty="0"/>
+              <a:t> the </a:t>
+            </a:r>
+            <a:r>
+              <a:rPr lang="it-IT" dirty="0" err="1"/>
+              <a:t>response</a:t>
+            </a:r>
+            <a:r>
+              <a:rPr lang="it-IT" dirty="0"/>
+              <a:t> and </a:t>
+            </a:r>
+            <a:r>
+              <a:rPr lang="it-IT" dirty="0" err="1"/>
+              <a:t>sends</a:t>
+            </a:r>
+            <a:r>
+              <a:rPr lang="it-IT" dirty="0"/>
+              <a:t> </a:t>
+            </a:r>
+            <a:r>
+              <a:rPr lang="it-IT" dirty="0" err="1"/>
+              <a:t>it</a:t>
+            </a:r>
+            <a:r>
+              <a:rPr lang="it-IT" dirty="0"/>
+              <a:t> back to the client.</a:t>
+            </a:r>
+          </a:p>
+          <a:p>
+            <a:pPr marL="0" lvl="0" indent="0" algn="l" rtl="0">
+              <a:spcBef>
+                <a:spcPts val="0"/>
+              </a:spcBef>
+              <a:spcAft>
+                <a:spcPts val="0"/>
+              </a:spcAft>
+              <a:buNone/>
+            </a:pPr>
+            <a:endParaRPr lang="it-IT" dirty="0"/>
           </a:p>
         </p:txBody>
       </p:sp>
     </p:spTree>
     <p:extLst>
       <p:ext uri="{BB962C8B-B14F-4D97-AF65-F5344CB8AC3E}">
-        <p14:creationId xmlns:p14="http://schemas.microsoft.com/office/powerpoint/2010/main" val="2816039107"/>
+        <p14:creationId xmlns:p14="http://schemas.microsoft.com/office/powerpoint/2010/main" val="2592282445"/>
       </p:ext>
     </p:extLst>
   </p:cSld>
@@ -1792,14 +3300,280 @@
               </a:spcAft>
               <a:buNone/>
             </a:pPr>
-            <a:endParaRPr/>
+            <a:r>
+              <a:rPr lang="it-IT" dirty="0" err="1"/>
+              <a:t>If</a:t>
+            </a:r>
+            <a:r>
+              <a:rPr lang="it-IT" dirty="0"/>
+              <a:t> the target </a:t>
+            </a:r>
+            <a:r>
+              <a:rPr lang="it-IT" dirty="0" err="1"/>
+              <a:t>is</a:t>
+            </a:r>
+            <a:r>
+              <a:rPr lang="it-IT" dirty="0"/>
+              <a:t> a </a:t>
+            </a:r>
+            <a:r>
+              <a:rPr lang="it-IT" dirty="0" err="1"/>
+              <a:t>specific</a:t>
+            </a:r>
+            <a:r>
+              <a:rPr lang="it-IT" dirty="0"/>
+              <a:t> </a:t>
+            </a:r>
+            <a:r>
+              <a:rPr lang="it-IT" dirty="0" err="1"/>
+              <a:t>authoritative</a:t>
+            </a:r>
+            <a:r>
+              <a:rPr lang="it-IT" dirty="0"/>
+              <a:t> NS, the </a:t>
+            </a:r>
+            <a:r>
+              <a:rPr lang="it-IT" dirty="0" err="1"/>
+              <a:t>attack</a:t>
+            </a:r>
+            <a:r>
+              <a:rPr lang="it-IT" dirty="0"/>
+              <a:t> takes the name of water torture.</a:t>
+            </a:r>
+          </a:p>
+          <a:p>
+            <a:pPr marL="0" lvl="0" indent="0" algn="l" rtl="0">
+              <a:spcBef>
+                <a:spcPts val="0"/>
+              </a:spcBef>
+              <a:spcAft>
+                <a:spcPts val="0"/>
+              </a:spcAft>
+              <a:buNone/>
+            </a:pPr>
+            <a:endParaRPr lang="it-IT" dirty="0"/>
+          </a:p>
+          <a:p>
+            <a:pPr marL="0" lvl="0" indent="0" algn="l" rtl="0">
+              <a:spcBef>
+                <a:spcPts val="0"/>
+              </a:spcBef>
+              <a:spcAft>
+                <a:spcPts val="0"/>
+              </a:spcAft>
+              <a:buNone/>
+            </a:pPr>
+            <a:r>
+              <a:rPr lang="it-IT" dirty="0"/>
+              <a:t>The goal </a:t>
+            </a:r>
+            <a:r>
+              <a:rPr lang="it-IT" dirty="0" err="1"/>
+              <a:t>is</a:t>
+            </a:r>
+            <a:r>
+              <a:rPr lang="it-IT" dirty="0"/>
+              <a:t> the </a:t>
+            </a:r>
+            <a:r>
+              <a:rPr lang="it-IT" dirty="0" err="1"/>
+              <a:t>same</a:t>
+            </a:r>
+            <a:r>
+              <a:rPr lang="it-IT" dirty="0"/>
+              <a:t> </a:t>
+            </a:r>
+            <a:r>
+              <a:rPr lang="it-IT" dirty="0" err="1"/>
+              <a:t>as</a:t>
+            </a:r>
+            <a:r>
+              <a:rPr lang="it-IT" dirty="0"/>
+              <a:t> </a:t>
+            </a:r>
+            <a:r>
+              <a:rPr lang="it-IT" dirty="0" err="1"/>
+              <a:t>before</a:t>
+            </a:r>
+            <a:r>
+              <a:rPr lang="it-IT" dirty="0"/>
+              <a:t>, </a:t>
+            </a:r>
+            <a:r>
+              <a:rPr lang="it-IT" dirty="0" err="1"/>
+              <a:t>but</a:t>
+            </a:r>
+            <a:r>
+              <a:rPr lang="it-IT" dirty="0"/>
+              <a:t> on </a:t>
+            </a:r>
+            <a:r>
+              <a:rPr lang="it-IT" dirty="0" err="1"/>
+              <a:t>this</a:t>
+            </a:r>
+            <a:r>
+              <a:rPr lang="it-IT" dirty="0"/>
+              <a:t> case the </a:t>
+            </a:r>
+            <a:r>
+              <a:rPr lang="it-IT" dirty="0" err="1"/>
+              <a:t>trick</a:t>
+            </a:r>
+            <a:r>
+              <a:rPr lang="it-IT" dirty="0"/>
+              <a:t> </a:t>
+            </a:r>
+            <a:r>
+              <a:rPr lang="it-IT" dirty="0" err="1"/>
+              <a:t>played</a:t>
+            </a:r>
+            <a:r>
+              <a:rPr lang="it-IT" dirty="0"/>
+              <a:t> </a:t>
+            </a:r>
+            <a:r>
+              <a:rPr lang="it-IT" dirty="0" err="1"/>
+              <a:t>is</a:t>
+            </a:r>
+            <a:r>
+              <a:rPr lang="it-IT" dirty="0"/>
+              <a:t> </a:t>
+            </a:r>
+            <a:r>
+              <a:rPr lang="it-IT" dirty="0" err="1"/>
+              <a:t>that</a:t>
+            </a:r>
+            <a:r>
+              <a:rPr lang="it-IT" dirty="0"/>
+              <a:t> of </a:t>
+            </a:r>
+            <a:r>
+              <a:rPr lang="it-IT" dirty="0" err="1"/>
+              <a:t>crafting</a:t>
+            </a:r>
+            <a:r>
+              <a:rPr lang="it-IT" dirty="0"/>
+              <a:t> queries </a:t>
+            </a:r>
+            <a:r>
+              <a:rPr lang="it-IT" dirty="0" err="1"/>
+              <a:t>taking</a:t>
+            </a:r>
+            <a:r>
+              <a:rPr lang="it-IT" dirty="0"/>
+              <a:t> the domain of the target and </a:t>
+            </a:r>
+            <a:r>
+              <a:rPr lang="it-IT" dirty="0" err="1"/>
+              <a:t>adding</a:t>
+            </a:r>
+            <a:r>
+              <a:rPr lang="it-IT" dirty="0"/>
+              <a:t> a random </a:t>
+            </a:r>
+            <a:r>
+              <a:rPr lang="it-IT" dirty="0" err="1"/>
+              <a:t>string</a:t>
+            </a:r>
+            <a:r>
+              <a:rPr lang="it-IT" dirty="0"/>
+              <a:t>.</a:t>
+            </a:r>
+          </a:p>
+          <a:p>
+            <a:pPr marL="0" lvl="0" indent="0" algn="l" rtl="0">
+              <a:spcBef>
+                <a:spcPts val="0"/>
+              </a:spcBef>
+              <a:spcAft>
+                <a:spcPts val="0"/>
+              </a:spcAft>
+              <a:buNone/>
+            </a:pPr>
+            <a:endParaRPr lang="it-IT" dirty="0"/>
+          </a:p>
+          <a:p>
+            <a:pPr marL="0" lvl="0" indent="0" algn="l" rtl="0">
+              <a:spcBef>
+                <a:spcPts val="0"/>
+              </a:spcBef>
+              <a:spcAft>
+                <a:spcPts val="0"/>
+              </a:spcAft>
+              <a:buNone/>
+            </a:pPr>
+            <a:r>
+              <a:rPr lang="it-IT" dirty="0" err="1"/>
+              <a:t>That</a:t>
+            </a:r>
+            <a:r>
+              <a:rPr lang="it-IT" dirty="0"/>
+              <a:t> way, </a:t>
+            </a:r>
+            <a:r>
+              <a:rPr lang="it-IT" dirty="0" err="1"/>
+              <a:t>we</a:t>
+            </a:r>
+            <a:r>
+              <a:rPr lang="it-IT" dirty="0"/>
+              <a:t> are sure the queries </a:t>
+            </a:r>
+            <a:r>
+              <a:rPr lang="it-IT" dirty="0" err="1"/>
+              <a:t>reach</a:t>
+            </a:r>
+            <a:r>
+              <a:rPr lang="it-IT" dirty="0"/>
+              <a:t> the target </a:t>
+            </a:r>
+            <a:r>
+              <a:rPr lang="it-IT" dirty="0" err="1"/>
+              <a:t>using</a:t>
+            </a:r>
+            <a:r>
+              <a:rPr lang="it-IT" dirty="0"/>
+              <a:t> </a:t>
+            </a:r>
+            <a:r>
+              <a:rPr lang="it-IT" dirty="0" err="1"/>
+              <a:t>its</a:t>
+            </a:r>
+            <a:r>
+              <a:rPr lang="it-IT" dirty="0"/>
+              <a:t> </a:t>
+            </a:r>
+            <a:r>
+              <a:rPr lang="it-IT" dirty="0" err="1"/>
+              <a:t>resources</a:t>
+            </a:r>
+            <a:r>
+              <a:rPr lang="it-IT" dirty="0"/>
+              <a:t> to </a:t>
+            </a:r>
+            <a:r>
+              <a:rPr lang="it-IT" dirty="0" err="1"/>
+              <a:t>answer</a:t>
+            </a:r>
+            <a:r>
+              <a:rPr lang="it-IT" dirty="0"/>
+              <a:t> to </a:t>
+            </a:r>
+            <a:r>
+              <a:rPr lang="it-IT" dirty="0" err="1"/>
+              <a:t>them</a:t>
+            </a:r>
+            <a:r>
+              <a:rPr lang="it-IT" dirty="0"/>
+              <a:t> NXDOMAIN.</a:t>
+            </a:r>
+            <a:endParaRPr dirty="0"/>
           </a:p>
         </p:txBody>
       </p:sp>
     </p:spTree>
     <p:extLst>
       <p:ext uri="{BB962C8B-B14F-4D97-AF65-F5344CB8AC3E}">
-        <p14:creationId xmlns:p14="http://schemas.microsoft.com/office/powerpoint/2010/main" val="1700399122"/>
+        <p14:creationId xmlns:p14="http://schemas.microsoft.com/office/powerpoint/2010/main" val="2816039107"/>
       </p:ext>
     </p:extLst>
   </p:cSld>
@@ -1901,14 +3675,229 @@
               </a:spcAft>
               <a:buNone/>
             </a:pPr>
-            <a:endParaRPr/>
+            <a:r>
+              <a:rPr lang="it-IT" dirty="0"/>
+              <a:t>TCP flood </a:t>
+            </a:r>
+            <a:r>
+              <a:rPr lang="it-IT" dirty="0" err="1"/>
+              <a:t>attack</a:t>
+            </a:r>
+            <a:r>
+              <a:rPr lang="it-IT" dirty="0"/>
+              <a:t> </a:t>
+            </a:r>
+            <a:r>
+              <a:rPr lang="it-IT" dirty="0" err="1"/>
+              <a:t>has</a:t>
+            </a:r>
+            <a:r>
+              <a:rPr lang="it-IT" dirty="0"/>
+              <a:t> </a:t>
+            </a:r>
+            <a:r>
+              <a:rPr lang="it-IT" dirty="0" err="1"/>
+              <a:t>still</a:t>
+            </a:r>
+            <a:r>
+              <a:rPr lang="it-IT" dirty="0"/>
+              <a:t> the goal of </a:t>
+            </a:r>
+            <a:r>
+              <a:rPr lang="it-IT" dirty="0" err="1"/>
+              <a:t>exhausting</a:t>
+            </a:r>
+            <a:r>
+              <a:rPr lang="it-IT" dirty="0"/>
+              <a:t> the target </a:t>
+            </a:r>
+            <a:r>
+              <a:rPr lang="it-IT" dirty="0" err="1"/>
+              <a:t>resources</a:t>
+            </a:r>
+            <a:r>
+              <a:rPr lang="it-IT" dirty="0"/>
+              <a:t> </a:t>
+            </a:r>
+            <a:r>
+              <a:rPr lang="it-IT" dirty="0" err="1"/>
+              <a:t>but</a:t>
+            </a:r>
+            <a:r>
+              <a:rPr lang="it-IT" dirty="0"/>
+              <a:t> </a:t>
+            </a:r>
+            <a:r>
+              <a:rPr lang="it-IT" dirty="0" err="1"/>
+              <a:t>instead</a:t>
+            </a:r>
+            <a:r>
+              <a:rPr lang="it-IT" dirty="0"/>
+              <a:t> of </a:t>
+            </a:r>
+            <a:r>
+              <a:rPr lang="it-IT" dirty="0" err="1"/>
+              <a:t>using</a:t>
+            </a:r>
+            <a:r>
+              <a:rPr lang="it-IT" dirty="0"/>
+              <a:t> UDP </a:t>
+            </a:r>
+            <a:r>
+              <a:rPr lang="it-IT" dirty="0" err="1"/>
+              <a:t>traffic</a:t>
+            </a:r>
+            <a:r>
+              <a:rPr lang="it-IT" dirty="0"/>
+              <a:t> </a:t>
+            </a:r>
+            <a:r>
+              <a:rPr lang="it-IT" dirty="0" err="1"/>
+              <a:t>it</a:t>
+            </a:r>
+            <a:r>
+              <a:rPr lang="it-IT" dirty="0"/>
+              <a:t> exploits the THREE-WAY </a:t>
+            </a:r>
+            <a:r>
+              <a:rPr lang="it-IT" dirty="0" err="1"/>
+              <a:t>handshaking</a:t>
+            </a:r>
+            <a:r>
+              <a:rPr lang="it-IT" dirty="0"/>
+              <a:t> of TCP.</a:t>
+            </a:r>
+          </a:p>
+          <a:p>
+            <a:pPr marL="0" lvl="0" indent="0" algn="l" rtl="0">
+              <a:spcBef>
+                <a:spcPts val="0"/>
+              </a:spcBef>
+              <a:spcAft>
+                <a:spcPts val="0"/>
+              </a:spcAft>
+              <a:buNone/>
+            </a:pPr>
+            <a:endParaRPr lang="it-IT" dirty="0"/>
+          </a:p>
+          <a:p>
+            <a:pPr marL="0" lvl="0" indent="0" algn="l" rtl="0">
+              <a:spcBef>
+                <a:spcPts val="0"/>
+              </a:spcBef>
+              <a:spcAft>
+                <a:spcPts val="0"/>
+              </a:spcAft>
+              <a:buNone/>
+            </a:pPr>
+            <a:r>
+              <a:rPr lang="it-IT" dirty="0"/>
+              <a:t>The </a:t>
+            </a:r>
+            <a:r>
+              <a:rPr lang="it-IT" dirty="0" err="1"/>
+              <a:t>trick</a:t>
+            </a:r>
+            <a:r>
+              <a:rPr lang="it-IT" dirty="0"/>
+              <a:t> </a:t>
+            </a:r>
+            <a:r>
+              <a:rPr lang="it-IT" dirty="0" err="1"/>
+              <a:t>is</a:t>
+            </a:r>
+            <a:r>
+              <a:rPr lang="it-IT" dirty="0"/>
+              <a:t> to open a large </a:t>
+            </a:r>
+            <a:r>
+              <a:rPr lang="it-IT" dirty="0" err="1"/>
+              <a:t>number</a:t>
+            </a:r>
+            <a:r>
+              <a:rPr lang="it-IT" dirty="0"/>
+              <a:t> of TCP connections </a:t>
+            </a:r>
+            <a:r>
+              <a:rPr lang="it-IT" dirty="0" err="1"/>
+              <a:t>without</a:t>
+            </a:r>
+            <a:r>
+              <a:rPr lang="it-IT" dirty="0"/>
+              <a:t> closing </a:t>
+            </a:r>
+            <a:r>
+              <a:rPr lang="it-IT" dirty="0" err="1"/>
+              <a:t>them</a:t>
+            </a:r>
+            <a:r>
+              <a:rPr lang="it-IT" dirty="0"/>
+              <a:t>, </a:t>
+            </a:r>
+            <a:r>
+              <a:rPr lang="it-IT" dirty="0" err="1"/>
+              <a:t>therefore</a:t>
+            </a:r>
+            <a:r>
+              <a:rPr lang="it-IT" dirty="0"/>
+              <a:t> forcing the target to use </a:t>
+            </a:r>
+            <a:r>
+              <a:rPr lang="it-IT" dirty="0" err="1"/>
+              <a:t>its</a:t>
+            </a:r>
+            <a:r>
+              <a:rPr lang="it-IT" dirty="0"/>
+              <a:t> </a:t>
+            </a:r>
+            <a:r>
+              <a:rPr lang="it-IT" dirty="0" err="1"/>
+              <a:t>resources</a:t>
+            </a:r>
+            <a:r>
+              <a:rPr lang="it-IT" dirty="0"/>
+              <a:t> to handle </a:t>
+            </a:r>
+            <a:r>
+              <a:rPr lang="it-IT" dirty="0" err="1"/>
+              <a:t>it</a:t>
+            </a:r>
+            <a:r>
+              <a:rPr lang="it-IT" dirty="0"/>
+              <a:t>, </a:t>
+            </a:r>
+            <a:r>
+              <a:rPr lang="it-IT" dirty="0" err="1"/>
+              <a:t>until</a:t>
+            </a:r>
+            <a:r>
+              <a:rPr lang="it-IT" dirty="0"/>
+              <a:t> </a:t>
+            </a:r>
+            <a:r>
+              <a:rPr lang="it-IT" dirty="0" err="1"/>
+              <a:t>they</a:t>
+            </a:r>
+            <a:r>
+              <a:rPr lang="it-IT" dirty="0"/>
+              <a:t> are </a:t>
+            </a:r>
+            <a:r>
+              <a:rPr lang="it-IT" dirty="0" err="1"/>
+              <a:t>exhausted</a:t>
+            </a:r>
+            <a:r>
+              <a:rPr lang="it-IT" dirty="0"/>
+              <a:t>.</a:t>
+            </a:r>
+            <a:endParaRPr dirty="0"/>
           </a:p>
         </p:txBody>
       </p:sp>
     </p:spTree>
     <p:extLst>
       <p:ext uri="{BB962C8B-B14F-4D97-AF65-F5344CB8AC3E}">
-        <p14:creationId xmlns:p14="http://schemas.microsoft.com/office/powerpoint/2010/main" val="1260587386"/>
+        <p14:creationId xmlns:p14="http://schemas.microsoft.com/office/powerpoint/2010/main" val="1700399122"/>
       </p:ext>
     </p:extLst>
   </p:cSld>
@@ -1923,7 +3912,7 @@
   <p:cSld>
     <p:spTree>
       <p:nvGrpSpPr>
-        <p:cNvPr id="1" name="Shape 453"/>
+        <p:cNvPr id="1" name="Shape 413"/>
         <p:cNvGrpSpPr/>
         <p:nvPr/>
       </p:nvGrpSpPr>
@@ -1937,7 +3926,7 @@
       </p:grpSpPr>
       <p:sp>
         <p:nvSpPr>
-          <p:cNvPr id="454" name="Google Shape;454;g13a4d1c76c4_0_373:notes"/>
+          <p:cNvPr id="414" name="Google Shape;414;ga073618e60_0_63:notes"/>
           <p:cNvSpPr>
             <a:spLocks noGrp="1" noRot="1" noChangeAspect="1"/>
           </p:cNvSpPr>
@@ -1978,7 +3967,7 @@
       </p:sp>
       <p:sp>
         <p:nvSpPr>
-          <p:cNvPr id="455" name="Google Shape;455;g13a4d1c76c4_0_373:notes"/>
+          <p:cNvPr id="415" name="Google Shape;415;ga073618e60_0_63:notes"/>
           <p:cNvSpPr txBox="1">
             <a:spLocks noGrp="1"/>
           </p:cNvSpPr>
@@ -2010,14 +3999,724 @@
               </a:spcAft>
               <a:buNone/>
             </a:pPr>
-            <a:endParaRPr/>
+            <a:r>
+              <a:rPr lang="it-IT" dirty="0"/>
+              <a:t>The last </a:t>
+            </a:r>
+            <a:r>
+              <a:rPr lang="it-IT" dirty="0" err="1"/>
+              <a:t>type</a:t>
+            </a:r>
+            <a:r>
+              <a:rPr lang="it-IT" dirty="0"/>
+              <a:t> of </a:t>
+            </a:r>
+            <a:r>
+              <a:rPr lang="it-IT" dirty="0" err="1"/>
+              <a:t>attack</a:t>
+            </a:r>
+            <a:r>
+              <a:rPr lang="it-IT" dirty="0"/>
+              <a:t> </a:t>
+            </a:r>
+            <a:r>
+              <a:rPr lang="it-IT" dirty="0" err="1"/>
+              <a:t>is</a:t>
+            </a:r>
+            <a:r>
+              <a:rPr lang="it-IT" dirty="0"/>
+              <a:t> the DNS </a:t>
+            </a:r>
+            <a:r>
+              <a:rPr lang="it-IT" dirty="0" err="1"/>
+              <a:t>reflection</a:t>
+            </a:r>
+            <a:r>
+              <a:rPr lang="it-IT" dirty="0"/>
+              <a:t> and </a:t>
+            </a:r>
+            <a:r>
+              <a:rPr lang="it-IT" dirty="0" err="1"/>
+              <a:t>amplification</a:t>
+            </a:r>
+            <a:r>
+              <a:rPr lang="it-IT" dirty="0"/>
+              <a:t>.</a:t>
+            </a:r>
+          </a:p>
+          <a:p>
+            <a:pPr marL="0" lvl="0" indent="0" algn="l" rtl="0">
+              <a:spcBef>
+                <a:spcPts val="0"/>
+              </a:spcBef>
+              <a:spcAft>
+                <a:spcPts val="0"/>
+              </a:spcAft>
+              <a:buNone/>
+            </a:pPr>
+            <a:endParaRPr lang="it-IT" dirty="0"/>
+          </a:p>
+          <a:p>
+            <a:pPr marL="0" lvl="0" indent="0" algn="l" rtl="0">
+              <a:spcBef>
+                <a:spcPts val="0"/>
+              </a:spcBef>
+              <a:spcAft>
+                <a:spcPts val="0"/>
+              </a:spcAft>
+              <a:buNone/>
+            </a:pPr>
+            <a:r>
+              <a:rPr lang="it-IT" dirty="0"/>
+              <a:t>The goal of </a:t>
+            </a:r>
+            <a:r>
+              <a:rPr lang="it-IT" dirty="0" err="1"/>
+              <a:t>this</a:t>
+            </a:r>
+            <a:r>
+              <a:rPr lang="it-IT" dirty="0"/>
+              <a:t> </a:t>
+            </a:r>
+            <a:r>
+              <a:rPr lang="it-IT" dirty="0" err="1"/>
+              <a:t>attack</a:t>
+            </a:r>
+            <a:r>
+              <a:rPr lang="it-IT" dirty="0"/>
+              <a:t> </a:t>
+            </a:r>
+            <a:r>
+              <a:rPr lang="it-IT" dirty="0" err="1"/>
+              <a:t>is</a:t>
+            </a:r>
+            <a:r>
+              <a:rPr lang="it-IT" dirty="0"/>
+              <a:t> to </a:t>
+            </a:r>
+            <a:r>
+              <a:rPr lang="it-IT" dirty="0" err="1"/>
+              <a:t>exhaust</a:t>
+            </a:r>
+            <a:r>
+              <a:rPr lang="it-IT" dirty="0"/>
+              <a:t> the target network </a:t>
+            </a:r>
+            <a:r>
+              <a:rPr lang="it-IT" dirty="0" err="1"/>
+              <a:t>bandwidth</a:t>
+            </a:r>
+            <a:r>
+              <a:rPr lang="it-IT" dirty="0"/>
+              <a:t> by </a:t>
+            </a:r>
+            <a:r>
+              <a:rPr lang="it-IT" dirty="0" err="1"/>
+              <a:t>exploiting</a:t>
+            </a:r>
+            <a:r>
+              <a:rPr lang="it-IT" dirty="0"/>
+              <a:t> the concepts of </a:t>
+            </a:r>
+            <a:r>
+              <a:rPr lang="it-IT" dirty="0" err="1"/>
+              <a:t>reflection</a:t>
+            </a:r>
+            <a:r>
+              <a:rPr lang="it-IT" dirty="0"/>
+              <a:t> and </a:t>
+            </a:r>
+            <a:r>
+              <a:rPr lang="it-IT" dirty="0" err="1"/>
+              <a:t>amplification</a:t>
+            </a:r>
+            <a:r>
+              <a:rPr lang="it-IT" dirty="0"/>
+              <a:t>.</a:t>
+            </a:r>
+          </a:p>
+          <a:p>
+            <a:pPr marL="0" lvl="0" indent="0" algn="l" rtl="0">
+              <a:spcBef>
+                <a:spcPts val="0"/>
+              </a:spcBef>
+              <a:spcAft>
+                <a:spcPts val="0"/>
+              </a:spcAft>
+              <a:buNone/>
+            </a:pPr>
+            <a:endParaRPr lang="it-IT" dirty="0"/>
+          </a:p>
+          <a:p>
+            <a:pPr marL="0" lvl="0" indent="0" algn="l" rtl="0">
+              <a:spcBef>
+                <a:spcPts val="0"/>
+              </a:spcBef>
+              <a:spcAft>
+                <a:spcPts val="0"/>
+              </a:spcAft>
+              <a:buNone/>
+            </a:pPr>
+            <a:r>
+              <a:rPr lang="it-IT" dirty="0" err="1"/>
+              <a:t>It</a:t>
+            </a:r>
+            <a:r>
+              <a:rPr lang="it-IT" dirty="0"/>
+              <a:t> starts with the spoofing of the IP </a:t>
+            </a:r>
+            <a:r>
+              <a:rPr lang="it-IT" dirty="0" err="1"/>
+              <a:t>address</a:t>
+            </a:r>
+            <a:r>
+              <a:rPr lang="it-IT" dirty="0"/>
+              <a:t> of a </a:t>
+            </a:r>
+            <a:r>
+              <a:rPr lang="it-IT" dirty="0" err="1"/>
+              <a:t>victim</a:t>
+            </a:r>
+            <a:r>
+              <a:rPr lang="it-IT" dirty="0"/>
+              <a:t> by the </a:t>
+            </a:r>
+            <a:r>
+              <a:rPr lang="it-IT" dirty="0" err="1"/>
+              <a:t>attacker</a:t>
+            </a:r>
+            <a:r>
+              <a:rPr lang="it-IT" dirty="0"/>
+              <a:t>. </a:t>
+            </a:r>
+            <a:r>
+              <a:rPr lang="it-IT" dirty="0" err="1"/>
+              <a:t>Then</a:t>
+            </a:r>
+            <a:r>
+              <a:rPr lang="it-IT" dirty="0"/>
+              <a:t> the </a:t>
+            </a:r>
+            <a:r>
+              <a:rPr lang="it-IT" dirty="0" err="1"/>
+              <a:t>attacker</a:t>
+            </a:r>
+            <a:r>
+              <a:rPr lang="it-IT" dirty="0"/>
+              <a:t> </a:t>
+            </a:r>
+            <a:r>
+              <a:rPr lang="it-IT" dirty="0" err="1"/>
+              <a:t>sends</a:t>
+            </a:r>
+            <a:r>
+              <a:rPr lang="it-IT" dirty="0"/>
+              <a:t> </a:t>
+            </a:r>
+            <a:r>
+              <a:rPr lang="it-IT" dirty="0" err="1"/>
+              <a:t>lots</a:t>
+            </a:r>
+            <a:r>
+              <a:rPr lang="it-IT" dirty="0"/>
+              <a:t> of queries to a </a:t>
+            </a:r>
+            <a:r>
+              <a:rPr lang="it-IT" dirty="0" err="1"/>
+              <a:t>misconfigured</a:t>
+            </a:r>
+            <a:r>
+              <a:rPr lang="it-IT" dirty="0"/>
+              <a:t> DNS recursive server </a:t>
+            </a:r>
+            <a:r>
+              <a:rPr lang="it-IT" dirty="0" err="1"/>
+              <a:t>that</a:t>
+            </a:r>
+            <a:r>
+              <a:rPr lang="it-IT" dirty="0"/>
+              <a:t> </a:t>
+            </a:r>
+            <a:r>
+              <a:rPr lang="it-IT" dirty="0" err="1"/>
+              <a:t>will</a:t>
+            </a:r>
+            <a:r>
+              <a:rPr lang="it-IT" dirty="0"/>
+              <a:t> </a:t>
+            </a:r>
+            <a:r>
+              <a:rPr lang="it-IT" dirty="0" err="1"/>
+              <a:t>consequently</a:t>
+            </a:r>
+            <a:r>
+              <a:rPr lang="it-IT" dirty="0"/>
+              <a:t> </a:t>
+            </a:r>
+            <a:r>
+              <a:rPr lang="it-IT" dirty="0" err="1"/>
+              <a:t>respond</a:t>
+            </a:r>
+            <a:r>
+              <a:rPr lang="it-IT" dirty="0"/>
+              <a:t> to the </a:t>
+            </a:r>
+            <a:r>
+              <a:rPr lang="it-IT" dirty="0" err="1"/>
+              <a:t>victim</a:t>
+            </a:r>
+            <a:r>
+              <a:rPr lang="it-IT" dirty="0"/>
+              <a:t> IP.</a:t>
+            </a:r>
+          </a:p>
+          <a:p>
+            <a:pPr marL="0" lvl="0" indent="0" algn="l" rtl="0">
+              <a:spcBef>
+                <a:spcPts val="0"/>
+              </a:spcBef>
+              <a:spcAft>
+                <a:spcPts val="0"/>
+              </a:spcAft>
+              <a:buNone/>
+            </a:pPr>
+            <a:endParaRPr lang="it-IT" dirty="0"/>
+          </a:p>
+          <a:p>
+            <a:pPr marL="0" lvl="0" indent="0" algn="l" rtl="0">
+              <a:spcBef>
+                <a:spcPts val="0"/>
+              </a:spcBef>
+              <a:spcAft>
+                <a:spcPts val="0"/>
+              </a:spcAft>
+              <a:buNone/>
+            </a:pPr>
+            <a:r>
+              <a:rPr lang="it-IT" dirty="0"/>
+              <a:t>So </a:t>
+            </a:r>
+            <a:r>
+              <a:rPr lang="it-IT" dirty="0" err="1"/>
+              <a:t>we</a:t>
+            </a:r>
+            <a:r>
+              <a:rPr lang="it-IT" dirty="0"/>
+              <a:t> </a:t>
+            </a:r>
+            <a:r>
+              <a:rPr lang="it-IT" dirty="0" err="1"/>
+              <a:t>have</a:t>
+            </a:r>
+            <a:r>
+              <a:rPr lang="it-IT" dirty="0"/>
+              <a:t> a </a:t>
+            </a:r>
+            <a:r>
+              <a:rPr lang="it-IT" dirty="0" err="1"/>
+              <a:t>kind</a:t>
+            </a:r>
+            <a:r>
+              <a:rPr lang="it-IT" dirty="0"/>
+              <a:t> of </a:t>
+            </a:r>
+            <a:r>
+              <a:rPr lang="it-IT" dirty="0" err="1"/>
+              <a:t>reflection</a:t>
+            </a:r>
+            <a:r>
+              <a:rPr lang="it-IT" dirty="0"/>
+              <a:t> on the name server.</a:t>
+            </a:r>
+          </a:p>
+          <a:p>
+            <a:pPr marL="0" lvl="0" indent="0" algn="l" rtl="0">
+              <a:spcBef>
+                <a:spcPts val="0"/>
+              </a:spcBef>
+              <a:spcAft>
+                <a:spcPts val="0"/>
+              </a:spcAft>
+              <a:buNone/>
+            </a:pPr>
+            <a:endParaRPr lang="it-IT" dirty="0"/>
+          </a:p>
+          <a:p>
+            <a:pPr marL="0" lvl="0" indent="0" algn="l" rtl="0">
+              <a:spcBef>
+                <a:spcPts val="0"/>
+              </a:spcBef>
+              <a:spcAft>
+                <a:spcPts val="0"/>
+              </a:spcAft>
+              <a:buNone/>
+            </a:pPr>
+            <a:r>
+              <a:rPr lang="it-IT" dirty="0"/>
+              <a:t>The </a:t>
+            </a:r>
+            <a:r>
+              <a:rPr lang="it-IT" dirty="0" err="1"/>
+              <a:t>amplification</a:t>
+            </a:r>
+            <a:r>
+              <a:rPr lang="it-IT" dirty="0"/>
+              <a:t> </a:t>
+            </a:r>
+            <a:r>
+              <a:rPr lang="it-IT" dirty="0" err="1"/>
+              <a:t>affect</a:t>
+            </a:r>
+            <a:r>
+              <a:rPr lang="it-IT" dirty="0"/>
+              <a:t> </a:t>
+            </a:r>
+            <a:r>
+              <a:rPr lang="it-IT" dirty="0" err="1"/>
+              <a:t>is</a:t>
+            </a:r>
+            <a:r>
+              <a:rPr lang="it-IT" dirty="0"/>
+              <a:t> </a:t>
+            </a:r>
+            <a:r>
+              <a:rPr lang="it-IT" dirty="0" err="1"/>
+              <a:t>obtained</a:t>
+            </a:r>
+            <a:r>
+              <a:rPr lang="it-IT" dirty="0"/>
+              <a:t> </a:t>
+            </a:r>
+            <a:r>
+              <a:rPr lang="it-IT" dirty="0" err="1"/>
+              <a:t>since</a:t>
+            </a:r>
+            <a:r>
+              <a:rPr lang="it-IT" dirty="0"/>
+              <a:t> </a:t>
+            </a:r>
+            <a:r>
+              <a:rPr lang="it-IT" dirty="0" err="1"/>
+              <a:t>usually</a:t>
+            </a:r>
+            <a:r>
+              <a:rPr lang="it-IT" dirty="0"/>
+              <a:t> the </a:t>
+            </a:r>
+            <a:r>
+              <a:rPr lang="it-IT" dirty="0" err="1"/>
+              <a:t>types</a:t>
+            </a:r>
+            <a:r>
+              <a:rPr lang="it-IT" dirty="0"/>
+              <a:t> of queries </a:t>
+            </a:r>
+            <a:r>
+              <a:rPr lang="it-IT" dirty="0" err="1"/>
+              <a:t>performed</a:t>
+            </a:r>
+            <a:r>
+              <a:rPr lang="it-IT" dirty="0"/>
+              <a:t> are of </a:t>
+            </a:r>
+            <a:r>
+              <a:rPr lang="it-IT" dirty="0" err="1"/>
+              <a:t>type</a:t>
+            </a:r>
+            <a:r>
+              <a:rPr lang="it-IT" dirty="0"/>
+              <a:t> ANY, </a:t>
+            </a:r>
+            <a:r>
+              <a:rPr lang="it-IT" dirty="0" err="1"/>
+              <a:t>therefore</a:t>
+            </a:r>
+            <a:r>
+              <a:rPr lang="it-IT" dirty="0"/>
+              <a:t> the </a:t>
+            </a:r>
+            <a:r>
+              <a:rPr lang="it-IT" dirty="0" err="1"/>
+              <a:t>response</a:t>
+            </a:r>
+            <a:r>
+              <a:rPr lang="it-IT" dirty="0"/>
+              <a:t> size </a:t>
+            </a:r>
+            <a:r>
+              <a:rPr lang="it-IT" dirty="0" err="1"/>
+              <a:t>is</a:t>
+            </a:r>
+            <a:r>
+              <a:rPr lang="it-IT" dirty="0"/>
+              <a:t> </a:t>
+            </a:r>
+            <a:r>
+              <a:rPr lang="it-IT" dirty="0" err="1"/>
+              <a:t>larger</a:t>
+            </a:r>
+            <a:r>
+              <a:rPr lang="it-IT" dirty="0"/>
+              <a:t> </a:t>
+            </a:r>
+            <a:r>
+              <a:rPr lang="it-IT" dirty="0" err="1"/>
+              <a:t>than</a:t>
+            </a:r>
+            <a:r>
+              <a:rPr lang="it-IT" dirty="0"/>
+              <a:t> the query, </a:t>
+            </a:r>
+            <a:r>
+              <a:rPr lang="it-IT" dirty="0" err="1"/>
+              <a:t>leading</a:t>
+            </a:r>
+            <a:r>
+              <a:rPr lang="it-IT" dirty="0"/>
+              <a:t> to an </a:t>
+            </a:r>
+            <a:r>
+              <a:rPr lang="it-IT" dirty="0" err="1"/>
+              <a:t>amplification</a:t>
+            </a:r>
+            <a:r>
+              <a:rPr lang="it-IT" dirty="0"/>
+              <a:t> </a:t>
+            </a:r>
+            <a:r>
+              <a:rPr lang="it-IT" dirty="0" err="1"/>
+              <a:t>effect</a:t>
+            </a:r>
+            <a:r>
+              <a:rPr lang="it-IT" dirty="0"/>
+              <a:t>.</a:t>
+            </a:r>
+          </a:p>
+          <a:p>
+            <a:pPr marL="0" lvl="0" indent="0" algn="l" rtl="0">
+              <a:spcBef>
+                <a:spcPts val="0"/>
+              </a:spcBef>
+              <a:spcAft>
+                <a:spcPts val="0"/>
+              </a:spcAft>
+              <a:buNone/>
+            </a:pPr>
+            <a:endParaRPr lang="it-IT" dirty="0"/>
+          </a:p>
+          <a:p>
+            <a:pPr marL="0" lvl="0" indent="0" algn="l" rtl="0">
+              <a:spcBef>
+                <a:spcPts val="0"/>
+              </a:spcBef>
+              <a:spcAft>
+                <a:spcPts val="0"/>
+              </a:spcAft>
+              <a:buNone/>
+            </a:pPr>
+            <a:r>
+              <a:rPr lang="it-IT" dirty="0"/>
+              <a:t>The </a:t>
+            </a:r>
+            <a:r>
+              <a:rPr lang="it-IT" dirty="0" err="1"/>
+              <a:t>higher</a:t>
+            </a:r>
+            <a:r>
+              <a:rPr lang="it-IT" dirty="0"/>
+              <a:t> the </a:t>
+            </a:r>
+            <a:r>
+              <a:rPr lang="it-IT" dirty="0" err="1"/>
+              <a:t>amplification</a:t>
+            </a:r>
+            <a:r>
+              <a:rPr lang="it-IT" dirty="0"/>
+              <a:t> </a:t>
+            </a:r>
+            <a:r>
+              <a:rPr lang="it-IT" dirty="0" err="1"/>
+              <a:t>factor</a:t>
+            </a:r>
+            <a:r>
+              <a:rPr lang="it-IT" dirty="0"/>
+              <a:t>, the </a:t>
+            </a:r>
+            <a:r>
+              <a:rPr lang="it-IT" dirty="0" err="1"/>
+              <a:t>higher</a:t>
+            </a:r>
+            <a:r>
+              <a:rPr lang="it-IT" dirty="0"/>
+              <a:t> the impact of </a:t>
+            </a:r>
+            <a:r>
+              <a:rPr lang="it-IT" dirty="0" err="1"/>
+              <a:t>this</a:t>
+            </a:r>
+            <a:r>
+              <a:rPr lang="it-IT" dirty="0"/>
+              <a:t> </a:t>
+            </a:r>
+            <a:r>
+              <a:rPr lang="it-IT" dirty="0" err="1"/>
+              <a:t>attack</a:t>
+            </a:r>
+            <a:r>
+              <a:rPr lang="it-IT" dirty="0"/>
+              <a:t>.</a:t>
+            </a:r>
+          </a:p>
+          <a:p>
+            <a:pPr marL="0" lvl="0" indent="0" algn="l" rtl="0">
+              <a:spcBef>
+                <a:spcPts val="0"/>
+              </a:spcBef>
+              <a:spcAft>
+                <a:spcPts val="0"/>
+              </a:spcAft>
+              <a:buNone/>
+            </a:pPr>
+            <a:endParaRPr lang="it-IT" dirty="0"/>
+          </a:p>
+          <a:p>
+            <a:pPr marL="0" lvl="0" indent="0" algn="l" rtl="0">
+              <a:spcBef>
+                <a:spcPts val="0"/>
+              </a:spcBef>
+              <a:spcAft>
+                <a:spcPts val="0"/>
+              </a:spcAft>
+              <a:buNone/>
+            </a:pPr>
+            <a:r>
+              <a:rPr lang="it-IT" dirty="0" err="1"/>
+              <a:t>According</a:t>
+            </a:r>
+            <a:r>
+              <a:rPr lang="it-IT" dirty="0"/>
+              <a:t> to the </a:t>
+            </a:r>
+            <a:r>
+              <a:rPr lang="it-IT" dirty="0" err="1"/>
+              <a:t>already</a:t>
+            </a:r>
+            <a:r>
+              <a:rPr lang="it-IT" dirty="0"/>
+              <a:t> </a:t>
+            </a:r>
+            <a:r>
+              <a:rPr lang="it-IT" dirty="0" err="1"/>
+              <a:t>cited</a:t>
+            </a:r>
+            <a:r>
+              <a:rPr lang="it-IT" dirty="0"/>
+              <a:t> report, DNS </a:t>
+            </a:r>
+            <a:r>
+              <a:rPr lang="it-IT" dirty="0" err="1"/>
+              <a:t>reflection</a:t>
+            </a:r>
+            <a:r>
+              <a:rPr lang="it-IT" dirty="0"/>
+              <a:t> </a:t>
+            </a:r>
+            <a:r>
+              <a:rPr lang="it-IT" dirty="0" err="1"/>
+              <a:t>is</a:t>
+            </a:r>
+            <a:r>
+              <a:rPr lang="it-IT" dirty="0"/>
+              <a:t> the </a:t>
+            </a:r>
+            <a:r>
+              <a:rPr lang="it-IT" dirty="0" err="1"/>
+              <a:t>most</a:t>
+            </a:r>
+            <a:r>
+              <a:rPr lang="it-IT" dirty="0"/>
+              <a:t> </a:t>
+            </a:r>
+            <a:r>
+              <a:rPr lang="it-IT" dirty="0" err="1"/>
+              <a:t>commonly</a:t>
+            </a:r>
+            <a:r>
+              <a:rPr lang="it-IT" dirty="0"/>
+              <a:t> </a:t>
+            </a:r>
+            <a:r>
+              <a:rPr lang="it-IT" dirty="0" err="1"/>
+              <a:t>used</a:t>
+            </a:r>
+            <a:r>
+              <a:rPr lang="it-IT" dirty="0"/>
+              <a:t> </a:t>
+            </a:r>
+            <a:r>
+              <a:rPr lang="it-IT" dirty="0" err="1"/>
+              <a:t>attack</a:t>
+            </a:r>
+            <a:r>
+              <a:rPr lang="it-IT" dirty="0"/>
+              <a:t> </a:t>
+            </a:r>
+            <a:r>
+              <a:rPr lang="it-IT" dirty="0" err="1"/>
+              <a:t>among</a:t>
+            </a:r>
+            <a:r>
+              <a:rPr lang="it-IT" dirty="0"/>
+              <a:t> the </a:t>
+            </a:r>
+            <a:r>
+              <a:rPr lang="it-IT" dirty="0" err="1"/>
+              <a:t>dns-based</a:t>
+            </a:r>
+            <a:r>
+              <a:rPr lang="it-IT" dirty="0"/>
+              <a:t> </a:t>
+            </a:r>
+            <a:r>
+              <a:rPr lang="it-IT" dirty="0" err="1"/>
+              <a:t>ddos</a:t>
+            </a:r>
+            <a:r>
+              <a:rPr lang="it-IT" dirty="0"/>
+              <a:t>, so </a:t>
+            </a:r>
+            <a:r>
+              <a:rPr lang="it-IT" dirty="0" err="1"/>
+              <a:t>we</a:t>
+            </a:r>
+            <a:r>
+              <a:rPr lang="it-IT" dirty="0"/>
+              <a:t> </a:t>
+            </a:r>
+            <a:r>
+              <a:rPr lang="it-IT" dirty="0" err="1"/>
+              <a:t>decided</a:t>
+            </a:r>
+            <a:r>
+              <a:rPr lang="it-IT" dirty="0"/>
+              <a:t> to simulate </a:t>
+            </a:r>
+            <a:r>
+              <a:rPr lang="it-IT" dirty="0" err="1"/>
+              <a:t>it</a:t>
+            </a:r>
+            <a:r>
+              <a:rPr lang="it-IT" dirty="0"/>
+              <a:t>.</a:t>
+            </a:r>
+            <a:endParaRPr dirty="0"/>
           </a:p>
         </p:txBody>
       </p:sp>
     </p:spTree>
     <p:extLst>
       <p:ext uri="{BB962C8B-B14F-4D97-AF65-F5344CB8AC3E}">
-        <p14:creationId xmlns:p14="http://schemas.microsoft.com/office/powerpoint/2010/main" val="4106909393"/>
+        <p14:creationId xmlns:p14="http://schemas.microsoft.com/office/powerpoint/2010/main" val="1260587386"/>
       </p:ext>
     </p:extLst>
   </p:cSld>
@@ -20244,16 +22943,68 @@
               <a:buNone/>
             </a:pPr>
             <a:r>
-              <a:rPr lang="en" sz="6600" dirty="0">
+              <a:rPr lang="en" sz="4800" dirty="0">
+                <a:solidFill>
+                  <a:schemeClr val="tx1"/>
+                </a:solidFill>
+              </a:rPr>
+              <a:t>From</a:t>
+            </a:r>
+            <a:r>
+              <a:rPr lang="en" sz="4800" dirty="0">
                 <a:solidFill>
                   <a:schemeClr val="accent3"/>
                 </a:solidFill>
               </a:rPr>
-              <a:t>DDoS</a:t>
-            </a:r>
-            <a:r>
-              <a:rPr lang="en" sz="6600" dirty="0"/>
-              <a:t> Attack</a:t>
+              <a:t> </a:t>
+            </a:r>
+            <a:r>
+              <a:rPr lang="en" sz="4400" dirty="0">
+                <a:solidFill>
+                  <a:schemeClr val="accent3"/>
+                </a:solidFill>
+              </a:rPr>
+              <a:t>Ripple</a:t>
+            </a:r>
+            <a:r>
+              <a:rPr lang="en" sz="4000" dirty="0">
+                <a:solidFill>
+                  <a:schemeClr val="accent3"/>
+                </a:solidFill>
+              </a:rPr>
+              <a:t>s</a:t>
+            </a:r>
+            <a:r>
+              <a:rPr lang="en" sz="4800" dirty="0">
+                <a:solidFill>
+                  <a:schemeClr val="accent3"/>
+                </a:solidFill>
+              </a:rPr>
+              <a:t> </a:t>
+            </a:r>
+            <a:r>
+              <a:rPr lang="en" sz="4800" dirty="0">
+                <a:solidFill>
+                  <a:schemeClr val="tx1"/>
+                </a:solidFill>
+              </a:rPr>
+              <a:t>to</a:t>
+            </a:r>
+            <a:r>
+              <a:rPr lang="en" sz="4800" dirty="0">
+                <a:solidFill>
+                  <a:schemeClr val="accent3"/>
+                </a:solidFill>
+              </a:rPr>
+              <a:t> </a:t>
+            </a:r>
+            <a:r>
+              <a:rPr lang="en" sz="6000" dirty="0">
+                <a:solidFill>
+                  <a:schemeClr val="accent1"/>
+                </a:solidFill>
+              </a:rPr>
+              <a:t>Waves</a:t>
             </a:r>
             <a:br>
               <a:rPr lang="en" sz="4400" dirty="0"/>
@@ -20262,7 +23013,7 @@
               <a:rPr lang="en" sz="4400" dirty="0"/>
             </a:br>
             <a:r>
-              <a:rPr lang="en" sz="5400" dirty="0">
+              <a:rPr lang="en" sz="4800" dirty="0">
                 <a:solidFill>
                   <a:schemeClr val="tx1"/>
                 </a:solidFill>
@@ -20275,25 +23026,61 @@
                   <a:schemeClr val="accent1"/>
                 </a:solidFill>
               </a:rPr>
-              <a:t> reflection </a:t>
+              <a:t> </a:t>
+            </a:r>
+            <a:r>
+              <a:rPr lang="en" sz="4400" dirty="0">
+                <a:solidFill>
+                  <a:schemeClr val="accent3"/>
+                </a:solidFill>
+              </a:rPr>
+              <a:t>Reflection</a:t>
             </a:r>
             <a:r>
               <a:rPr lang="en" sz="5400" dirty="0">
                 <a:solidFill>
+                  <a:schemeClr val="accent1"/>
+                </a:solidFill>
+              </a:rPr>
+              <a:t> </a:t>
+            </a:r>
+            <a:r>
+              <a:rPr lang="en" sz="4800" dirty="0">
+                <a:solidFill>
                   <a:schemeClr val="tx1"/>
                 </a:solidFill>
               </a:rPr>
-              <a:t>and </a:t>
+              <a:t>and</a:t>
             </a:r>
             <a:r>
               <a:rPr lang="en" sz="5400" dirty="0">
                 <a:solidFill>
+                  <a:schemeClr val="tx1"/>
+                </a:solidFill>
+              </a:rPr>
+              <a:t> </a:t>
+            </a:r>
+            <a:r>
+              <a:rPr lang="en" sz="5400" dirty="0">
+                <a:solidFill>
                   <a:schemeClr val="accent1"/>
                 </a:solidFill>
               </a:rPr>
-              <a:t>amplification</a:t>
-            </a:r>
-            <a:endParaRPr sz="4400" dirty="0"/>
+              <a:t>Amplification </a:t>
+            </a:r>
+            <a:r>
+              <a:rPr lang="en" sz="4800" dirty="0">
+                <a:solidFill>
+                  <a:schemeClr val="tx1"/>
+                </a:solidFill>
+              </a:rPr>
+              <a:t>Attack</a:t>
+            </a:r>
+            <a:endParaRPr sz="4800" dirty="0">
+              <a:solidFill>
+                <a:schemeClr val="tx1"/>
+              </a:solidFill>
+            </a:endParaRPr>
           </a:p>
         </p:txBody>
       </p:sp>
@@ -20356,6 +23143,212 @@
 </file>
 
 <file path=ppt/slides/slide10.xml><?xml version="1.0" encoding="utf-8"?>
+<p:sld xmlns:a="http://schemas.openxmlformats.org/drawingml/2006/main" xmlns:r="http://schemas.openxmlformats.org/officeDocument/2006/relationships" xmlns:p="http://schemas.openxmlformats.org/presentationml/2006/main">
+  <p:cSld>
+    <p:spTree>
+      <p:nvGrpSpPr>
+        <p:cNvPr id="1" name="Shape 456"/>
+        <p:cNvGrpSpPr/>
+        <p:nvPr/>
+      </p:nvGrpSpPr>
+      <p:grpSpPr>
+        <a:xfrm>
+          <a:off x="0" y="0"/>
+          <a:ext cx="0" cy="0"/>
+          <a:chOff x="0" y="0"/>
+          <a:chExt cx="0" cy="0"/>
+        </a:xfrm>
+      </p:grpSpPr>
+      <p:sp>
+        <p:nvSpPr>
+          <p:cNvPr id="457" name="Google Shape;457;p31"/>
+          <p:cNvSpPr txBox="1">
+            <a:spLocks noGrp="1"/>
+          </p:cNvSpPr>
+          <p:nvPr>
+            <p:ph type="body" idx="1"/>
+          </p:nvPr>
+        </p:nvSpPr>
+        <p:spPr>
+          <a:xfrm>
+            <a:off x="1653300" y="4052849"/>
+            <a:ext cx="8894400" cy="1009007"/>
+          </a:xfrm>
+          <a:prstGeom prst="rect">
+            <a:avLst/>
+          </a:prstGeom>
+        </p:spPr>
+        <p:txBody>
+          <a:bodyPr spcFirstLastPara="1" wrap="square" lIns="121900" tIns="121900" rIns="121900" bIns="121900" anchor="t" anchorCtr="0">
+            <a:noAutofit/>
+          </a:bodyPr>
+          <a:lstStyle/>
+          <a:p>
+            <a:pPr marL="0" lvl="0" indent="0" algn="l" rtl="0">
+              <a:spcBef>
+                <a:spcPts val="0"/>
+              </a:spcBef>
+              <a:spcAft>
+                <a:spcPts val="2100"/>
+              </a:spcAft>
+              <a:buNone/>
+            </a:pPr>
+            <a:r>
+              <a:rPr lang="en" sz="2100" dirty="0">
+                <a:solidFill>
+                  <a:schemeClr val="accent3"/>
+                </a:solidFill>
+              </a:rPr>
+              <a:t>&lt;p&gt; </a:t>
+            </a:r>
+            <a:r>
+              <a:rPr lang="en-US" dirty="0"/>
+              <a:t>DNS is vital for the Internet, so protecting it from DDoS attacks is crucial. </a:t>
+            </a:r>
+            <a:r>
+              <a:rPr lang="en" sz="2100" dirty="0">
+                <a:solidFill>
+                  <a:schemeClr val="accent3"/>
+                </a:solidFill>
+              </a:rPr>
+              <a:t>&lt;/p&gt;</a:t>
+            </a:r>
+            <a:endParaRPr dirty="0">
+              <a:solidFill>
+                <a:schemeClr val="accent3"/>
+              </a:solidFill>
+            </a:endParaRPr>
+          </a:p>
+        </p:txBody>
+      </p:sp>
+      <p:sp>
+        <p:nvSpPr>
+          <p:cNvPr id="458" name="Google Shape;458;p31"/>
+          <p:cNvSpPr txBox="1">
+            <a:spLocks noGrp="1"/>
+          </p:cNvSpPr>
+          <p:nvPr>
+            <p:ph type="title"/>
+          </p:nvPr>
+        </p:nvSpPr>
+        <p:spPr>
+          <a:xfrm>
+            <a:off x="3659300" y="2041675"/>
+            <a:ext cx="6730800" cy="1575000"/>
+          </a:xfrm>
+          <a:prstGeom prst="rect">
+            <a:avLst/>
+          </a:prstGeom>
+        </p:spPr>
+        <p:txBody>
+          <a:bodyPr spcFirstLastPara="1" wrap="square" lIns="121900" tIns="121900" rIns="121900" bIns="121900" anchor="t" anchorCtr="0">
+            <a:noAutofit/>
+          </a:bodyPr>
+          <a:lstStyle/>
+          <a:p>
+            <a:pPr marL="0" lvl="0" indent="0" algn="l" rtl="0">
+              <a:spcBef>
+                <a:spcPts val="0"/>
+              </a:spcBef>
+              <a:spcAft>
+                <a:spcPts val="0"/>
+              </a:spcAft>
+              <a:buNone/>
+            </a:pPr>
+            <a:r>
+              <a:rPr lang="en" sz="5800" dirty="0"/>
+              <a:t>Mechanisms for </a:t>
+            </a:r>
+            <a:r>
+              <a:rPr lang="en" sz="6800" dirty="0">
+                <a:solidFill>
+                  <a:schemeClr val="accent3"/>
+                </a:solidFill>
+              </a:rPr>
+              <a:t>MITIGATION </a:t>
+            </a:r>
+            <a:endParaRPr sz="6800" dirty="0">
+              <a:solidFill>
+                <a:schemeClr val="accent3"/>
+              </a:solidFill>
+            </a:endParaRPr>
+          </a:p>
+        </p:txBody>
+      </p:sp>
+      <p:sp>
+        <p:nvSpPr>
+          <p:cNvPr id="459" name="Google Shape;459;p31"/>
+          <p:cNvSpPr/>
+          <p:nvPr/>
+        </p:nvSpPr>
+        <p:spPr>
+          <a:xfrm>
+            <a:off x="1663550" y="2130577"/>
+            <a:ext cx="1858156" cy="1486099"/>
+          </a:xfrm>
+          <a:prstGeom prst="rect">
+            <a:avLst/>
+          </a:prstGeom>
+        </p:spPr>
+        <p:txBody>
+          <a:bodyPr>
+            <a:prstTxWarp prst="textPlain">
+              <a:avLst/>
+            </a:prstTxWarp>
+          </a:bodyPr>
+          <a:lstStyle/>
+          <a:p>
+            <a:pPr lvl="0" algn="ctr"/>
+            <a:r>
+              <a:rPr b="1" i="0" dirty="0">
+                <a:ln>
+                  <a:noFill/>
+                </a:ln>
+                <a:solidFill>
+                  <a:schemeClr val="accent3"/>
+                </a:solidFill>
+                <a:latin typeface="Roboto Mono"/>
+              </a:rPr>
+              <a:t>0</a:t>
+            </a:r>
+            <a:r>
+              <a:rPr lang="it-IT" b="1" i="0" dirty="0">
+                <a:ln>
+                  <a:noFill/>
+                </a:ln>
+                <a:solidFill>
+                  <a:schemeClr val="accent3"/>
+                </a:solidFill>
+                <a:latin typeface="Roboto Mono"/>
+              </a:rPr>
+              <a:t>6</a:t>
+            </a:r>
+            <a:endParaRPr b="1" i="0" dirty="0">
+              <a:ln>
+                <a:noFill/>
+              </a:ln>
+              <a:solidFill>
+                <a:schemeClr val="accent3"/>
+              </a:solidFill>
+              <a:latin typeface="Roboto Mono"/>
+            </a:endParaRPr>
+          </a:p>
+        </p:txBody>
+      </p:sp>
+    </p:spTree>
+    <p:extLst>
+      <p:ext uri="{BB962C8B-B14F-4D97-AF65-F5344CB8AC3E}">
+        <p14:creationId xmlns:p14="http://schemas.microsoft.com/office/powerpoint/2010/main" val="3340018122"/>
+      </p:ext>
+    </p:extLst>
+  </p:cSld>
+  <p:clrMapOvr>
+    <a:masterClrMapping/>
+  </p:clrMapOvr>
+</p:sld>
+</file>
+
+<file path=ppt/slides/slide11.xml><?xml version="1.0" encoding="utf-8"?>
 <p:sld xmlns:a="http://schemas.openxmlformats.org/drawingml/2006/main" xmlns:r="http://schemas.openxmlformats.org/officeDocument/2006/relationships" xmlns:p="http://schemas.openxmlformats.org/presentationml/2006/main">
   <p:cSld>
     <p:spTree>
@@ -21221,7 +24214,7 @@
 </p:sld>
 </file>
 
-<file path=ppt/slides/slide11.xml><?xml version="1.0" encoding="utf-8"?>
+<file path=ppt/slides/slide12.xml><?xml version="1.0" encoding="utf-8"?>
 <p:sld xmlns:a="http://schemas.openxmlformats.org/drawingml/2006/main" xmlns:r="http://schemas.openxmlformats.org/officeDocument/2006/relationships" xmlns:p="http://schemas.openxmlformats.org/presentationml/2006/main">
   <p:cSld>
     <p:spTree>
@@ -22156,7 +25149,7 @@
 </p:sld>
 </file>
 
-<file path=ppt/slides/slide12.xml><?xml version="1.0" encoding="utf-8"?>
+<file path=ppt/slides/slide13.xml><?xml version="1.0" encoding="utf-8"?>
 <p:sld xmlns:a="http://schemas.openxmlformats.org/drawingml/2006/main" xmlns:r="http://schemas.openxmlformats.org/officeDocument/2006/relationships" xmlns:p="http://schemas.openxmlformats.org/presentationml/2006/main">
   <p:cSld>
     <p:spTree>
@@ -23206,7 +26199,7 @@
             </a:pPr>
             <a:r>
               <a:rPr lang="en" dirty="0"/>
-              <a:t>We will talk about this </a:t>
+              <a:t>DDoS attack </a:t>
             </a:r>
             <a:r>
               <a:rPr lang="en" dirty="0">
@@ -23214,11 +26207,23 @@
                   <a:schemeClr val="accent1"/>
                 </a:solidFill>
               </a:rPr>
-              <a:t>first</a:t>
+              <a:t>types</a:t>
             </a:r>
             <a:r>
               <a:rPr lang="en" dirty="0"/>
-              <a:t>.</a:t>
+              <a:t> and </a:t>
+            </a:r>
+            <a:r>
+              <a:rPr lang="en" dirty="0">
+                <a:solidFill>
+                  <a:schemeClr val="accent1"/>
+                </a:solidFill>
+              </a:rPr>
+              <a:t>reasons</a:t>
+            </a:r>
+            <a:r>
+              <a:rPr lang="en" dirty="0"/>
+              <a:t> behind the chosen method.</a:t>
             </a:r>
             <a:endParaRPr dirty="0"/>
           </a:p>
@@ -23421,14 +26426,14 @@
               <a:buNone/>
             </a:pPr>
             <a:r>
-              <a:rPr lang="en">
+              <a:rPr lang="en" dirty="0">
                 <a:solidFill>
                   <a:schemeClr val="accent1"/>
                 </a:solidFill>
               </a:rPr>
               <a:t>01</a:t>
             </a:r>
-            <a:endParaRPr>
+            <a:endParaRPr dirty="0">
               <a:solidFill>
                 <a:schemeClr val="accent1"/>
               </a:solidFill>
@@ -23471,11 +26476,11 @@
               <a:buNone/>
             </a:pPr>
             <a:r>
-              <a:rPr lang="en"/>
+              <a:rPr lang="en" dirty="0"/>
               <a:t>Then, we will talk about </a:t>
             </a:r>
             <a:r>
-              <a:rPr lang="en">
+              <a:rPr lang="en" dirty="0">
                 <a:solidFill>
                   <a:schemeClr val="accent2"/>
                 </a:solidFill>
@@ -23483,10 +26488,10 @@
               <a:t>this</a:t>
             </a:r>
             <a:r>
-              <a:rPr lang="en"/>
+              <a:rPr lang="en" dirty="0"/>
               <a:t>.</a:t>
             </a:r>
-            <a:endParaRPr/>
+            <a:endParaRPr dirty="0"/>
           </a:p>
         </p:txBody>
       </p:sp>
@@ -23939,6 +26944,600 @@
   <p:cSld>
     <p:spTree>
       <p:nvGrpSpPr>
+        <p:cNvPr id="1" name="Shape 495"/>
+        <p:cNvGrpSpPr/>
+        <p:nvPr/>
+      </p:nvGrpSpPr>
+      <p:grpSpPr>
+        <a:xfrm>
+          <a:off x="0" y="0"/>
+          <a:ext cx="0" cy="0"/>
+          <a:chOff x="0" y="0"/>
+          <a:chExt cx="0" cy="0"/>
+        </a:xfrm>
+      </p:grpSpPr>
+      <p:sp>
+        <p:nvSpPr>
+          <p:cNvPr id="496" name="Google Shape;496;p34"/>
+          <p:cNvSpPr/>
+          <p:nvPr/>
+        </p:nvSpPr>
+        <p:spPr>
+          <a:xfrm>
+            <a:off x="316800" y="194225"/>
+            <a:ext cx="11648700" cy="6398100"/>
+          </a:xfrm>
+          <a:prstGeom prst="roundRect">
+            <a:avLst>
+              <a:gd name="adj" fmla="val 2468"/>
+            </a:avLst>
+          </a:prstGeom>
+          <a:solidFill>
+            <a:schemeClr val="lt2"/>
+          </a:solidFill>
+          <a:ln>
+            <a:noFill/>
+          </a:ln>
+          <a:effectLst>
+            <a:outerShdw blurRad="63500" sx="102000" sy="102000" algn="ctr" rotWithShape="0">
+              <a:srgbClr val="000000">
+                <a:alpha val="9800"/>
+              </a:srgbClr>
+            </a:outerShdw>
+          </a:effectLst>
+        </p:spPr>
+        <p:txBody>
+          <a:bodyPr spcFirstLastPara="1" wrap="square" lIns="91425" tIns="45700" rIns="91425" bIns="45700" anchor="ctr" anchorCtr="0">
+            <a:noAutofit/>
+          </a:bodyPr>
+          <a:lstStyle/>
+          <a:p>
+            <a:pPr marL="0" marR="0" lvl="0" indent="0" algn="ctr" rtl="0">
+              <a:spcBef>
+                <a:spcPts val="0"/>
+              </a:spcBef>
+              <a:spcAft>
+                <a:spcPts val="0"/>
+              </a:spcAft>
+              <a:buNone/>
+            </a:pPr>
+            <a:endParaRPr sz="1800" b="0" i="0" u="none" strike="noStrike" cap="none">
+              <a:solidFill>
+                <a:srgbClr val="FFFFFF"/>
+              </a:solidFill>
+              <a:latin typeface="Calibri"/>
+              <a:ea typeface="Calibri"/>
+              <a:cs typeface="Calibri"/>
+              <a:sym typeface="Calibri"/>
+            </a:endParaRPr>
+          </a:p>
+        </p:txBody>
+      </p:sp>
+      <p:pic>
+        <p:nvPicPr>
+          <p:cNvPr id="497" name="Google Shape;497;p34"/>
+          <p:cNvPicPr preferRelativeResize="0"/>
+          <p:nvPr/>
+        </p:nvPicPr>
+        <p:blipFill>
+          <a:blip r:embed="rId3"/>
+          <a:srcRect t="12422" b="12422"/>
+          <a:stretch/>
+        </p:blipFill>
+        <p:spPr>
+          <a:xfrm>
+            <a:off x="550225" y="802978"/>
+            <a:ext cx="5790000" cy="4351500"/>
+          </a:xfrm>
+          <a:prstGeom prst="roundRect">
+            <a:avLst>
+              <a:gd name="adj" fmla="val 3224"/>
+            </a:avLst>
+          </a:prstGeom>
+          <a:noFill/>
+          <a:ln>
+            <a:noFill/>
+          </a:ln>
+          <a:effectLst>
+            <a:outerShdw blurRad="63500" sx="102000" sy="102000" algn="ctr" rotWithShape="0">
+              <a:srgbClr val="000000">
+                <a:alpha val="9800"/>
+              </a:srgbClr>
+            </a:outerShdw>
+          </a:effectLst>
+        </p:spPr>
+      </p:pic>
+      <p:sp>
+        <p:nvSpPr>
+          <p:cNvPr id="498" name="Google Shape;498;p34"/>
+          <p:cNvSpPr txBox="1">
+            <a:spLocks noGrp="1"/>
+          </p:cNvSpPr>
+          <p:nvPr>
+            <p:ph type="title" idx="4294967295"/>
+          </p:nvPr>
+        </p:nvSpPr>
+        <p:spPr>
+          <a:xfrm>
+            <a:off x="6591400" y="802975"/>
+            <a:ext cx="5374200" cy="4351500"/>
+          </a:xfrm>
+          <a:prstGeom prst="rect">
+            <a:avLst/>
+          </a:prstGeom>
+        </p:spPr>
+        <p:txBody>
+          <a:bodyPr spcFirstLastPara="1" wrap="square" lIns="121900" tIns="121900" rIns="121900" bIns="121900" anchor="ctr" anchorCtr="0">
+            <a:noAutofit/>
+          </a:bodyPr>
+          <a:lstStyle/>
+          <a:p>
+            <a:pPr marL="0" lvl="0" indent="0" algn="l" rtl="0">
+              <a:spcBef>
+                <a:spcPts val="0"/>
+              </a:spcBef>
+              <a:spcAft>
+                <a:spcPts val="0"/>
+              </a:spcAft>
+              <a:buNone/>
+            </a:pPr>
+            <a:r>
+              <a:rPr lang="it-IT" sz="5400" dirty="0"/>
+              <a:t>THERE IS </a:t>
+            </a:r>
+            <a:r>
+              <a:rPr lang="it-IT" sz="6000" dirty="0">
+                <a:solidFill>
+                  <a:schemeClr val="accent3"/>
+                </a:solidFill>
+              </a:rPr>
+              <a:t>PLENTY</a:t>
+            </a:r>
+            <a:r>
+              <a:rPr lang="it-IT" sz="6500" dirty="0"/>
+              <a:t> </a:t>
+            </a:r>
+            <a:r>
+              <a:rPr lang="it-IT" sz="6000" dirty="0"/>
+              <a:t>OF DDOS </a:t>
+            </a:r>
+            <a:br>
+              <a:rPr lang="it-IT" sz="6000" dirty="0"/>
+            </a:br>
+            <a:r>
+              <a:rPr lang="it-IT" sz="6000" dirty="0"/>
+              <a:t>ATTACK </a:t>
+            </a:r>
+            <a:r>
+              <a:rPr lang="it-IT" sz="6000" dirty="0">
+                <a:solidFill>
+                  <a:schemeClr val="accent3"/>
+                </a:solidFill>
+              </a:rPr>
+              <a:t>TYPES</a:t>
+            </a:r>
+          </a:p>
+        </p:txBody>
+      </p:sp>
+      <p:sp>
+        <p:nvSpPr>
+          <p:cNvPr id="499" name="Google Shape;499;p34"/>
+          <p:cNvSpPr txBox="1">
+            <a:spLocks noGrp="1"/>
+          </p:cNvSpPr>
+          <p:nvPr>
+            <p:ph type="body" idx="4294967295"/>
+          </p:nvPr>
+        </p:nvSpPr>
+        <p:spPr>
+          <a:xfrm>
+            <a:off x="413996" y="5088835"/>
+            <a:ext cx="11129100" cy="1227365"/>
+          </a:xfrm>
+          <a:prstGeom prst="rect">
+            <a:avLst/>
+          </a:prstGeom>
+        </p:spPr>
+        <p:txBody>
+          <a:bodyPr spcFirstLastPara="1" wrap="square" lIns="121900" tIns="121900" rIns="121900" bIns="121900" anchor="t" anchorCtr="0">
+            <a:noAutofit/>
+          </a:bodyPr>
+          <a:lstStyle/>
+          <a:p>
+            <a:pPr marL="0" lvl="0" indent="0" algn="l" rtl="0">
+              <a:spcBef>
+                <a:spcPts val="2100"/>
+              </a:spcBef>
+              <a:spcAft>
+                <a:spcPts val="0"/>
+              </a:spcAft>
+              <a:buNone/>
+            </a:pPr>
+            <a:r>
+              <a:rPr lang="en-US" sz="2000" dirty="0"/>
+              <a:t>Our interest was in experimenting with a </a:t>
+            </a:r>
+            <a:r>
+              <a:rPr lang="en-US" sz="2000" dirty="0">
+                <a:solidFill>
+                  <a:schemeClr val="accent1"/>
+                </a:solidFill>
+                <a:latin typeface="Roboto Mono" pitchFamily="49" charset="0"/>
+                <a:ea typeface="Roboto Mono" pitchFamily="49" charset="0"/>
+                <a:cs typeface="Roboto"/>
+                <a:sym typeface="Roboto"/>
+              </a:rPr>
+              <a:t>commonly employed</a:t>
+            </a:r>
+            <a:r>
+              <a:rPr lang="en-US" sz="2000" dirty="0"/>
+              <a:t> approach in real-world scenarios, as </a:t>
+            </a:r>
+            <a:r>
+              <a:rPr lang="en-US" sz="2000" dirty="0">
+                <a:solidFill>
+                  <a:schemeClr val="accent3"/>
+                </a:solidFill>
+                <a:latin typeface="Roboto Mono" pitchFamily="49" charset="0"/>
+                <a:ea typeface="Roboto Mono" pitchFamily="49" charset="0"/>
+                <a:cs typeface="Roboto"/>
+                <a:sym typeface="Roboto"/>
+              </a:rPr>
+              <a:t>opposed</a:t>
+            </a:r>
+            <a:r>
+              <a:rPr lang="en-US" sz="2000" dirty="0"/>
+              <a:t> to </a:t>
+            </a:r>
+            <a:r>
+              <a:rPr lang="en-US" sz="2000" dirty="0">
+                <a:solidFill>
+                  <a:schemeClr val="accent3"/>
+                </a:solidFill>
+                <a:latin typeface="Roboto Mono" pitchFamily="49" charset="0"/>
+                <a:ea typeface="Roboto Mono" pitchFamily="49" charset="0"/>
+                <a:cs typeface="Roboto"/>
+              </a:rPr>
+              <a:t>sporadic</a:t>
+            </a:r>
+            <a:r>
+              <a:rPr lang="en-US" sz="2000" dirty="0"/>
+              <a:t> cases.</a:t>
+            </a:r>
+          </a:p>
+        </p:txBody>
+      </p:sp>
+      <p:grpSp>
+        <p:nvGrpSpPr>
+          <p:cNvPr id="500" name="Google Shape;500;p34"/>
+          <p:cNvGrpSpPr/>
+          <p:nvPr/>
+        </p:nvGrpSpPr>
+        <p:grpSpPr>
+          <a:xfrm>
+            <a:off x="704646" y="902484"/>
+            <a:ext cx="635280" cy="147600"/>
+            <a:chOff x="2147366" y="4139382"/>
+            <a:chExt cx="635280" cy="147600"/>
+          </a:xfrm>
+        </p:grpSpPr>
+        <p:sp>
+          <p:nvSpPr>
+            <p:cNvPr id="501" name="Google Shape;501;p34"/>
+            <p:cNvSpPr/>
+            <p:nvPr/>
+          </p:nvSpPr>
+          <p:spPr>
+            <a:xfrm>
+              <a:off x="2147366" y="4139382"/>
+              <a:ext cx="147600" cy="147600"/>
+            </a:xfrm>
+            <a:prstGeom prst="ellipse">
+              <a:avLst/>
+            </a:prstGeom>
+            <a:solidFill>
+              <a:schemeClr val="accent4"/>
+            </a:solidFill>
+            <a:ln>
+              <a:noFill/>
+            </a:ln>
+          </p:spPr>
+          <p:txBody>
+            <a:bodyPr spcFirstLastPara="1" wrap="square" lIns="91425" tIns="45700" rIns="91425" bIns="45700" anchor="ctr" anchorCtr="0">
+              <a:noAutofit/>
+            </a:bodyPr>
+            <a:lstStyle/>
+            <a:p>
+              <a:pPr marL="0" marR="0" lvl="0" indent="0" algn="ctr" rtl="0">
+                <a:spcBef>
+                  <a:spcPts val="0"/>
+                </a:spcBef>
+                <a:spcAft>
+                  <a:spcPts val="0"/>
+                </a:spcAft>
+                <a:buNone/>
+              </a:pPr>
+              <a:endParaRPr sz="1800" b="0" i="0" u="none" strike="noStrike" cap="none">
+                <a:solidFill>
+                  <a:srgbClr val="FFFFFF"/>
+                </a:solidFill>
+                <a:latin typeface="Calibri"/>
+                <a:ea typeface="Calibri"/>
+                <a:cs typeface="Calibri"/>
+                <a:sym typeface="Calibri"/>
+              </a:endParaRPr>
+            </a:p>
+          </p:txBody>
+        </p:sp>
+        <p:sp>
+          <p:nvSpPr>
+            <p:cNvPr id="502" name="Google Shape;502;p34"/>
+            <p:cNvSpPr/>
+            <p:nvPr/>
+          </p:nvSpPr>
+          <p:spPr>
+            <a:xfrm>
+              <a:off x="2391206" y="4139382"/>
+              <a:ext cx="147600" cy="147600"/>
+            </a:xfrm>
+            <a:prstGeom prst="ellipse">
+              <a:avLst/>
+            </a:prstGeom>
+            <a:solidFill>
+              <a:schemeClr val="accent5"/>
+            </a:solidFill>
+            <a:ln>
+              <a:noFill/>
+            </a:ln>
+          </p:spPr>
+          <p:txBody>
+            <a:bodyPr spcFirstLastPara="1" wrap="square" lIns="91425" tIns="45700" rIns="91425" bIns="45700" anchor="ctr" anchorCtr="0">
+              <a:noAutofit/>
+            </a:bodyPr>
+            <a:lstStyle/>
+            <a:p>
+              <a:pPr marL="0" marR="0" lvl="0" indent="0" algn="ctr" rtl="0">
+                <a:spcBef>
+                  <a:spcPts val="0"/>
+                </a:spcBef>
+                <a:spcAft>
+                  <a:spcPts val="0"/>
+                </a:spcAft>
+                <a:buNone/>
+              </a:pPr>
+              <a:endParaRPr sz="1800" b="0" i="0" u="none" strike="noStrike" cap="none">
+                <a:solidFill>
+                  <a:srgbClr val="FFFFFF"/>
+                </a:solidFill>
+                <a:latin typeface="Calibri"/>
+                <a:ea typeface="Calibri"/>
+                <a:cs typeface="Calibri"/>
+                <a:sym typeface="Calibri"/>
+              </a:endParaRPr>
+            </a:p>
+          </p:txBody>
+        </p:sp>
+        <p:sp>
+          <p:nvSpPr>
+            <p:cNvPr id="503" name="Google Shape;503;p34"/>
+            <p:cNvSpPr/>
+            <p:nvPr/>
+          </p:nvSpPr>
+          <p:spPr>
+            <a:xfrm>
+              <a:off x="2635046" y="4139382"/>
+              <a:ext cx="147600" cy="147600"/>
+            </a:xfrm>
+            <a:prstGeom prst="ellipse">
+              <a:avLst/>
+            </a:prstGeom>
+            <a:solidFill>
+              <a:schemeClr val="accent6"/>
+            </a:solidFill>
+            <a:ln>
+              <a:noFill/>
+            </a:ln>
+          </p:spPr>
+          <p:txBody>
+            <a:bodyPr spcFirstLastPara="1" wrap="square" lIns="91425" tIns="45700" rIns="91425" bIns="45700" anchor="ctr" anchorCtr="0">
+              <a:noAutofit/>
+            </a:bodyPr>
+            <a:lstStyle/>
+            <a:p>
+              <a:pPr marL="0" marR="0" lvl="0" indent="0" algn="ctr" rtl="0">
+                <a:spcBef>
+                  <a:spcPts val="0"/>
+                </a:spcBef>
+                <a:spcAft>
+                  <a:spcPts val="0"/>
+                </a:spcAft>
+                <a:buNone/>
+              </a:pPr>
+              <a:endParaRPr sz="1800" b="0" i="0" u="none" strike="noStrike" cap="none">
+                <a:solidFill>
+                  <a:srgbClr val="FFFFFF"/>
+                </a:solidFill>
+                <a:latin typeface="Calibri"/>
+                <a:ea typeface="Calibri"/>
+                <a:cs typeface="Calibri"/>
+                <a:sym typeface="Calibri"/>
+              </a:endParaRPr>
+            </a:p>
+          </p:txBody>
+        </p:sp>
+      </p:grpSp>
+      <p:grpSp>
+        <p:nvGrpSpPr>
+          <p:cNvPr id="504" name="Google Shape;504;p34"/>
+          <p:cNvGrpSpPr/>
+          <p:nvPr/>
+        </p:nvGrpSpPr>
+        <p:grpSpPr>
+          <a:xfrm>
+            <a:off x="413996" y="309734"/>
+            <a:ext cx="635280" cy="147600"/>
+            <a:chOff x="2147366" y="4139382"/>
+            <a:chExt cx="635280" cy="147600"/>
+          </a:xfrm>
+        </p:grpSpPr>
+        <p:sp>
+          <p:nvSpPr>
+            <p:cNvPr id="505" name="Google Shape;505;p34"/>
+            <p:cNvSpPr/>
+            <p:nvPr/>
+          </p:nvSpPr>
+          <p:spPr>
+            <a:xfrm>
+              <a:off x="2147366" y="4139382"/>
+              <a:ext cx="147600" cy="147600"/>
+            </a:xfrm>
+            <a:prstGeom prst="ellipse">
+              <a:avLst/>
+            </a:prstGeom>
+            <a:solidFill>
+              <a:schemeClr val="accent4"/>
+            </a:solidFill>
+            <a:ln>
+              <a:noFill/>
+            </a:ln>
+          </p:spPr>
+          <p:txBody>
+            <a:bodyPr spcFirstLastPara="1" wrap="square" lIns="91425" tIns="45700" rIns="91425" bIns="45700" anchor="ctr" anchorCtr="0">
+              <a:noAutofit/>
+            </a:bodyPr>
+            <a:lstStyle/>
+            <a:p>
+              <a:pPr marL="0" marR="0" lvl="0" indent="0" algn="ctr" rtl="0">
+                <a:spcBef>
+                  <a:spcPts val="0"/>
+                </a:spcBef>
+                <a:spcAft>
+                  <a:spcPts val="0"/>
+                </a:spcAft>
+                <a:buNone/>
+              </a:pPr>
+              <a:endParaRPr sz="1800" b="0" i="0" u="none" strike="noStrike" cap="none">
+                <a:solidFill>
+                  <a:srgbClr val="FFFFFF"/>
+                </a:solidFill>
+                <a:latin typeface="Calibri"/>
+                <a:ea typeface="Calibri"/>
+                <a:cs typeface="Calibri"/>
+                <a:sym typeface="Calibri"/>
+              </a:endParaRPr>
+            </a:p>
+          </p:txBody>
+        </p:sp>
+        <p:sp>
+          <p:nvSpPr>
+            <p:cNvPr id="506" name="Google Shape;506;p34"/>
+            <p:cNvSpPr/>
+            <p:nvPr/>
+          </p:nvSpPr>
+          <p:spPr>
+            <a:xfrm>
+              <a:off x="2391206" y="4139382"/>
+              <a:ext cx="147600" cy="147600"/>
+            </a:xfrm>
+            <a:prstGeom prst="ellipse">
+              <a:avLst/>
+            </a:prstGeom>
+            <a:solidFill>
+              <a:schemeClr val="accent5"/>
+            </a:solidFill>
+            <a:ln>
+              <a:noFill/>
+            </a:ln>
+          </p:spPr>
+          <p:txBody>
+            <a:bodyPr spcFirstLastPara="1" wrap="square" lIns="91425" tIns="45700" rIns="91425" bIns="45700" anchor="ctr" anchorCtr="0">
+              <a:noAutofit/>
+            </a:bodyPr>
+            <a:lstStyle/>
+            <a:p>
+              <a:pPr marL="0" marR="0" lvl="0" indent="0" algn="ctr" rtl="0">
+                <a:spcBef>
+                  <a:spcPts val="0"/>
+                </a:spcBef>
+                <a:spcAft>
+                  <a:spcPts val="0"/>
+                </a:spcAft>
+                <a:buNone/>
+              </a:pPr>
+              <a:endParaRPr sz="1800" b="0" i="0" u="none" strike="noStrike" cap="none">
+                <a:solidFill>
+                  <a:srgbClr val="FFFFFF"/>
+                </a:solidFill>
+                <a:latin typeface="Calibri"/>
+                <a:ea typeface="Calibri"/>
+                <a:cs typeface="Calibri"/>
+                <a:sym typeface="Calibri"/>
+              </a:endParaRPr>
+            </a:p>
+          </p:txBody>
+        </p:sp>
+        <p:sp>
+          <p:nvSpPr>
+            <p:cNvPr id="507" name="Google Shape;507;p34"/>
+            <p:cNvSpPr/>
+            <p:nvPr/>
+          </p:nvSpPr>
+          <p:spPr>
+            <a:xfrm>
+              <a:off x="2635046" y="4139382"/>
+              <a:ext cx="147600" cy="147600"/>
+            </a:xfrm>
+            <a:prstGeom prst="ellipse">
+              <a:avLst/>
+            </a:prstGeom>
+            <a:solidFill>
+              <a:schemeClr val="accent6"/>
+            </a:solidFill>
+            <a:ln>
+              <a:noFill/>
+            </a:ln>
+          </p:spPr>
+          <p:txBody>
+            <a:bodyPr spcFirstLastPara="1" wrap="square" lIns="91425" tIns="45700" rIns="91425" bIns="45700" anchor="ctr" anchorCtr="0">
+              <a:noAutofit/>
+            </a:bodyPr>
+            <a:lstStyle/>
+            <a:p>
+              <a:pPr marL="0" marR="0" lvl="0" indent="0" algn="ctr" rtl="0">
+                <a:spcBef>
+                  <a:spcPts val="0"/>
+                </a:spcBef>
+                <a:spcAft>
+                  <a:spcPts val="0"/>
+                </a:spcAft>
+                <a:buNone/>
+              </a:pPr>
+              <a:endParaRPr sz="1800" b="0" i="0" u="none" strike="noStrike" cap="none">
+                <a:solidFill>
+                  <a:srgbClr val="FFFFFF"/>
+                </a:solidFill>
+                <a:latin typeface="Calibri"/>
+                <a:ea typeface="Calibri"/>
+                <a:cs typeface="Calibri"/>
+                <a:sym typeface="Calibri"/>
+              </a:endParaRPr>
+            </a:p>
+          </p:txBody>
+        </p:sp>
+      </p:grpSp>
+    </p:spTree>
+  </p:cSld>
+  <p:clrMapOvr>
+    <a:masterClrMapping/>
+  </p:clrMapOvr>
+</p:sld>
+</file>
+
+<file path=ppt/slides/slide5.xml><?xml version="1.0" encoding="utf-8"?>
+<p:sld xmlns:a="http://schemas.openxmlformats.org/drawingml/2006/main" xmlns:r="http://schemas.openxmlformats.org/officeDocument/2006/relationships" xmlns:p="http://schemas.openxmlformats.org/presentationml/2006/main">
+  <p:cSld>
+    <p:spTree>
+      <p:nvGrpSpPr>
         <p:cNvPr id="1" name="Shape 479"/>
         <p:cNvGrpSpPr/>
         <p:nvPr/>
@@ -23959,7 +27558,7 @@
         </p:nvSpPr>
         <p:spPr>
           <a:xfrm>
-            <a:off x="627600" y="868575"/>
+            <a:off x="683259" y="846216"/>
             <a:ext cx="7272300" cy="5033100"/>
           </a:xfrm>
           <a:prstGeom prst="roundRect">
@@ -24436,7 +28035,7 @@
         </p:nvSpPr>
         <p:spPr>
           <a:xfrm>
-            <a:off x="1455197" y="2946099"/>
+            <a:off x="1290435" y="2947998"/>
             <a:ext cx="3746557" cy="612334"/>
           </a:xfrm>
           <a:prstGeom prst="rect">
@@ -24761,7 +28360,7 @@
         </p:nvSpPr>
         <p:spPr>
           <a:xfrm>
-            <a:off x="1486603" y="3558432"/>
+            <a:off x="1321841" y="3560331"/>
             <a:ext cx="3746557" cy="2218835"/>
           </a:xfrm>
           <a:prstGeom prst="rect">
@@ -25481,7 +29080,7 @@
 </p:sld>
 </file>
 
-<file path=ppt/slides/slide5.xml><?xml version="1.0" encoding="utf-8"?>
+<file path=ppt/slides/slide6.xml><?xml version="1.0" encoding="utf-8"?>
 <p:sld xmlns:a="http://schemas.openxmlformats.org/drawingml/2006/main" xmlns:r="http://schemas.openxmlformats.org/officeDocument/2006/relationships" xmlns:p="http://schemas.openxmlformats.org/presentationml/2006/main">
   <p:cSld>
     <p:spTree>
@@ -26595,7 +30194,7 @@
 </p:sld>
 </file>
 
-<file path=ppt/slides/slide6.xml><?xml version="1.0" encoding="utf-8"?>
+<file path=ppt/slides/slide7.xml><?xml version="1.0" encoding="utf-8"?>
 <p:sld xmlns:a="http://schemas.openxmlformats.org/drawingml/2006/main" xmlns:r="http://schemas.openxmlformats.org/officeDocument/2006/relationships" xmlns:p="http://schemas.openxmlformats.org/presentationml/2006/main">
   <p:cSld>
     <p:spTree>
@@ -27597,7 +31196,7 @@
 </p:sld>
 </file>
 
-<file path=ppt/slides/slide7.xml><?xml version="1.0" encoding="utf-8"?>
+<file path=ppt/slides/slide8.xml><?xml version="1.0" encoding="utf-8"?>
 <p:sld xmlns:a="http://schemas.openxmlformats.org/drawingml/2006/main" xmlns:r="http://schemas.openxmlformats.org/officeDocument/2006/relationships" xmlns:p="http://schemas.openxmlformats.org/presentationml/2006/main">
   <p:cSld>
     <p:spTree>
@@ -28591,7 +32190,7 @@
 </p:sld>
 </file>
 
-<file path=ppt/slides/slide8.xml><?xml version="1.0" encoding="utf-8"?>
+<file path=ppt/slides/slide9.xml><?xml version="1.0" encoding="utf-8"?>
 <p:sld xmlns:a="http://schemas.openxmlformats.org/drawingml/2006/main" xmlns:r="http://schemas.openxmlformats.org/officeDocument/2006/relationships" xmlns:p="http://schemas.openxmlformats.org/presentationml/2006/main">
   <p:cSld>
     <p:spTree>
@@ -29328,7 +32927,7 @@
         <p:spPr>
           <a:xfrm>
             <a:off x="1000319" y="4185839"/>
-            <a:ext cx="9556101" cy="717900"/>
+            <a:ext cx="9727550" cy="717900"/>
           </a:xfrm>
           <a:prstGeom prst="rect">
             <a:avLst/>
@@ -29596,7 +33195,7 @@
             </a:r>
             <a:r>
               <a:rPr lang="en-US" b="0" dirty="0"/>
-              <a:t>Spoofing IP (not difficult with UDP protocol)</a:t>
+              <a:t>Spoofing IP (not difficult with UDP protocol) + ANY</a:t>
             </a:r>
           </a:p>
         </p:txBody>
@@ -29651,212 +33250,6 @@
     <p:extLst>
       <p:ext uri="{BB962C8B-B14F-4D97-AF65-F5344CB8AC3E}">
         <p14:creationId xmlns:p14="http://schemas.microsoft.com/office/powerpoint/2010/main" val="2331663007"/>
-      </p:ext>
-    </p:extLst>
-  </p:cSld>
-  <p:clrMapOvr>
-    <a:masterClrMapping/>
-  </p:clrMapOvr>
-</p:sld>
-</file>
-
-<file path=ppt/slides/slide9.xml><?xml version="1.0" encoding="utf-8"?>
-<p:sld xmlns:a="http://schemas.openxmlformats.org/drawingml/2006/main" xmlns:r="http://schemas.openxmlformats.org/officeDocument/2006/relationships" xmlns:p="http://schemas.openxmlformats.org/presentationml/2006/main">
-  <p:cSld>
-    <p:spTree>
-      <p:nvGrpSpPr>
-        <p:cNvPr id="1" name="Shape 456"/>
-        <p:cNvGrpSpPr/>
-        <p:nvPr/>
-      </p:nvGrpSpPr>
-      <p:grpSpPr>
-        <a:xfrm>
-          <a:off x="0" y="0"/>
-          <a:ext cx="0" cy="0"/>
-          <a:chOff x="0" y="0"/>
-          <a:chExt cx="0" cy="0"/>
-        </a:xfrm>
-      </p:grpSpPr>
-      <p:sp>
-        <p:nvSpPr>
-          <p:cNvPr id="457" name="Google Shape;457;p31"/>
-          <p:cNvSpPr txBox="1">
-            <a:spLocks noGrp="1"/>
-          </p:cNvSpPr>
-          <p:nvPr>
-            <p:ph type="body" idx="1"/>
-          </p:nvPr>
-        </p:nvSpPr>
-        <p:spPr>
-          <a:xfrm>
-            <a:off x="1653300" y="4052849"/>
-            <a:ext cx="8894400" cy="1009007"/>
-          </a:xfrm>
-          <a:prstGeom prst="rect">
-            <a:avLst/>
-          </a:prstGeom>
-        </p:spPr>
-        <p:txBody>
-          <a:bodyPr spcFirstLastPara="1" wrap="square" lIns="121900" tIns="121900" rIns="121900" bIns="121900" anchor="t" anchorCtr="0">
-            <a:noAutofit/>
-          </a:bodyPr>
-          <a:lstStyle/>
-          <a:p>
-            <a:pPr marL="0" lvl="0" indent="0" algn="l" rtl="0">
-              <a:spcBef>
-                <a:spcPts val="0"/>
-              </a:spcBef>
-              <a:spcAft>
-                <a:spcPts val="2100"/>
-              </a:spcAft>
-              <a:buNone/>
-            </a:pPr>
-            <a:r>
-              <a:rPr lang="en" sz="2100" dirty="0">
-                <a:solidFill>
-                  <a:schemeClr val="accent3"/>
-                </a:solidFill>
-              </a:rPr>
-              <a:t>&lt;p&gt; </a:t>
-            </a:r>
-            <a:r>
-              <a:rPr lang="en-US" dirty="0"/>
-              <a:t>DNS is vital for the Internet, so protecting it from DDoS attacks is crucial. </a:t>
-            </a:r>
-            <a:r>
-              <a:rPr lang="en" sz="2100" dirty="0">
-                <a:solidFill>
-                  <a:schemeClr val="accent3"/>
-                </a:solidFill>
-              </a:rPr>
-              <a:t>&lt;/p&gt;</a:t>
-            </a:r>
-            <a:endParaRPr dirty="0">
-              <a:solidFill>
-                <a:schemeClr val="accent3"/>
-              </a:solidFill>
-            </a:endParaRPr>
-          </a:p>
-        </p:txBody>
-      </p:sp>
-      <p:sp>
-        <p:nvSpPr>
-          <p:cNvPr id="458" name="Google Shape;458;p31"/>
-          <p:cNvSpPr txBox="1">
-            <a:spLocks noGrp="1"/>
-          </p:cNvSpPr>
-          <p:nvPr>
-            <p:ph type="title"/>
-          </p:nvPr>
-        </p:nvSpPr>
-        <p:spPr>
-          <a:xfrm>
-            <a:off x="3659300" y="2041675"/>
-            <a:ext cx="6730800" cy="1575000"/>
-          </a:xfrm>
-          <a:prstGeom prst="rect">
-            <a:avLst/>
-          </a:prstGeom>
-        </p:spPr>
-        <p:txBody>
-          <a:bodyPr spcFirstLastPara="1" wrap="square" lIns="121900" tIns="121900" rIns="121900" bIns="121900" anchor="t" anchorCtr="0">
-            <a:noAutofit/>
-          </a:bodyPr>
-          <a:lstStyle/>
-          <a:p>
-            <a:pPr marL="0" lvl="0" indent="0" algn="l" rtl="0">
-              <a:spcBef>
-                <a:spcPts val="0"/>
-              </a:spcBef>
-              <a:spcAft>
-                <a:spcPts val="0"/>
-              </a:spcAft>
-              <a:buNone/>
-            </a:pPr>
-            <a:r>
-              <a:rPr lang="en" sz="5800" dirty="0"/>
-              <a:t>Mechanisms for </a:t>
-            </a:r>
-            <a:r>
-              <a:rPr lang="en" sz="6800" dirty="0">
-                <a:solidFill>
-                  <a:schemeClr val="accent3"/>
-                </a:solidFill>
-              </a:rPr>
-              <a:t>MITIGATION </a:t>
-            </a:r>
-            <a:endParaRPr sz="6800" dirty="0">
-              <a:solidFill>
-                <a:schemeClr val="accent3"/>
-              </a:solidFill>
-            </a:endParaRPr>
-          </a:p>
-        </p:txBody>
-      </p:sp>
-      <p:sp>
-        <p:nvSpPr>
-          <p:cNvPr id="459" name="Google Shape;459;p31"/>
-          <p:cNvSpPr/>
-          <p:nvPr/>
-        </p:nvSpPr>
-        <p:spPr>
-          <a:xfrm>
-            <a:off x="1663550" y="2130577"/>
-            <a:ext cx="1858156" cy="1486099"/>
-          </a:xfrm>
-          <a:prstGeom prst="rect">
-            <a:avLst/>
-          </a:prstGeom>
-        </p:spPr>
-        <p:txBody>
-          <a:bodyPr>
-            <a:prstTxWarp prst="textPlain">
-              <a:avLst/>
-            </a:prstTxWarp>
-          </a:bodyPr>
-          <a:lstStyle/>
-          <a:p>
-            <a:pPr lvl="0" algn="ctr"/>
-            <a:r>
-              <a:rPr b="1" i="0" dirty="0">
-                <a:ln>
-                  <a:noFill/>
-                </a:ln>
-                <a:solidFill>
-                  <a:schemeClr val="accent3"/>
-                </a:solidFill>
-                <a:latin typeface="Roboto Mono"/>
-              </a:rPr>
-              <a:t>0</a:t>
-            </a:r>
-            <a:r>
-              <a:rPr lang="it-IT" b="1" i="0" dirty="0">
-                <a:ln>
-                  <a:noFill/>
-                </a:ln>
-                <a:solidFill>
-                  <a:schemeClr val="accent3"/>
-                </a:solidFill>
-                <a:latin typeface="Roboto Mono"/>
-              </a:rPr>
-              <a:t>6</a:t>
-            </a:r>
-            <a:endParaRPr b="1" i="0" dirty="0">
-              <a:ln>
-                <a:noFill/>
-              </a:ln>
-              <a:solidFill>
-                <a:schemeClr val="accent3"/>
-              </a:solidFill>
-              <a:latin typeface="Roboto Mono"/>
-            </a:endParaRPr>
-          </a:p>
-        </p:txBody>
-      </p:sp>
-    </p:spTree>
-    <p:extLst>
-      <p:ext uri="{BB962C8B-B14F-4D97-AF65-F5344CB8AC3E}">
-        <p14:creationId xmlns:p14="http://schemas.microsoft.com/office/powerpoint/2010/main" val="3340018122"/>
       </p:ext>
     </p:extLst>
   </p:cSld>

--- a/Presentation/Presentation.pptx
+++ b/Presentation/Presentation.pptx
@@ -936,7 +936,269 @@
               </a:spcAft>
               <a:buNone/>
             </a:pPr>
-            <a:endParaRPr/>
+            <a:r>
+              <a:rPr lang="it-IT" dirty="0"/>
+              <a:t>The DNS </a:t>
+            </a:r>
+            <a:r>
+              <a:rPr lang="it-IT" dirty="0" err="1"/>
+              <a:t>is</a:t>
+            </a:r>
+            <a:r>
+              <a:rPr lang="it-IT" dirty="0"/>
+              <a:t> </a:t>
+            </a:r>
+            <a:r>
+              <a:rPr lang="it-IT" dirty="0" err="1"/>
+              <a:t>vital</a:t>
+            </a:r>
+            <a:r>
+              <a:rPr lang="it-IT" dirty="0"/>
+              <a:t> for the internet, so </a:t>
+            </a:r>
+            <a:r>
+              <a:rPr lang="it-IT" dirty="0" err="1"/>
+              <a:t>protecting</a:t>
+            </a:r>
+            <a:r>
+              <a:rPr lang="it-IT" dirty="0"/>
+              <a:t> </a:t>
+            </a:r>
+            <a:r>
+              <a:rPr lang="it-IT" dirty="0" err="1"/>
+              <a:t>it</a:t>
+            </a:r>
+            <a:r>
+              <a:rPr lang="it-IT" dirty="0"/>
+              <a:t> from </a:t>
+            </a:r>
+            <a:r>
+              <a:rPr lang="it-IT" dirty="0" err="1"/>
+              <a:t>DDoS</a:t>
+            </a:r>
+            <a:r>
+              <a:rPr lang="it-IT" dirty="0"/>
+              <a:t> and </a:t>
+            </a:r>
+            <a:r>
+              <a:rPr lang="it-IT" dirty="0" err="1"/>
+              <a:t>any</a:t>
+            </a:r>
+            <a:r>
+              <a:rPr lang="it-IT" dirty="0"/>
+              <a:t> </a:t>
+            </a:r>
+            <a:r>
+              <a:rPr lang="it-IT" dirty="0" err="1"/>
+              <a:t>other</a:t>
+            </a:r>
+            <a:r>
+              <a:rPr lang="it-IT" dirty="0"/>
+              <a:t> </a:t>
+            </a:r>
+            <a:r>
+              <a:rPr lang="it-IT" dirty="0" err="1"/>
+              <a:t>type</a:t>
+            </a:r>
+            <a:r>
+              <a:rPr lang="it-IT" dirty="0"/>
+              <a:t> of </a:t>
+            </a:r>
+            <a:r>
+              <a:rPr lang="it-IT" dirty="0" err="1"/>
+              <a:t>attack</a:t>
+            </a:r>
+            <a:r>
+              <a:rPr lang="it-IT" dirty="0"/>
+              <a:t> </a:t>
+            </a:r>
+            <a:r>
+              <a:rPr lang="it-IT" dirty="0" err="1"/>
+              <a:t>is</a:t>
+            </a:r>
+            <a:r>
+              <a:rPr lang="it-IT" dirty="0"/>
+              <a:t> </a:t>
+            </a:r>
+            <a:r>
+              <a:rPr lang="it-IT" dirty="0" err="1"/>
+              <a:t>crucial</a:t>
+            </a:r>
+            <a:r>
+              <a:rPr lang="it-IT" dirty="0"/>
+              <a:t>.</a:t>
+            </a:r>
+          </a:p>
+          <a:p>
+            <a:pPr marL="0" lvl="0" indent="0" algn="l" rtl="0">
+              <a:spcBef>
+                <a:spcPts val="0"/>
+              </a:spcBef>
+              <a:spcAft>
+                <a:spcPts val="0"/>
+              </a:spcAft>
+              <a:buNone/>
+            </a:pPr>
+            <a:endParaRPr lang="it-IT" dirty="0"/>
+          </a:p>
+          <a:p>
+            <a:pPr marL="0" lvl="0" indent="0" algn="l" rtl="0">
+              <a:spcBef>
+                <a:spcPts val="0"/>
+              </a:spcBef>
+              <a:spcAft>
+                <a:spcPts val="0"/>
+              </a:spcAft>
+              <a:buNone/>
+            </a:pPr>
+            <a:r>
+              <a:rPr lang="it-IT" dirty="0"/>
+              <a:t>To </a:t>
+            </a:r>
+            <a:r>
+              <a:rPr lang="it-IT" dirty="0" err="1"/>
+              <a:t>achieve</a:t>
+            </a:r>
+            <a:r>
+              <a:rPr lang="it-IT" dirty="0"/>
+              <a:t> </a:t>
+            </a:r>
+            <a:r>
+              <a:rPr lang="it-IT" dirty="0" err="1"/>
+              <a:t>this</a:t>
+            </a:r>
+            <a:r>
+              <a:rPr lang="it-IT" dirty="0"/>
+              <a:t> </a:t>
+            </a:r>
+            <a:r>
+              <a:rPr lang="it-IT" dirty="0" err="1"/>
+              <a:t>many</a:t>
+            </a:r>
+            <a:r>
+              <a:rPr lang="it-IT" dirty="0"/>
+              <a:t> </a:t>
+            </a:r>
+            <a:r>
+              <a:rPr lang="it-IT" dirty="0" err="1"/>
+              <a:t>mitigations</a:t>
+            </a:r>
+            <a:r>
+              <a:rPr lang="it-IT" dirty="0"/>
+              <a:t> </a:t>
+            </a:r>
+            <a:r>
+              <a:rPr lang="it-IT" dirty="0" err="1"/>
+              <a:t>measures</a:t>
+            </a:r>
+            <a:r>
+              <a:rPr lang="it-IT" dirty="0"/>
+              <a:t> </a:t>
+            </a:r>
+            <a:r>
+              <a:rPr lang="it-IT" dirty="0" err="1"/>
+              <a:t>have</a:t>
+            </a:r>
+            <a:r>
+              <a:rPr lang="it-IT" dirty="0"/>
+              <a:t> </a:t>
+            </a:r>
+            <a:r>
+              <a:rPr lang="it-IT" dirty="0" err="1"/>
+              <a:t>been</a:t>
+            </a:r>
+            <a:r>
+              <a:rPr lang="it-IT" dirty="0"/>
+              <a:t> </a:t>
+            </a:r>
+            <a:r>
+              <a:rPr lang="it-IT" dirty="0" err="1"/>
+              <a:t>deployed</a:t>
+            </a:r>
+            <a:r>
+              <a:rPr lang="it-IT" dirty="0"/>
+              <a:t> </a:t>
+            </a:r>
+            <a:r>
+              <a:rPr lang="it-IT" dirty="0" err="1"/>
+              <a:t>across</a:t>
+            </a:r>
+            <a:r>
+              <a:rPr lang="it-IT" dirty="0"/>
+              <a:t> the </a:t>
+            </a:r>
+            <a:r>
+              <a:rPr lang="it-IT" dirty="0" err="1"/>
+              <a:t>years</a:t>
+            </a:r>
+            <a:r>
+              <a:rPr lang="it-IT" dirty="0"/>
+              <a:t> and </a:t>
+            </a:r>
+            <a:r>
+              <a:rPr lang="it-IT" dirty="0" err="1"/>
+              <a:t>we</a:t>
+            </a:r>
+            <a:r>
+              <a:rPr lang="it-IT" dirty="0"/>
+              <a:t> are gonna </a:t>
+            </a:r>
+            <a:r>
+              <a:rPr lang="it-IT" dirty="0" err="1"/>
+              <a:t>see</a:t>
+            </a:r>
+            <a:r>
+              <a:rPr lang="it-IT" dirty="0"/>
+              <a:t> some of </a:t>
+            </a:r>
+            <a:r>
+              <a:rPr lang="it-IT" dirty="0" err="1"/>
+              <a:t>them</a:t>
+            </a:r>
+            <a:r>
+              <a:rPr lang="it-IT" dirty="0"/>
+              <a:t> in </a:t>
+            </a:r>
+            <a:r>
+              <a:rPr lang="it-IT" dirty="0" err="1"/>
+              <a:t>this</a:t>
+            </a:r>
+            <a:r>
+              <a:rPr lang="it-IT" dirty="0"/>
+              <a:t> </a:t>
+            </a:r>
+            <a:r>
+              <a:rPr lang="it-IT" dirty="0" err="1"/>
+              <a:t>section</a:t>
+            </a:r>
+            <a:r>
+              <a:rPr lang="it-IT" dirty="0"/>
+              <a:t>.</a:t>
+            </a:r>
+          </a:p>
+          <a:p>
+            <a:pPr marL="0" lvl="0" indent="0" algn="l" rtl="0">
+              <a:spcBef>
+                <a:spcPts val="0"/>
+              </a:spcBef>
+              <a:spcAft>
+                <a:spcPts val="0"/>
+              </a:spcAft>
+              <a:buNone/>
+            </a:pPr>
+            <a:endParaRPr lang="it-IT" dirty="0"/>
+          </a:p>
+          <a:p>
+            <a:pPr marL="0" lvl="0" indent="0" algn="l" rtl="0">
+              <a:spcBef>
+                <a:spcPts val="0"/>
+              </a:spcBef>
+              <a:spcAft>
+                <a:spcPts val="0"/>
+              </a:spcAft>
+              <a:buNone/>
+            </a:pPr>
+            <a:endParaRPr dirty="0"/>
           </a:p>
         </p:txBody>
       </p:sp>
@@ -1045,7 +1307,303 @@
               </a:spcAft>
               <a:buNone/>
             </a:pPr>
-            <a:endParaRPr/>
+            <a:r>
+              <a:rPr lang="it-IT" dirty="0" err="1"/>
+              <a:t>They</a:t>
+            </a:r>
+            <a:r>
+              <a:rPr lang="it-IT" dirty="0"/>
+              <a:t> can be </a:t>
+            </a:r>
+            <a:r>
+              <a:rPr lang="it-IT" dirty="0" err="1"/>
+              <a:t>roughly</a:t>
+            </a:r>
+            <a:r>
+              <a:rPr lang="it-IT" dirty="0"/>
+              <a:t> </a:t>
+            </a:r>
+            <a:r>
+              <a:rPr lang="it-IT" dirty="0" err="1"/>
+              <a:t>classified</a:t>
+            </a:r>
+            <a:r>
+              <a:rPr lang="it-IT" dirty="0"/>
+              <a:t> in </a:t>
+            </a:r>
+            <a:r>
+              <a:rPr lang="it-IT" dirty="0" err="1"/>
+              <a:t>two</a:t>
+            </a:r>
+            <a:r>
+              <a:rPr lang="it-IT" dirty="0"/>
+              <a:t> </a:t>
+            </a:r>
+            <a:r>
+              <a:rPr lang="it-IT" dirty="0" err="1"/>
+              <a:t>categories</a:t>
+            </a:r>
+            <a:r>
+              <a:rPr lang="it-IT" dirty="0"/>
+              <a:t>.</a:t>
+            </a:r>
+          </a:p>
+          <a:p>
+            <a:pPr marL="0" lvl="0" indent="0" algn="l" rtl="0">
+              <a:spcBef>
+                <a:spcPts val="0"/>
+              </a:spcBef>
+              <a:spcAft>
+                <a:spcPts val="0"/>
+              </a:spcAft>
+              <a:buNone/>
+            </a:pPr>
+            <a:endParaRPr lang="it-IT" dirty="0"/>
+          </a:p>
+          <a:p>
+            <a:pPr marL="0" lvl="0" indent="0" algn="l" rtl="0">
+              <a:spcBef>
+                <a:spcPts val="0"/>
+              </a:spcBef>
+              <a:spcAft>
+                <a:spcPts val="0"/>
+              </a:spcAft>
+              <a:buNone/>
+            </a:pPr>
+            <a:r>
+              <a:rPr lang="it-IT" dirty="0" err="1"/>
+              <a:t>Proactive</a:t>
+            </a:r>
+            <a:r>
+              <a:rPr lang="it-IT" dirty="0"/>
+              <a:t> </a:t>
+            </a:r>
+            <a:r>
+              <a:rPr lang="it-IT" dirty="0" err="1"/>
+              <a:t>measures</a:t>
+            </a:r>
+            <a:r>
+              <a:rPr lang="it-IT" dirty="0"/>
+              <a:t> </a:t>
+            </a:r>
+            <a:r>
+              <a:rPr lang="it-IT" dirty="0" err="1"/>
+              <a:t>that</a:t>
+            </a:r>
+            <a:r>
+              <a:rPr lang="it-IT" dirty="0"/>
+              <a:t> </a:t>
+            </a:r>
+            <a:r>
+              <a:rPr lang="it-IT" dirty="0" err="1"/>
+              <a:t>tries</a:t>
+            </a:r>
+            <a:r>
+              <a:rPr lang="it-IT" dirty="0"/>
+              <a:t> to </a:t>
+            </a:r>
+            <a:r>
+              <a:rPr lang="it-IT" dirty="0" err="1"/>
+              <a:t>prevent</a:t>
+            </a:r>
+            <a:r>
+              <a:rPr lang="it-IT" dirty="0"/>
+              <a:t> and </a:t>
+            </a:r>
+            <a:r>
+              <a:rPr lang="it-IT" dirty="0" err="1"/>
+              <a:t>avoid</a:t>
+            </a:r>
+            <a:r>
+              <a:rPr lang="it-IT" dirty="0"/>
+              <a:t> the </a:t>
+            </a:r>
+            <a:r>
+              <a:rPr lang="it-IT" dirty="0" err="1"/>
+              <a:t>attack</a:t>
+            </a:r>
+            <a:r>
+              <a:rPr lang="it-IT" dirty="0"/>
+              <a:t>.</a:t>
+            </a:r>
+          </a:p>
+          <a:p>
+            <a:pPr marL="0" lvl="0" indent="0" algn="l" rtl="0">
+              <a:spcBef>
+                <a:spcPts val="0"/>
+              </a:spcBef>
+              <a:spcAft>
+                <a:spcPts val="0"/>
+              </a:spcAft>
+              <a:buNone/>
+            </a:pPr>
+            <a:endParaRPr lang="it-IT" dirty="0"/>
+          </a:p>
+          <a:p>
+            <a:pPr marL="0" lvl="0" indent="0" algn="l" rtl="0">
+              <a:spcBef>
+                <a:spcPts val="0"/>
+              </a:spcBef>
+              <a:spcAft>
+                <a:spcPts val="0"/>
+              </a:spcAft>
+              <a:buNone/>
+            </a:pPr>
+            <a:r>
+              <a:rPr lang="it-IT" dirty="0" err="1"/>
+              <a:t>Reactive</a:t>
+            </a:r>
+            <a:r>
+              <a:rPr lang="it-IT" dirty="0"/>
+              <a:t> </a:t>
+            </a:r>
+            <a:r>
+              <a:rPr lang="it-IT" dirty="0" err="1"/>
+              <a:t>measures</a:t>
+            </a:r>
+            <a:r>
+              <a:rPr lang="it-IT" dirty="0"/>
+              <a:t> </a:t>
+            </a:r>
+            <a:r>
+              <a:rPr lang="it-IT" dirty="0" err="1"/>
+              <a:t>aimed</a:t>
+            </a:r>
+            <a:r>
+              <a:rPr lang="it-IT" dirty="0"/>
+              <a:t> </a:t>
+            </a:r>
+            <a:r>
+              <a:rPr lang="it-IT" dirty="0" err="1"/>
+              <a:t>at</a:t>
+            </a:r>
+            <a:r>
+              <a:rPr lang="it-IT" dirty="0"/>
+              <a:t> </a:t>
+            </a:r>
+            <a:r>
+              <a:rPr lang="it-IT" dirty="0" err="1"/>
+              <a:t>identifying</a:t>
+            </a:r>
+            <a:r>
+              <a:rPr lang="it-IT" dirty="0"/>
+              <a:t> and stop </a:t>
+            </a:r>
+            <a:r>
+              <a:rPr lang="it-IT" dirty="0" err="1"/>
+              <a:t>as</a:t>
+            </a:r>
+            <a:r>
+              <a:rPr lang="it-IT" dirty="0"/>
+              <a:t> </a:t>
+            </a:r>
+            <a:r>
+              <a:rPr lang="it-IT" dirty="0" err="1"/>
+              <a:t>soon</a:t>
+            </a:r>
+            <a:r>
+              <a:rPr lang="it-IT" dirty="0"/>
+              <a:t> </a:t>
+            </a:r>
+            <a:r>
+              <a:rPr lang="it-IT" dirty="0" err="1"/>
+              <a:t>as</a:t>
+            </a:r>
+            <a:r>
+              <a:rPr lang="it-IT" dirty="0"/>
+              <a:t> </a:t>
+            </a:r>
+            <a:r>
+              <a:rPr lang="it-IT" dirty="0" err="1"/>
+              <a:t>possible</a:t>
+            </a:r>
+            <a:r>
+              <a:rPr lang="it-IT" dirty="0"/>
+              <a:t> the </a:t>
+            </a:r>
+            <a:r>
+              <a:rPr lang="it-IT" dirty="0" err="1"/>
+              <a:t>attack</a:t>
+            </a:r>
+            <a:r>
+              <a:rPr lang="it-IT" dirty="0"/>
+              <a:t>, </a:t>
+            </a:r>
+            <a:r>
+              <a:rPr lang="it-IT" dirty="0" err="1"/>
+              <a:t>while</a:t>
+            </a:r>
+            <a:r>
+              <a:rPr lang="it-IT" dirty="0"/>
+              <a:t> </a:t>
+            </a:r>
+            <a:r>
+              <a:rPr lang="it-IT" dirty="0" err="1"/>
+              <a:t>increasing</a:t>
+            </a:r>
+            <a:r>
+              <a:rPr lang="it-IT" dirty="0"/>
+              <a:t> the system </a:t>
+            </a:r>
+            <a:r>
+              <a:rPr lang="it-IT" dirty="0" err="1"/>
+              <a:t>resilience</a:t>
+            </a:r>
+            <a:r>
+              <a:rPr lang="it-IT" dirty="0"/>
+              <a:t> </a:t>
+            </a:r>
+            <a:r>
+              <a:rPr lang="it-IT" dirty="0" err="1"/>
+              <a:t>as</a:t>
+            </a:r>
+            <a:r>
+              <a:rPr lang="it-IT" dirty="0"/>
+              <a:t> </a:t>
+            </a:r>
+            <a:r>
+              <a:rPr lang="it-IT" dirty="0" err="1"/>
+              <a:t>well</a:t>
+            </a:r>
+            <a:r>
+              <a:rPr lang="it-IT" dirty="0"/>
+              <a:t>.</a:t>
+            </a:r>
+          </a:p>
+          <a:p>
+            <a:pPr marL="0" lvl="0" indent="0" algn="l" rtl="0">
+              <a:spcBef>
+                <a:spcPts val="0"/>
+              </a:spcBef>
+              <a:spcAft>
+                <a:spcPts val="0"/>
+              </a:spcAft>
+              <a:buNone/>
+            </a:pPr>
+            <a:endParaRPr lang="it-IT" dirty="0"/>
+          </a:p>
+          <a:p>
+            <a:pPr marL="0" lvl="0" indent="0" algn="l" rtl="0">
+              <a:spcBef>
+                <a:spcPts val="0"/>
+              </a:spcBef>
+              <a:spcAft>
+                <a:spcPts val="0"/>
+              </a:spcAft>
+              <a:buNone/>
+            </a:pPr>
+            <a:r>
+              <a:rPr lang="it-IT" dirty="0"/>
+              <a:t>Read the </a:t>
+            </a:r>
+            <a:r>
+              <a:rPr lang="it-IT" dirty="0" err="1"/>
+              <a:t>measures</a:t>
+            </a:r>
+            <a:r>
+              <a:rPr lang="it-IT" dirty="0"/>
+              <a:t>.</a:t>
+            </a:r>
           </a:p>
         </p:txBody>
       </p:sp>
@@ -1149,7 +1707,518 @@
               </a:spcAft>
               <a:buNone/>
             </a:pPr>
-            <a:endParaRPr/>
+            <a:r>
+              <a:rPr lang="it-IT" dirty="0"/>
+              <a:t>The idea </a:t>
+            </a:r>
+            <a:r>
+              <a:rPr lang="it-IT" dirty="0" err="1"/>
+              <a:t>behind</a:t>
+            </a:r>
+            <a:r>
+              <a:rPr lang="it-IT" dirty="0"/>
+              <a:t> the rate </a:t>
+            </a:r>
+            <a:r>
+              <a:rPr lang="it-IT" dirty="0" err="1"/>
+              <a:t>limiting</a:t>
+            </a:r>
+            <a:r>
+              <a:rPr lang="it-IT" dirty="0"/>
+              <a:t> </a:t>
+            </a:r>
+            <a:r>
+              <a:rPr lang="it-IT" dirty="0" err="1"/>
+              <a:t>is</a:t>
+            </a:r>
+            <a:r>
+              <a:rPr lang="it-IT" dirty="0"/>
+              <a:t> to </a:t>
+            </a:r>
+            <a:r>
+              <a:rPr lang="it-IT" dirty="0" err="1"/>
+              <a:t>limit</a:t>
+            </a:r>
+            <a:r>
+              <a:rPr lang="it-IT" dirty="0"/>
+              <a:t> </a:t>
+            </a:r>
+            <a:r>
+              <a:rPr lang="it-IT" dirty="0" err="1"/>
+              <a:t>th</a:t>
+            </a:r>
+            <a:r>
+              <a:rPr lang="it-IT" dirty="0"/>
+              <a:t> </a:t>
+            </a:r>
+            <a:r>
+              <a:rPr lang="it-IT" dirty="0" err="1"/>
+              <a:t>enumber</a:t>
+            </a:r>
+            <a:r>
+              <a:rPr lang="it-IT" dirty="0"/>
+              <a:t> of </a:t>
+            </a:r>
+            <a:r>
+              <a:rPr lang="it-IT" dirty="0" err="1"/>
+              <a:t>response</a:t>
+            </a:r>
+            <a:r>
+              <a:rPr lang="it-IT" dirty="0"/>
+              <a:t> a server can </a:t>
+            </a:r>
+            <a:r>
+              <a:rPr lang="it-IT" dirty="0" err="1"/>
+              <a:t>provide</a:t>
+            </a:r>
+            <a:r>
+              <a:rPr lang="it-IT" dirty="0"/>
+              <a:t> to a </a:t>
+            </a:r>
+            <a:r>
+              <a:rPr lang="it-IT" dirty="0" err="1"/>
+              <a:t>given</a:t>
+            </a:r>
+            <a:r>
+              <a:rPr lang="it-IT" dirty="0"/>
+              <a:t> IP. </a:t>
+            </a:r>
+            <a:r>
+              <a:rPr lang="it-IT" dirty="0" err="1"/>
+              <a:t>That</a:t>
+            </a:r>
+            <a:r>
+              <a:rPr lang="it-IT" dirty="0"/>
+              <a:t> way the server can stop </a:t>
+            </a:r>
+            <a:r>
+              <a:rPr lang="it-IT" dirty="0" err="1"/>
+              <a:t>providing</a:t>
+            </a:r>
+            <a:r>
+              <a:rPr lang="it-IT" dirty="0"/>
+              <a:t> </a:t>
+            </a:r>
+            <a:r>
+              <a:rPr lang="it-IT" dirty="0" err="1"/>
+              <a:t>answer</a:t>
+            </a:r>
+            <a:r>
+              <a:rPr lang="it-IT" dirty="0"/>
+              <a:t> to the </a:t>
+            </a:r>
+            <a:r>
+              <a:rPr lang="it-IT" dirty="0" err="1"/>
+              <a:t>spoofed</a:t>
+            </a:r>
+            <a:r>
+              <a:rPr lang="it-IT" dirty="0"/>
+              <a:t> IP and the </a:t>
+            </a:r>
+            <a:r>
+              <a:rPr lang="it-IT" dirty="0" err="1"/>
+              <a:t>reflection</a:t>
+            </a:r>
+            <a:r>
+              <a:rPr lang="it-IT" dirty="0"/>
+              <a:t> </a:t>
+            </a:r>
+            <a:r>
+              <a:rPr lang="it-IT" dirty="0" err="1"/>
+              <a:t>effect</a:t>
+            </a:r>
+            <a:r>
+              <a:rPr lang="it-IT" dirty="0"/>
+              <a:t> </a:t>
+            </a:r>
+            <a:r>
+              <a:rPr lang="it-IT" dirty="0" err="1"/>
+              <a:t>is</a:t>
+            </a:r>
+            <a:r>
+              <a:rPr lang="it-IT" dirty="0"/>
+              <a:t> </a:t>
+            </a:r>
+            <a:r>
+              <a:rPr lang="it-IT" dirty="0" err="1"/>
+              <a:t>mitigated</a:t>
+            </a:r>
+            <a:r>
+              <a:rPr lang="it-IT" dirty="0"/>
+              <a:t>.</a:t>
+            </a:r>
+          </a:p>
+          <a:p>
+            <a:pPr marL="0" lvl="0" indent="0" algn="l" rtl="0">
+              <a:spcBef>
+                <a:spcPts val="0"/>
+              </a:spcBef>
+              <a:spcAft>
+                <a:spcPts val="0"/>
+              </a:spcAft>
+              <a:buNone/>
+            </a:pPr>
+            <a:endParaRPr lang="it-IT" dirty="0"/>
+          </a:p>
+          <a:p>
+            <a:pPr marL="0" lvl="0" indent="0" algn="l" rtl="0">
+              <a:spcBef>
+                <a:spcPts val="0"/>
+              </a:spcBef>
+              <a:spcAft>
+                <a:spcPts val="0"/>
+              </a:spcAft>
+              <a:buNone/>
+            </a:pPr>
+            <a:r>
+              <a:rPr lang="it-IT" dirty="0" err="1"/>
+              <a:t>As</a:t>
+            </a:r>
+            <a:r>
+              <a:rPr lang="it-IT" dirty="0"/>
+              <a:t> </a:t>
+            </a:r>
+            <a:r>
+              <a:rPr lang="it-IT" dirty="0" err="1"/>
+              <a:t>regard</a:t>
+            </a:r>
+            <a:r>
+              <a:rPr lang="it-IT" dirty="0"/>
+              <a:t> the </a:t>
+            </a:r>
+            <a:r>
+              <a:rPr lang="it-IT" dirty="0" err="1"/>
+              <a:t>trusted</a:t>
+            </a:r>
+            <a:r>
+              <a:rPr lang="it-IT" dirty="0"/>
+              <a:t> sources the idea </a:t>
+            </a:r>
+            <a:r>
+              <a:rPr lang="it-IT" dirty="0" err="1"/>
+              <a:t>is</a:t>
+            </a:r>
+            <a:r>
+              <a:rPr lang="it-IT" dirty="0"/>
+              <a:t> to create a </a:t>
+            </a:r>
+            <a:r>
+              <a:rPr lang="it-IT" dirty="0" err="1"/>
+              <a:t>whitelist</a:t>
+            </a:r>
+            <a:r>
+              <a:rPr lang="it-IT" dirty="0"/>
+              <a:t> of IP </a:t>
+            </a:r>
+            <a:r>
+              <a:rPr lang="it-IT" dirty="0" err="1"/>
+              <a:t>that</a:t>
+            </a:r>
+            <a:r>
+              <a:rPr lang="it-IT" dirty="0"/>
+              <a:t> are </a:t>
+            </a:r>
+            <a:r>
+              <a:rPr lang="it-IT" dirty="0" err="1"/>
+              <a:t>legitimated</a:t>
+            </a:r>
+            <a:r>
+              <a:rPr lang="it-IT" dirty="0"/>
+              <a:t> to </a:t>
+            </a:r>
+            <a:r>
+              <a:rPr lang="it-IT" dirty="0" err="1"/>
+              <a:t>send</a:t>
+            </a:r>
+            <a:r>
+              <a:rPr lang="it-IT" dirty="0"/>
+              <a:t> queries to the DNS server. </a:t>
+            </a:r>
+          </a:p>
+          <a:p>
+            <a:pPr marL="0" lvl="0" indent="0" algn="l" rtl="0">
+              <a:spcBef>
+                <a:spcPts val="0"/>
+              </a:spcBef>
+              <a:spcAft>
+                <a:spcPts val="0"/>
+              </a:spcAft>
+              <a:buNone/>
+            </a:pPr>
+            <a:r>
+              <a:rPr lang="it-IT" dirty="0" err="1"/>
+              <a:t>Thereby</a:t>
+            </a:r>
+            <a:r>
+              <a:rPr lang="it-IT" dirty="0"/>
+              <a:t>, the </a:t>
+            </a:r>
+            <a:r>
+              <a:rPr lang="it-IT" dirty="0" err="1"/>
+              <a:t>number</a:t>
+            </a:r>
+            <a:r>
+              <a:rPr lang="it-IT" dirty="0"/>
+              <a:t> of IP </a:t>
+            </a:r>
+            <a:r>
+              <a:rPr lang="it-IT" dirty="0" err="1"/>
+              <a:t>that</a:t>
+            </a:r>
+            <a:r>
+              <a:rPr lang="it-IT" dirty="0"/>
+              <a:t> can be </a:t>
+            </a:r>
+            <a:r>
+              <a:rPr lang="it-IT" dirty="0" err="1"/>
+              <a:t>spoofed</a:t>
+            </a:r>
+            <a:r>
+              <a:rPr lang="it-IT" dirty="0"/>
+              <a:t> to </a:t>
+            </a:r>
+            <a:r>
+              <a:rPr lang="it-IT" dirty="0" err="1"/>
+              <a:t>perform</a:t>
+            </a:r>
+            <a:r>
+              <a:rPr lang="it-IT" dirty="0"/>
+              <a:t> </a:t>
+            </a:r>
+            <a:r>
+              <a:rPr lang="it-IT" dirty="0" err="1"/>
+              <a:t>attack</a:t>
+            </a:r>
+            <a:r>
+              <a:rPr lang="it-IT" dirty="0"/>
+              <a:t> </a:t>
+            </a:r>
+            <a:r>
+              <a:rPr lang="it-IT" dirty="0" err="1"/>
+              <a:t>is</a:t>
+            </a:r>
+            <a:r>
+              <a:rPr lang="it-IT" dirty="0"/>
+              <a:t> </a:t>
+            </a:r>
+            <a:r>
+              <a:rPr lang="it-IT" dirty="0" err="1"/>
+              <a:t>reduced</a:t>
+            </a:r>
+            <a:r>
+              <a:rPr lang="it-IT" dirty="0"/>
+              <a:t> and </a:t>
+            </a:r>
+            <a:r>
+              <a:rPr lang="it-IT" dirty="0" err="1"/>
+              <a:t>consequentely</a:t>
+            </a:r>
+            <a:r>
+              <a:rPr lang="it-IT" dirty="0"/>
+              <a:t> the </a:t>
+            </a:r>
+            <a:r>
+              <a:rPr lang="it-IT" dirty="0" err="1"/>
+              <a:t>probability</a:t>
+            </a:r>
+            <a:r>
+              <a:rPr lang="it-IT" dirty="0"/>
+              <a:t> of an </a:t>
+            </a:r>
+            <a:r>
+              <a:rPr lang="it-IT" dirty="0" err="1"/>
+              <a:t>attack</a:t>
+            </a:r>
+            <a:r>
+              <a:rPr lang="it-IT" dirty="0"/>
+              <a:t>.</a:t>
+            </a:r>
+          </a:p>
+          <a:p>
+            <a:pPr marL="0" lvl="0" indent="0" algn="l" rtl="0">
+              <a:spcBef>
+                <a:spcPts val="0"/>
+              </a:spcBef>
+              <a:spcAft>
+                <a:spcPts val="0"/>
+              </a:spcAft>
+              <a:buNone/>
+            </a:pPr>
+            <a:r>
+              <a:rPr lang="it-IT" dirty="0" err="1"/>
+              <a:t>However</a:t>
+            </a:r>
+            <a:r>
+              <a:rPr lang="it-IT" dirty="0"/>
+              <a:t> </a:t>
+            </a:r>
+            <a:r>
+              <a:rPr lang="it-IT" dirty="0" err="1"/>
+              <a:t>there</a:t>
+            </a:r>
+            <a:r>
+              <a:rPr lang="it-IT" dirty="0"/>
+              <a:t> </a:t>
+            </a:r>
+            <a:r>
+              <a:rPr lang="it-IT" dirty="0" err="1"/>
+              <a:t>is</a:t>
+            </a:r>
+            <a:r>
+              <a:rPr lang="it-IT" dirty="0"/>
+              <a:t> </a:t>
+            </a:r>
+            <a:r>
+              <a:rPr lang="it-IT" dirty="0" err="1"/>
+              <a:t>still</a:t>
+            </a:r>
+            <a:r>
+              <a:rPr lang="it-IT" dirty="0"/>
+              <a:t> the risk of the </a:t>
+            </a:r>
+            <a:r>
+              <a:rPr lang="it-IT" dirty="0" err="1"/>
+              <a:t>trusted</a:t>
+            </a:r>
+            <a:r>
+              <a:rPr lang="it-IT" dirty="0"/>
+              <a:t> IP to be </a:t>
+            </a:r>
+            <a:r>
+              <a:rPr lang="it-IT" dirty="0" err="1"/>
+              <a:t>spoofed</a:t>
+            </a:r>
+            <a:r>
+              <a:rPr lang="it-IT" dirty="0"/>
+              <a:t>, so </a:t>
+            </a:r>
+            <a:r>
+              <a:rPr lang="it-IT" dirty="0" err="1"/>
+              <a:t>it</a:t>
+            </a:r>
+            <a:r>
+              <a:rPr lang="it-IT" dirty="0"/>
+              <a:t> </a:t>
+            </a:r>
+            <a:r>
+              <a:rPr lang="it-IT" dirty="0" err="1"/>
+              <a:t>is</a:t>
+            </a:r>
+            <a:r>
+              <a:rPr lang="it-IT" dirty="0"/>
+              <a:t> </a:t>
+            </a:r>
+            <a:r>
+              <a:rPr lang="it-IT" dirty="0" err="1"/>
+              <a:t>not</a:t>
+            </a:r>
+            <a:r>
+              <a:rPr lang="it-IT" dirty="0"/>
+              <a:t> a </a:t>
+            </a:r>
+            <a:r>
+              <a:rPr lang="it-IT" dirty="0" err="1"/>
+              <a:t>foolproof</a:t>
+            </a:r>
+            <a:r>
+              <a:rPr lang="it-IT" dirty="0"/>
+              <a:t> </a:t>
+            </a:r>
+            <a:r>
+              <a:rPr lang="it-IT" dirty="0" err="1"/>
+              <a:t>measure</a:t>
+            </a:r>
+            <a:r>
+              <a:rPr lang="it-IT" dirty="0"/>
+              <a:t>.</a:t>
+            </a:r>
+          </a:p>
+          <a:p>
+            <a:pPr marL="0" lvl="0" indent="0" algn="l" rtl="0">
+              <a:spcBef>
+                <a:spcPts val="0"/>
+              </a:spcBef>
+              <a:spcAft>
+                <a:spcPts val="0"/>
+              </a:spcAft>
+              <a:buNone/>
+            </a:pPr>
+            <a:endParaRPr lang="it-IT" dirty="0"/>
+          </a:p>
+          <a:p>
+            <a:pPr marL="0" lvl="0" indent="0" algn="l" rtl="0">
+              <a:spcBef>
+                <a:spcPts val="0"/>
+              </a:spcBef>
+              <a:spcAft>
+                <a:spcPts val="0"/>
+              </a:spcAft>
+              <a:buNone/>
+            </a:pPr>
+            <a:r>
+              <a:rPr lang="it-IT" dirty="0" err="1"/>
+              <a:t>Lastly</a:t>
+            </a:r>
+            <a:r>
+              <a:rPr lang="it-IT" dirty="0"/>
+              <a:t> </a:t>
+            </a:r>
+            <a:r>
+              <a:rPr lang="it-IT" dirty="0" err="1"/>
+              <a:t>it</a:t>
+            </a:r>
+            <a:r>
+              <a:rPr lang="it-IT" dirty="0"/>
+              <a:t> </a:t>
+            </a:r>
+            <a:r>
+              <a:rPr lang="it-IT" dirty="0" err="1"/>
+              <a:t>is</a:t>
+            </a:r>
+            <a:r>
+              <a:rPr lang="it-IT" dirty="0"/>
+              <a:t> </a:t>
+            </a:r>
+            <a:r>
+              <a:rPr lang="it-IT" dirty="0" err="1"/>
+              <a:t>possible</a:t>
+            </a:r>
+            <a:r>
+              <a:rPr lang="it-IT" dirty="0"/>
+              <a:t> to set firewall to control and filter </a:t>
+            </a:r>
+            <a:r>
+              <a:rPr lang="it-IT" dirty="0" err="1"/>
+              <a:t>traffic</a:t>
+            </a:r>
+            <a:r>
+              <a:rPr lang="it-IT" dirty="0"/>
+              <a:t> to </a:t>
+            </a:r>
+            <a:r>
+              <a:rPr lang="it-IT" dirty="0" err="1"/>
+              <a:t>block</a:t>
+            </a:r>
+            <a:r>
+              <a:rPr lang="it-IT" dirty="0"/>
+              <a:t> the queries and </a:t>
+            </a:r>
+            <a:r>
+              <a:rPr lang="it-IT" dirty="0" err="1"/>
+              <a:t>prevent</a:t>
+            </a:r>
+            <a:r>
+              <a:rPr lang="it-IT" dirty="0"/>
+              <a:t> the </a:t>
+            </a:r>
+            <a:r>
+              <a:rPr lang="it-IT" dirty="0" err="1"/>
+              <a:t>attack</a:t>
+            </a:r>
+            <a:r>
+              <a:rPr lang="it-IT" dirty="0"/>
+              <a:t>.</a:t>
+            </a:r>
           </a:p>
         </p:txBody>
       </p:sp>
@@ -1258,7 +2327,828 @@
               </a:spcAft>
               <a:buNone/>
             </a:pPr>
-            <a:endParaRPr/>
+            <a:r>
+              <a:rPr lang="it-IT" dirty="0"/>
+              <a:t>Here are some </a:t>
+            </a:r>
+            <a:r>
+              <a:rPr lang="it-IT" dirty="0" err="1"/>
+              <a:t>reactive</a:t>
+            </a:r>
+            <a:r>
+              <a:rPr lang="it-IT" dirty="0"/>
+              <a:t> </a:t>
+            </a:r>
+            <a:r>
+              <a:rPr lang="it-IT" dirty="0" err="1"/>
+              <a:t>measures</a:t>
+            </a:r>
+            <a:r>
+              <a:rPr lang="it-IT" dirty="0"/>
+              <a:t>.</a:t>
+            </a:r>
+          </a:p>
+          <a:p>
+            <a:pPr marL="0" lvl="0" indent="0" algn="l" rtl="0">
+              <a:spcBef>
+                <a:spcPts val="0"/>
+              </a:spcBef>
+              <a:spcAft>
+                <a:spcPts val="0"/>
+              </a:spcAft>
+              <a:buNone/>
+            </a:pPr>
+            <a:endParaRPr lang="it-IT" dirty="0"/>
+          </a:p>
+          <a:p>
+            <a:pPr marL="0" lvl="0" indent="0" algn="l" rtl="0">
+              <a:spcBef>
+                <a:spcPts val="0"/>
+              </a:spcBef>
+              <a:spcAft>
+                <a:spcPts val="0"/>
+              </a:spcAft>
+              <a:buNone/>
+            </a:pPr>
+            <a:r>
+              <a:rPr lang="it-IT" dirty="0"/>
+              <a:t>The first </a:t>
+            </a:r>
+            <a:r>
+              <a:rPr lang="it-IT" dirty="0" err="1"/>
+              <a:t>is</a:t>
+            </a:r>
+            <a:r>
+              <a:rPr lang="it-IT" dirty="0"/>
+              <a:t> the </a:t>
+            </a:r>
+            <a:r>
+              <a:rPr lang="it-IT" dirty="0" err="1"/>
+              <a:t>anycast</a:t>
+            </a:r>
+            <a:r>
+              <a:rPr lang="it-IT" dirty="0"/>
+              <a:t> </a:t>
+            </a:r>
+            <a:r>
+              <a:rPr lang="it-IT" dirty="0" err="1"/>
+              <a:t>scheme</a:t>
+            </a:r>
+            <a:r>
+              <a:rPr lang="it-IT" dirty="0"/>
+              <a:t>. The idea </a:t>
+            </a:r>
+            <a:r>
+              <a:rPr lang="it-IT" dirty="0" err="1"/>
+              <a:t>here</a:t>
+            </a:r>
+            <a:r>
+              <a:rPr lang="it-IT" dirty="0"/>
+              <a:t> </a:t>
+            </a:r>
+            <a:r>
+              <a:rPr lang="it-IT" dirty="0" err="1"/>
+              <a:t>is</a:t>
+            </a:r>
+            <a:r>
+              <a:rPr lang="it-IT" dirty="0"/>
+              <a:t> to create </a:t>
+            </a:r>
+            <a:r>
+              <a:rPr lang="it-IT" dirty="0" err="1"/>
+              <a:t>replicas</a:t>
+            </a:r>
+            <a:r>
+              <a:rPr lang="it-IT" dirty="0"/>
+              <a:t> of the server </a:t>
+            </a:r>
+            <a:r>
+              <a:rPr lang="it-IT" dirty="0" err="1"/>
+              <a:t>all</a:t>
+            </a:r>
+            <a:r>
+              <a:rPr lang="it-IT" dirty="0"/>
+              <a:t> with the </a:t>
+            </a:r>
+            <a:r>
+              <a:rPr lang="it-IT" dirty="0" err="1"/>
+              <a:t>same</a:t>
+            </a:r>
+            <a:r>
+              <a:rPr lang="it-IT" dirty="0"/>
+              <a:t> </a:t>
+            </a:r>
+            <a:r>
+              <a:rPr lang="it-IT" dirty="0" err="1"/>
+              <a:t>logical</a:t>
+            </a:r>
+            <a:r>
+              <a:rPr lang="it-IT" dirty="0"/>
+              <a:t> IP and use the </a:t>
+            </a:r>
+            <a:r>
+              <a:rPr lang="it-IT" dirty="0" err="1"/>
+              <a:t>anycast</a:t>
+            </a:r>
+            <a:r>
+              <a:rPr lang="it-IT" dirty="0"/>
+              <a:t> </a:t>
+            </a:r>
+            <a:r>
+              <a:rPr lang="it-IT" dirty="0" err="1"/>
+              <a:t>scheme</a:t>
+            </a:r>
+            <a:r>
+              <a:rPr lang="it-IT" dirty="0"/>
+              <a:t> to </a:t>
+            </a:r>
+            <a:r>
+              <a:rPr lang="it-IT" dirty="0" err="1"/>
+              <a:t>choose</a:t>
+            </a:r>
+            <a:r>
+              <a:rPr lang="it-IT" dirty="0"/>
+              <a:t> </a:t>
+            </a:r>
+            <a:r>
+              <a:rPr lang="it-IT" dirty="0" err="1"/>
+              <a:t>at</a:t>
+            </a:r>
+            <a:r>
+              <a:rPr lang="it-IT" dirty="0"/>
+              <a:t> </a:t>
+            </a:r>
+            <a:r>
+              <a:rPr lang="it-IT" dirty="0" err="1"/>
+              <a:t>any</a:t>
+            </a:r>
+            <a:r>
+              <a:rPr lang="it-IT" dirty="0"/>
+              <a:t> time the best server </a:t>
+            </a:r>
+            <a:r>
+              <a:rPr lang="it-IT" dirty="0" err="1"/>
+              <a:t>according</a:t>
+            </a:r>
+            <a:r>
+              <a:rPr lang="it-IT" dirty="0"/>
+              <a:t> to some </a:t>
+            </a:r>
+            <a:r>
+              <a:rPr lang="it-IT" dirty="0" err="1"/>
+              <a:t>criteria</a:t>
+            </a:r>
+            <a:r>
+              <a:rPr lang="it-IT" dirty="0"/>
+              <a:t> (like </a:t>
+            </a:r>
+            <a:r>
+              <a:rPr lang="it-IT" dirty="0" err="1"/>
+              <a:t>availability</a:t>
+            </a:r>
+            <a:r>
+              <a:rPr lang="it-IT" dirty="0"/>
+              <a:t> and </a:t>
+            </a:r>
+            <a:r>
+              <a:rPr lang="it-IT" dirty="0" err="1"/>
+              <a:t>traffic</a:t>
+            </a:r>
+            <a:r>
+              <a:rPr lang="it-IT" dirty="0"/>
+              <a:t>).</a:t>
+            </a:r>
+          </a:p>
+          <a:p>
+            <a:pPr marL="0" lvl="0" indent="0" algn="l" rtl="0">
+              <a:spcBef>
+                <a:spcPts val="0"/>
+              </a:spcBef>
+              <a:spcAft>
+                <a:spcPts val="0"/>
+              </a:spcAft>
+              <a:buNone/>
+            </a:pPr>
+            <a:r>
+              <a:rPr lang="it-IT" dirty="0" err="1"/>
+              <a:t>Thereby</a:t>
+            </a:r>
+            <a:r>
+              <a:rPr lang="it-IT" dirty="0"/>
+              <a:t>, the </a:t>
+            </a:r>
+            <a:r>
+              <a:rPr lang="it-IT" dirty="0" err="1"/>
+              <a:t>attacker</a:t>
+            </a:r>
+            <a:r>
+              <a:rPr lang="it-IT" dirty="0"/>
+              <a:t> </a:t>
+            </a:r>
+            <a:r>
+              <a:rPr lang="it-IT" dirty="0" err="1"/>
+              <a:t>would</a:t>
+            </a:r>
+            <a:r>
+              <a:rPr lang="it-IT" dirty="0"/>
+              <a:t> </a:t>
+            </a:r>
+            <a:r>
+              <a:rPr lang="it-IT" dirty="0" err="1"/>
+              <a:t>have</a:t>
+            </a:r>
+            <a:r>
+              <a:rPr lang="it-IT" dirty="0"/>
+              <a:t> to </a:t>
+            </a:r>
+            <a:r>
+              <a:rPr lang="it-IT" dirty="0" err="1"/>
+              <a:t>run</a:t>
+            </a:r>
+            <a:r>
+              <a:rPr lang="it-IT" dirty="0"/>
+              <a:t> out of service </a:t>
+            </a:r>
+            <a:r>
+              <a:rPr lang="it-IT" dirty="0" err="1"/>
+              <a:t>all</a:t>
+            </a:r>
+            <a:r>
+              <a:rPr lang="it-IT" dirty="0"/>
+              <a:t> the server </a:t>
+            </a:r>
+            <a:r>
+              <a:rPr lang="it-IT" dirty="0" err="1"/>
+              <a:t>which</a:t>
+            </a:r>
+            <a:r>
+              <a:rPr lang="it-IT" dirty="0"/>
+              <a:t> </a:t>
+            </a:r>
+            <a:r>
+              <a:rPr lang="it-IT" dirty="0" err="1"/>
+              <a:t>becomes</a:t>
+            </a:r>
+            <a:r>
+              <a:rPr lang="it-IT" dirty="0"/>
+              <a:t> more </a:t>
+            </a:r>
+            <a:r>
+              <a:rPr lang="it-IT" dirty="0" err="1"/>
+              <a:t>diffucult</a:t>
+            </a:r>
+            <a:r>
+              <a:rPr lang="it-IT" dirty="0"/>
+              <a:t> the </a:t>
+            </a:r>
+            <a:r>
+              <a:rPr lang="it-IT" dirty="0" err="1"/>
+              <a:t>higher</a:t>
+            </a:r>
+            <a:r>
+              <a:rPr lang="it-IT" dirty="0"/>
+              <a:t> the </a:t>
+            </a:r>
+            <a:r>
+              <a:rPr lang="it-IT" dirty="0" err="1"/>
+              <a:t>number</a:t>
+            </a:r>
+            <a:r>
+              <a:rPr lang="it-IT" dirty="0"/>
+              <a:t> of servers.</a:t>
+            </a:r>
+          </a:p>
+          <a:p>
+            <a:pPr marL="0" lvl="0" indent="0" algn="l" rtl="0">
+              <a:spcBef>
+                <a:spcPts val="0"/>
+              </a:spcBef>
+              <a:spcAft>
+                <a:spcPts val="0"/>
+              </a:spcAft>
+              <a:buNone/>
+            </a:pPr>
+            <a:endParaRPr lang="it-IT" dirty="0"/>
+          </a:p>
+          <a:p>
+            <a:pPr marL="0" lvl="0" indent="0" algn="l" rtl="0">
+              <a:spcBef>
+                <a:spcPts val="0"/>
+              </a:spcBef>
+              <a:spcAft>
+                <a:spcPts val="0"/>
+              </a:spcAft>
+              <a:buNone/>
+            </a:pPr>
+            <a:r>
+              <a:rPr lang="it-IT" dirty="0"/>
+              <a:t>With machine learning the idea </a:t>
+            </a:r>
+            <a:r>
+              <a:rPr lang="it-IT" dirty="0" err="1"/>
+              <a:t>is</a:t>
+            </a:r>
+            <a:r>
+              <a:rPr lang="it-IT" dirty="0"/>
+              <a:t> to </a:t>
+            </a:r>
+            <a:r>
+              <a:rPr lang="it-IT" dirty="0" err="1"/>
+              <a:t>train</a:t>
+            </a:r>
+            <a:r>
+              <a:rPr lang="it-IT" dirty="0"/>
+              <a:t> some </a:t>
+            </a:r>
+            <a:r>
+              <a:rPr lang="it-IT" dirty="0" err="1"/>
+              <a:t>classification</a:t>
+            </a:r>
+            <a:r>
+              <a:rPr lang="it-IT" dirty="0"/>
+              <a:t> </a:t>
+            </a:r>
+            <a:r>
+              <a:rPr lang="it-IT" dirty="0" err="1"/>
+              <a:t>algorithms</a:t>
+            </a:r>
+            <a:r>
+              <a:rPr lang="it-IT" dirty="0"/>
+              <a:t> like SVM, NN and </a:t>
+            </a:r>
+            <a:r>
+              <a:rPr lang="it-IT" dirty="0" err="1"/>
+              <a:t>trees</a:t>
+            </a:r>
+            <a:r>
+              <a:rPr lang="it-IT" dirty="0"/>
+              <a:t> (random </a:t>
+            </a:r>
+            <a:r>
+              <a:rPr lang="it-IT" dirty="0" err="1"/>
+              <a:t>forests</a:t>
+            </a:r>
+            <a:r>
+              <a:rPr lang="it-IT" dirty="0"/>
+              <a:t>) to discriminate </a:t>
+            </a:r>
+            <a:r>
+              <a:rPr lang="it-IT" dirty="0" err="1"/>
+              <a:t>between</a:t>
+            </a:r>
+            <a:r>
+              <a:rPr lang="it-IT" dirty="0"/>
+              <a:t> an </a:t>
+            </a:r>
+            <a:r>
+              <a:rPr lang="it-IT" dirty="0" err="1"/>
+              <a:t>attack</a:t>
+            </a:r>
+            <a:r>
+              <a:rPr lang="it-IT" dirty="0"/>
+              <a:t> situation and a </a:t>
+            </a:r>
+            <a:r>
+              <a:rPr lang="it-IT" dirty="0" err="1"/>
+              <a:t>legitimate</a:t>
+            </a:r>
+            <a:r>
+              <a:rPr lang="it-IT" dirty="0"/>
+              <a:t> one, </a:t>
+            </a:r>
+            <a:r>
+              <a:rPr lang="it-IT" dirty="0" err="1"/>
+              <a:t>according</a:t>
+            </a:r>
+            <a:r>
+              <a:rPr lang="it-IT" dirty="0"/>
+              <a:t> to some features </a:t>
+            </a:r>
+            <a:r>
+              <a:rPr lang="it-IT" dirty="0" err="1"/>
+              <a:t>extracted</a:t>
+            </a:r>
+            <a:r>
+              <a:rPr lang="it-IT" dirty="0"/>
+              <a:t> from the queries.</a:t>
+            </a:r>
+          </a:p>
+          <a:p>
+            <a:pPr marL="0" lvl="0" indent="0" algn="l" rtl="0">
+              <a:spcBef>
+                <a:spcPts val="0"/>
+              </a:spcBef>
+              <a:spcAft>
+                <a:spcPts val="0"/>
+              </a:spcAft>
+              <a:buNone/>
+            </a:pPr>
+            <a:r>
+              <a:rPr lang="it-IT" dirty="0" err="1"/>
+              <a:t>However</a:t>
+            </a:r>
+            <a:r>
+              <a:rPr lang="it-IT" dirty="0"/>
+              <a:t> </a:t>
+            </a:r>
+            <a:r>
+              <a:rPr lang="it-IT" dirty="0" err="1"/>
+              <a:t>has</a:t>
+            </a:r>
+            <a:r>
+              <a:rPr lang="it-IT" dirty="0"/>
+              <a:t> </a:t>
+            </a:r>
+            <a:r>
+              <a:rPr lang="it-IT" dirty="0" err="1"/>
+              <a:t>been</a:t>
+            </a:r>
+            <a:r>
+              <a:rPr lang="it-IT" dirty="0"/>
+              <a:t> </a:t>
+            </a:r>
+            <a:r>
+              <a:rPr lang="it-IT" dirty="0" err="1"/>
+              <a:t>recently</a:t>
+            </a:r>
+            <a:r>
+              <a:rPr lang="it-IT" dirty="0"/>
+              <a:t> </a:t>
+            </a:r>
+            <a:r>
+              <a:rPr lang="it-IT" dirty="0" err="1"/>
+              <a:t>shown</a:t>
+            </a:r>
+            <a:r>
+              <a:rPr lang="it-IT" dirty="0"/>
+              <a:t> </a:t>
+            </a:r>
+            <a:r>
+              <a:rPr lang="it-IT" dirty="0" err="1"/>
+              <a:t>that</a:t>
+            </a:r>
+            <a:r>
+              <a:rPr lang="it-IT" dirty="0"/>
+              <a:t> </a:t>
+            </a:r>
+            <a:r>
+              <a:rPr lang="it-IT" dirty="0" err="1"/>
+              <a:t>using</a:t>
+            </a:r>
+            <a:r>
+              <a:rPr lang="it-IT" dirty="0"/>
+              <a:t> an </a:t>
+            </a:r>
+            <a:r>
+              <a:rPr lang="it-IT" dirty="0" err="1"/>
+              <a:t>adversarial</a:t>
+            </a:r>
+            <a:r>
+              <a:rPr lang="it-IT" dirty="0"/>
+              <a:t> </a:t>
+            </a:r>
+            <a:r>
+              <a:rPr lang="it-IT" dirty="0" err="1"/>
+              <a:t>approach</a:t>
+            </a:r>
+            <a:r>
+              <a:rPr lang="it-IT" dirty="0"/>
+              <a:t> the </a:t>
+            </a:r>
+            <a:r>
+              <a:rPr lang="it-IT" dirty="0" err="1"/>
+              <a:t>classification</a:t>
+            </a:r>
+            <a:r>
+              <a:rPr lang="it-IT" dirty="0"/>
+              <a:t> </a:t>
+            </a:r>
+            <a:r>
+              <a:rPr lang="it-IT" dirty="0" err="1"/>
+              <a:t>algorithm</a:t>
+            </a:r>
+            <a:r>
+              <a:rPr lang="it-IT" dirty="0"/>
+              <a:t> can be </a:t>
+            </a:r>
+            <a:r>
+              <a:rPr lang="it-IT" dirty="0" err="1"/>
+              <a:t>fooled</a:t>
+            </a:r>
+            <a:r>
+              <a:rPr lang="it-IT" dirty="0"/>
+              <a:t>. </a:t>
+            </a:r>
+          </a:p>
+          <a:p>
+            <a:pPr marL="0" lvl="0" indent="0" algn="l" rtl="0">
+              <a:spcBef>
+                <a:spcPts val="0"/>
+              </a:spcBef>
+              <a:spcAft>
+                <a:spcPts val="0"/>
+              </a:spcAft>
+              <a:buNone/>
+            </a:pPr>
+            <a:r>
+              <a:rPr lang="it-IT" dirty="0" err="1"/>
+              <a:t>This</a:t>
+            </a:r>
+            <a:r>
+              <a:rPr lang="it-IT" dirty="0"/>
+              <a:t> </a:t>
+            </a:r>
+            <a:r>
+              <a:rPr lang="it-IT" dirty="0" err="1"/>
+              <a:t>apporach</a:t>
+            </a:r>
+            <a:r>
+              <a:rPr lang="it-IT" dirty="0"/>
+              <a:t> </a:t>
+            </a:r>
+            <a:r>
+              <a:rPr lang="it-IT" dirty="0" err="1"/>
+              <a:t>conists</a:t>
+            </a:r>
+            <a:r>
+              <a:rPr lang="it-IT" dirty="0"/>
+              <a:t> in </a:t>
+            </a:r>
+            <a:r>
+              <a:rPr lang="it-IT" dirty="0" err="1"/>
+              <a:t>taking</a:t>
+            </a:r>
+            <a:r>
+              <a:rPr lang="it-IT" dirty="0"/>
+              <a:t> a </a:t>
+            </a:r>
+            <a:r>
+              <a:rPr lang="it-IT" dirty="0" err="1"/>
+              <a:t>two</a:t>
+            </a:r>
+            <a:r>
+              <a:rPr lang="it-IT" dirty="0"/>
+              <a:t> </a:t>
+            </a:r>
+            <a:r>
+              <a:rPr lang="it-IT" dirty="0" err="1"/>
+              <a:t>netowrk</a:t>
+            </a:r>
+            <a:r>
+              <a:rPr lang="it-IT" dirty="0"/>
+              <a:t>, the </a:t>
+            </a:r>
+            <a:r>
+              <a:rPr lang="it-IT" dirty="0" err="1"/>
+              <a:t>classifier</a:t>
+            </a:r>
+            <a:r>
+              <a:rPr lang="it-IT" dirty="0"/>
+              <a:t> and </a:t>
+            </a:r>
+            <a:r>
+              <a:rPr lang="it-IT" dirty="0" err="1"/>
+              <a:t>another</a:t>
+            </a:r>
+            <a:r>
+              <a:rPr lang="it-IT" dirty="0"/>
+              <a:t> </a:t>
+            </a:r>
+            <a:r>
+              <a:rPr lang="it-IT" dirty="0" err="1"/>
+              <a:t>challenging</a:t>
+            </a:r>
+            <a:r>
+              <a:rPr lang="it-IT" dirty="0"/>
+              <a:t> </a:t>
+            </a:r>
+            <a:r>
+              <a:rPr lang="it-IT" dirty="0" err="1"/>
+              <a:t>it</a:t>
+            </a:r>
+            <a:r>
+              <a:rPr lang="it-IT" dirty="0"/>
+              <a:t>. </a:t>
+            </a:r>
+            <a:r>
+              <a:rPr lang="it-IT" dirty="0" err="1"/>
+              <a:t>This</a:t>
+            </a:r>
+            <a:r>
+              <a:rPr lang="it-IT" dirty="0"/>
+              <a:t> network can </a:t>
+            </a:r>
+            <a:r>
+              <a:rPr lang="it-IT" dirty="0" err="1"/>
+              <a:t>learn</a:t>
+            </a:r>
+            <a:r>
+              <a:rPr lang="it-IT" dirty="0"/>
+              <a:t> to </a:t>
+            </a:r>
+            <a:r>
+              <a:rPr lang="it-IT" dirty="0" err="1"/>
+              <a:t>slightly</a:t>
+            </a:r>
+            <a:r>
+              <a:rPr lang="it-IT" dirty="0"/>
+              <a:t> </a:t>
+            </a:r>
+            <a:r>
+              <a:rPr lang="it-IT" dirty="0" err="1"/>
+              <a:t>change</a:t>
+            </a:r>
+            <a:r>
+              <a:rPr lang="it-IT" dirty="0"/>
+              <a:t> the features to </a:t>
+            </a:r>
+            <a:r>
+              <a:rPr lang="it-IT" dirty="0" err="1"/>
+              <a:t>fool</a:t>
+            </a:r>
+            <a:r>
+              <a:rPr lang="it-IT" dirty="0"/>
+              <a:t> the </a:t>
+            </a:r>
+            <a:r>
+              <a:rPr lang="it-IT" dirty="0" err="1"/>
+              <a:t>classifier</a:t>
+            </a:r>
+            <a:r>
+              <a:rPr lang="it-IT" dirty="0"/>
+              <a:t>.</a:t>
+            </a:r>
+          </a:p>
+          <a:p>
+            <a:pPr marL="0" lvl="0" indent="0" algn="l" rtl="0">
+              <a:spcBef>
+                <a:spcPts val="0"/>
+              </a:spcBef>
+              <a:spcAft>
+                <a:spcPts val="0"/>
+              </a:spcAft>
+              <a:buNone/>
+            </a:pPr>
+            <a:endParaRPr lang="it-IT" dirty="0"/>
+          </a:p>
+          <a:p>
+            <a:pPr marL="0" lvl="0" indent="0" algn="l" rtl="0">
+              <a:spcBef>
+                <a:spcPts val="0"/>
+              </a:spcBef>
+              <a:spcAft>
+                <a:spcPts val="0"/>
+              </a:spcAft>
+              <a:buNone/>
+            </a:pPr>
+            <a:r>
+              <a:rPr lang="it-IT" dirty="0"/>
+              <a:t>The idea of </a:t>
+            </a:r>
+            <a:r>
+              <a:rPr lang="it-IT" dirty="0" err="1"/>
+              <a:t>cahching</a:t>
+            </a:r>
+            <a:r>
+              <a:rPr lang="it-IT" dirty="0"/>
+              <a:t> </a:t>
+            </a:r>
+            <a:r>
+              <a:rPr lang="it-IT" dirty="0" err="1"/>
+              <a:t>behavior</a:t>
+            </a:r>
+            <a:r>
+              <a:rPr lang="it-IT" dirty="0"/>
+              <a:t> </a:t>
+            </a:r>
+            <a:r>
+              <a:rPr lang="it-IT" dirty="0" err="1"/>
+              <a:t>is</a:t>
+            </a:r>
+            <a:r>
+              <a:rPr lang="it-IT" dirty="0"/>
+              <a:t> to </a:t>
+            </a:r>
+            <a:r>
+              <a:rPr lang="it-IT" dirty="0" err="1"/>
+              <a:t>keep</a:t>
+            </a:r>
+            <a:r>
+              <a:rPr lang="it-IT" dirty="0"/>
+              <a:t> </a:t>
+            </a:r>
+            <a:r>
+              <a:rPr lang="it-IT" dirty="0" err="1"/>
+              <a:t>providing</a:t>
+            </a:r>
+            <a:r>
+              <a:rPr lang="it-IT" dirty="0"/>
+              <a:t> the </a:t>
+            </a:r>
+            <a:r>
+              <a:rPr lang="it-IT" dirty="0" err="1"/>
+              <a:t>cached</a:t>
+            </a:r>
+            <a:r>
+              <a:rPr lang="it-IT" dirty="0"/>
+              <a:t> entry </a:t>
+            </a:r>
+            <a:r>
+              <a:rPr lang="it-IT" dirty="0" err="1"/>
+              <a:t>when</a:t>
+            </a:r>
+            <a:r>
+              <a:rPr lang="it-IT" dirty="0"/>
+              <a:t> a </a:t>
+            </a:r>
+            <a:r>
+              <a:rPr lang="it-IT" dirty="0" err="1"/>
+              <a:t>relevant</a:t>
+            </a:r>
+            <a:r>
+              <a:rPr lang="it-IT" dirty="0"/>
+              <a:t> server </a:t>
+            </a:r>
+            <a:r>
+              <a:rPr lang="it-IT" dirty="0" err="1"/>
+              <a:t>is</a:t>
+            </a:r>
+            <a:r>
+              <a:rPr lang="it-IT" dirty="0"/>
+              <a:t> down, </a:t>
+            </a:r>
+            <a:r>
+              <a:rPr lang="it-IT" dirty="0" err="1"/>
+              <a:t>indipentely</a:t>
+            </a:r>
+            <a:r>
+              <a:rPr lang="it-IT" dirty="0"/>
+              <a:t> on the TTL. </a:t>
+            </a:r>
+            <a:r>
+              <a:rPr lang="it-IT" dirty="0" err="1"/>
+              <a:t>That</a:t>
+            </a:r>
+            <a:r>
+              <a:rPr lang="it-IT" dirty="0"/>
+              <a:t> way </a:t>
+            </a:r>
+            <a:r>
+              <a:rPr lang="it-IT" dirty="0" err="1"/>
+              <a:t>even</a:t>
+            </a:r>
+            <a:r>
+              <a:rPr lang="it-IT" dirty="0"/>
+              <a:t> </a:t>
+            </a:r>
+            <a:r>
+              <a:rPr lang="it-IT" dirty="0" err="1"/>
+              <a:t>during</a:t>
+            </a:r>
+            <a:r>
+              <a:rPr lang="it-IT" dirty="0"/>
+              <a:t> an </a:t>
+            </a:r>
+            <a:r>
+              <a:rPr lang="it-IT" dirty="0" err="1"/>
+              <a:t>attack</a:t>
+            </a:r>
+            <a:r>
+              <a:rPr lang="it-IT" dirty="0"/>
+              <a:t> the </a:t>
+            </a:r>
+            <a:r>
+              <a:rPr lang="it-IT" dirty="0" err="1"/>
+              <a:t>cached</a:t>
+            </a:r>
+            <a:r>
+              <a:rPr lang="it-IT" dirty="0"/>
+              <a:t> entries can be </a:t>
+            </a:r>
+            <a:r>
+              <a:rPr lang="it-IT" dirty="0" err="1"/>
+              <a:t>served</a:t>
+            </a:r>
+            <a:r>
+              <a:rPr lang="it-IT" dirty="0"/>
+              <a:t>, </a:t>
+            </a:r>
+            <a:r>
+              <a:rPr lang="it-IT" dirty="0" err="1"/>
+              <a:t>increasing</a:t>
+            </a:r>
+            <a:r>
+              <a:rPr lang="it-IT" dirty="0"/>
+              <a:t> the </a:t>
+            </a:r>
+            <a:r>
+              <a:rPr lang="it-IT" dirty="0" err="1"/>
+              <a:t>resilience</a:t>
+            </a:r>
+            <a:r>
+              <a:rPr lang="it-IT" dirty="0"/>
+              <a:t> of the system.</a:t>
+            </a:r>
           </a:p>
         </p:txBody>
       </p:sp>
@@ -23203,7 +25093,7 @@
             </a:r>
             <a:r>
               <a:rPr lang="en-US" dirty="0"/>
-              <a:t>DNS is vital for the Internet, so protecting it from DDoS attacks is crucial. </a:t>
+              <a:t>DNS is vital for the Internet, so protecting it from DDoS and any other type of attack is crucial. </a:t>
             </a:r>
             <a:r>
               <a:rPr lang="en" sz="2100" dirty="0">
@@ -23377,8 +25267,8 @@
         </p:nvSpPr>
         <p:spPr>
           <a:xfrm>
-            <a:off x="1339980" y="622928"/>
-            <a:ext cx="4263974" cy="763500"/>
+            <a:off x="1273073" y="622928"/>
+            <a:ext cx="4425200" cy="763500"/>
           </a:xfrm>
           <a:prstGeom prst="rect">
             <a:avLst/>
@@ -23400,7 +25290,7 @@
               <a:buNone/>
             </a:pPr>
             <a:r>
-              <a:rPr lang="en" sz="3200" dirty="0">
+              <a:rPr lang="en" sz="3600" dirty="0">
                 <a:solidFill>
                   <a:schemeClr val="accent1"/>
                 </a:solidFill>
@@ -23411,7 +25301,7 @@
               <a:t>Proactive</a:t>
             </a:r>
             <a:r>
-              <a:rPr lang="en" sz="3200" dirty="0">
+              <a:rPr lang="en" sz="3600" dirty="0">
                 <a:solidFill>
                   <a:schemeClr val="accent3"/>
                 </a:solidFill>
@@ -23422,7 +25312,7 @@
               <a:t> </a:t>
             </a:r>
             <a:r>
-              <a:rPr lang="en" sz="3200" dirty="0">
+              <a:rPr lang="en" sz="3600" dirty="0">
                 <a:solidFill>
                   <a:schemeClr val="tx1"/>
                 </a:solidFill>
@@ -23432,7 +25322,7 @@
               </a:rPr>
               <a:t>measures</a:t>
             </a:r>
-            <a:endParaRPr sz="3200" dirty="0">
+            <a:endParaRPr sz="3600" dirty="0">
               <a:solidFill>
                 <a:schemeClr val="tx1"/>
               </a:solidFill>
@@ -23455,7 +25345,7 @@
         </p:nvSpPr>
         <p:spPr>
           <a:xfrm>
-            <a:off x="1747484" y="2342004"/>
+            <a:off x="1840882" y="2163585"/>
             <a:ext cx="3289582" cy="2858646"/>
           </a:xfrm>
           <a:prstGeom prst="rect">
@@ -23477,14 +25367,14 @@
               </a:spcAft>
             </a:pPr>
             <a:r>
-              <a:rPr lang="it-IT" sz="2000" b="1" dirty="0"/>
+              <a:rPr lang="it-IT" sz="2400" b="1" dirty="0"/>
               <a:t>Rate </a:t>
             </a:r>
             <a:r>
-              <a:rPr lang="it-IT" sz="2000" b="1" dirty="0" err="1"/>
-              <a:t>limiting</a:t>
-            </a:r>
-            <a:endParaRPr lang="it-IT" sz="2000" b="1" dirty="0"/>
+              <a:rPr lang="it-IT" sz="2400" b="1" dirty="0" err="1"/>
+              <a:t>Limiting</a:t>
+            </a:r>
+            <a:endParaRPr lang="it-IT" sz="2400" b="1" dirty="0"/>
           </a:p>
           <a:p>
             <a:pPr marL="285750" indent="-285750" algn="ctr">
@@ -23496,12 +25386,12 @@
               </a:spcAft>
             </a:pPr>
             <a:r>
-              <a:rPr lang="it-IT" sz="2000" b="1" dirty="0" err="1"/>
+              <a:rPr lang="it-IT" sz="2400" b="1" dirty="0" err="1"/>
               <a:t>Trusted</a:t>
             </a:r>
             <a:r>
-              <a:rPr lang="it-IT" sz="2000" b="1" dirty="0"/>
-              <a:t> sources</a:t>
+              <a:rPr lang="it-IT" sz="2400" b="1" dirty="0"/>
+              <a:t> Sources</a:t>
             </a:r>
           </a:p>
           <a:p>
@@ -23514,7 +25404,7 @@
               </a:spcAft>
             </a:pPr>
             <a:r>
-              <a:rPr lang="it-IT" sz="2000" b="1" dirty="0"/>
+              <a:rPr lang="it-IT" sz="2400" b="1" dirty="0"/>
               <a:t>Firewall</a:t>
             </a:r>
           </a:p>
@@ -23536,7 +25426,7 @@
         </p:nvSpPr>
         <p:spPr>
           <a:xfrm>
-            <a:off x="6903477" y="622928"/>
+            <a:off x="6723664" y="622928"/>
             <a:ext cx="4556203" cy="763500"/>
           </a:xfrm>
           <a:prstGeom prst="rect">
@@ -23800,7 +25690,7 @@
           </a:lstStyle>
           <a:p>
             <a:r>
-              <a:rPr lang="it-IT" sz="3200" dirty="0" err="1">
+              <a:rPr lang="it-IT" sz="3600" dirty="0" err="1">
                 <a:solidFill>
                   <a:schemeClr val="accent3"/>
                 </a:solidFill>
@@ -23811,7 +25701,7 @@
               <a:t>Reactive</a:t>
             </a:r>
             <a:r>
-              <a:rPr lang="it-IT" sz="3200" dirty="0">
+              <a:rPr lang="it-IT" sz="3600" dirty="0">
                 <a:solidFill>
                   <a:schemeClr val="accent3"/>
                 </a:solidFill>
@@ -23822,7 +25712,7 @@
               <a:t> </a:t>
             </a:r>
             <a:r>
-              <a:rPr lang="en" sz="3200" dirty="0">
+              <a:rPr lang="en" sz="3600" dirty="0">
                 <a:solidFill>
                   <a:schemeClr val="tx1"/>
                 </a:solidFill>
@@ -23832,7 +25722,7 @@
               </a:rPr>
               <a:t>measures</a:t>
             </a:r>
-            <a:endParaRPr lang="it-IT" sz="3200" dirty="0">
+            <a:endParaRPr lang="it-IT" sz="3600" dirty="0">
               <a:solidFill>
                 <a:schemeClr val="accent3"/>
               </a:solidFill>
@@ -23859,7 +25749,7 @@
         </p:nvSpPr>
         <p:spPr>
           <a:xfrm>
-            <a:off x="6846327" y="1884803"/>
+            <a:off x="6723664" y="2163585"/>
             <a:ext cx="4081552" cy="3642417"/>
           </a:xfrm>
           <a:prstGeom prst="rect">
@@ -24131,22 +26021,9 @@
               </a:spcAft>
             </a:pPr>
             <a:r>
-              <a:rPr lang="it-IT" sz="2000" b="1" dirty="0"/>
-              <a:t>Routing </a:t>
-            </a:r>
-            <a:r>
-              <a:rPr lang="it-IT" sz="2000" b="1" dirty="0" err="1"/>
-              <a:t>hops</a:t>
-            </a:r>
-            <a:r>
-              <a:rPr lang="it-IT" sz="2000" b="1" dirty="0"/>
-              <a:t> </a:t>
-            </a:r>
-            <a:r>
-              <a:rPr lang="it-IT" sz="2000" b="1" dirty="0" err="1"/>
-              <a:t>detection</a:t>
-            </a:r>
-            <a:endParaRPr lang="it-IT" sz="2000" b="1" dirty="0"/>
+              <a:rPr lang="it-IT" sz="2400" b="1" dirty="0"/>
+              <a:t>Machine Learning</a:t>
+            </a:r>
           </a:p>
           <a:p>
             <a:pPr marL="285750" indent="-285750" algn="ctr">
@@ -24158,9 +26035,18 @@
               </a:spcAft>
             </a:pPr>
             <a:r>
-              <a:rPr lang="it-IT" sz="2000" b="1" dirty="0"/>
-              <a:t>Machine learning</a:t>
-            </a:r>
+              <a:rPr lang="it-IT" sz="2400" b="1" dirty="0" err="1"/>
+              <a:t>Anycast</a:t>
+            </a:r>
+            <a:r>
+              <a:rPr lang="it-IT" sz="2400" b="1" dirty="0"/>
+              <a:t> </a:t>
+            </a:r>
+            <a:r>
+              <a:rPr lang="it-IT" sz="2400" b="1" dirty="0" err="1"/>
+              <a:t>Scheme</a:t>
+            </a:r>
+            <a:endParaRPr lang="it-IT" sz="2400" b="1" dirty="0"/>
           </a:p>
           <a:p>
             <a:pPr marL="285750" indent="-285750" algn="ctr">
@@ -24172,37 +26058,14 @@
               </a:spcAft>
             </a:pPr>
             <a:r>
-              <a:rPr lang="it-IT" sz="2000" b="1" dirty="0" err="1"/>
-              <a:t>Anycast</a:t>
-            </a:r>
-            <a:r>
-              <a:rPr lang="it-IT" sz="2000" b="1" dirty="0"/>
-              <a:t> </a:t>
-            </a:r>
-            <a:r>
-              <a:rPr lang="it-IT" sz="2000" b="1" dirty="0" err="1"/>
-              <a:t>scheme</a:t>
-            </a:r>
-            <a:endParaRPr lang="it-IT" sz="2000" b="1" dirty="0"/>
-          </a:p>
-          <a:p>
-            <a:pPr marL="285750" indent="-285750" algn="ctr">
-              <a:spcBef>
-                <a:spcPts val="2100"/>
-              </a:spcBef>
-              <a:spcAft>
-                <a:spcPts val="2100"/>
-              </a:spcAft>
-            </a:pPr>
-            <a:r>
-              <a:rPr lang="it-IT" sz="2000" b="1" dirty="0"/>
+              <a:rPr lang="it-IT" sz="2400" b="1" dirty="0"/>
               <a:t>Caching </a:t>
             </a:r>
             <a:r>
-              <a:rPr lang="it-IT" sz="2000" b="1" dirty="0" err="1"/>
-              <a:t>behavior</a:t>
-            </a:r>
-            <a:endParaRPr lang="it-IT" sz="2000" b="1" dirty="0"/>
+              <a:rPr lang="it-IT" sz="2400" b="1" dirty="0" err="1"/>
+              <a:t>Behavior</a:t>
+            </a:r>
+            <a:endParaRPr lang="it-IT" sz="2400" b="1" dirty="0"/>
           </a:p>
         </p:txBody>
       </p:sp>
@@ -24327,7 +26190,7 @@
                 <a:ea typeface="Roboto Mono"/>
                 <a:sym typeface="Roboto Mono"/>
               </a:rPr>
-              <a:t>Rate limiting</a:t>
+              <a:t>Rate Limiting</a:t>
             </a:r>
           </a:p>
         </p:txBody>
@@ -24347,7 +26210,7 @@
         <p:spPr>
           <a:xfrm>
             <a:off x="5192279" y="2112568"/>
-            <a:ext cx="1700941" cy="707886"/>
+            <a:ext cx="1700941" cy="738664"/>
           </a:xfrm>
           <a:prstGeom prst="rect">
             <a:avLst/>
@@ -24400,7 +26263,7 @@
                   <a:schemeClr val="accent2"/>
                 </a:solidFill>
               </a:rPr>
-              <a:t>sources</a:t>
+              <a:t>Sources</a:t>
             </a:r>
           </a:p>
         </p:txBody>
@@ -24465,7 +26328,7 @@
         </p:nvSpPr>
         <p:spPr>
           <a:xfrm>
-            <a:off x="978063" y="3581398"/>
+            <a:off x="978063" y="3793670"/>
             <a:ext cx="3080871" cy="2011137"/>
           </a:xfrm>
         </p:spPr>
@@ -24484,7 +26347,7 @@
           <a:p>
             <a:r>
               <a:rPr lang="en-US" dirty="0"/>
-              <a:t>Reducing amplification effect</a:t>
+              <a:t>Reducing reflection effect</a:t>
             </a:r>
           </a:p>
           <a:p>
@@ -25128,7 +26991,7 @@
           <a:p>
             <a:r>
               <a:rPr lang="en-US" dirty="0"/>
-              <a:t>Port Blocking</a:t>
+              <a:t>Traffic filtering</a:t>
             </a:r>
           </a:p>
           <a:p>
@@ -25204,7 +27067,7 @@
                 <a:ea typeface="Roboto Mono"/>
                 <a:sym typeface="Roboto Mono"/>
               </a:rPr>
-              <a:t>Anycast scheme</a:t>
+              <a:t>Anycast Scheme</a:t>
             </a:r>
           </a:p>
         </p:txBody>
@@ -25265,7 +27128,7 @@
                 </a:solidFill>
                 <a:sym typeface="Roboto Mono"/>
               </a:rPr>
-              <a:t>Machine learning</a:t>
+              <a:t>Machine Learning</a:t>
             </a:r>
             <a:endParaRPr lang="en-US" dirty="0">
               <a:solidFill>
@@ -25289,7 +27152,7 @@
         </p:nvSpPr>
         <p:spPr>
           <a:xfrm>
-            <a:off x="8716529" y="2266456"/>
+            <a:off x="8742750" y="2112568"/>
             <a:ext cx="1700941" cy="738664"/>
           </a:xfrm>
           <a:prstGeom prst="rect">
@@ -25312,7 +27175,7 @@
                 <a:latin typeface="Roboto Mono"/>
                 <a:ea typeface="Roboto Mono"/>
               </a:rPr>
-              <a:t>Caching behavior</a:t>
+              <a:t>Caching Behavior</a:t>
             </a:r>
           </a:p>
         </p:txBody>
@@ -25363,7 +27226,7 @@
           <a:p>
             <a:r>
               <a:rPr lang="en-US" dirty="0"/>
-              <a:t>Roots attack mitigated</a:t>
+              <a:t>Hard to push all servers down</a:t>
             </a:r>
           </a:p>
         </p:txBody>
@@ -25386,7 +27249,7 @@
         </p:nvSpPr>
         <p:spPr>
           <a:xfrm>
-            <a:off x="4582297" y="3505091"/>
+            <a:off x="4582595" y="3443759"/>
             <a:ext cx="2920307" cy="2299716"/>
           </a:xfrm>
         </p:spPr>
@@ -25396,7 +27259,7 @@
           <a:p>
             <a:r>
               <a:rPr lang="en-US" dirty="0"/>
-              <a:t>Classification algorithms (SVM, NN, Trees)</a:t>
+              <a:t>Classification algorithms (SVM, Neural Networks, Trees)</a:t>
             </a:r>
           </a:p>
           <a:p>

--- a/Presentation/Presentation.pptx
+++ b/Presentation/Presentation.pptx
@@ -34,8 +34,8 @@
     <p:sldId id="267" r:id="rId28"/>
     <p:sldId id="303" r:id="rId29"/>
     <p:sldId id="270" r:id="rId30"/>
-    <p:sldId id="306" r:id="rId31"/>
-    <p:sldId id="305" r:id="rId32"/>
+    <p:sldId id="305" r:id="rId31"/>
+    <p:sldId id="306" r:id="rId32"/>
     <p:sldId id="273" r:id="rId33"/>
     <p:sldId id="298" r:id="rId34"/>
     <p:sldId id="261" r:id="rId35"/>
@@ -3939,6 +3939,98 @@
               </a:spcAft>
               <a:buNone/>
             </a:pPr>
+            <a:r>
+              <a:rPr lang="it-IT" dirty="0"/>
+              <a:t>1° </a:t>
+            </a:r>
+            <a:r>
+              <a:rPr lang="it-IT" dirty="0" err="1"/>
+              <a:t>vantage</a:t>
+            </a:r>
+            <a:r>
+              <a:rPr lang="it-IT" dirty="0"/>
+              <a:t> point = target with </a:t>
+            </a:r>
+            <a:r>
+              <a:rPr lang="it-IT" dirty="0" err="1"/>
+              <a:t>spoofed</a:t>
+            </a:r>
+            <a:r>
+              <a:rPr lang="it-IT" dirty="0"/>
+              <a:t> </a:t>
+            </a:r>
+            <a:r>
+              <a:rPr lang="it-IT" dirty="0" err="1"/>
+              <a:t>ip</a:t>
+            </a:r>
+            <a:endParaRPr lang="it-IT" dirty="0"/>
+          </a:p>
+          <a:p>
+            <a:pPr marL="0" lvl="0" indent="0" algn="l" rtl="0">
+              <a:spcBef>
+                <a:spcPts val="0"/>
+              </a:spcBef>
+              <a:spcAft>
+                <a:spcPts val="0"/>
+              </a:spcAft>
+              <a:buNone/>
+            </a:pPr>
+            <a:endParaRPr lang="it-IT" dirty="0"/>
+          </a:p>
+          <a:p>
+            <a:pPr marL="0" lvl="0" indent="0" algn="l" rtl="0">
+              <a:spcBef>
+                <a:spcPts val="0"/>
+              </a:spcBef>
+              <a:spcAft>
+                <a:spcPts val="0"/>
+              </a:spcAft>
+              <a:buNone/>
+            </a:pPr>
+            <a:r>
+              <a:rPr lang="it-IT" dirty="0"/>
+              <a:t>Ping, </a:t>
+            </a:r>
+            <a:r>
+              <a:rPr lang="it-IT" dirty="0" err="1"/>
+              <a:t>dig</a:t>
+            </a:r>
+            <a:endParaRPr lang="it-IT" dirty="0"/>
+          </a:p>
+          <a:p>
+            <a:pPr marL="0" lvl="0" indent="0" algn="l" rtl="0">
+              <a:spcBef>
+                <a:spcPts val="0"/>
+              </a:spcBef>
+              <a:spcAft>
+                <a:spcPts val="0"/>
+              </a:spcAft>
+              <a:buNone/>
+            </a:pPr>
+            <a:endParaRPr lang="it-IT" dirty="0"/>
+          </a:p>
+          <a:p>
+            <a:pPr marL="0" lvl="0" indent="0" algn="l" rtl="0">
+              <a:spcBef>
+                <a:spcPts val="0"/>
+              </a:spcBef>
+              <a:spcAft>
+                <a:spcPts val="0"/>
+              </a:spcAft>
+              <a:buNone/>
+            </a:pPr>
+            <a:r>
+              <a:rPr lang="it-IT" dirty="0" err="1"/>
+              <a:t>Ram</a:t>
+            </a:r>
+            <a:r>
+              <a:rPr lang="it-IT" dirty="0"/>
+              <a:t>, </a:t>
+            </a:r>
+            <a:r>
+              <a:rPr lang="it-IT" dirty="0" err="1"/>
+              <a:t>cpu</a:t>
+            </a:r>
             <a:endParaRPr dirty="0"/>
           </a:p>
         </p:txBody>
@@ -4045,7 +4137,7 @@
             </a:pPr>
             <a:r>
               <a:rPr lang="it-IT" dirty="0" err="1"/>
-              <a:t>Amplification</a:t>
+              <a:t>They</a:t>
             </a:r>
             <a:r>
               <a:rPr lang="it-IT" dirty="0"/>
@@ -4053,7 +4145,67 @@
             </a:r>
             <a:r>
               <a:rPr lang="it-IT" dirty="0" err="1"/>
-              <a:t>factors</a:t>
+              <a:t>give</a:t>
+            </a:r>
+            <a:r>
+              <a:rPr lang="it-IT" dirty="0"/>
+              <a:t> the name to the </a:t>
+            </a:r>
+            <a:r>
+              <a:rPr lang="it-IT" dirty="0" err="1"/>
+              <a:t>attack</a:t>
+            </a:r>
+            <a:endParaRPr lang="it-IT" dirty="0"/>
+          </a:p>
+          <a:p>
+            <a:pPr marL="0" lvl="0" indent="0" algn="l" rtl="0">
+              <a:spcBef>
+                <a:spcPts val="0"/>
+              </a:spcBef>
+              <a:spcAft>
+                <a:spcPts val="0"/>
+              </a:spcAft>
+              <a:buNone/>
+            </a:pPr>
+            <a:endParaRPr lang="it-IT" dirty="0"/>
+          </a:p>
+          <a:p>
+            <a:pPr marL="0" lvl="0" indent="0" algn="l" rtl="0">
+              <a:spcBef>
+                <a:spcPts val="0"/>
+              </a:spcBef>
+              <a:spcAft>
+                <a:spcPts val="0"/>
+              </a:spcAft>
+              <a:buNone/>
+            </a:pPr>
+            <a:r>
+              <a:rPr lang="it-IT" dirty="0" err="1"/>
+              <a:t>We</a:t>
+            </a:r>
+            <a:r>
+              <a:rPr lang="it-IT" dirty="0"/>
+              <a:t> </a:t>
+            </a:r>
+            <a:r>
+              <a:rPr lang="it-IT" dirty="0" err="1"/>
+              <a:t>used</a:t>
+            </a:r>
+            <a:r>
+              <a:rPr lang="it-IT" dirty="0"/>
+              <a:t> </a:t>
+            </a:r>
+            <a:r>
+              <a:rPr lang="it-IT" dirty="0" err="1"/>
+              <a:t>various</a:t>
+            </a:r>
+            <a:r>
+              <a:rPr lang="it-IT" dirty="0"/>
+              <a:t> </a:t>
+            </a:r>
+            <a:r>
+              <a:rPr lang="it-IT" dirty="0" err="1"/>
+              <a:t>dimensions</a:t>
             </a:r>
             <a:endParaRPr dirty="0"/>
           </a:p>
@@ -4167,6 +4319,90 @@
               <a:rPr lang="it-IT" dirty="0" err="1"/>
               <a:t>series</a:t>
             </a:r>
+            <a:endParaRPr lang="it-IT" dirty="0"/>
+          </a:p>
+          <a:p>
+            <a:pPr marL="0" lvl="0" indent="0" algn="l" rtl="0">
+              <a:spcBef>
+                <a:spcPts val="0"/>
+              </a:spcBef>
+              <a:spcAft>
+                <a:spcPts val="0"/>
+              </a:spcAft>
+              <a:buNone/>
+            </a:pPr>
+            <a:endParaRPr lang="it-IT" dirty="0"/>
+          </a:p>
+          <a:p>
+            <a:pPr marL="0" lvl="0" indent="0" algn="l" rtl="0">
+              <a:spcBef>
+                <a:spcPts val="0"/>
+              </a:spcBef>
+              <a:spcAft>
+                <a:spcPts val="0"/>
+              </a:spcAft>
+              <a:buNone/>
+            </a:pPr>
+            <a:r>
+              <a:rPr lang="it-IT" dirty="0"/>
+              <a:t>3 </a:t>
+            </a:r>
+            <a:r>
+              <a:rPr lang="it-IT" dirty="0" err="1"/>
+              <a:t>sections</a:t>
+            </a:r>
+            <a:r>
+              <a:rPr lang="it-IT" dirty="0"/>
+              <a:t> of the </a:t>
+            </a:r>
+            <a:r>
+              <a:rPr lang="it-IT" dirty="0" err="1"/>
+              <a:t>attack</a:t>
+            </a:r>
+            <a:endParaRPr lang="it-IT" dirty="0"/>
+          </a:p>
+          <a:p>
+            <a:pPr marL="0" lvl="0" indent="0" algn="l" rtl="0">
+              <a:spcBef>
+                <a:spcPts val="0"/>
+              </a:spcBef>
+              <a:spcAft>
+                <a:spcPts val="0"/>
+              </a:spcAft>
+              <a:buNone/>
+            </a:pPr>
+            <a:endParaRPr lang="it-IT" dirty="0"/>
+          </a:p>
+          <a:p>
+            <a:pPr marL="0" lvl="0" indent="0" algn="l" rtl="0">
+              <a:spcBef>
+                <a:spcPts val="0"/>
+              </a:spcBef>
+              <a:spcAft>
+                <a:spcPts val="0"/>
+              </a:spcAft>
+              <a:buNone/>
+            </a:pPr>
+            <a:r>
+              <a:rPr lang="it-IT" dirty="0" err="1"/>
+              <a:t>Visualization</a:t>
+            </a:r>
+            <a:r>
+              <a:rPr lang="it-IT" dirty="0"/>
+              <a:t> with </a:t>
+            </a:r>
+            <a:r>
+              <a:rPr lang="it-IT" dirty="0" err="1"/>
+              <a:t>moving</a:t>
+            </a:r>
+            <a:r>
+              <a:rPr lang="it-IT" dirty="0"/>
+              <a:t> </a:t>
+            </a:r>
+            <a:r>
+              <a:rPr lang="it-IT" dirty="0" err="1"/>
+              <a:t>average</a:t>
+            </a:r>
             <a:endParaRPr dirty="0"/>
           </a:p>
         </p:txBody>
@@ -4275,6 +4511,192 @@
               <a:rPr lang="it-IT" dirty="0"/>
               <a:t>Query times</a:t>
             </a:r>
+          </a:p>
+          <a:p>
+            <a:pPr marL="0" lvl="0" indent="0" algn="l" rtl="0">
+              <a:spcBef>
+                <a:spcPts val="0"/>
+              </a:spcBef>
+              <a:spcAft>
+                <a:spcPts val="0"/>
+              </a:spcAft>
+              <a:buNone/>
+            </a:pPr>
+            <a:endParaRPr lang="it-IT" dirty="0"/>
+          </a:p>
+          <a:p>
+            <a:pPr marL="0" lvl="0" indent="0" algn="l" rtl="0">
+              <a:spcBef>
+                <a:spcPts val="0"/>
+              </a:spcBef>
+              <a:spcAft>
+                <a:spcPts val="0"/>
+              </a:spcAft>
+              <a:buNone/>
+            </a:pPr>
+            <a:r>
+              <a:rPr lang="it-IT" dirty="0" err="1"/>
+              <a:t>Boxplot</a:t>
+            </a:r>
+            <a:endParaRPr lang="it-IT" dirty="0"/>
+          </a:p>
+          <a:p>
+            <a:pPr marL="0" lvl="0" indent="0" algn="l" rtl="0">
+              <a:spcBef>
+                <a:spcPts val="0"/>
+              </a:spcBef>
+              <a:spcAft>
+                <a:spcPts val="0"/>
+              </a:spcAft>
+              <a:buNone/>
+            </a:pPr>
+            <a:endParaRPr lang="it-IT" dirty="0"/>
+          </a:p>
+          <a:p>
+            <a:pPr marL="0" lvl="0" indent="0" algn="l" rtl="0">
+              <a:spcBef>
+                <a:spcPts val="0"/>
+              </a:spcBef>
+              <a:spcAft>
+                <a:spcPts val="0"/>
+              </a:spcAft>
+              <a:buNone/>
+            </a:pPr>
+            <a:r>
+              <a:rPr lang="it-IT" dirty="0"/>
+              <a:t>Compare the </a:t>
+            </a:r>
+            <a:r>
+              <a:rPr lang="it-IT" dirty="0" err="1"/>
+              <a:t>mean</a:t>
+            </a:r>
+            <a:endParaRPr lang="it-IT" dirty="0"/>
+          </a:p>
+          <a:p>
+            <a:pPr marL="0" lvl="0" indent="0" algn="l" rtl="0">
+              <a:spcBef>
+                <a:spcPts val="0"/>
+              </a:spcBef>
+              <a:spcAft>
+                <a:spcPts val="0"/>
+              </a:spcAft>
+              <a:buNone/>
+            </a:pPr>
+            <a:endParaRPr lang="it-IT" dirty="0"/>
+          </a:p>
+          <a:p>
+            <a:pPr marL="0" lvl="0" indent="0" algn="l" rtl="0">
+              <a:spcBef>
+                <a:spcPts val="0"/>
+              </a:spcBef>
+              <a:spcAft>
+                <a:spcPts val="0"/>
+              </a:spcAft>
+              <a:buNone/>
+            </a:pPr>
+            <a:r>
+              <a:rPr lang="it-IT" dirty="0" err="1"/>
+              <a:t>Mx</a:t>
+            </a:r>
+            <a:r>
+              <a:rPr lang="it-IT" dirty="0"/>
+              <a:t> and ns are </a:t>
+            </a:r>
+            <a:r>
+              <a:rPr lang="it-IT" dirty="0" err="1"/>
+              <a:t>silimar</a:t>
+            </a:r>
+            <a:r>
+              <a:rPr lang="it-IT" dirty="0"/>
+              <a:t>, </a:t>
+            </a:r>
+            <a:r>
+              <a:rPr lang="it-IT" dirty="0" err="1"/>
+              <a:t>but</a:t>
+            </a:r>
+            <a:r>
+              <a:rPr lang="it-IT" dirty="0"/>
+              <a:t> </a:t>
+            </a:r>
+            <a:r>
+              <a:rPr lang="it-IT" dirty="0" err="1"/>
+              <a:t>different</a:t>
+            </a:r>
+            <a:r>
+              <a:rPr lang="it-IT" dirty="0"/>
+              <a:t> </a:t>
+            </a:r>
+            <a:r>
+              <a:rPr lang="it-IT" dirty="0" err="1"/>
+              <a:t>latency</a:t>
+            </a:r>
+            <a:r>
+              <a:rPr lang="it-IT" dirty="0"/>
+              <a:t>, due to </a:t>
+            </a:r>
+            <a:r>
+              <a:rPr lang="it-IT" dirty="0" err="1"/>
+              <a:t>configuration</a:t>
+            </a:r>
+            <a:r>
+              <a:rPr lang="it-IT" dirty="0"/>
+              <a:t>?</a:t>
+            </a:r>
+          </a:p>
+          <a:p>
+            <a:pPr marL="0" lvl="0" indent="0" algn="l" rtl="0">
+              <a:spcBef>
+                <a:spcPts val="0"/>
+              </a:spcBef>
+              <a:spcAft>
+                <a:spcPts val="0"/>
+              </a:spcAft>
+              <a:buNone/>
+            </a:pPr>
+            <a:endParaRPr lang="it-IT" dirty="0"/>
+          </a:p>
+          <a:p>
+            <a:pPr marL="0" lvl="0" indent="0" algn="l" rtl="0">
+              <a:spcBef>
+                <a:spcPts val="0"/>
+              </a:spcBef>
+              <a:spcAft>
+                <a:spcPts val="0"/>
+              </a:spcAft>
+              <a:buNone/>
+            </a:pPr>
+            <a:r>
+              <a:rPr lang="it-IT" dirty="0" err="1"/>
+              <a:t>ANY</a:t>
+            </a:r>
+            <a:r>
+              <a:rPr lang="it-IT" dirty="0"/>
+              <a:t> </a:t>
+            </a:r>
+            <a:r>
+              <a:rPr lang="it-IT" dirty="0" err="1"/>
+              <a:t>surpasses</a:t>
+            </a:r>
+            <a:r>
+              <a:rPr lang="it-IT" dirty="0"/>
+              <a:t> 100 </a:t>
+            </a:r>
+            <a:r>
+              <a:rPr lang="it-IT" dirty="0" err="1"/>
+              <a:t>ms</a:t>
+            </a:r>
+            <a:r>
+              <a:rPr lang="it-IT" dirty="0"/>
+              <a:t>, </a:t>
+            </a:r>
+            <a:r>
+              <a:rPr lang="it-IT" dirty="0" err="1"/>
+              <a:t>disrupts</a:t>
+            </a:r>
+            <a:r>
+              <a:rPr lang="it-IT" dirty="0"/>
+              <a:t> web browsing</a:t>
+            </a:r>
             <a:endParaRPr dirty="0"/>
           </a:p>
         </p:txBody>
@@ -4383,6 +4805,104 @@
               <a:rPr lang="it-IT" dirty="0"/>
               <a:t>Ping times</a:t>
             </a:r>
+          </a:p>
+          <a:p>
+            <a:pPr marL="0" lvl="0" indent="0" algn="l" rtl="0">
+              <a:spcBef>
+                <a:spcPts val="0"/>
+              </a:spcBef>
+              <a:spcAft>
+                <a:spcPts val="0"/>
+              </a:spcAft>
+              <a:buNone/>
+            </a:pPr>
+            <a:endParaRPr lang="it-IT" dirty="0"/>
+          </a:p>
+          <a:p>
+            <a:pPr marL="0" lvl="0" indent="0" algn="l" rtl="0">
+              <a:spcBef>
+                <a:spcPts val="0"/>
+              </a:spcBef>
+              <a:spcAft>
+                <a:spcPts val="0"/>
+              </a:spcAft>
+              <a:buNone/>
+            </a:pPr>
+            <a:r>
+              <a:rPr lang="it-IT" dirty="0"/>
+              <a:t>The </a:t>
+            </a:r>
+            <a:r>
+              <a:rPr lang="it-IT" dirty="0" err="1"/>
+              <a:t>biggest</a:t>
+            </a:r>
+            <a:r>
+              <a:rPr lang="it-IT" dirty="0"/>
+              <a:t> time </a:t>
+            </a:r>
+            <a:r>
+              <a:rPr lang="it-IT" dirty="0" err="1"/>
+              <a:t>is</a:t>
+            </a:r>
+            <a:r>
+              <a:rPr lang="it-IT" dirty="0"/>
+              <a:t> 50</a:t>
+            </a:r>
+          </a:p>
+          <a:p>
+            <a:pPr marL="0" lvl="0" indent="0" algn="l" rtl="0">
+              <a:spcBef>
+                <a:spcPts val="0"/>
+              </a:spcBef>
+              <a:spcAft>
+                <a:spcPts val="0"/>
+              </a:spcAft>
+              <a:buNone/>
+            </a:pPr>
+            <a:endParaRPr lang="it-IT" dirty="0"/>
+          </a:p>
+          <a:p>
+            <a:pPr marL="0" lvl="0" indent="0" algn="l" rtl="0">
+              <a:spcBef>
+                <a:spcPts val="0"/>
+              </a:spcBef>
+              <a:spcAft>
+                <a:spcPts val="0"/>
+              </a:spcAft>
+              <a:buNone/>
+            </a:pPr>
+            <a:r>
+              <a:rPr lang="it-IT" dirty="0"/>
+              <a:t>The overall system </a:t>
+            </a:r>
+            <a:r>
+              <a:rPr lang="it-IT" dirty="0" err="1"/>
+              <a:t>is</a:t>
+            </a:r>
+            <a:r>
+              <a:rPr lang="it-IT" dirty="0"/>
+              <a:t> </a:t>
+            </a:r>
+            <a:r>
+              <a:rPr lang="it-IT" dirty="0" err="1"/>
+              <a:t>not</a:t>
+            </a:r>
+            <a:r>
+              <a:rPr lang="it-IT" dirty="0"/>
+              <a:t> </a:t>
+            </a:r>
+            <a:r>
+              <a:rPr lang="it-IT" dirty="0" err="1"/>
+              <a:t>much</a:t>
+            </a:r>
+            <a:r>
+              <a:rPr lang="it-IT" dirty="0"/>
+              <a:t> </a:t>
+            </a:r>
+            <a:r>
+              <a:rPr lang="it-IT" dirty="0" err="1"/>
+              <a:t>affected</a:t>
+            </a:r>
             <a:endParaRPr dirty="0"/>
           </a:p>
         </p:txBody>
@@ -4489,7 +5009,163 @@
             </a:pPr>
             <a:r>
               <a:rPr lang="it-IT" dirty="0" err="1"/>
-              <a:t>resources</a:t>
+              <a:t>Resources</a:t>
+            </a:r>
+            <a:endParaRPr lang="it-IT" dirty="0"/>
+          </a:p>
+          <a:p>
+            <a:pPr marL="0" lvl="0" indent="0" algn="l" rtl="0">
+              <a:spcBef>
+                <a:spcPts val="0"/>
+              </a:spcBef>
+              <a:spcAft>
+                <a:spcPts val="0"/>
+              </a:spcAft>
+              <a:buNone/>
+            </a:pPr>
+            <a:endParaRPr lang="it-IT" dirty="0"/>
+          </a:p>
+          <a:p>
+            <a:pPr marL="0" lvl="0" indent="0" algn="l" rtl="0">
+              <a:spcBef>
+                <a:spcPts val="0"/>
+              </a:spcBef>
+              <a:spcAft>
+                <a:spcPts val="0"/>
+              </a:spcAft>
+              <a:buNone/>
+            </a:pPr>
+            <a:r>
+              <a:rPr lang="it-IT" dirty="0" err="1"/>
+              <a:t>Any</a:t>
+            </a:r>
+            <a:r>
+              <a:rPr lang="it-IT" dirty="0"/>
+              <a:t> </a:t>
+            </a:r>
+            <a:r>
+              <a:rPr lang="it-IT" dirty="0" err="1"/>
+              <a:t>request</a:t>
+            </a:r>
+            <a:r>
+              <a:rPr lang="it-IT" dirty="0"/>
+              <a:t>, </a:t>
+            </a:r>
+            <a:r>
+              <a:rPr lang="it-IT" dirty="0" err="1"/>
+              <a:t>cpu</a:t>
+            </a:r>
+            <a:r>
+              <a:rPr lang="it-IT" dirty="0"/>
+              <a:t> </a:t>
+            </a:r>
+            <a:r>
+              <a:rPr lang="it-IT" dirty="0" err="1"/>
+              <a:t>is</a:t>
+            </a:r>
+            <a:r>
+              <a:rPr lang="it-IT" dirty="0"/>
+              <a:t> the </a:t>
+            </a:r>
+            <a:r>
+              <a:rPr lang="it-IT" dirty="0" err="1"/>
+              <a:t>same</a:t>
+            </a:r>
+            <a:endParaRPr lang="it-IT" dirty="0"/>
+          </a:p>
+          <a:p>
+            <a:pPr marL="0" lvl="0" indent="0" algn="l" rtl="0">
+              <a:spcBef>
+                <a:spcPts val="0"/>
+              </a:spcBef>
+              <a:spcAft>
+                <a:spcPts val="0"/>
+              </a:spcAft>
+              <a:buNone/>
+            </a:pPr>
+            <a:endParaRPr lang="it-IT" dirty="0"/>
+          </a:p>
+          <a:p>
+            <a:pPr marL="0" lvl="0" indent="0" algn="l" rtl="0">
+              <a:spcBef>
+                <a:spcPts val="0"/>
+              </a:spcBef>
+              <a:spcAft>
+                <a:spcPts val="0"/>
+              </a:spcAft>
+              <a:buNone/>
+            </a:pPr>
+            <a:r>
+              <a:rPr lang="it-IT" dirty="0"/>
+              <a:t>Memory </a:t>
+            </a:r>
+            <a:r>
+              <a:rPr lang="it-IT" dirty="0" err="1"/>
+              <a:t>also</a:t>
+            </a:r>
+            <a:r>
+              <a:rPr lang="it-IT" dirty="0"/>
+              <a:t> </a:t>
+            </a:r>
+            <a:r>
+              <a:rPr lang="it-IT" dirty="0" err="1"/>
+              <a:t>doesn’t</a:t>
+            </a:r>
+            <a:r>
+              <a:rPr lang="it-IT" dirty="0"/>
+              <a:t> </a:t>
+            </a:r>
+            <a:r>
+              <a:rPr lang="it-IT" dirty="0" err="1"/>
+              <a:t>change</a:t>
+            </a:r>
+            <a:endParaRPr lang="it-IT" dirty="0"/>
+          </a:p>
+          <a:p>
+            <a:pPr marL="0" lvl="0" indent="0" algn="l" rtl="0">
+              <a:spcBef>
+                <a:spcPts val="0"/>
+              </a:spcBef>
+              <a:spcAft>
+                <a:spcPts val="0"/>
+              </a:spcAft>
+              <a:buNone/>
+            </a:pPr>
+            <a:endParaRPr lang="it-IT" dirty="0"/>
+          </a:p>
+          <a:p>
+            <a:pPr marL="0" lvl="0" indent="0" algn="l" rtl="0">
+              <a:spcBef>
+                <a:spcPts val="0"/>
+              </a:spcBef>
+              <a:spcAft>
+                <a:spcPts val="0"/>
+              </a:spcAft>
+              <a:buNone/>
+            </a:pPr>
+            <a:r>
+              <a:rPr lang="it-IT" dirty="0" err="1"/>
+              <a:t>Probably</a:t>
+            </a:r>
+            <a:r>
+              <a:rPr lang="it-IT" dirty="0"/>
+              <a:t> </a:t>
+            </a:r>
+            <a:r>
+              <a:rPr lang="it-IT" dirty="0" err="1"/>
+              <a:t>because</a:t>
+            </a:r>
+            <a:r>
+              <a:rPr lang="it-IT" dirty="0"/>
+              <a:t> of </a:t>
+            </a:r>
+            <a:r>
+              <a:rPr lang="it-IT" dirty="0" err="1"/>
+              <a:t>effective</a:t>
+            </a:r>
+            <a:r>
+              <a:rPr lang="it-IT" dirty="0"/>
+              <a:t> management</a:t>
             </a:r>
             <a:endParaRPr dirty="0"/>
           </a:p>
@@ -4504,6 +5180,267 @@
 </file>
 
 <file path=ppt/notesSlides/notesSlide27.xml><?xml version="1.0" encoding="utf-8"?>
+<p:notes xmlns:a="http://schemas.openxmlformats.org/drawingml/2006/main" xmlns:r="http://schemas.openxmlformats.org/officeDocument/2006/relationships" xmlns:p="http://schemas.openxmlformats.org/presentationml/2006/main" showMasterSp="0" showMasterPhAnim="0">
+  <p:cSld>
+    <p:spTree>
+      <p:nvGrpSpPr>
+        <p:cNvPr id="1" name="Shape 389"/>
+        <p:cNvGrpSpPr/>
+        <p:nvPr/>
+      </p:nvGrpSpPr>
+      <p:grpSpPr>
+        <a:xfrm>
+          <a:off x="0" y="0"/>
+          <a:ext cx="0" cy="0"/>
+          <a:chOff x="0" y="0"/>
+          <a:chExt cx="0" cy="0"/>
+        </a:xfrm>
+      </p:grpSpPr>
+      <p:sp>
+        <p:nvSpPr>
+          <p:cNvPr id="390" name="Google Shape;390;ga073618e60_0_26:notes"/>
+          <p:cNvSpPr>
+            <a:spLocks noGrp="1" noRot="1" noChangeAspect="1"/>
+          </p:cNvSpPr>
+          <p:nvPr>
+            <p:ph type="sldImg" idx="2"/>
+          </p:nvPr>
+        </p:nvSpPr>
+        <p:spPr>
+          <a:xfrm>
+            <a:off x="381000" y="685800"/>
+            <a:ext cx="6096000" cy="3429000"/>
+          </a:xfrm>
+          <a:custGeom>
+            <a:avLst/>
+            <a:gdLst/>
+            <a:ahLst/>
+            <a:cxnLst/>
+            <a:rect l="l" t="t" r="r" b="b"/>
+            <a:pathLst>
+              <a:path w="120000" h="120000" extrusionOk="0">
+                <a:moveTo>
+                  <a:pt x="0" y="0"/>
+                </a:moveTo>
+                <a:lnTo>
+                  <a:pt x="120000" y="0"/>
+                </a:lnTo>
+                <a:lnTo>
+                  <a:pt x="120000" y="120000"/>
+                </a:lnTo>
+                <a:lnTo>
+                  <a:pt x="0" y="120000"/>
+                </a:lnTo>
+                <a:close/>
+              </a:path>
+            </a:pathLst>
+          </a:custGeom>
+        </p:spPr>
+      </p:sp>
+      <p:sp>
+        <p:nvSpPr>
+          <p:cNvPr id="391" name="Google Shape;391;ga073618e60_0_26:notes"/>
+          <p:cNvSpPr txBox="1">
+            <a:spLocks noGrp="1"/>
+          </p:cNvSpPr>
+          <p:nvPr>
+            <p:ph type="body" idx="1"/>
+          </p:nvPr>
+        </p:nvSpPr>
+        <p:spPr>
+          <a:xfrm>
+            <a:off x="685800" y="4343400"/>
+            <a:ext cx="5486400" cy="4114800"/>
+          </a:xfrm>
+          <a:prstGeom prst="rect">
+            <a:avLst/>
+          </a:prstGeom>
+        </p:spPr>
+        <p:txBody>
+          <a:bodyPr spcFirstLastPara="1" wrap="square" lIns="91425" tIns="91425" rIns="91425" bIns="91425" anchor="t" anchorCtr="0">
+            <a:noAutofit/>
+          </a:bodyPr>
+          <a:lstStyle/>
+          <a:p>
+            <a:pPr marL="0" lvl="0" indent="0" algn="l" rtl="0">
+              <a:spcBef>
+                <a:spcPts val="0"/>
+              </a:spcBef>
+              <a:spcAft>
+                <a:spcPts val="0"/>
+              </a:spcAft>
+              <a:buNone/>
+            </a:pPr>
+            <a:r>
+              <a:rPr lang="it-IT" dirty="0"/>
+              <a:t>Server </a:t>
+            </a:r>
+            <a:r>
+              <a:rPr lang="it-IT" dirty="0" err="1"/>
+              <a:t>cpu</a:t>
+            </a:r>
+            <a:endParaRPr lang="it-IT" dirty="0"/>
+          </a:p>
+          <a:p>
+            <a:pPr marL="0" lvl="0" indent="0" algn="l" rtl="0">
+              <a:spcBef>
+                <a:spcPts val="0"/>
+              </a:spcBef>
+              <a:spcAft>
+                <a:spcPts val="0"/>
+              </a:spcAft>
+              <a:buNone/>
+            </a:pPr>
+            <a:endParaRPr lang="it-IT" dirty="0"/>
+          </a:p>
+          <a:p>
+            <a:pPr marL="0" marR="0" lvl="0" indent="0" algn="l" defTabSz="914400" rtl="0" eaLnBrk="1" fontAlgn="auto" latinLnBrk="0" hangingPunct="1">
+              <a:lnSpc>
+                <a:spcPct val="100000"/>
+              </a:lnSpc>
+              <a:spcBef>
+                <a:spcPts val="0"/>
+              </a:spcBef>
+              <a:spcAft>
+                <a:spcPts val="0"/>
+              </a:spcAft>
+              <a:buClr>
+                <a:srgbClr val="000000"/>
+              </a:buClr>
+              <a:buSzPts val="1100"/>
+              <a:buFont typeface="Arial"/>
+              <a:buNone/>
+              <a:tabLst/>
+              <a:defRPr/>
+            </a:pPr>
+            <a:r>
+              <a:rPr lang="it-IT" dirty="0" err="1"/>
+              <a:t>2nd</a:t>
+            </a:r>
+            <a:r>
+              <a:rPr lang="it-IT" dirty="0"/>
+              <a:t> </a:t>
+            </a:r>
+            <a:r>
+              <a:rPr lang="it-IT" dirty="0" err="1"/>
+              <a:t>vantage</a:t>
+            </a:r>
+            <a:r>
+              <a:rPr lang="it-IT" dirty="0"/>
+              <a:t> point = server</a:t>
+            </a:r>
+          </a:p>
+          <a:p>
+            <a:pPr marL="0" marR="0" lvl="0" indent="0" algn="l" defTabSz="914400" rtl="0" eaLnBrk="1" fontAlgn="auto" latinLnBrk="0" hangingPunct="1">
+              <a:lnSpc>
+                <a:spcPct val="100000"/>
+              </a:lnSpc>
+              <a:spcBef>
+                <a:spcPts val="0"/>
+              </a:spcBef>
+              <a:spcAft>
+                <a:spcPts val="0"/>
+              </a:spcAft>
+              <a:buClr>
+                <a:srgbClr val="000000"/>
+              </a:buClr>
+              <a:buSzPts val="1100"/>
+              <a:buFont typeface="Arial"/>
+              <a:buNone/>
+              <a:tabLst/>
+              <a:defRPr/>
+            </a:pPr>
+            <a:endParaRPr lang="it-IT" dirty="0"/>
+          </a:p>
+          <a:p>
+            <a:pPr marL="0" marR="0" lvl="0" indent="0" algn="l" defTabSz="914400" rtl="0" eaLnBrk="1" fontAlgn="auto" latinLnBrk="0" hangingPunct="1">
+              <a:lnSpc>
+                <a:spcPct val="100000"/>
+              </a:lnSpc>
+              <a:spcBef>
+                <a:spcPts val="0"/>
+              </a:spcBef>
+              <a:spcAft>
+                <a:spcPts val="0"/>
+              </a:spcAft>
+              <a:buClr>
+                <a:srgbClr val="000000"/>
+              </a:buClr>
+              <a:buSzPts val="1100"/>
+              <a:buFont typeface="Arial"/>
+              <a:buNone/>
+              <a:tabLst/>
+              <a:defRPr/>
+            </a:pPr>
+            <a:r>
+              <a:rPr lang="it-IT" dirty="0" err="1"/>
+              <a:t>Present</a:t>
+            </a:r>
+            <a:r>
+              <a:rPr lang="it-IT" dirty="0"/>
+              <a:t> </a:t>
+            </a:r>
+            <a:r>
+              <a:rPr lang="it-IT" dirty="0" err="1"/>
+              <a:t>only</a:t>
+            </a:r>
+            <a:r>
+              <a:rPr lang="it-IT" dirty="0"/>
+              <a:t> </a:t>
+            </a:r>
+            <a:r>
+              <a:rPr lang="it-IT" dirty="0" err="1"/>
+              <a:t>type</a:t>
+            </a:r>
+            <a:r>
+              <a:rPr lang="it-IT" dirty="0"/>
+              <a:t> A and </a:t>
+            </a:r>
+            <a:r>
+              <a:rPr lang="it-IT" dirty="0" err="1"/>
+              <a:t>ANY</a:t>
+            </a:r>
+            <a:r>
+              <a:rPr lang="it-IT" dirty="0"/>
+              <a:t>, </a:t>
+            </a:r>
+            <a:r>
+              <a:rPr lang="it-IT" dirty="0" err="1"/>
+              <a:t>almost</a:t>
+            </a:r>
+            <a:r>
+              <a:rPr lang="it-IT" dirty="0"/>
+              <a:t> no impact</a:t>
+            </a:r>
+          </a:p>
+          <a:p>
+            <a:pPr marL="0" lvl="0" indent="0" algn="l" rtl="0">
+              <a:spcBef>
+                <a:spcPts val="0"/>
+              </a:spcBef>
+              <a:spcAft>
+                <a:spcPts val="0"/>
+              </a:spcAft>
+              <a:buNone/>
+            </a:pPr>
+            <a:endParaRPr dirty="0"/>
+          </a:p>
+        </p:txBody>
+      </p:sp>
+    </p:spTree>
+    <p:extLst>
+      <p:ext uri="{BB962C8B-B14F-4D97-AF65-F5344CB8AC3E}">
+        <p14:creationId xmlns:p14="http://schemas.microsoft.com/office/powerpoint/2010/main" val="1847594082"/>
+      </p:ext>
+    </p:extLst>
+  </p:cSld>
+  <p:clrMapOvr>
+    <a:masterClrMapping/>
+  </p:clrMapOvr>
+</p:notes>
+</file>
+
+<file path=ppt/notesSlides/notesSlide28.xml><?xml version="1.0" encoding="utf-8"?>
 <p:notes xmlns:a="http://schemas.openxmlformats.org/drawingml/2006/main" xmlns:r="http://schemas.openxmlformats.org/officeDocument/2006/relationships" xmlns:p="http://schemas.openxmlformats.org/presentationml/2006/main" showMasterSp="0" showMasterPhAnim="0">
   <p:cSld>
     <p:spTree>
@@ -4603,128 +5540,134 @@
               <a:rPr lang="it-IT" dirty="0" err="1"/>
               <a:t>memory</a:t>
             </a:r>
+            <a:endParaRPr lang="it-IT" dirty="0"/>
+          </a:p>
+          <a:p>
+            <a:pPr marL="0" lvl="0" indent="0" algn="l" rtl="0">
+              <a:spcBef>
+                <a:spcPts val="0"/>
+              </a:spcBef>
+              <a:spcAft>
+                <a:spcPts val="0"/>
+              </a:spcAft>
+              <a:buNone/>
+            </a:pPr>
+            <a:endParaRPr lang="it-IT" dirty="0"/>
+          </a:p>
+          <a:p>
+            <a:pPr marL="0" lvl="0" indent="0" algn="l" rtl="0">
+              <a:spcBef>
+                <a:spcPts val="0"/>
+              </a:spcBef>
+              <a:spcAft>
+                <a:spcPts val="0"/>
+              </a:spcAft>
+              <a:buNone/>
+            </a:pPr>
+            <a:r>
+              <a:rPr lang="it-IT" dirty="0" err="1"/>
+              <a:t>Oscillating</a:t>
+            </a:r>
+            <a:r>
+              <a:rPr lang="it-IT" dirty="0"/>
+              <a:t> </a:t>
+            </a:r>
+            <a:r>
+              <a:rPr lang="it-IT" dirty="0" err="1"/>
+              <a:t>behavior</a:t>
+            </a:r>
+            <a:r>
+              <a:rPr lang="it-IT" dirty="0"/>
+              <a:t> – </a:t>
+            </a:r>
+            <a:r>
+              <a:rPr lang="it-IT" dirty="0" err="1"/>
+              <a:t>memory</a:t>
+            </a:r>
+            <a:r>
+              <a:rPr lang="it-IT" dirty="0"/>
+              <a:t> </a:t>
+            </a:r>
+            <a:r>
+              <a:rPr lang="it-IT" dirty="0" err="1"/>
+              <a:t>cleaning</a:t>
+            </a:r>
+            <a:r>
+              <a:rPr lang="it-IT" dirty="0"/>
+              <a:t>?</a:t>
+            </a:r>
+          </a:p>
+          <a:p>
+            <a:pPr marL="0" lvl="0" indent="0" algn="l" rtl="0">
+              <a:spcBef>
+                <a:spcPts val="0"/>
+              </a:spcBef>
+              <a:spcAft>
+                <a:spcPts val="0"/>
+              </a:spcAft>
+              <a:buNone/>
+            </a:pPr>
+            <a:endParaRPr lang="it-IT" dirty="0"/>
+          </a:p>
+          <a:p>
+            <a:pPr marL="0" lvl="0" indent="0" algn="l" rtl="0">
+              <a:spcBef>
+                <a:spcPts val="0"/>
+              </a:spcBef>
+              <a:spcAft>
+                <a:spcPts val="0"/>
+              </a:spcAft>
+              <a:buNone/>
+            </a:pPr>
+            <a:r>
+              <a:rPr lang="it-IT" dirty="0"/>
+              <a:t>No </a:t>
+            </a:r>
+            <a:r>
+              <a:rPr lang="it-IT" dirty="0" err="1"/>
+              <a:t>change</a:t>
+            </a:r>
+            <a:endParaRPr lang="it-IT" dirty="0"/>
+          </a:p>
+          <a:p>
+            <a:pPr marL="0" lvl="0" indent="0" algn="l" rtl="0">
+              <a:spcBef>
+                <a:spcPts val="0"/>
+              </a:spcBef>
+              <a:spcAft>
+                <a:spcPts val="0"/>
+              </a:spcAft>
+              <a:buNone/>
+            </a:pPr>
+            <a:endParaRPr lang="it-IT" dirty="0"/>
+          </a:p>
+          <a:p>
+            <a:pPr marL="0" lvl="0" indent="0" algn="l" rtl="0">
+              <a:spcBef>
+                <a:spcPts val="0"/>
+              </a:spcBef>
+              <a:spcAft>
+                <a:spcPts val="0"/>
+              </a:spcAft>
+              <a:buNone/>
+            </a:pPr>
+            <a:endParaRPr lang="it-IT" dirty="0"/>
+          </a:p>
+          <a:p>
+            <a:pPr marL="0" lvl="0" indent="0" algn="l" rtl="0">
+              <a:spcBef>
+                <a:spcPts val="0"/>
+              </a:spcBef>
+              <a:spcAft>
+                <a:spcPts val="0"/>
+              </a:spcAft>
+              <a:buNone/>
+            </a:pPr>
             <a:endParaRPr dirty="0"/>
           </a:p>
         </p:txBody>
       </p:sp>
     </p:spTree>
-  </p:cSld>
-  <p:clrMapOvr>
-    <a:masterClrMapping/>
-  </p:clrMapOvr>
-</p:notes>
-</file>
-
-<file path=ppt/notesSlides/notesSlide28.xml><?xml version="1.0" encoding="utf-8"?>
-<p:notes xmlns:a="http://schemas.openxmlformats.org/drawingml/2006/main" xmlns:r="http://schemas.openxmlformats.org/officeDocument/2006/relationships" xmlns:p="http://schemas.openxmlformats.org/presentationml/2006/main" showMasterSp="0" showMasterPhAnim="0">
-  <p:cSld>
-    <p:spTree>
-      <p:nvGrpSpPr>
-        <p:cNvPr id="1" name="Shape 389"/>
-        <p:cNvGrpSpPr/>
-        <p:nvPr/>
-      </p:nvGrpSpPr>
-      <p:grpSpPr>
-        <a:xfrm>
-          <a:off x="0" y="0"/>
-          <a:ext cx="0" cy="0"/>
-          <a:chOff x="0" y="0"/>
-          <a:chExt cx="0" cy="0"/>
-        </a:xfrm>
-      </p:grpSpPr>
-      <p:sp>
-        <p:nvSpPr>
-          <p:cNvPr id="390" name="Google Shape;390;ga073618e60_0_26:notes"/>
-          <p:cNvSpPr>
-            <a:spLocks noGrp="1" noRot="1" noChangeAspect="1"/>
-          </p:cNvSpPr>
-          <p:nvPr>
-            <p:ph type="sldImg" idx="2"/>
-          </p:nvPr>
-        </p:nvSpPr>
-        <p:spPr>
-          <a:xfrm>
-            <a:off x="381000" y="685800"/>
-            <a:ext cx="6096000" cy="3429000"/>
-          </a:xfrm>
-          <a:custGeom>
-            <a:avLst/>
-            <a:gdLst/>
-            <a:ahLst/>
-            <a:cxnLst/>
-            <a:rect l="l" t="t" r="r" b="b"/>
-            <a:pathLst>
-              <a:path w="120000" h="120000" extrusionOk="0">
-                <a:moveTo>
-                  <a:pt x="0" y="0"/>
-                </a:moveTo>
-                <a:lnTo>
-                  <a:pt x="120000" y="0"/>
-                </a:lnTo>
-                <a:lnTo>
-                  <a:pt x="120000" y="120000"/>
-                </a:lnTo>
-                <a:lnTo>
-                  <a:pt x="0" y="120000"/>
-                </a:lnTo>
-                <a:close/>
-              </a:path>
-            </a:pathLst>
-          </a:custGeom>
-        </p:spPr>
-      </p:sp>
-      <p:sp>
-        <p:nvSpPr>
-          <p:cNvPr id="391" name="Google Shape;391;ga073618e60_0_26:notes"/>
-          <p:cNvSpPr txBox="1">
-            <a:spLocks noGrp="1"/>
-          </p:cNvSpPr>
-          <p:nvPr>
-            <p:ph type="body" idx="1"/>
-          </p:nvPr>
-        </p:nvSpPr>
-        <p:spPr>
-          <a:xfrm>
-            <a:off x="685800" y="4343400"/>
-            <a:ext cx="5486400" cy="4114800"/>
-          </a:xfrm>
-          <a:prstGeom prst="rect">
-            <a:avLst/>
-          </a:prstGeom>
-        </p:spPr>
-        <p:txBody>
-          <a:bodyPr spcFirstLastPara="1" wrap="square" lIns="91425" tIns="91425" rIns="91425" bIns="91425" anchor="t" anchorCtr="0">
-            <a:noAutofit/>
-          </a:bodyPr>
-          <a:lstStyle/>
-          <a:p>
-            <a:pPr marL="0" lvl="0" indent="0" algn="l" rtl="0">
-              <a:spcBef>
-                <a:spcPts val="0"/>
-              </a:spcBef>
-              <a:spcAft>
-                <a:spcPts val="0"/>
-              </a:spcAft>
-              <a:buNone/>
-            </a:pPr>
-            <a:r>
-              <a:rPr lang="it-IT" dirty="0"/>
-              <a:t>Server </a:t>
-            </a:r>
-            <a:r>
-              <a:rPr lang="it-IT" dirty="0" err="1"/>
-              <a:t>cpu</a:t>
-            </a:r>
-            <a:endParaRPr dirty="0"/>
-          </a:p>
-        </p:txBody>
-      </p:sp>
-    </p:spTree>
-    <p:extLst>
-      <p:ext uri="{BB962C8B-B14F-4D97-AF65-F5344CB8AC3E}">
-        <p14:creationId xmlns:p14="http://schemas.microsoft.com/office/powerpoint/2010/main" val="1847594082"/>
-      </p:ext>
-    </p:extLst>
   </p:cSld>
   <p:clrMapOvr>
     <a:masterClrMapping/>
@@ -4838,12 +5781,185 @@
             </a:r>
             <a:r>
               <a:rPr lang="it-IT" dirty="0"/>
-              <a:t> query times and server </a:t>
+              <a:t> </a:t>
+            </a:r>
+          </a:p>
+          <a:p>
+            <a:pPr marL="0" lvl="0" indent="0" algn="l" rtl="0">
+              <a:spcBef>
+                <a:spcPts val="0"/>
+              </a:spcBef>
+              <a:spcAft>
+                <a:spcPts val="0"/>
+              </a:spcAft>
+              <a:buNone/>
+            </a:pPr>
+            <a:endParaRPr lang="it-IT" dirty="0"/>
+          </a:p>
+          <a:p>
+            <a:pPr marL="0" lvl="0" indent="0" algn="l" rtl="0">
+              <a:spcBef>
+                <a:spcPts val="0"/>
+              </a:spcBef>
+              <a:spcAft>
+                <a:spcPts val="0"/>
+              </a:spcAft>
+              <a:buNone/>
+            </a:pPr>
+            <a:r>
+              <a:rPr lang="it-IT" dirty="0"/>
+              <a:t>query times </a:t>
+            </a:r>
+            <a:r>
+              <a:rPr lang="it-IT" dirty="0" err="1"/>
+              <a:t>increased</a:t>
+            </a:r>
+            <a:r>
+              <a:rPr lang="it-IT" dirty="0"/>
+              <a:t> </a:t>
+            </a:r>
+          </a:p>
+          <a:p>
+            <a:pPr marL="0" lvl="0" indent="0" algn="l" rtl="0">
+              <a:spcBef>
+                <a:spcPts val="0"/>
+              </a:spcBef>
+              <a:spcAft>
+                <a:spcPts val="0"/>
+              </a:spcAft>
+              <a:buNone/>
+            </a:pPr>
+            <a:r>
+              <a:rPr lang="it-IT" dirty="0"/>
+              <a:t>Ping </a:t>
+            </a:r>
+            <a:r>
+              <a:rPr lang="it-IT" dirty="0" err="1"/>
+              <a:t>not</a:t>
+            </a:r>
+            <a:r>
+              <a:rPr lang="it-IT" dirty="0"/>
+              <a:t> </a:t>
+            </a:r>
+            <a:r>
+              <a:rPr lang="it-IT" dirty="0" err="1"/>
+              <a:t>really</a:t>
+            </a:r>
+            <a:endParaRPr lang="it-IT" dirty="0"/>
+          </a:p>
+          <a:p>
+            <a:pPr marL="0" lvl="0" indent="0" algn="l" rtl="0">
+              <a:spcBef>
+                <a:spcPts val="0"/>
+              </a:spcBef>
+              <a:spcAft>
+                <a:spcPts val="0"/>
+              </a:spcAft>
+              <a:buNone/>
+            </a:pPr>
+            <a:endParaRPr lang="it-IT" dirty="0"/>
+          </a:p>
+          <a:p>
+            <a:pPr marL="0" lvl="0" indent="0" algn="l" rtl="0">
+              <a:spcBef>
+                <a:spcPts val="0"/>
+              </a:spcBef>
+              <a:spcAft>
+                <a:spcPts val="0"/>
+              </a:spcAft>
+              <a:buNone/>
+            </a:pPr>
+            <a:r>
+              <a:rPr lang="it-IT" dirty="0"/>
+              <a:t>server </a:t>
             </a:r>
             <a:r>
               <a:rPr lang="it-IT" dirty="0" err="1"/>
               <a:t>cpu</a:t>
             </a:r>
+            <a:r>
+              <a:rPr lang="it-IT" dirty="0"/>
+              <a:t> </a:t>
+            </a:r>
+            <a:r>
+              <a:rPr lang="it-IT" dirty="0" err="1"/>
+              <a:t>used</a:t>
+            </a:r>
+            <a:r>
+              <a:rPr lang="it-IT" dirty="0"/>
+              <a:t> a </a:t>
+            </a:r>
+            <a:r>
+              <a:rPr lang="it-IT" dirty="0" err="1"/>
+              <a:t>lot</a:t>
+            </a:r>
+            <a:endParaRPr lang="it-IT" dirty="0"/>
+          </a:p>
+          <a:p>
+            <a:pPr marL="0" lvl="0" indent="0" algn="l" rtl="0">
+              <a:spcBef>
+                <a:spcPts val="0"/>
+              </a:spcBef>
+              <a:spcAft>
+                <a:spcPts val="0"/>
+              </a:spcAft>
+              <a:buNone/>
+            </a:pPr>
+            <a:r>
+              <a:rPr lang="it-IT" dirty="0"/>
+              <a:t>Memory </a:t>
+            </a:r>
+            <a:r>
+              <a:rPr lang="it-IT" dirty="0" err="1"/>
+              <a:t>not</a:t>
+            </a:r>
+            <a:r>
+              <a:rPr lang="it-IT" dirty="0"/>
+              <a:t> </a:t>
+            </a:r>
+            <a:r>
+              <a:rPr lang="it-IT" dirty="0" err="1"/>
+              <a:t>really</a:t>
+            </a:r>
+            <a:endParaRPr lang="it-IT" dirty="0"/>
+          </a:p>
+          <a:p>
+            <a:pPr marL="0" lvl="0" indent="0" algn="l" rtl="0">
+              <a:spcBef>
+                <a:spcPts val="0"/>
+              </a:spcBef>
+              <a:spcAft>
+                <a:spcPts val="0"/>
+              </a:spcAft>
+              <a:buNone/>
+            </a:pPr>
+            <a:endParaRPr lang="it-IT" dirty="0"/>
+          </a:p>
+          <a:p>
+            <a:pPr marL="0" lvl="0" indent="0" algn="l" rtl="0">
+              <a:spcBef>
+                <a:spcPts val="0"/>
+              </a:spcBef>
+              <a:spcAft>
+                <a:spcPts val="0"/>
+              </a:spcAft>
+              <a:buNone/>
+            </a:pPr>
+            <a:r>
+              <a:rPr lang="it-IT" dirty="0"/>
+              <a:t>Server filtering?</a:t>
+            </a:r>
+          </a:p>
+          <a:p>
+            <a:pPr marL="0" lvl="0" indent="0" algn="l" rtl="0">
+              <a:spcBef>
+                <a:spcPts val="0"/>
+              </a:spcBef>
+              <a:spcAft>
+                <a:spcPts val="0"/>
+              </a:spcAft>
+              <a:buNone/>
+            </a:pPr>
             <a:endParaRPr dirty="0"/>
           </a:p>
         </p:txBody>
@@ -42660,8 +43776,8 @@
         </p:nvSpPr>
         <p:spPr>
           <a:xfrm>
-            <a:off x="1462450" y="1795650"/>
-            <a:ext cx="5322600" cy="1059300"/>
+            <a:off x="1306384" y="1686724"/>
+            <a:ext cx="5634681" cy="1211501"/>
           </a:xfrm>
           <a:prstGeom prst="rect">
             <a:avLst/>
@@ -42683,18 +43799,18 @@
               <a:buNone/>
             </a:pPr>
             <a:r>
-              <a:rPr lang="en" sz="4000" dirty="0">
+              <a:rPr lang="en" sz="3600" dirty="0">
                 <a:solidFill>
                   <a:schemeClr val="accent3"/>
                 </a:solidFill>
               </a:rPr>
-              <a:t>amplification</a:t>
-            </a:r>
-            <a:r>
-              <a:rPr lang="en" sz="4000" dirty="0"/>
-              <a:t> factors</a:t>
-            </a:r>
-            <a:endParaRPr sz="4000" dirty="0"/>
+              <a:t>AMPLIFICATION</a:t>
+            </a:r>
+            <a:r>
+              <a:rPr lang="en" sz="3600" dirty="0"/>
+              <a:t> FACTOR</a:t>
+            </a:r>
+            <a:endParaRPr sz="3600" dirty="0"/>
           </a:p>
         </p:txBody>
       </p:sp>
@@ -42710,7 +43826,7 @@
         </p:nvSpPr>
         <p:spPr>
           <a:xfrm>
-            <a:off x="1462425" y="2898225"/>
+            <a:off x="1306384" y="2898225"/>
             <a:ext cx="5322600" cy="2537700"/>
           </a:xfrm>
           <a:prstGeom prst="rect">
@@ -42733,42 +43849,533 @@
               <a:buNone/>
             </a:pPr>
             <a:r>
-              <a:rPr lang="en" sz="2100" dirty="0">
+              <a:rPr lang="en" sz="2400" dirty="0">
                 <a:solidFill>
                   <a:schemeClr val="accent3"/>
                 </a:solidFill>
               </a:rPr>
-              <a:t>&lt;p&gt; </a:t>
+              <a:t>The</a:t>
+            </a:r>
+            <a:r>
+              <a:rPr lang="en" dirty="0">
+                <a:solidFill>
+                  <a:schemeClr val="accent3"/>
+                </a:solidFill>
+              </a:rPr>
+              <a:t> </a:t>
+            </a:r>
+            <a:r>
+              <a:rPr lang="en" sz="2400" dirty="0">
+                <a:solidFill>
+                  <a:schemeClr val="accent3"/>
+                </a:solidFill>
+              </a:rPr>
+              <a:t>AF</a:t>
+            </a:r>
+            <a:r>
+              <a:rPr lang="en" dirty="0">
+                <a:solidFill>
+                  <a:schemeClr val="accent3"/>
+                </a:solidFill>
+              </a:rPr>
+              <a:t> </a:t>
             </a:r>
             <a:r>
               <a:rPr lang="en" dirty="0"/>
-              <a:t>depend on request type. </a:t>
-            </a:r>
-            <a:r>
-              <a:rPr lang="en" sz="2100" dirty="0">
-                <a:solidFill>
-                  <a:schemeClr val="accent3"/>
-                </a:solidFill>
-              </a:rPr>
-              <a:t>&lt;/p&gt;</a:t>
-            </a:r>
-            <a:endParaRPr dirty="0"/>
+              <a:t>depends on the request type.</a:t>
+            </a:r>
           </a:p>
           <a:p>
             <a:pPr marL="0" lvl="0" indent="0" algn="l" rtl="0">
               <a:spcBef>
-                <a:spcPts val="2100"/>
-              </a:spcBef>
-              <a:spcAft>
-                <a:spcPts val="2100"/>
+                <a:spcPts val="0"/>
+              </a:spcBef>
+              <a:spcAft>
+                <a:spcPts val="0"/>
               </a:spcAft>
               <a:buNone/>
             </a:pPr>
-            <a:r>
-              <a:rPr lang="en" dirty="0"/>
-              <a:t>text</a:t>
-            </a:r>
-            <a:endParaRPr dirty="0"/>
+            <a:endParaRPr lang="it-IT" dirty="0"/>
+          </a:p>
+          <a:p>
+            <a:pPr marL="0" lvl="0" indent="0" algn="l" rtl="0">
+              <a:spcBef>
+                <a:spcPts val="0"/>
+              </a:spcBef>
+              <a:spcAft>
+                <a:spcPts val="0"/>
+              </a:spcAft>
+              <a:buNone/>
+            </a:pPr>
+            <a:r>
+              <a:rPr lang="it-IT" dirty="0"/>
+              <a:t>A </a:t>
+            </a:r>
+            <a:r>
+              <a:rPr lang="it-IT" sz="2400" dirty="0">
+                <a:solidFill>
+                  <a:schemeClr val="accent3"/>
+                </a:solidFill>
+              </a:rPr>
+              <a:t>BIG</a:t>
+            </a:r>
+            <a:r>
+              <a:rPr lang="it-IT" dirty="0"/>
+              <a:t> </a:t>
+            </a:r>
+            <a:r>
+              <a:rPr lang="it-IT" dirty="0" err="1"/>
+              <a:t>Amplification</a:t>
+            </a:r>
+            <a:r>
+              <a:rPr lang="it-IT" dirty="0"/>
+              <a:t> </a:t>
+            </a:r>
+            <a:r>
+              <a:rPr lang="it-IT" dirty="0" err="1"/>
+              <a:t>Factor</a:t>
+            </a:r>
+            <a:r>
+              <a:rPr lang="it-IT" dirty="0"/>
+              <a:t> </a:t>
+            </a:r>
+            <a:r>
+              <a:rPr lang="it-IT" dirty="0" err="1"/>
+              <a:t>is</a:t>
+            </a:r>
+            <a:r>
+              <a:rPr lang="it-IT" dirty="0"/>
+              <a:t> </a:t>
+            </a:r>
+            <a:r>
+              <a:rPr lang="it-IT" dirty="0" err="1"/>
+              <a:t>beneficial</a:t>
+            </a:r>
+            <a:r>
+              <a:rPr lang="it-IT" dirty="0"/>
+              <a:t> for the </a:t>
+            </a:r>
+            <a:r>
+              <a:rPr lang="it-IT" dirty="0" err="1"/>
+              <a:t>attacker</a:t>
+            </a:r>
+            <a:r>
+              <a:rPr lang="it-IT" dirty="0"/>
+              <a:t>, </a:t>
+            </a:r>
+            <a:r>
+              <a:rPr lang="it-IT" dirty="0" err="1"/>
+              <a:t>which</a:t>
+            </a:r>
+            <a:r>
+              <a:rPr lang="it-IT" dirty="0"/>
+              <a:t> </a:t>
+            </a:r>
+            <a:r>
+              <a:rPr lang="it-IT" dirty="0" err="1"/>
+              <a:t>will</a:t>
+            </a:r>
+            <a:r>
+              <a:rPr lang="it-IT" dirty="0"/>
+              <a:t> </a:t>
+            </a:r>
+            <a:r>
+              <a:rPr lang="it-IT" dirty="0" err="1"/>
+              <a:t>need</a:t>
+            </a:r>
+            <a:r>
+              <a:rPr lang="it-IT" dirty="0"/>
+              <a:t> to use </a:t>
+            </a:r>
+            <a:r>
+              <a:rPr lang="it-IT" dirty="0" err="1"/>
+              <a:t>fewer</a:t>
+            </a:r>
+            <a:r>
+              <a:rPr lang="it-IT" dirty="0"/>
+              <a:t> </a:t>
+            </a:r>
+            <a:r>
+              <a:rPr lang="it-IT" dirty="0" err="1"/>
+              <a:t>resouces</a:t>
+            </a:r>
+            <a:endParaRPr lang="it-IT" dirty="0"/>
+          </a:p>
+        </p:txBody>
+      </p:sp>
+      <p:pic>
+        <p:nvPicPr>
+          <p:cNvPr id="3" name="Immagine 2">
+            <a:extLst>
+              <a:ext uri="{FF2B5EF4-FFF2-40B4-BE49-F238E27FC236}">
+                <a16:creationId xmlns:a16="http://schemas.microsoft.com/office/drawing/2014/main" id="{A0AD9B97-3F71-05FD-10AB-AF8DA62242EF}"/>
+              </a:ext>
+            </a:extLst>
+          </p:cNvPr>
+          <p:cNvPicPr>
+            <a:picLocks noChangeAspect="1"/>
+          </p:cNvPicPr>
+          <p:nvPr/>
+        </p:nvPicPr>
+        <p:blipFill rotWithShape="1">
+          <a:blip r:embed="rId3"/>
+          <a:srcRect l="1282" t="2851" r="551" b="6136"/>
+          <a:stretch/>
+        </p:blipFill>
+        <p:spPr>
+          <a:xfrm>
+            <a:off x="6702438" y="2963372"/>
+            <a:ext cx="5123081" cy="1599634"/>
+          </a:xfrm>
+          <a:prstGeom prst="roundRect">
+            <a:avLst>
+              <a:gd name="adj" fmla="val 16667"/>
+            </a:avLst>
+          </a:prstGeom>
+          <a:ln>
+            <a:noFill/>
+          </a:ln>
+          <a:effectLst>
+            <a:outerShdw blurRad="76200" dist="38100" dir="7800000" algn="tl" rotWithShape="0">
+              <a:srgbClr val="000000">
+                <a:alpha val="40000"/>
+              </a:srgbClr>
+            </a:outerShdw>
+          </a:effectLst>
+          <a:scene3d>
+            <a:camera prst="orthographicFront"/>
+            <a:lightRig rig="contrasting" dir="t">
+              <a:rot lat="0" lon="0" rev="4200000"/>
+            </a:lightRig>
+          </a:scene3d>
+          <a:sp3d prstMaterial="plastic">
+            <a:bevelT w="381000" h="114300" prst="relaxedInset"/>
+            <a:contourClr>
+              <a:srgbClr val="969696"/>
+            </a:contourClr>
+          </a:sp3d>
+        </p:spPr>
+      </p:pic>
+      <p:sp>
+        <p:nvSpPr>
+          <p:cNvPr id="4" name="Google Shape;786;p39">
+            <a:extLst>
+              <a:ext uri="{FF2B5EF4-FFF2-40B4-BE49-F238E27FC236}">
+                <a16:creationId xmlns:a16="http://schemas.microsoft.com/office/drawing/2014/main" id="{72B57CEF-BC55-D8AC-363D-CC5DADF7BBBD}"/>
+              </a:ext>
+            </a:extLst>
+          </p:cNvPr>
+          <p:cNvSpPr txBox="1">
+            <a:spLocks/>
+          </p:cNvSpPr>
+          <p:nvPr/>
+        </p:nvSpPr>
+        <p:spPr>
+          <a:xfrm>
+            <a:off x="2751739" y="5071457"/>
+            <a:ext cx="3624348" cy="872700"/>
+          </a:xfrm>
+          <a:prstGeom prst="rect">
+            <a:avLst/>
+          </a:prstGeom>
+          <a:noFill/>
+          <a:ln>
+            <a:noFill/>
+          </a:ln>
+        </p:spPr>
+        <p:txBody>
+          <a:bodyPr spcFirstLastPara="1" wrap="square" lIns="121900" tIns="121900" rIns="121900" bIns="121900" anchor="t" anchorCtr="0">
+            <a:noAutofit/>
+          </a:bodyPr>
+          <a:lstStyle>
+            <a:defPPr marR="0" lvl="0" algn="l" rtl="0">
+              <a:lnSpc>
+                <a:spcPct val="100000"/>
+              </a:lnSpc>
+              <a:spcBef>
+                <a:spcPts val="0"/>
+              </a:spcBef>
+              <a:spcAft>
+                <a:spcPts val="0"/>
+              </a:spcAft>
+            </a:defPPr>
+            <a:lvl1pPr marL="457200" marR="0" lvl="0" indent="-317500" algn="l" rtl="0">
+              <a:lnSpc>
+                <a:spcPct val="100000"/>
+              </a:lnSpc>
+              <a:spcBef>
+                <a:spcPts val="0"/>
+              </a:spcBef>
+              <a:spcAft>
+                <a:spcPts val="0"/>
+              </a:spcAft>
+              <a:buClr>
+                <a:schemeClr val="dk2"/>
+              </a:buClr>
+              <a:buSzPts val="1400"/>
+              <a:buFont typeface="Roboto Mono"/>
+              <a:buChar char="●"/>
+              <a:defRPr sz="1400" b="0" i="0" u="none" strike="noStrike" cap="none">
+                <a:solidFill>
+                  <a:schemeClr val="dk2"/>
+                </a:solidFill>
+                <a:latin typeface="Roboto Mono"/>
+                <a:ea typeface="Roboto Mono"/>
+                <a:cs typeface="Roboto Mono"/>
+                <a:sym typeface="Roboto Mono"/>
+              </a:defRPr>
+            </a:lvl1pPr>
+            <a:lvl2pPr marL="914400" marR="0" lvl="1" indent="-317500" algn="l" rtl="0">
+              <a:lnSpc>
+                <a:spcPct val="100000"/>
+              </a:lnSpc>
+              <a:spcBef>
+                <a:spcPts val="0"/>
+              </a:spcBef>
+              <a:spcAft>
+                <a:spcPts val="0"/>
+              </a:spcAft>
+              <a:buClr>
+                <a:schemeClr val="dk2"/>
+              </a:buClr>
+              <a:buSzPts val="1400"/>
+              <a:buFont typeface="Roboto Mono"/>
+              <a:buChar char="○"/>
+              <a:defRPr sz="1400" b="0" i="0" u="none" strike="noStrike" cap="none">
+                <a:solidFill>
+                  <a:schemeClr val="dk2"/>
+                </a:solidFill>
+                <a:latin typeface="Roboto Mono"/>
+                <a:ea typeface="Roboto Mono"/>
+                <a:cs typeface="Roboto Mono"/>
+                <a:sym typeface="Roboto Mono"/>
+              </a:defRPr>
+            </a:lvl2pPr>
+            <a:lvl3pPr marL="1371600" marR="0" lvl="2" indent="-317500" algn="l" rtl="0">
+              <a:lnSpc>
+                <a:spcPct val="100000"/>
+              </a:lnSpc>
+              <a:spcBef>
+                <a:spcPts val="0"/>
+              </a:spcBef>
+              <a:spcAft>
+                <a:spcPts val="0"/>
+              </a:spcAft>
+              <a:buClr>
+                <a:schemeClr val="dk2"/>
+              </a:buClr>
+              <a:buSzPts val="1400"/>
+              <a:buFont typeface="Roboto Mono"/>
+              <a:buChar char="■"/>
+              <a:defRPr sz="1400" b="0" i="0" u="none" strike="noStrike" cap="none">
+                <a:solidFill>
+                  <a:schemeClr val="dk2"/>
+                </a:solidFill>
+                <a:latin typeface="Roboto Mono"/>
+                <a:ea typeface="Roboto Mono"/>
+                <a:cs typeface="Roboto Mono"/>
+                <a:sym typeface="Roboto Mono"/>
+              </a:defRPr>
+            </a:lvl3pPr>
+            <a:lvl4pPr marL="1828800" marR="0" lvl="3" indent="-317500" algn="l" rtl="0">
+              <a:lnSpc>
+                <a:spcPct val="100000"/>
+              </a:lnSpc>
+              <a:spcBef>
+                <a:spcPts val="0"/>
+              </a:spcBef>
+              <a:spcAft>
+                <a:spcPts val="0"/>
+              </a:spcAft>
+              <a:buClr>
+                <a:schemeClr val="dk2"/>
+              </a:buClr>
+              <a:buSzPts val="1400"/>
+              <a:buFont typeface="Roboto Mono"/>
+              <a:buChar char="●"/>
+              <a:defRPr sz="1400" b="0" i="0" u="none" strike="noStrike" cap="none">
+                <a:solidFill>
+                  <a:schemeClr val="dk2"/>
+                </a:solidFill>
+                <a:latin typeface="Roboto Mono"/>
+                <a:ea typeface="Roboto Mono"/>
+                <a:cs typeface="Roboto Mono"/>
+                <a:sym typeface="Roboto Mono"/>
+              </a:defRPr>
+            </a:lvl4pPr>
+            <a:lvl5pPr marL="2286000" marR="0" lvl="4" indent="-317500" algn="l" rtl="0">
+              <a:lnSpc>
+                <a:spcPct val="100000"/>
+              </a:lnSpc>
+              <a:spcBef>
+                <a:spcPts val="0"/>
+              </a:spcBef>
+              <a:spcAft>
+                <a:spcPts val="0"/>
+              </a:spcAft>
+              <a:buClr>
+                <a:schemeClr val="dk2"/>
+              </a:buClr>
+              <a:buSzPts val="1400"/>
+              <a:buFont typeface="Roboto Mono"/>
+              <a:buChar char="○"/>
+              <a:defRPr sz="1400" b="0" i="0" u="none" strike="noStrike" cap="none">
+                <a:solidFill>
+                  <a:schemeClr val="dk2"/>
+                </a:solidFill>
+                <a:latin typeface="Roboto Mono"/>
+                <a:ea typeface="Roboto Mono"/>
+                <a:cs typeface="Roboto Mono"/>
+                <a:sym typeface="Roboto Mono"/>
+              </a:defRPr>
+            </a:lvl5pPr>
+            <a:lvl6pPr marL="2743200" marR="0" lvl="5" indent="-317500" algn="l" rtl="0">
+              <a:lnSpc>
+                <a:spcPct val="100000"/>
+              </a:lnSpc>
+              <a:spcBef>
+                <a:spcPts val="0"/>
+              </a:spcBef>
+              <a:spcAft>
+                <a:spcPts val="0"/>
+              </a:spcAft>
+              <a:buClr>
+                <a:schemeClr val="dk2"/>
+              </a:buClr>
+              <a:buSzPts val="1400"/>
+              <a:buFont typeface="Roboto Mono"/>
+              <a:buChar char="■"/>
+              <a:defRPr sz="1400" b="0" i="0" u="none" strike="noStrike" cap="none">
+                <a:solidFill>
+                  <a:schemeClr val="dk2"/>
+                </a:solidFill>
+                <a:latin typeface="Roboto Mono"/>
+                <a:ea typeface="Roboto Mono"/>
+                <a:cs typeface="Roboto Mono"/>
+                <a:sym typeface="Roboto Mono"/>
+              </a:defRPr>
+            </a:lvl6pPr>
+            <a:lvl7pPr marL="3200400" marR="0" lvl="6" indent="-317500" algn="l" rtl="0">
+              <a:lnSpc>
+                <a:spcPct val="100000"/>
+              </a:lnSpc>
+              <a:spcBef>
+                <a:spcPts val="0"/>
+              </a:spcBef>
+              <a:spcAft>
+                <a:spcPts val="0"/>
+              </a:spcAft>
+              <a:buClr>
+                <a:schemeClr val="dk2"/>
+              </a:buClr>
+              <a:buSzPts val="1400"/>
+              <a:buFont typeface="Roboto Mono"/>
+              <a:buChar char="●"/>
+              <a:defRPr sz="1400" b="0" i="0" u="none" strike="noStrike" cap="none">
+                <a:solidFill>
+                  <a:schemeClr val="dk2"/>
+                </a:solidFill>
+                <a:latin typeface="Roboto Mono"/>
+                <a:ea typeface="Roboto Mono"/>
+                <a:cs typeface="Roboto Mono"/>
+                <a:sym typeface="Roboto Mono"/>
+              </a:defRPr>
+            </a:lvl7pPr>
+            <a:lvl8pPr marL="3657600" marR="0" lvl="7" indent="-317500" algn="l" rtl="0">
+              <a:lnSpc>
+                <a:spcPct val="100000"/>
+              </a:lnSpc>
+              <a:spcBef>
+                <a:spcPts val="0"/>
+              </a:spcBef>
+              <a:spcAft>
+                <a:spcPts val="0"/>
+              </a:spcAft>
+              <a:buClr>
+                <a:schemeClr val="dk2"/>
+              </a:buClr>
+              <a:buSzPts val="1400"/>
+              <a:buFont typeface="Roboto Mono"/>
+              <a:buChar char="○"/>
+              <a:defRPr sz="1400" b="0" i="0" u="none" strike="noStrike" cap="none">
+                <a:solidFill>
+                  <a:schemeClr val="dk2"/>
+                </a:solidFill>
+                <a:latin typeface="Roboto Mono"/>
+                <a:ea typeface="Roboto Mono"/>
+                <a:cs typeface="Roboto Mono"/>
+                <a:sym typeface="Roboto Mono"/>
+              </a:defRPr>
+            </a:lvl8pPr>
+            <a:lvl9pPr marL="4114800" marR="0" lvl="8" indent="-317500" algn="l" rtl="0">
+              <a:lnSpc>
+                <a:spcPct val="100000"/>
+              </a:lnSpc>
+              <a:spcBef>
+                <a:spcPts val="0"/>
+              </a:spcBef>
+              <a:spcAft>
+                <a:spcPts val="0"/>
+              </a:spcAft>
+              <a:buClr>
+                <a:schemeClr val="dk2"/>
+              </a:buClr>
+              <a:buSzPts val="1400"/>
+              <a:buFont typeface="Roboto Mono"/>
+              <a:buChar char="■"/>
+              <a:defRPr sz="1400" b="0" i="0" u="none" strike="noStrike" cap="none">
+                <a:solidFill>
+                  <a:schemeClr val="dk2"/>
+                </a:solidFill>
+                <a:latin typeface="Roboto Mono"/>
+                <a:ea typeface="Roboto Mono"/>
+                <a:cs typeface="Roboto Mono"/>
+                <a:sym typeface="Roboto Mono"/>
+              </a:defRPr>
+            </a:lvl9pPr>
+          </a:lstStyle>
+          <a:p>
+            <a:pPr marL="0" indent="0">
+              <a:buFont typeface="Roboto Mono"/>
+              <a:buNone/>
+            </a:pPr>
+            <a:r>
+              <a:rPr lang="it-IT" sz="1600" dirty="0">
+                <a:solidFill>
+                  <a:schemeClr val="accent3">
+                    <a:lumMod val="75000"/>
+                  </a:schemeClr>
+                </a:solidFill>
+              </a:rPr>
+              <a:t>10,000 </a:t>
+            </a:r>
+            <a:r>
+              <a:rPr lang="it-IT" sz="1600" dirty="0" err="1">
+                <a:solidFill>
+                  <a:schemeClr val="accent3">
+                    <a:lumMod val="75000"/>
+                  </a:schemeClr>
+                </a:solidFill>
+              </a:rPr>
+              <a:t>requests</a:t>
+            </a:r>
+            <a:r>
+              <a:rPr lang="it-IT" sz="1600" dirty="0">
+                <a:solidFill>
+                  <a:schemeClr val="accent3">
+                    <a:lumMod val="75000"/>
+                  </a:schemeClr>
+                </a:solidFill>
+              </a:rPr>
+              <a:t> per second</a:t>
+            </a:r>
+          </a:p>
+          <a:p>
+            <a:pPr marL="0" indent="0">
+              <a:buFont typeface="Roboto Mono"/>
+              <a:buNone/>
+            </a:pPr>
+            <a:endParaRPr lang="it-IT" dirty="0"/>
           </a:p>
         </p:txBody>
       </p:sp>
@@ -42809,7 +44416,7 @@
         </p:nvSpPr>
         <p:spPr>
           <a:xfrm>
-            <a:off x="9503275" y="4180200"/>
+            <a:off x="1626624" y="4006390"/>
             <a:ext cx="2166900" cy="695700"/>
           </a:xfrm>
           <a:prstGeom prst="rect">
@@ -42832,14 +44439,14 @@
               <a:buNone/>
             </a:pPr>
             <a:r>
-              <a:rPr lang="en" dirty="0">
+              <a:rPr lang="en" sz="2400" dirty="0">
                 <a:solidFill>
                   <a:schemeClr val="accent2"/>
                 </a:solidFill>
               </a:rPr>
-              <a:t>06</a:t>
-            </a:r>
-            <a:endParaRPr dirty="0">
+              <a:t>Type NS</a:t>
+            </a:r>
+            <a:endParaRPr sz="2400" dirty="0">
               <a:solidFill>
                 <a:schemeClr val="accent2"/>
               </a:solidFill>
@@ -42887,7 +44494,7 @@
             </a:r>
             <a:r>
               <a:rPr lang="en" dirty="0"/>
-              <a:t>ime series of </a:t>
+              <a:t>IME SERIES OF </a:t>
             </a:r>
             <a:r>
               <a:rPr lang="en" sz="6000" dirty="0">
@@ -42895,7 +44502,7 @@
                   <a:schemeClr val="accent2"/>
                 </a:solidFill>
               </a:rPr>
-              <a:t>query timings.</a:t>
+              <a:t>QUERY LATENCY.</a:t>
             </a:r>
             <a:endParaRPr sz="6000" dirty="0">
               <a:solidFill>
@@ -42917,8 +44524,8 @@
         </p:nvSpPr>
         <p:spPr>
           <a:xfrm>
-            <a:off x="8299375" y="2437574"/>
-            <a:ext cx="3294600" cy="1206300"/>
+            <a:off x="8311732" y="2358266"/>
+            <a:ext cx="3294600" cy="1116000"/>
           </a:xfrm>
           <a:prstGeom prst="rect">
             <a:avLst/>
@@ -42935,105 +44542,117 @@
                 <a:spcPts val="0"/>
               </a:spcBef>
               <a:spcAft>
-                <a:spcPts val="2100"/>
+                <a:spcPts val="600"/>
               </a:spcAft>
               <a:buNone/>
             </a:pPr>
             <a:r>
               <a:rPr lang="en" dirty="0"/>
-              <a:t>text</a:t>
-            </a:r>
-            <a:endParaRPr dirty="0"/>
+              <a:t>The Data consists of:</a:t>
+            </a:r>
           </a:p>
-        </p:txBody>
-      </p:sp>
-      <p:sp>
-        <p:nvSpPr>
-          <p:cNvPr id="401" name="Google Shape;401;p24"/>
-          <p:cNvSpPr txBox="1">
-            <a:spLocks noGrp="1"/>
-          </p:cNvSpPr>
-          <p:nvPr>
-            <p:ph type="body" idx="13"/>
-          </p:nvPr>
-        </p:nvSpPr>
-        <p:spPr>
-          <a:xfrm>
-            <a:off x="8299375" y="4783425"/>
-            <a:ext cx="3294600" cy="1206300"/>
-          </a:xfrm>
-          <a:prstGeom prst="rect">
-            <a:avLst/>
-          </a:prstGeom>
-        </p:spPr>
-        <p:txBody>
-          <a:bodyPr spcFirstLastPara="1" wrap="square" lIns="121900" tIns="121900" rIns="121900" bIns="121900" anchor="ctr" anchorCtr="0">
-            <a:noAutofit/>
-          </a:bodyPr>
-          <a:lstStyle/>
           <a:p>
             <a:pPr marL="0" lvl="0" indent="0" algn="l" rtl="0">
               <a:spcBef>
                 <a:spcPts val="0"/>
               </a:spcBef>
               <a:spcAft>
-                <a:spcPts val="2100"/>
+                <a:spcPts val="600"/>
               </a:spcAft>
               <a:buNone/>
             </a:pPr>
             <a:r>
               <a:rPr lang="en" dirty="0"/>
-              <a:t>text</a:t>
-            </a:r>
-            <a:endParaRPr dirty="0"/>
+              <a:t>1 minute </a:t>
+            </a:r>
+            <a:r>
+              <a:rPr lang="en" dirty="0">
+                <a:sym typeface="Wingdings" panose="05000000000000000000" pitchFamily="2" charset="2"/>
+              </a:rPr>
+              <a:t> </a:t>
+            </a:r>
+            <a:r>
+              <a:rPr lang="en" dirty="0">
+                <a:solidFill>
+                  <a:schemeClr val="accent3"/>
+                </a:solidFill>
+                <a:sym typeface="Wingdings" panose="05000000000000000000" pitchFamily="2" charset="2"/>
+              </a:rPr>
+              <a:t>Baseline</a:t>
+            </a:r>
+            <a:endParaRPr lang="en" dirty="0">
+              <a:solidFill>
+                <a:schemeClr val="accent3"/>
+              </a:solidFill>
+            </a:endParaRPr>
           </a:p>
-        </p:txBody>
-      </p:sp>
-      <p:sp>
-        <p:nvSpPr>
-          <p:cNvPr id="403" name="Google Shape;403;p24"/>
-          <p:cNvSpPr txBox="1">
-            <a:spLocks noGrp="1"/>
-          </p:cNvSpPr>
-          <p:nvPr>
-            <p:ph type="title" idx="5"/>
-          </p:nvPr>
-        </p:nvSpPr>
-        <p:spPr>
-          <a:xfrm>
-            <a:off x="9503275" y="1818000"/>
-            <a:ext cx="2166900" cy="695700"/>
-          </a:xfrm>
-          <a:prstGeom prst="rect">
-            <a:avLst/>
-          </a:prstGeom>
-        </p:spPr>
-        <p:txBody>
-          <a:bodyPr spcFirstLastPara="1" wrap="square" lIns="121900" tIns="121900" rIns="121900" bIns="121900" anchor="t" anchorCtr="0">
-            <a:noAutofit/>
-          </a:bodyPr>
-          <a:lstStyle/>
           <a:p>
-            <a:pPr marL="0" lvl="0" indent="0" algn="r" rtl="0">
-              <a:spcBef>
-                <a:spcPts val="0"/>
-              </a:spcBef>
-              <a:spcAft>
-                <a:spcPts val="0"/>
+            <a:pPr marL="0" lvl="0" indent="0" algn="l" rtl="0">
+              <a:spcBef>
+                <a:spcPts val="0"/>
+              </a:spcBef>
+              <a:spcAft>
+                <a:spcPts val="600"/>
               </a:spcAft>
               <a:buNone/>
             </a:pPr>
             <a:r>
-              <a:rPr lang="en">
-                <a:solidFill>
-                  <a:schemeClr val="accent2"/>
-                </a:solidFill>
+              <a:rPr lang="en" dirty="0"/>
+              <a:t>2 minutes </a:t>
+            </a:r>
+            <a:r>
+              <a:rPr lang="en" dirty="0">
+                <a:sym typeface="Wingdings" panose="05000000000000000000" pitchFamily="2" charset="2"/>
               </a:rPr>
-              <a:t>03</a:t>
-            </a:r>
-            <a:endParaRPr>
+              <a:t> </a:t>
+            </a:r>
+            <a:r>
+              <a:rPr lang="en" dirty="0">
+                <a:solidFill>
+                  <a:schemeClr val="accent1"/>
+                </a:solidFill>
+                <a:sym typeface="Wingdings" panose="05000000000000000000" pitchFamily="2" charset="2"/>
+              </a:rPr>
+              <a:t>Attack</a:t>
+            </a:r>
+            <a:endParaRPr lang="en" dirty="0">
               <a:solidFill>
-                <a:schemeClr val="accent2"/>
+                <a:schemeClr val="accent1"/>
+              </a:solidFill>
+            </a:endParaRPr>
+          </a:p>
+          <a:p>
+            <a:pPr marL="0" lvl="0" indent="0" algn="l" rtl="0">
+              <a:spcBef>
+                <a:spcPts val="0"/>
+              </a:spcBef>
+              <a:spcAft>
+                <a:spcPts val="600"/>
+              </a:spcAft>
+              <a:buNone/>
+            </a:pPr>
+            <a:r>
+              <a:rPr lang="en" dirty="0"/>
+              <a:t>1 minute </a:t>
+            </a:r>
+            <a:r>
+              <a:rPr lang="en" dirty="0">
+                <a:sym typeface="Wingdings" panose="05000000000000000000" pitchFamily="2" charset="2"/>
+              </a:rPr>
+              <a:t> </a:t>
+            </a:r>
+            <a:r>
+              <a:rPr lang="en" dirty="0">
+                <a:solidFill>
+                  <a:schemeClr val="accent3"/>
+                </a:solidFill>
+                <a:sym typeface="Wingdings" panose="05000000000000000000" pitchFamily="2" charset="2"/>
+              </a:rPr>
+              <a:t>Effects</a:t>
+            </a:r>
+            <a:endParaRPr dirty="0">
+              <a:solidFill>
+                <a:schemeClr val="accent3"/>
               </a:solidFill>
             </a:endParaRPr>
           </a:p>
@@ -43053,7 +44672,7 @@
         </p:nvPicPr>
         <p:blipFill>
           <a:blip r:embed="rId3"/>
-          <a:srcRect t="675" b="675"/>
+          <a:srcRect t="9863" b="9863"/>
           <a:stretch/>
         </p:blipFill>
         <p:spPr>
@@ -43092,8 +44711,8 @@
           <p:nvPr/>
         </p:nvPicPr>
         <p:blipFill>
-          <a:blip r:embed="rId3"/>
-          <a:srcRect t="675" b="675"/>
+          <a:blip r:embed="rId4"/>
+          <a:srcRect t="9770" b="9770"/>
           <a:stretch/>
         </p:blipFill>
         <p:spPr>
@@ -43132,8 +44751,8 @@
           <p:nvPr/>
         </p:nvPicPr>
         <p:blipFill>
-          <a:blip r:embed="rId3"/>
-          <a:srcRect t="675" b="675"/>
+          <a:blip r:embed="rId5"/>
+          <a:srcRect t="9770" b="9770"/>
           <a:stretch/>
         </p:blipFill>
         <p:spPr>
@@ -43172,8 +44791,8 @@
           <p:nvPr/>
         </p:nvPicPr>
         <p:blipFill>
-          <a:blip r:embed="rId3"/>
-          <a:srcRect t="675" b="675"/>
+          <a:blip r:embed="rId6"/>
+          <a:srcRect t="9770" b="9770"/>
           <a:stretch/>
         </p:blipFill>
         <p:spPr>
@@ -43199,6 +44818,1189 @@
           </a:effectLst>
         </p:spPr>
       </p:pic>
+      <p:sp>
+        <p:nvSpPr>
+          <p:cNvPr id="2" name="Google Shape;403;p24">
+            <a:extLst>
+              <a:ext uri="{FF2B5EF4-FFF2-40B4-BE49-F238E27FC236}">
+                <a16:creationId xmlns:a16="http://schemas.microsoft.com/office/drawing/2014/main" id="{55920DDB-F795-6037-F4FF-729E717C9A21}"/>
+              </a:ext>
+            </a:extLst>
+          </p:cNvPr>
+          <p:cNvSpPr txBox="1">
+            <a:spLocks/>
+          </p:cNvSpPr>
+          <p:nvPr/>
+        </p:nvSpPr>
+        <p:spPr>
+          <a:xfrm>
+            <a:off x="1626624" y="1603032"/>
+            <a:ext cx="2166900" cy="695700"/>
+          </a:xfrm>
+          <a:prstGeom prst="rect">
+            <a:avLst/>
+          </a:prstGeom>
+          <a:noFill/>
+          <a:ln>
+            <a:noFill/>
+          </a:ln>
+        </p:spPr>
+        <p:txBody>
+          <a:bodyPr spcFirstLastPara="1" wrap="square" lIns="121900" tIns="121900" rIns="121900" bIns="121900" anchor="t" anchorCtr="0">
+            <a:noAutofit/>
+          </a:bodyPr>
+          <a:lstStyle>
+            <a:defPPr marR="0" lvl="0" algn="l" rtl="0">
+              <a:lnSpc>
+                <a:spcPct val="100000"/>
+              </a:lnSpc>
+              <a:spcBef>
+                <a:spcPts val="0"/>
+              </a:spcBef>
+              <a:spcAft>
+                <a:spcPts val="0"/>
+              </a:spcAft>
+            </a:defPPr>
+            <a:lvl1pPr marL="0" marR="0" lvl="0" indent="0" algn="r" rtl="0">
+              <a:lnSpc>
+                <a:spcPct val="100000"/>
+              </a:lnSpc>
+              <a:spcBef>
+                <a:spcPts val="0"/>
+              </a:spcBef>
+              <a:spcAft>
+                <a:spcPts val="0"/>
+              </a:spcAft>
+              <a:buClr>
+                <a:schemeClr val="dk1"/>
+              </a:buClr>
+              <a:buSzPts val="2600"/>
+              <a:buFont typeface="Aldrich"/>
+              <a:buNone/>
+              <a:defRPr sz="2600" b="1" i="0" u="none" strike="noStrike" cap="none">
+                <a:solidFill>
+                  <a:schemeClr val="accent3"/>
+                </a:solidFill>
+                <a:latin typeface="Roboto Mono"/>
+                <a:ea typeface="Roboto Mono"/>
+                <a:cs typeface="Roboto Mono"/>
+                <a:sym typeface="Roboto Mono"/>
+              </a:defRPr>
+            </a:lvl1pPr>
+            <a:lvl2pPr marR="0" lvl="1" algn="l" rtl="0">
+              <a:lnSpc>
+                <a:spcPct val="100000"/>
+              </a:lnSpc>
+              <a:spcBef>
+                <a:spcPts val="0"/>
+              </a:spcBef>
+              <a:spcAft>
+                <a:spcPts val="0"/>
+              </a:spcAft>
+              <a:buClr>
+                <a:schemeClr val="dk1"/>
+              </a:buClr>
+              <a:buSzPts val="2600"/>
+              <a:buFont typeface="Abril Fatface"/>
+              <a:buNone/>
+              <a:defRPr sz="2600" b="1" i="0" u="none" strike="noStrike" cap="none">
+                <a:solidFill>
+                  <a:schemeClr val="dk1"/>
+                </a:solidFill>
+                <a:latin typeface="Abril Fatface"/>
+                <a:ea typeface="Abril Fatface"/>
+                <a:cs typeface="Abril Fatface"/>
+                <a:sym typeface="Abril Fatface"/>
+              </a:defRPr>
+            </a:lvl2pPr>
+            <a:lvl3pPr marR="0" lvl="2" algn="l" rtl="0">
+              <a:lnSpc>
+                <a:spcPct val="100000"/>
+              </a:lnSpc>
+              <a:spcBef>
+                <a:spcPts val="0"/>
+              </a:spcBef>
+              <a:spcAft>
+                <a:spcPts val="0"/>
+              </a:spcAft>
+              <a:buClr>
+                <a:schemeClr val="dk1"/>
+              </a:buClr>
+              <a:buSzPts val="2600"/>
+              <a:buFont typeface="Abril Fatface"/>
+              <a:buNone/>
+              <a:defRPr sz="2600" b="1" i="0" u="none" strike="noStrike" cap="none">
+                <a:solidFill>
+                  <a:schemeClr val="dk1"/>
+                </a:solidFill>
+                <a:latin typeface="Abril Fatface"/>
+                <a:ea typeface="Abril Fatface"/>
+                <a:cs typeface="Abril Fatface"/>
+                <a:sym typeface="Abril Fatface"/>
+              </a:defRPr>
+            </a:lvl3pPr>
+            <a:lvl4pPr marR="0" lvl="3" algn="l" rtl="0">
+              <a:lnSpc>
+                <a:spcPct val="100000"/>
+              </a:lnSpc>
+              <a:spcBef>
+                <a:spcPts val="0"/>
+              </a:spcBef>
+              <a:spcAft>
+                <a:spcPts val="0"/>
+              </a:spcAft>
+              <a:buClr>
+                <a:schemeClr val="dk1"/>
+              </a:buClr>
+              <a:buSzPts val="2600"/>
+              <a:buFont typeface="Abril Fatface"/>
+              <a:buNone/>
+              <a:defRPr sz="2600" b="1" i="0" u="none" strike="noStrike" cap="none">
+                <a:solidFill>
+                  <a:schemeClr val="dk1"/>
+                </a:solidFill>
+                <a:latin typeface="Abril Fatface"/>
+                <a:ea typeface="Abril Fatface"/>
+                <a:cs typeface="Abril Fatface"/>
+                <a:sym typeface="Abril Fatface"/>
+              </a:defRPr>
+            </a:lvl4pPr>
+            <a:lvl5pPr marR="0" lvl="4" algn="l" rtl="0">
+              <a:lnSpc>
+                <a:spcPct val="100000"/>
+              </a:lnSpc>
+              <a:spcBef>
+                <a:spcPts val="0"/>
+              </a:spcBef>
+              <a:spcAft>
+                <a:spcPts val="0"/>
+              </a:spcAft>
+              <a:buClr>
+                <a:schemeClr val="dk1"/>
+              </a:buClr>
+              <a:buSzPts val="2600"/>
+              <a:buFont typeface="Abril Fatface"/>
+              <a:buNone/>
+              <a:defRPr sz="2600" b="1" i="0" u="none" strike="noStrike" cap="none">
+                <a:solidFill>
+                  <a:schemeClr val="dk1"/>
+                </a:solidFill>
+                <a:latin typeface="Abril Fatface"/>
+                <a:ea typeface="Abril Fatface"/>
+                <a:cs typeface="Abril Fatface"/>
+                <a:sym typeface="Abril Fatface"/>
+              </a:defRPr>
+            </a:lvl5pPr>
+            <a:lvl6pPr marR="0" lvl="5" algn="l" rtl="0">
+              <a:lnSpc>
+                <a:spcPct val="100000"/>
+              </a:lnSpc>
+              <a:spcBef>
+                <a:spcPts val="0"/>
+              </a:spcBef>
+              <a:spcAft>
+                <a:spcPts val="0"/>
+              </a:spcAft>
+              <a:buClr>
+                <a:schemeClr val="dk1"/>
+              </a:buClr>
+              <a:buSzPts val="2600"/>
+              <a:buFont typeface="Abril Fatface"/>
+              <a:buNone/>
+              <a:defRPr sz="2600" b="1" i="0" u="none" strike="noStrike" cap="none">
+                <a:solidFill>
+                  <a:schemeClr val="dk1"/>
+                </a:solidFill>
+                <a:latin typeface="Abril Fatface"/>
+                <a:ea typeface="Abril Fatface"/>
+                <a:cs typeface="Abril Fatface"/>
+                <a:sym typeface="Abril Fatface"/>
+              </a:defRPr>
+            </a:lvl6pPr>
+            <a:lvl7pPr marR="0" lvl="6" algn="l" rtl="0">
+              <a:lnSpc>
+                <a:spcPct val="100000"/>
+              </a:lnSpc>
+              <a:spcBef>
+                <a:spcPts val="0"/>
+              </a:spcBef>
+              <a:spcAft>
+                <a:spcPts val="0"/>
+              </a:spcAft>
+              <a:buClr>
+                <a:schemeClr val="dk1"/>
+              </a:buClr>
+              <a:buSzPts val="2600"/>
+              <a:buFont typeface="Abril Fatface"/>
+              <a:buNone/>
+              <a:defRPr sz="2600" b="1" i="0" u="none" strike="noStrike" cap="none">
+                <a:solidFill>
+                  <a:schemeClr val="dk1"/>
+                </a:solidFill>
+                <a:latin typeface="Abril Fatface"/>
+                <a:ea typeface="Abril Fatface"/>
+                <a:cs typeface="Abril Fatface"/>
+                <a:sym typeface="Abril Fatface"/>
+              </a:defRPr>
+            </a:lvl7pPr>
+            <a:lvl8pPr marR="0" lvl="7" algn="l" rtl="0">
+              <a:lnSpc>
+                <a:spcPct val="100000"/>
+              </a:lnSpc>
+              <a:spcBef>
+                <a:spcPts val="0"/>
+              </a:spcBef>
+              <a:spcAft>
+                <a:spcPts val="0"/>
+              </a:spcAft>
+              <a:buClr>
+                <a:schemeClr val="dk1"/>
+              </a:buClr>
+              <a:buSzPts val="2600"/>
+              <a:buFont typeface="Abril Fatface"/>
+              <a:buNone/>
+              <a:defRPr sz="2600" b="1" i="0" u="none" strike="noStrike" cap="none">
+                <a:solidFill>
+                  <a:schemeClr val="dk1"/>
+                </a:solidFill>
+                <a:latin typeface="Abril Fatface"/>
+                <a:ea typeface="Abril Fatface"/>
+                <a:cs typeface="Abril Fatface"/>
+                <a:sym typeface="Abril Fatface"/>
+              </a:defRPr>
+            </a:lvl8pPr>
+            <a:lvl9pPr marR="0" lvl="8" algn="l" rtl="0">
+              <a:lnSpc>
+                <a:spcPct val="100000"/>
+              </a:lnSpc>
+              <a:spcBef>
+                <a:spcPts val="0"/>
+              </a:spcBef>
+              <a:spcAft>
+                <a:spcPts val="0"/>
+              </a:spcAft>
+              <a:buClr>
+                <a:schemeClr val="dk1"/>
+              </a:buClr>
+              <a:buSzPts val="2600"/>
+              <a:buFont typeface="Abril Fatface"/>
+              <a:buNone/>
+              <a:defRPr sz="2600" b="1" i="0" u="none" strike="noStrike" cap="none">
+                <a:solidFill>
+                  <a:schemeClr val="dk1"/>
+                </a:solidFill>
+                <a:latin typeface="Abril Fatface"/>
+                <a:ea typeface="Abril Fatface"/>
+                <a:cs typeface="Abril Fatface"/>
+                <a:sym typeface="Abril Fatface"/>
+              </a:defRPr>
+            </a:lvl9pPr>
+          </a:lstStyle>
+          <a:p>
+            <a:r>
+              <a:rPr lang="en" sz="2400" dirty="0">
+                <a:solidFill>
+                  <a:schemeClr val="accent2"/>
+                </a:solidFill>
+              </a:rPr>
+              <a:t>Type A</a:t>
+            </a:r>
+          </a:p>
+        </p:txBody>
+      </p:sp>
+      <p:sp>
+        <p:nvSpPr>
+          <p:cNvPr id="3" name="Google Shape;403;p24">
+            <a:extLst>
+              <a:ext uri="{FF2B5EF4-FFF2-40B4-BE49-F238E27FC236}">
+                <a16:creationId xmlns:a16="http://schemas.microsoft.com/office/drawing/2014/main" id="{B0F04F8C-57F3-F208-0151-F870F8ED3C6C}"/>
+              </a:ext>
+            </a:extLst>
+          </p:cNvPr>
+          <p:cNvSpPr txBox="1">
+            <a:spLocks/>
+          </p:cNvSpPr>
+          <p:nvPr/>
+        </p:nvSpPr>
+        <p:spPr>
+          <a:xfrm>
+            <a:off x="5530525" y="1606335"/>
+            <a:ext cx="2166900" cy="695700"/>
+          </a:xfrm>
+          <a:prstGeom prst="rect">
+            <a:avLst/>
+          </a:prstGeom>
+          <a:noFill/>
+          <a:ln>
+            <a:noFill/>
+          </a:ln>
+        </p:spPr>
+        <p:txBody>
+          <a:bodyPr spcFirstLastPara="1" wrap="square" lIns="121900" tIns="121900" rIns="121900" bIns="121900" anchor="t" anchorCtr="0">
+            <a:noAutofit/>
+          </a:bodyPr>
+          <a:lstStyle>
+            <a:defPPr marR="0" lvl="0" algn="l" rtl="0">
+              <a:lnSpc>
+                <a:spcPct val="100000"/>
+              </a:lnSpc>
+              <a:spcBef>
+                <a:spcPts val="0"/>
+              </a:spcBef>
+              <a:spcAft>
+                <a:spcPts val="0"/>
+              </a:spcAft>
+            </a:defPPr>
+            <a:lvl1pPr marL="0" marR="0" lvl="0" indent="0" algn="r" rtl="0">
+              <a:lnSpc>
+                <a:spcPct val="100000"/>
+              </a:lnSpc>
+              <a:spcBef>
+                <a:spcPts val="0"/>
+              </a:spcBef>
+              <a:spcAft>
+                <a:spcPts val="0"/>
+              </a:spcAft>
+              <a:buClr>
+                <a:schemeClr val="dk1"/>
+              </a:buClr>
+              <a:buSzPts val="2600"/>
+              <a:buFont typeface="Aldrich"/>
+              <a:buNone/>
+              <a:defRPr sz="2600" b="1" i="0" u="none" strike="noStrike" cap="none">
+                <a:solidFill>
+                  <a:schemeClr val="accent3"/>
+                </a:solidFill>
+                <a:latin typeface="Roboto Mono"/>
+                <a:ea typeface="Roboto Mono"/>
+                <a:cs typeface="Roboto Mono"/>
+                <a:sym typeface="Roboto Mono"/>
+              </a:defRPr>
+            </a:lvl1pPr>
+            <a:lvl2pPr marR="0" lvl="1" algn="l" rtl="0">
+              <a:lnSpc>
+                <a:spcPct val="100000"/>
+              </a:lnSpc>
+              <a:spcBef>
+                <a:spcPts val="0"/>
+              </a:spcBef>
+              <a:spcAft>
+                <a:spcPts val="0"/>
+              </a:spcAft>
+              <a:buClr>
+                <a:schemeClr val="dk1"/>
+              </a:buClr>
+              <a:buSzPts val="2600"/>
+              <a:buFont typeface="Abril Fatface"/>
+              <a:buNone/>
+              <a:defRPr sz="2600" b="1" i="0" u="none" strike="noStrike" cap="none">
+                <a:solidFill>
+                  <a:schemeClr val="dk1"/>
+                </a:solidFill>
+                <a:latin typeface="Abril Fatface"/>
+                <a:ea typeface="Abril Fatface"/>
+                <a:cs typeface="Abril Fatface"/>
+                <a:sym typeface="Abril Fatface"/>
+              </a:defRPr>
+            </a:lvl2pPr>
+            <a:lvl3pPr marR="0" lvl="2" algn="l" rtl="0">
+              <a:lnSpc>
+                <a:spcPct val="100000"/>
+              </a:lnSpc>
+              <a:spcBef>
+                <a:spcPts val="0"/>
+              </a:spcBef>
+              <a:spcAft>
+                <a:spcPts val="0"/>
+              </a:spcAft>
+              <a:buClr>
+                <a:schemeClr val="dk1"/>
+              </a:buClr>
+              <a:buSzPts val="2600"/>
+              <a:buFont typeface="Abril Fatface"/>
+              <a:buNone/>
+              <a:defRPr sz="2600" b="1" i="0" u="none" strike="noStrike" cap="none">
+                <a:solidFill>
+                  <a:schemeClr val="dk1"/>
+                </a:solidFill>
+                <a:latin typeface="Abril Fatface"/>
+                <a:ea typeface="Abril Fatface"/>
+                <a:cs typeface="Abril Fatface"/>
+                <a:sym typeface="Abril Fatface"/>
+              </a:defRPr>
+            </a:lvl3pPr>
+            <a:lvl4pPr marR="0" lvl="3" algn="l" rtl="0">
+              <a:lnSpc>
+                <a:spcPct val="100000"/>
+              </a:lnSpc>
+              <a:spcBef>
+                <a:spcPts val="0"/>
+              </a:spcBef>
+              <a:spcAft>
+                <a:spcPts val="0"/>
+              </a:spcAft>
+              <a:buClr>
+                <a:schemeClr val="dk1"/>
+              </a:buClr>
+              <a:buSzPts val="2600"/>
+              <a:buFont typeface="Abril Fatface"/>
+              <a:buNone/>
+              <a:defRPr sz="2600" b="1" i="0" u="none" strike="noStrike" cap="none">
+                <a:solidFill>
+                  <a:schemeClr val="dk1"/>
+                </a:solidFill>
+                <a:latin typeface="Abril Fatface"/>
+                <a:ea typeface="Abril Fatface"/>
+                <a:cs typeface="Abril Fatface"/>
+                <a:sym typeface="Abril Fatface"/>
+              </a:defRPr>
+            </a:lvl4pPr>
+            <a:lvl5pPr marR="0" lvl="4" algn="l" rtl="0">
+              <a:lnSpc>
+                <a:spcPct val="100000"/>
+              </a:lnSpc>
+              <a:spcBef>
+                <a:spcPts val="0"/>
+              </a:spcBef>
+              <a:spcAft>
+                <a:spcPts val="0"/>
+              </a:spcAft>
+              <a:buClr>
+                <a:schemeClr val="dk1"/>
+              </a:buClr>
+              <a:buSzPts val="2600"/>
+              <a:buFont typeface="Abril Fatface"/>
+              <a:buNone/>
+              <a:defRPr sz="2600" b="1" i="0" u="none" strike="noStrike" cap="none">
+                <a:solidFill>
+                  <a:schemeClr val="dk1"/>
+                </a:solidFill>
+                <a:latin typeface="Abril Fatface"/>
+                <a:ea typeface="Abril Fatface"/>
+                <a:cs typeface="Abril Fatface"/>
+                <a:sym typeface="Abril Fatface"/>
+              </a:defRPr>
+            </a:lvl5pPr>
+            <a:lvl6pPr marR="0" lvl="5" algn="l" rtl="0">
+              <a:lnSpc>
+                <a:spcPct val="100000"/>
+              </a:lnSpc>
+              <a:spcBef>
+                <a:spcPts val="0"/>
+              </a:spcBef>
+              <a:spcAft>
+                <a:spcPts val="0"/>
+              </a:spcAft>
+              <a:buClr>
+                <a:schemeClr val="dk1"/>
+              </a:buClr>
+              <a:buSzPts val="2600"/>
+              <a:buFont typeface="Abril Fatface"/>
+              <a:buNone/>
+              <a:defRPr sz="2600" b="1" i="0" u="none" strike="noStrike" cap="none">
+                <a:solidFill>
+                  <a:schemeClr val="dk1"/>
+                </a:solidFill>
+                <a:latin typeface="Abril Fatface"/>
+                <a:ea typeface="Abril Fatface"/>
+                <a:cs typeface="Abril Fatface"/>
+                <a:sym typeface="Abril Fatface"/>
+              </a:defRPr>
+            </a:lvl6pPr>
+            <a:lvl7pPr marR="0" lvl="6" algn="l" rtl="0">
+              <a:lnSpc>
+                <a:spcPct val="100000"/>
+              </a:lnSpc>
+              <a:spcBef>
+                <a:spcPts val="0"/>
+              </a:spcBef>
+              <a:spcAft>
+                <a:spcPts val="0"/>
+              </a:spcAft>
+              <a:buClr>
+                <a:schemeClr val="dk1"/>
+              </a:buClr>
+              <a:buSzPts val="2600"/>
+              <a:buFont typeface="Abril Fatface"/>
+              <a:buNone/>
+              <a:defRPr sz="2600" b="1" i="0" u="none" strike="noStrike" cap="none">
+                <a:solidFill>
+                  <a:schemeClr val="dk1"/>
+                </a:solidFill>
+                <a:latin typeface="Abril Fatface"/>
+                <a:ea typeface="Abril Fatface"/>
+                <a:cs typeface="Abril Fatface"/>
+                <a:sym typeface="Abril Fatface"/>
+              </a:defRPr>
+            </a:lvl7pPr>
+            <a:lvl8pPr marR="0" lvl="7" algn="l" rtl="0">
+              <a:lnSpc>
+                <a:spcPct val="100000"/>
+              </a:lnSpc>
+              <a:spcBef>
+                <a:spcPts val="0"/>
+              </a:spcBef>
+              <a:spcAft>
+                <a:spcPts val="0"/>
+              </a:spcAft>
+              <a:buClr>
+                <a:schemeClr val="dk1"/>
+              </a:buClr>
+              <a:buSzPts val="2600"/>
+              <a:buFont typeface="Abril Fatface"/>
+              <a:buNone/>
+              <a:defRPr sz="2600" b="1" i="0" u="none" strike="noStrike" cap="none">
+                <a:solidFill>
+                  <a:schemeClr val="dk1"/>
+                </a:solidFill>
+                <a:latin typeface="Abril Fatface"/>
+                <a:ea typeface="Abril Fatface"/>
+                <a:cs typeface="Abril Fatface"/>
+                <a:sym typeface="Abril Fatface"/>
+              </a:defRPr>
+            </a:lvl8pPr>
+            <a:lvl9pPr marR="0" lvl="8" algn="l" rtl="0">
+              <a:lnSpc>
+                <a:spcPct val="100000"/>
+              </a:lnSpc>
+              <a:spcBef>
+                <a:spcPts val="0"/>
+              </a:spcBef>
+              <a:spcAft>
+                <a:spcPts val="0"/>
+              </a:spcAft>
+              <a:buClr>
+                <a:schemeClr val="dk1"/>
+              </a:buClr>
+              <a:buSzPts val="2600"/>
+              <a:buFont typeface="Abril Fatface"/>
+              <a:buNone/>
+              <a:defRPr sz="2600" b="1" i="0" u="none" strike="noStrike" cap="none">
+                <a:solidFill>
+                  <a:schemeClr val="dk1"/>
+                </a:solidFill>
+                <a:latin typeface="Abril Fatface"/>
+                <a:ea typeface="Abril Fatface"/>
+                <a:cs typeface="Abril Fatface"/>
+                <a:sym typeface="Abril Fatface"/>
+              </a:defRPr>
+            </a:lvl9pPr>
+          </a:lstStyle>
+          <a:p>
+            <a:r>
+              <a:rPr lang="en" sz="2400" dirty="0">
+                <a:solidFill>
+                  <a:schemeClr val="accent2"/>
+                </a:solidFill>
+              </a:rPr>
+              <a:t>Type MX</a:t>
+            </a:r>
+          </a:p>
+        </p:txBody>
+      </p:sp>
+      <p:sp>
+        <p:nvSpPr>
+          <p:cNvPr id="4" name="Google Shape;403;p24">
+            <a:extLst>
+              <a:ext uri="{FF2B5EF4-FFF2-40B4-BE49-F238E27FC236}">
+                <a16:creationId xmlns:a16="http://schemas.microsoft.com/office/drawing/2014/main" id="{940E3ECB-1B94-822F-6AA5-3E7930002ECE}"/>
+              </a:ext>
+            </a:extLst>
+          </p:cNvPr>
+          <p:cNvSpPr txBox="1">
+            <a:spLocks/>
+          </p:cNvSpPr>
+          <p:nvPr/>
+        </p:nvSpPr>
+        <p:spPr>
+          <a:xfrm>
+            <a:off x="5530525" y="4006390"/>
+            <a:ext cx="2166900" cy="695700"/>
+          </a:xfrm>
+          <a:prstGeom prst="rect">
+            <a:avLst/>
+          </a:prstGeom>
+          <a:noFill/>
+          <a:ln>
+            <a:noFill/>
+          </a:ln>
+        </p:spPr>
+        <p:txBody>
+          <a:bodyPr spcFirstLastPara="1" wrap="square" lIns="121900" tIns="121900" rIns="121900" bIns="121900" anchor="t" anchorCtr="0">
+            <a:noAutofit/>
+          </a:bodyPr>
+          <a:lstStyle>
+            <a:defPPr marR="0" lvl="0" algn="l" rtl="0">
+              <a:lnSpc>
+                <a:spcPct val="100000"/>
+              </a:lnSpc>
+              <a:spcBef>
+                <a:spcPts val="0"/>
+              </a:spcBef>
+              <a:spcAft>
+                <a:spcPts val="0"/>
+              </a:spcAft>
+            </a:defPPr>
+            <a:lvl1pPr marL="0" marR="0" lvl="0" indent="0" algn="r" rtl="0">
+              <a:lnSpc>
+                <a:spcPct val="100000"/>
+              </a:lnSpc>
+              <a:spcBef>
+                <a:spcPts val="0"/>
+              </a:spcBef>
+              <a:spcAft>
+                <a:spcPts val="0"/>
+              </a:spcAft>
+              <a:buClr>
+                <a:schemeClr val="dk1"/>
+              </a:buClr>
+              <a:buSzPts val="2600"/>
+              <a:buFont typeface="Aldrich"/>
+              <a:buNone/>
+              <a:defRPr sz="2600" b="1" i="0" u="none" strike="noStrike" cap="none">
+                <a:solidFill>
+                  <a:schemeClr val="accent3"/>
+                </a:solidFill>
+                <a:latin typeface="Roboto Mono"/>
+                <a:ea typeface="Roboto Mono"/>
+                <a:cs typeface="Roboto Mono"/>
+                <a:sym typeface="Roboto Mono"/>
+              </a:defRPr>
+            </a:lvl1pPr>
+            <a:lvl2pPr marR="0" lvl="1" algn="l" rtl="0">
+              <a:lnSpc>
+                <a:spcPct val="100000"/>
+              </a:lnSpc>
+              <a:spcBef>
+                <a:spcPts val="0"/>
+              </a:spcBef>
+              <a:spcAft>
+                <a:spcPts val="0"/>
+              </a:spcAft>
+              <a:buClr>
+                <a:schemeClr val="dk1"/>
+              </a:buClr>
+              <a:buSzPts val="2600"/>
+              <a:buFont typeface="Abril Fatface"/>
+              <a:buNone/>
+              <a:defRPr sz="2600" b="1" i="0" u="none" strike="noStrike" cap="none">
+                <a:solidFill>
+                  <a:schemeClr val="dk1"/>
+                </a:solidFill>
+                <a:latin typeface="Abril Fatface"/>
+                <a:ea typeface="Abril Fatface"/>
+                <a:cs typeface="Abril Fatface"/>
+                <a:sym typeface="Abril Fatface"/>
+              </a:defRPr>
+            </a:lvl2pPr>
+            <a:lvl3pPr marR="0" lvl="2" algn="l" rtl="0">
+              <a:lnSpc>
+                <a:spcPct val="100000"/>
+              </a:lnSpc>
+              <a:spcBef>
+                <a:spcPts val="0"/>
+              </a:spcBef>
+              <a:spcAft>
+                <a:spcPts val="0"/>
+              </a:spcAft>
+              <a:buClr>
+                <a:schemeClr val="dk1"/>
+              </a:buClr>
+              <a:buSzPts val="2600"/>
+              <a:buFont typeface="Abril Fatface"/>
+              <a:buNone/>
+              <a:defRPr sz="2600" b="1" i="0" u="none" strike="noStrike" cap="none">
+                <a:solidFill>
+                  <a:schemeClr val="dk1"/>
+                </a:solidFill>
+                <a:latin typeface="Abril Fatface"/>
+                <a:ea typeface="Abril Fatface"/>
+                <a:cs typeface="Abril Fatface"/>
+                <a:sym typeface="Abril Fatface"/>
+              </a:defRPr>
+            </a:lvl3pPr>
+            <a:lvl4pPr marR="0" lvl="3" algn="l" rtl="0">
+              <a:lnSpc>
+                <a:spcPct val="100000"/>
+              </a:lnSpc>
+              <a:spcBef>
+                <a:spcPts val="0"/>
+              </a:spcBef>
+              <a:spcAft>
+                <a:spcPts val="0"/>
+              </a:spcAft>
+              <a:buClr>
+                <a:schemeClr val="dk1"/>
+              </a:buClr>
+              <a:buSzPts val="2600"/>
+              <a:buFont typeface="Abril Fatface"/>
+              <a:buNone/>
+              <a:defRPr sz="2600" b="1" i="0" u="none" strike="noStrike" cap="none">
+                <a:solidFill>
+                  <a:schemeClr val="dk1"/>
+                </a:solidFill>
+                <a:latin typeface="Abril Fatface"/>
+                <a:ea typeface="Abril Fatface"/>
+                <a:cs typeface="Abril Fatface"/>
+                <a:sym typeface="Abril Fatface"/>
+              </a:defRPr>
+            </a:lvl4pPr>
+            <a:lvl5pPr marR="0" lvl="4" algn="l" rtl="0">
+              <a:lnSpc>
+                <a:spcPct val="100000"/>
+              </a:lnSpc>
+              <a:spcBef>
+                <a:spcPts val="0"/>
+              </a:spcBef>
+              <a:spcAft>
+                <a:spcPts val="0"/>
+              </a:spcAft>
+              <a:buClr>
+                <a:schemeClr val="dk1"/>
+              </a:buClr>
+              <a:buSzPts val="2600"/>
+              <a:buFont typeface="Abril Fatface"/>
+              <a:buNone/>
+              <a:defRPr sz="2600" b="1" i="0" u="none" strike="noStrike" cap="none">
+                <a:solidFill>
+                  <a:schemeClr val="dk1"/>
+                </a:solidFill>
+                <a:latin typeface="Abril Fatface"/>
+                <a:ea typeface="Abril Fatface"/>
+                <a:cs typeface="Abril Fatface"/>
+                <a:sym typeface="Abril Fatface"/>
+              </a:defRPr>
+            </a:lvl5pPr>
+            <a:lvl6pPr marR="0" lvl="5" algn="l" rtl="0">
+              <a:lnSpc>
+                <a:spcPct val="100000"/>
+              </a:lnSpc>
+              <a:spcBef>
+                <a:spcPts val="0"/>
+              </a:spcBef>
+              <a:spcAft>
+                <a:spcPts val="0"/>
+              </a:spcAft>
+              <a:buClr>
+                <a:schemeClr val="dk1"/>
+              </a:buClr>
+              <a:buSzPts val="2600"/>
+              <a:buFont typeface="Abril Fatface"/>
+              <a:buNone/>
+              <a:defRPr sz="2600" b="1" i="0" u="none" strike="noStrike" cap="none">
+                <a:solidFill>
+                  <a:schemeClr val="dk1"/>
+                </a:solidFill>
+                <a:latin typeface="Abril Fatface"/>
+                <a:ea typeface="Abril Fatface"/>
+                <a:cs typeface="Abril Fatface"/>
+                <a:sym typeface="Abril Fatface"/>
+              </a:defRPr>
+            </a:lvl6pPr>
+            <a:lvl7pPr marR="0" lvl="6" algn="l" rtl="0">
+              <a:lnSpc>
+                <a:spcPct val="100000"/>
+              </a:lnSpc>
+              <a:spcBef>
+                <a:spcPts val="0"/>
+              </a:spcBef>
+              <a:spcAft>
+                <a:spcPts val="0"/>
+              </a:spcAft>
+              <a:buClr>
+                <a:schemeClr val="dk1"/>
+              </a:buClr>
+              <a:buSzPts val="2600"/>
+              <a:buFont typeface="Abril Fatface"/>
+              <a:buNone/>
+              <a:defRPr sz="2600" b="1" i="0" u="none" strike="noStrike" cap="none">
+                <a:solidFill>
+                  <a:schemeClr val="dk1"/>
+                </a:solidFill>
+                <a:latin typeface="Abril Fatface"/>
+                <a:ea typeface="Abril Fatface"/>
+                <a:cs typeface="Abril Fatface"/>
+                <a:sym typeface="Abril Fatface"/>
+              </a:defRPr>
+            </a:lvl7pPr>
+            <a:lvl8pPr marR="0" lvl="7" algn="l" rtl="0">
+              <a:lnSpc>
+                <a:spcPct val="100000"/>
+              </a:lnSpc>
+              <a:spcBef>
+                <a:spcPts val="0"/>
+              </a:spcBef>
+              <a:spcAft>
+                <a:spcPts val="0"/>
+              </a:spcAft>
+              <a:buClr>
+                <a:schemeClr val="dk1"/>
+              </a:buClr>
+              <a:buSzPts val="2600"/>
+              <a:buFont typeface="Abril Fatface"/>
+              <a:buNone/>
+              <a:defRPr sz="2600" b="1" i="0" u="none" strike="noStrike" cap="none">
+                <a:solidFill>
+                  <a:schemeClr val="dk1"/>
+                </a:solidFill>
+                <a:latin typeface="Abril Fatface"/>
+                <a:ea typeface="Abril Fatface"/>
+                <a:cs typeface="Abril Fatface"/>
+                <a:sym typeface="Abril Fatface"/>
+              </a:defRPr>
+            </a:lvl8pPr>
+            <a:lvl9pPr marR="0" lvl="8" algn="l" rtl="0">
+              <a:lnSpc>
+                <a:spcPct val="100000"/>
+              </a:lnSpc>
+              <a:spcBef>
+                <a:spcPts val="0"/>
+              </a:spcBef>
+              <a:spcAft>
+                <a:spcPts val="0"/>
+              </a:spcAft>
+              <a:buClr>
+                <a:schemeClr val="dk1"/>
+              </a:buClr>
+              <a:buSzPts val="2600"/>
+              <a:buFont typeface="Abril Fatface"/>
+              <a:buNone/>
+              <a:defRPr sz="2600" b="1" i="0" u="none" strike="noStrike" cap="none">
+                <a:solidFill>
+                  <a:schemeClr val="dk1"/>
+                </a:solidFill>
+                <a:latin typeface="Abril Fatface"/>
+                <a:ea typeface="Abril Fatface"/>
+                <a:cs typeface="Abril Fatface"/>
+                <a:sym typeface="Abril Fatface"/>
+              </a:defRPr>
+            </a:lvl9pPr>
+          </a:lstStyle>
+          <a:p>
+            <a:r>
+              <a:rPr lang="en" sz="2400" dirty="0">
+                <a:solidFill>
+                  <a:schemeClr val="accent2"/>
+                </a:solidFill>
+              </a:rPr>
+              <a:t>Type ANY</a:t>
+            </a:r>
+          </a:p>
+        </p:txBody>
+      </p:sp>
+      <p:sp>
+        <p:nvSpPr>
+          <p:cNvPr id="9" name="Google Shape;400;p24">
+            <a:extLst>
+              <a:ext uri="{FF2B5EF4-FFF2-40B4-BE49-F238E27FC236}">
+                <a16:creationId xmlns:a16="http://schemas.microsoft.com/office/drawing/2014/main" id="{0F708B93-84DA-1FB8-386C-605BD889810D}"/>
+              </a:ext>
+            </a:extLst>
+          </p:cNvPr>
+          <p:cNvSpPr txBox="1">
+            <a:spLocks/>
+          </p:cNvSpPr>
+          <p:nvPr/>
+        </p:nvSpPr>
+        <p:spPr>
+          <a:xfrm>
+            <a:off x="8447905" y="4751517"/>
+            <a:ext cx="3294600" cy="1116000"/>
+          </a:xfrm>
+          <a:prstGeom prst="rect">
+            <a:avLst/>
+          </a:prstGeom>
+          <a:noFill/>
+          <a:ln>
+            <a:noFill/>
+          </a:ln>
+        </p:spPr>
+        <p:txBody>
+          <a:bodyPr spcFirstLastPara="1" wrap="square" lIns="121900" tIns="121900" rIns="121900" bIns="121900" anchor="ctr" anchorCtr="0">
+            <a:noAutofit/>
+          </a:bodyPr>
+          <a:lstStyle>
+            <a:defPPr marR="0" lvl="0" algn="l" rtl="0">
+              <a:lnSpc>
+                <a:spcPct val="100000"/>
+              </a:lnSpc>
+              <a:spcBef>
+                <a:spcPts val="0"/>
+              </a:spcBef>
+              <a:spcAft>
+                <a:spcPts val="0"/>
+              </a:spcAft>
+            </a:defPPr>
+            <a:lvl1pPr marL="457200" marR="0" lvl="0" indent="-342900" algn="l" rtl="0">
+              <a:lnSpc>
+                <a:spcPct val="100000"/>
+              </a:lnSpc>
+              <a:spcBef>
+                <a:spcPts val="0"/>
+              </a:spcBef>
+              <a:spcAft>
+                <a:spcPts val="0"/>
+              </a:spcAft>
+              <a:buClr>
+                <a:schemeClr val="dk2"/>
+              </a:buClr>
+              <a:buSzPts val="1800"/>
+              <a:buFont typeface="Roboto Mono"/>
+              <a:buChar char="●"/>
+              <a:defRPr sz="1800" b="0" i="0" u="none" strike="noStrike" cap="none">
+                <a:solidFill>
+                  <a:schemeClr val="dk2"/>
+                </a:solidFill>
+                <a:latin typeface="Roboto Mono"/>
+                <a:ea typeface="Roboto Mono"/>
+                <a:cs typeface="Roboto Mono"/>
+                <a:sym typeface="Roboto Mono"/>
+              </a:defRPr>
+            </a:lvl1pPr>
+            <a:lvl2pPr marL="914400" marR="0" lvl="1" indent="-342900" algn="l" rtl="0">
+              <a:lnSpc>
+                <a:spcPct val="100000"/>
+              </a:lnSpc>
+              <a:spcBef>
+                <a:spcPts val="2100"/>
+              </a:spcBef>
+              <a:spcAft>
+                <a:spcPts val="0"/>
+              </a:spcAft>
+              <a:buClr>
+                <a:schemeClr val="dk2"/>
+              </a:buClr>
+              <a:buSzPts val="1800"/>
+              <a:buFont typeface="Roboto Mono"/>
+              <a:buChar char="○"/>
+              <a:defRPr sz="1800" b="0" i="0" u="none" strike="noStrike" cap="none">
+                <a:solidFill>
+                  <a:schemeClr val="dk2"/>
+                </a:solidFill>
+                <a:latin typeface="Roboto Mono"/>
+                <a:ea typeface="Roboto Mono"/>
+                <a:cs typeface="Roboto Mono"/>
+                <a:sym typeface="Roboto Mono"/>
+              </a:defRPr>
+            </a:lvl2pPr>
+            <a:lvl3pPr marL="1371600" marR="0" lvl="2" indent="-342900" algn="l" rtl="0">
+              <a:lnSpc>
+                <a:spcPct val="100000"/>
+              </a:lnSpc>
+              <a:spcBef>
+                <a:spcPts val="2100"/>
+              </a:spcBef>
+              <a:spcAft>
+                <a:spcPts val="0"/>
+              </a:spcAft>
+              <a:buClr>
+                <a:schemeClr val="dk2"/>
+              </a:buClr>
+              <a:buSzPts val="1800"/>
+              <a:buFont typeface="Roboto Mono"/>
+              <a:buChar char="■"/>
+              <a:defRPr sz="1800" b="0" i="0" u="none" strike="noStrike" cap="none">
+                <a:solidFill>
+                  <a:schemeClr val="dk2"/>
+                </a:solidFill>
+                <a:latin typeface="Roboto Mono"/>
+                <a:ea typeface="Roboto Mono"/>
+                <a:cs typeface="Roboto Mono"/>
+                <a:sym typeface="Roboto Mono"/>
+              </a:defRPr>
+            </a:lvl3pPr>
+            <a:lvl4pPr marL="1828800" marR="0" lvl="3" indent="-342900" algn="l" rtl="0">
+              <a:lnSpc>
+                <a:spcPct val="100000"/>
+              </a:lnSpc>
+              <a:spcBef>
+                <a:spcPts val="2100"/>
+              </a:spcBef>
+              <a:spcAft>
+                <a:spcPts val="0"/>
+              </a:spcAft>
+              <a:buClr>
+                <a:schemeClr val="dk2"/>
+              </a:buClr>
+              <a:buSzPts val="1800"/>
+              <a:buFont typeface="Roboto Mono"/>
+              <a:buChar char="●"/>
+              <a:defRPr sz="1800" b="0" i="0" u="none" strike="noStrike" cap="none">
+                <a:solidFill>
+                  <a:schemeClr val="dk2"/>
+                </a:solidFill>
+                <a:latin typeface="Roboto Mono"/>
+                <a:ea typeface="Roboto Mono"/>
+                <a:cs typeface="Roboto Mono"/>
+                <a:sym typeface="Roboto Mono"/>
+              </a:defRPr>
+            </a:lvl4pPr>
+            <a:lvl5pPr marL="2286000" marR="0" lvl="4" indent="-342900" algn="l" rtl="0">
+              <a:lnSpc>
+                <a:spcPct val="100000"/>
+              </a:lnSpc>
+              <a:spcBef>
+                <a:spcPts val="2100"/>
+              </a:spcBef>
+              <a:spcAft>
+                <a:spcPts val="0"/>
+              </a:spcAft>
+              <a:buClr>
+                <a:schemeClr val="dk2"/>
+              </a:buClr>
+              <a:buSzPts val="1800"/>
+              <a:buFont typeface="Roboto Mono"/>
+              <a:buChar char="○"/>
+              <a:defRPr sz="1800" b="0" i="0" u="none" strike="noStrike" cap="none">
+                <a:solidFill>
+                  <a:schemeClr val="dk2"/>
+                </a:solidFill>
+                <a:latin typeface="Roboto Mono"/>
+                <a:ea typeface="Roboto Mono"/>
+                <a:cs typeface="Roboto Mono"/>
+                <a:sym typeface="Roboto Mono"/>
+              </a:defRPr>
+            </a:lvl5pPr>
+            <a:lvl6pPr marL="2743200" marR="0" lvl="5" indent="-342900" algn="l" rtl="0">
+              <a:lnSpc>
+                <a:spcPct val="100000"/>
+              </a:lnSpc>
+              <a:spcBef>
+                <a:spcPts val="2100"/>
+              </a:spcBef>
+              <a:spcAft>
+                <a:spcPts val="0"/>
+              </a:spcAft>
+              <a:buClr>
+                <a:schemeClr val="dk2"/>
+              </a:buClr>
+              <a:buSzPts val="1800"/>
+              <a:buFont typeface="Roboto Mono"/>
+              <a:buChar char="■"/>
+              <a:defRPr sz="1800" b="0" i="0" u="none" strike="noStrike" cap="none">
+                <a:solidFill>
+                  <a:schemeClr val="dk2"/>
+                </a:solidFill>
+                <a:latin typeface="Roboto Mono"/>
+                <a:ea typeface="Roboto Mono"/>
+                <a:cs typeface="Roboto Mono"/>
+                <a:sym typeface="Roboto Mono"/>
+              </a:defRPr>
+            </a:lvl6pPr>
+            <a:lvl7pPr marL="3200400" marR="0" lvl="6" indent="-342900" algn="l" rtl="0">
+              <a:lnSpc>
+                <a:spcPct val="100000"/>
+              </a:lnSpc>
+              <a:spcBef>
+                <a:spcPts val="2100"/>
+              </a:spcBef>
+              <a:spcAft>
+                <a:spcPts val="0"/>
+              </a:spcAft>
+              <a:buClr>
+                <a:schemeClr val="dk2"/>
+              </a:buClr>
+              <a:buSzPts val="1800"/>
+              <a:buFont typeface="Roboto Mono"/>
+              <a:buChar char="●"/>
+              <a:defRPr sz="1800" b="0" i="0" u="none" strike="noStrike" cap="none">
+                <a:solidFill>
+                  <a:schemeClr val="dk2"/>
+                </a:solidFill>
+                <a:latin typeface="Roboto Mono"/>
+                <a:ea typeface="Roboto Mono"/>
+                <a:cs typeface="Roboto Mono"/>
+                <a:sym typeface="Roboto Mono"/>
+              </a:defRPr>
+            </a:lvl7pPr>
+            <a:lvl8pPr marL="3657600" marR="0" lvl="7" indent="-342900" algn="l" rtl="0">
+              <a:lnSpc>
+                <a:spcPct val="100000"/>
+              </a:lnSpc>
+              <a:spcBef>
+                <a:spcPts val="2100"/>
+              </a:spcBef>
+              <a:spcAft>
+                <a:spcPts val="0"/>
+              </a:spcAft>
+              <a:buClr>
+                <a:schemeClr val="dk2"/>
+              </a:buClr>
+              <a:buSzPts val="1800"/>
+              <a:buFont typeface="Roboto Mono"/>
+              <a:buChar char="○"/>
+              <a:defRPr sz="1800" b="0" i="0" u="none" strike="noStrike" cap="none">
+                <a:solidFill>
+                  <a:schemeClr val="dk2"/>
+                </a:solidFill>
+                <a:latin typeface="Roboto Mono"/>
+                <a:ea typeface="Roboto Mono"/>
+                <a:cs typeface="Roboto Mono"/>
+                <a:sym typeface="Roboto Mono"/>
+              </a:defRPr>
+            </a:lvl8pPr>
+            <a:lvl9pPr marL="4114800" marR="0" lvl="8" indent="-342900" algn="l" rtl="0">
+              <a:lnSpc>
+                <a:spcPct val="100000"/>
+              </a:lnSpc>
+              <a:spcBef>
+                <a:spcPts val="2100"/>
+              </a:spcBef>
+              <a:spcAft>
+                <a:spcPts val="2100"/>
+              </a:spcAft>
+              <a:buClr>
+                <a:schemeClr val="dk2"/>
+              </a:buClr>
+              <a:buSzPts val="1800"/>
+              <a:buFont typeface="Roboto Mono"/>
+              <a:buChar char="■"/>
+              <a:defRPr sz="1800" b="0" i="0" u="none" strike="noStrike" cap="none">
+                <a:solidFill>
+                  <a:schemeClr val="dk2"/>
+                </a:solidFill>
+                <a:latin typeface="Roboto Mono"/>
+                <a:ea typeface="Roboto Mono"/>
+                <a:cs typeface="Roboto Mono"/>
+                <a:sym typeface="Roboto Mono"/>
+              </a:defRPr>
+            </a:lvl9pPr>
+          </a:lstStyle>
+          <a:p>
+            <a:pPr marL="0" indent="0">
+              <a:spcAft>
+                <a:spcPts val="600"/>
+              </a:spcAft>
+              <a:buFont typeface="Roboto Mono"/>
+              <a:buNone/>
+            </a:pPr>
+            <a:r>
+              <a:rPr lang="en-US" dirty="0">
+                <a:solidFill>
+                  <a:schemeClr val="accent3"/>
+                </a:solidFill>
+              </a:rPr>
+              <a:t>Moving Average</a:t>
+            </a:r>
+            <a:r>
+              <a:rPr lang="en-US" dirty="0"/>
+              <a:t> as a visual aid to compensate for the </a:t>
+            </a:r>
+            <a:r>
+              <a:rPr lang="en-US" dirty="0">
+                <a:solidFill>
+                  <a:schemeClr val="accent1"/>
+                </a:solidFill>
+              </a:rPr>
+              <a:t>instability</a:t>
+            </a:r>
+            <a:r>
+              <a:rPr lang="en-US" dirty="0"/>
+              <a:t> of the measurements</a:t>
+            </a:r>
+          </a:p>
+        </p:txBody>
+      </p:sp>
     </p:spTree>
   </p:cSld>
   <p:clrMapOvr>
@@ -43321,15 +46123,18 @@
             </a:r>
             <a:r>
               <a:rPr lang="en" sz="5700" dirty="0"/>
-              <a:t>uery </a:t>
-            </a:r>
+              <a:t>UERY </a:t>
+            </a:r>
+            <a:br>
+              <a:rPr lang="en" sz="5700" dirty="0"/>
+            </a:br>
             <a:r>
               <a:rPr lang="en" sz="7700" dirty="0">
                 <a:solidFill>
                   <a:schemeClr val="accent2"/>
                 </a:solidFill>
               </a:rPr>
-              <a:t>timings.</a:t>
+              <a:t>TIMES.</a:t>
             </a:r>
             <a:endParaRPr sz="7700" dirty="0">
               <a:solidFill>
@@ -43386,10 +46191,84 @@
               <a:buNone/>
             </a:pPr>
             <a:r>
-              <a:rPr lang="it-IT" dirty="0"/>
-              <a:t>text</a:t>
-            </a:r>
-            <a:endParaRPr dirty="0"/>
+              <a:rPr lang="it-IT" dirty="0" err="1"/>
+              <a:t>As</a:t>
+            </a:r>
+            <a:r>
+              <a:rPr lang="it-IT" dirty="0"/>
+              <a:t> </a:t>
+            </a:r>
+            <a:r>
+              <a:rPr lang="it-IT" dirty="0" err="1"/>
+              <a:t>expected</a:t>
+            </a:r>
+            <a:r>
+              <a:rPr lang="it-IT" dirty="0"/>
+              <a:t>, a </a:t>
+            </a:r>
+            <a:r>
+              <a:rPr lang="it-IT" dirty="0" err="1"/>
+              <a:t>bigger</a:t>
+            </a:r>
+            <a:r>
+              <a:rPr lang="it-IT" dirty="0"/>
+              <a:t> </a:t>
+            </a:r>
+            <a:r>
+              <a:rPr lang="it-IT" dirty="0" err="1">
+                <a:solidFill>
+                  <a:schemeClr val="accent3"/>
+                </a:solidFill>
+              </a:rPr>
+              <a:t>amplification</a:t>
+            </a:r>
+            <a:r>
+              <a:rPr lang="it-IT" dirty="0">
+                <a:solidFill>
+                  <a:schemeClr val="accent3"/>
+                </a:solidFill>
+              </a:rPr>
+              <a:t> </a:t>
+            </a:r>
+            <a:r>
+              <a:rPr lang="it-IT" dirty="0" err="1">
+                <a:solidFill>
+                  <a:schemeClr val="accent3"/>
+                </a:solidFill>
+              </a:rPr>
+              <a:t>factor</a:t>
+            </a:r>
+            <a:r>
+              <a:rPr lang="it-IT" dirty="0"/>
+              <a:t> </a:t>
+            </a:r>
+            <a:r>
+              <a:rPr lang="it-IT" dirty="0" err="1"/>
+              <a:t>results</a:t>
+            </a:r>
+            <a:r>
+              <a:rPr lang="it-IT" dirty="0"/>
+              <a:t> in more </a:t>
+            </a:r>
+            <a:r>
+              <a:rPr lang="it-IT" dirty="0" err="1">
+                <a:solidFill>
+                  <a:schemeClr val="accent1">
+                    <a:lumMod val="60000"/>
+                    <a:lumOff val="40000"/>
+                  </a:schemeClr>
+                </a:solidFill>
+              </a:rPr>
+              <a:t>latency</a:t>
+            </a:r>
+            <a:endParaRPr dirty="0">
+              <a:solidFill>
+                <a:schemeClr val="accent1">
+                  <a:lumMod val="60000"/>
+                  <a:lumOff val="40000"/>
+                </a:schemeClr>
+              </a:solidFill>
+            </a:endParaRPr>
           </a:p>
           <a:p>
             <a:pPr marL="0" lvl="0" indent="0" algn="l" rtl="0">
@@ -43418,8 +46297,8 @@
         </p:blipFill>
         <p:spPr>
           <a:xfrm>
-            <a:off x="6870875" y="1675739"/>
-            <a:ext cx="4665600" cy="3506400"/>
+            <a:off x="6862058" y="1578648"/>
+            <a:ext cx="4844925" cy="3612953"/>
           </a:xfrm>
           <a:prstGeom prst="roundRect">
             <a:avLst>
@@ -43879,7 +46758,7 @@
             </a:r>
             <a:r>
               <a:rPr lang="en" sz="5700" dirty="0"/>
-              <a:t>ing </a:t>
+              <a:t>ING </a:t>
             </a:r>
             <a:r>
               <a:rPr lang="en" sz="7700" dirty="0">
@@ -43887,7 +46766,7 @@
                   <a:schemeClr val="accent2"/>
                 </a:solidFill>
               </a:rPr>
-              <a:t>timings.</a:t>
+              <a:t>LATENCY.</a:t>
             </a:r>
             <a:endParaRPr sz="7700" dirty="0">
               <a:solidFill>
@@ -43945,7 +46824,93 @@
             </a:pPr>
             <a:r>
               <a:rPr lang="it-IT" dirty="0"/>
-              <a:t>text</a:t>
+              <a:t>The overall </a:t>
+            </a:r>
+            <a:r>
+              <a:rPr lang="it-IT" dirty="0">
+                <a:solidFill>
+                  <a:schemeClr val="accent1">
+                    <a:lumMod val="60000"/>
+                    <a:lumOff val="40000"/>
+                  </a:schemeClr>
+                </a:solidFill>
+              </a:rPr>
+              <a:t>system </a:t>
+            </a:r>
+            <a:r>
+              <a:rPr lang="it-IT" dirty="0" err="1">
+                <a:solidFill>
+                  <a:schemeClr val="accent1">
+                    <a:lumMod val="60000"/>
+                    <a:lumOff val="40000"/>
+                  </a:schemeClr>
+                </a:solidFill>
+              </a:rPr>
+              <a:t>latency</a:t>
+            </a:r>
+            <a:r>
+              <a:rPr lang="it-IT" dirty="0"/>
+              <a:t> </a:t>
+            </a:r>
+            <a:r>
+              <a:rPr lang="it-IT" dirty="0" err="1"/>
+              <a:t>isn’t</a:t>
+            </a:r>
+            <a:r>
+              <a:rPr lang="it-IT" dirty="0"/>
+              <a:t> </a:t>
+            </a:r>
+            <a:r>
+              <a:rPr lang="it-IT" dirty="0" err="1"/>
+              <a:t>impacted</a:t>
+            </a:r>
+            <a:r>
+              <a:rPr lang="it-IT" dirty="0"/>
+              <a:t> </a:t>
+            </a:r>
+            <a:r>
+              <a:rPr lang="it-IT" dirty="0" err="1"/>
+              <a:t>as</a:t>
+            </a:r>
+            <a:r>
+              <a:rPr lang="it-IT" dirty="0"/>
+              <a:t> </a:t>
+            </a:r>
+            <a:r>
+              <a:rPr lang="it-IT" dirty="0" err="1"/>
+              <a:t>much</a:t>
+            </a:r>
+            <a:r>
+              <a:rPr lang="it-IT" dirty="0"/>
+              <a:t> </a:t>
+            </a:r>
+            <a:r>
+              <a:rPr lang="it-IT" dirty="0" err="1"/>
+              <a:t>as</a:t>
+            </a:r>
+            <a:r>
+              <a:rPr lang="it-IT" dirty="0"/>
+              <a:t> the </a:t>
+            </a:r>
+            <a:r>
+              <a:rPr lang="it-IT" dirty="0">
+                <a:solidFill>
+                  <a:schemeClr val="accent3"/>
+                </a:solidFill>
+              </a:rPr>
+              <a:t>DNS </a:t>
+            </a:r>
+            <a:r>
+              <a:rPr lang="it-IT" dirty="0" err="1">
+                <a:solidFill>
+                  <a:schemeClr val="accent3"/>
+                </a:solidFill>
+              </a:rPr>
+              <a:t>reqeusts</a:t>
+            </a:r>
+            <a:r>
+              <a:rPr lang="it-IT" dirty="0"/>
+              <a:t>.</a:t>
             </a:r>
             <a:endParaRPr dirty="0"/>
           </a:p>
@@ -43976,8 +46941,8 @@
         </p:blipFill>
         <p:spPr>
           <a:xfrm>
-            <a:off x="6870875" y="1675739"/>
-            <a:ext cx="4665600" cy="3506400"/>
+            <a:off x="6870874" y="1569308"/>
+            <a:ext cx="4818617" cy="3612831"/>
           </a:xfrm>
           <a:prstGeom prst="roundRect">
             <a:avLst>
@@ -44375,18 +47340,26 @@
               <a:buNone/>
             </a:pPr>
             <a:r>
-              <a:rPr lang="en"/>
-              <a:t>SOME FACTS ABOUT MY </a:t>
-            </a:r>
-            <a:r>
-              <a:rPr lang="en" sz="6000">
+              <a:rPr lang="en" dirty="0"/>
+              <a:t>EFFECTS ON </a:t>
+            </a:r>
+            <a:r>
+              <a:rPr lang="en" sz="5400" dirty="0">
                 <a:solidFill>
                   <a:schemeClr val="accent2"/>
                 </a:solidFill>
               </a:rPr>
-              <a:t>CATS.</a:t>
-            </a:r>
-            <a:endParaRPr sz="6000">
+              <a:t>SYSTEM RESOURCES</a:t>
+            </a:r>
+            <a:r>
+              <a:rPr lang="en" sz="6000" dirty="0">
+                <a:solidFill>
+                  <a:schemeClr val="accent2"/>
+                </a:solidFill>
+              </a:rPr>
+              <a:t>.</a:t>
+            </a:r>
+            <a:endParaRPr sz="6000" dirty="0">
               <a:solidFill>
                 <a:schemeClr val="accent2"/>
               </a:solidFill>
@@ -44430,7 +47403,7 @@
             </a:pPr>
             <a:r>
               <a:rPr lang="en" dirty="0"/>
-              <a:t>text</a:t>
+              <a:t>There were no noticeable effects on CPU usage</a:t>
             </a:r>
             <a:endParaRPr dirty="0"/>
           </a:p>
@@ -44490,8 +47463,8 @@
         </p:nvSpPr>
         <p:spPr>
           <a:xfrm>
-            <a:off x="8481454" y="2922350"/>
-            <a:ext cx="2948400" cy="1188600"/>
+            <a:off x="8308450" y="2725704"/>
+            <a:ext cx="3479895" cy="1188600"/>
           </a:xfrm>
           <a:prstGeom prst="rect">
             <a:avLst/>
@@ -44513,10 +47486,10 @@
               <a:buNone/>
             </a:pPr>
             <a:r>
-              <a:rPr lang="en" sz="4000" dirty="0"/>
-              <a:t>memory</a:t>
-            </a:r>
-            <a:endParaRPr dirty="0"/>
+              <a:rPr lang="en" sz="5400" dirty="0"/>
+              <a:t>MEMORY</a:t>
+            </a:r>
+            <a:endParaRPr sz="8800" dirty="0"/>
           </a:p>
         </p:txBody>
       </p:sp>
@@ -44556,7 +47529,7 @@
             </a:pPr>
             <a:r>
               <a:rPr lang="en" dirty="0"/>
-              <a:t>text</a:t>
+              <a:t>Memory is unaffected too</a:t>
             </a:r>
             <a:endParaRPr dirty="0"/>
           </a:p>
@@ -44576,7 +47549,7 @@
         </p:nvPicPr>
         <p:blipFill>
           <a:blip r:embed="rId3"/>
-          <a:srcRect l="103" r="103"/>
+          <a:srcRect t="1811" b="1811"/>
           <a:stretch/>
         </p:blipFill>
         <p:spPr>
@@ -44611,6 +47584,482 @@
 </file>
 
 <file path=ppt/slides/slide27.xml><?xml version="1.0" encoding="utf-8"?>
+<p:sld xmlns:a="http://schemas.openxmlformats.org/drawingml/2006/main" xmlns:r="http://schemas.openxmlformats.org/officeDocument/2006/relationships" xmlns:p="http://schemas.openxmlformats.org/presentationml/2006/main">
+  <p:cSld>
+    <p:spTree>
+      <p:nvGrpSpPr>
+        <p:cNvPr id="1" name="Shape 392"/>
+        <p:cNvGrpSpPr/>
+        <p:nvPr/>
+      </p:nvGrpSpPr>
+      <p:grpSpPr>
+        <a:xfrm>
+          <a:off x="0" y="0"/>
+          <a:ext cx="0" cy="0"/>
+          <a:chOff x="0" y="0"/>
+          <a:chExt cx="0" cy="0"/>
+        </a:xfrm>
+      </p:grpSpPr>
+      <p:pic>
+        <p:nvPicPr>
+          <p:cNvPr id="2" name="Google Shape;483;p33">
+            <a:extLst>
+              <a:ext uri="{FF2B5EF4-FFF2-40B4-BE49-F238E27FC236}">
+                <a16:creationId xmlns:a16="http://schemas.microsoft.com/office/drawing/2014/main" id="{72F129D8-C805-0C7B-63CD-7938052E80FE}"/>
+              </a:ext>
+            </a:extLst>
+          </p:cNvPr>
+          <p:cNvPicPr preferRelativeResize="0"/>
+          <p:nvPr/>
+        </p:nvPicPr>
+        <p:blipFill rotWithShape="1">
+          <a:blip r:embed="rId3"/>
+          <a:srcRect l="-387" t="8876" r="387" b="9885"/>
+          <a:stretch/>
+        </p:blipFill>
+        <p:spPr>
+          <a:xfrm>
+            <a:off x="4560211" y="2123997"/>
+            <a:ext cx="3192657" cy="1990135"/>
+          </a:xfrm>
+          <a:prstGeom prst="roundRect">
+            <a:avLst>
+              <a:gd name="adj" fmla="val 4729"/>
+            </a:avLst>
+          </a:prstGeom>
+          <a:noFill/>
+          <a:ln>
+            <a:noFill/>
+          </a:ln>
+          <a:effectLst>
+            <a:outerShdw blurRad="63500" sx="102000" sy="102000" algn="ctr" rotWithShape="0">
+              <a:srgbClr val="000000">
+                <a:alpha val="9800"/>
+              </a:srgbClr>
+            </a:outerShdw>
+          </a:effectLst>
+        </p:spPr>
+      </p:pic>
+      <p:sp>
+        <p:nvSpPr>
+          <p:cNvPr id="394" name="Google Shape;394;p24"/>
+          <p:cNvSpPr txBox="1">
+            <a:spLocks noGrp="1"/>
+          </p:cNvSpPr>
+          <p:nvPr>
+            <p:ph type="title"/>
+          </p:nvPr>
+        </p:nvSpPr>
+        <p:spPr>
+          <a:xfrm>
+            <a:off x="490775" y="523275"/>
+            <a:ext cx="11210400" cy="763500"/>
+          </a:xfrm>
+          <a:prstGeom prst="rect">
+            <a:avLst/>
+          </a:prstGeom>
+        </p:spPr>
+        <p:txBody>
+          <a:bodyPr spcFirstLastPara="1" wrap="square" lIns="121900" tIns="121900" rIns="121900" bIns="121900" anchor="t" anchorCtr="0">
+            <a:noAutofit/>
+          </a:bodyPr>
+          <a:lstStyle/>
+          <a:p>
+            <a:pPr marL="0" lvl="0" indent="0" algn="l" rtl="0">
+              <a:spcBef>
+                <a:spcPts val="0"/>
+              </a:spcBef>
+              <a:spcAft>
+                <a:spcPts val="0"/>
+              </a:spcAft>
+              <a:buNone/>
+            </a:pPr>
+            <a:r>
+              <a:rPr lang="en" dirty="0"/>
+              <a:t>PERFORMANCE OF THE SERVER: </a:t>
+            </a:r>
+            <a:r>
+              <a:rPr lang="en" sz="6000" dirty="0">
+                <a:solidFill>
+                  <a:schemeClr val="accent2"/>
+                </a:solidFill>
+              </a:rPr>
+              <a:t>CPU.</a:t>
+            </a:r>
+            <a:endParaRPr sz="6000" dirty="0">
+              <a:solidFill>
+                <a:schemeClr val="accent2"/>
+              </a:solidFill>
+            </a:endParaRPr>
+          </a:p>
+        </p:txBody>
+      </p:sp>
+      <p:sp>
+        <p:nvSpPr>
+          <p:cNvPr id="395" name="Google Shape;395;p24"/>
+          <p:cNvSpPr txBox="1">
+            <a:spLocks noGrp="1"/>
+          </p:cNvSpPr>
+          <p:nvPr>
+            <p:ph type="body" idx="1"/>
+          </p:nvPr>
+        </p:nvSpPr>
+        <p:spPr>
+          <a:xfrm>
+            <a:off x="575950" y="2437574"/>
+            <a:ext cx="3294600" cy="1206300"/>
+          </a:xfrm>
+          <a:prstGeom prst="rect">
+            <a:avLst/>
+          </a:prstGeom>
+        </p:spPr>
+        <p:txBody>
+          <a:bodyPr spcFirstLastPara="1" wrap="square" lIns="121900" tIns="121900" rIns="121900" bIns="121900" anchor="ctr" anchorCtr="0">
+            <a:noAutofit/>
+          </a:bodyPr>
+          <a:lstStyle/>
+          <a:p>
+            <a:pPr marL="0" lvl="0" indent="0" algn="l" rtl="0">
+              <a:spcBef>
+                <a:spcPts val="0"/>
+              </a:spcBef>
+              <a:spcAft>
+                <a:spcPts val="2100"/>
+              </a:spcAft>
+              <a:buNone/>
+            </a:pPr>
+            <a:r>
+              <a:rPr lang="en" dirty="0"/>
+              <a:t>The impact is quite </a:t>
+            </a:r>
+            <a:r>
+              <a:rPr lang="en" dirty="0">
+                <a:solidFill>
+                  <a:schemeClr val="accent3"/>
+                </a:solidFill>
+              </a:rPr>
+              <a:t>small</a:t>
+            </a:r>
+            <a:r>
+              <a:rPr lang="en" dirty="0"/>
+              <a:t>, around </a:t>
+            </a:r>
+            <a:r>
+              <a:rPr lang="en" dirty="0">
+                <a:solidFill>
+                  <a:schemeClr val="accent1"/>
+                </a:solidFill>
+              </a:rPr>
+              <a:t>2%</a:t>
+            </a:r>
+            <a:endParaRPr dirty="0">
+              <a:solidFill>
+                <a:schemeClr val="accent1"/>
+              </a:solidFill>
+            </a:endParaRPr>
+          </a:p>
+        </p:txBody>
+      </p:sp>
+      <p:sp>
+        <p:nvSpPr>
+          <p:cNvPr id="397" name="Google Shape;397;p24"/>
+          <p:cNvSpPr txBox="1">
+            <a:spLocks noGrp="1"/>
+          </p:cNvSpPr>
+          <p:nvPr>
+            <p:ph type="body" idx="3"/>
+          </p:nvPr>
+        </p:nvSpPr>
+        <p:spPr>
+          <a:xfrm>
+            <a:off x="575950" y="4783425"/>
+            <a:ext cx="3294600" cy="1206300"/>
+          </a:xfrm>
+          <a:prstGeom prst="rect">
+            <a:avLst/>
+          </a:prstGeom>
+        </p:spPr>
+        <p:txBody>
+          <a:bodyPr spcFirstLastPara="1" wrap="square" lIns="121900" tIns="121900" rIns="121900" bIns="121900" anchor="ctr" anchorCtr="0">
+            <a:noAutofit/>
+          </a:bodyPr>
+          <a:lstStyle/>
+          <a:p>
+            <a:pPr marL="0" lvl="0" indent="0" algn="l" rtl="0">
+              <a:spcBef>
+                <a:spcPts val="0"/>
+              </a:spcBef>
+              <a:spcAft>
+                <a:spcPts val="2100"/>
+              </a:spcAft>
+              <a:buNone/>
+            </a:pPr>
+            <a:r>
+              <a:rPr lang="en" dirty="0"/>
+              <a:t>The impact is more </a:t>
+            </a:r>
+            <a:r>
+              <a:rPr lang="en" dirty="0">
+                <a:solidFill>
+                  <a:schemeClr val="accent3"/>
+                </a:solidFill>
+              </a:rPr>
+              <a:t>noticeable</a:t>
+            </a:r>
+            <a:r>
+              <a:rPr lang="en" dirty="0"/>
+              <a:t>, but still just around </a:t>
+            </a:r>
+            <a:r>
+              <a:rPr lang="en" dirty="0">
+                <a:solidFill>
+                  <a:schemeClr val="accent1"/>
+                </a:solidFill>
+              </a:rPr>
+              <a:t>4%</a:t>
+            </a:r>
+            <a:endParaRPr dirty="0">
+              <a:solidFill>
+                <a:schemeClr val="accent1"/>
+              </a:solidFill>
+            </a:endParaRPr>
+          </a:p>
+        </p:txBody>
+      </p:sp>
+      <p:sp>
+        <p:nvSpPr>
+          <p:cNvPr id="399" name="Google Shape;399;p24"/>
+          <p:cNvSpPr txBox="1">
+            <a:spLocks noGrp="1"/>
+          </p:cNvSpPr>
+          <p:nvPr>
+            <p:ph type="title" idx="5"/>
+          </p:nvPr>
+        </p:nvSpPr>
+        <p:spPr>
+          <a:xfrm>
+            <a:off x="1807075" y="1818000"/>
+            <a:ext cx="2166900" cy="695700"/>
+          </a:xfrm>
+          <a:prstGeom prst="rect">
+            <a:avLst/>
+          </a:prstGeom>
+        </p:spPr>
+        <p:txBody>
+          <a:bodyPr spcFirstLastPara="1" wrap="square" lIns="121900" tIns="121900" rIns="121900" bIns="121900" anchor="t" anchorCtr="0">
+            <a:noAutofit/>
+          </a:bodyPr>
+          <a:lstStyle/>
+          <a:p>
+            <a:pPr marL="0" lvl="0" indent="0" algn="r" rtl="0">
+              <a:spcBef>
+                <a:spcPts val="0"/>
+              </a:spcBef>
+              <a:spcAft>
+                <a:spcPts val="0"/>
+              </a:spcAft>
+              <a:buNone/>
+            </a:pPr>
+            <a:r>
+              <a:rPr lang="en" dirty="0">
+                <a:solidFill>
+                  <a:schemeClr val="accent1"/>
+                </a:solidFill>
+              </a:rPr>
+              <a:t>Type A</a:t>
+            </a:r>
+            <a:endParaRPr dirty="0">
+              <a:solidFill>
+                <a:schemeClr val="accent1"/>
+              </a:solidFill>
+            </a:endParaRPr>
+          </a:p>
+        </p:txBody>
+      </p:sp>
+      <p:sp>
+        <p:nvSpPr>
+          <p:cNvPr id="404" name="Google Shape;404;p24"/>
+          <p:cNvSpPr txBox="1">
+            <a:spLocks noGrp="1"/>
+          </p:cNvSpPr>
+          <p:nvPr>
+            <p:ph type="title" idx="5"/>
+          </p:nvPr>
+        </p:nvSpPr>
+        <p:spPr>
+          <a:xfrm>
+            <a:off x="1807075" y="4180200"/>
+            <a:ext cx="2166900" cy="695700"/>
+          </a:xfrm>
+          <a:prstGeom prst="rect">
+            <a:avLst/>
+          </a:prstGeom>
+        </p:spPr>
+        <p:txBody>
+          <a:bodyPr spcFirstLastPara="1" wrap="square" lIns="121900" tIns="121900" rIns="121900" bIns="121900" anchor="t" anchorCtr="0">
+            <a:noAutofit/>
+          </a:bodyPr>
+          <a:lstStyle/>
+          <a:p>
+            <a:pPr marL="0" lvl="0" indent="0" algn="r" rtl="0">
+              <a:spcBef>
+                <a:spcPts val="0"/>
+              </a:spcBef>
+              <a:spcAft>
+                <a:spcPts val="0"/>
+              </a:spcAft>
+              <a:buNone/>
+            </a:pPr>
+            <a:r>
+              <a:rPr lang="en" dirty="0">
+                <a:solidFill>
+                  <a:schemeClr val="accent1"/>
+                </a:solidFill>
+              </a:rPr>
+              <a:t>Type ANY</a:t>
+            </a:r>
+            <a:endParaRPr dirty="0">
+              <a:solidFill>
+                <a:schemeClr val="accent1"/>
+              </a:solidFill>
+            </a:endParaRPr>
+          </a:p>
+        </p:txBody>
+      </p:sp>
+      <p:pic>
+        <p:nvPicPr>
+          <p:cNvPr id="11" name="Google Shape;483;p33">
+            <a:extLst>
+              <a:ext uri="{FF2B5EF4-FFF2-40B4-BE49-F238E27FC236}">
+                <a16:creationId xmlns:a16="http://schemas.microsoft.com/office/drawing/2014/main" id="{ABDDA37C-6FA3-9484-41CC-1B0729B73D16}"/>
+              </a:ext>
+            </a:extLst>
+          </p:cNvPr>
+          <p:cNvPicPr preferRelativeResize="0"/>
+          <p:nvPr/>
+        </p:nvPicPr>
+        <p:blipFill rotWithShape="1">
+          <a:blip r:embed="rId4"/>
+          <a:srcRect l="-115" t="17015" r="115" b="1179"/>
+          <a:stretch/>
+        </p:blipFill>
+        <p:spPr>
+          <a:xfrm>
+            <a:off x="8394688" y="4490980"/>
+            <a:ext cx="3192657" cy="1990135"/>
+          </a:xfrm>
+          <a:prstGeom prst="roundRect">
+            <a:avLst>
+              <a:gd name="adj" fmla="val 4729"/>
+            </a:avLst>
+          </a:prstGeom>
+          <a:noFill/>
+          <a:ln>
+            <a:noFill/>
+          </a:ln>
+          <a:effectLst>
+            <a:outerShdw blurRad="63500" sx="102000" sy="102000" algn="ctr" rotWithShape="0">
+              <a:srgbClr val="000000">
+                <a:alpha val="9800"/>
+              </a:srgbClr>
+            </a:outerShdw>
+          </a:effectLst>
+        </p:spPr>
+      </p:pic>
+      <p:pic>
+        <p:nvPicPr>
+          <p:cNvPr id="12" name="Google Shape;483;p33">
+            <a:extLst>
+              <a:ext uri="{FF2B5EF4-FFF2-40B4-BE49-F238E27FC236}">
+                <a16:creationId xmlns:a16="http://schemas.microsoft.com/office/drawing/2014/main" id="{D82EEBAD-B898-EEEC-1D72-AF37C581881C}"/>
+              </a:ext>
+            </a:extLst>
+          </p:cNvPr>
+          <p:cNvPicPr preferRelativeResize="0"/>
+          <p:nvPr/>
+        </p:nvPicPr>
+        <p:blipFill rotWithShape="1">
+          <a:blip r:embed="rId5"/>
+          <a:srcRect t="8372" b="10390"/>
+          <a:stretch/>
+        </p:blipFill>
+        <p:spPr>
+          <a:xfrm>
+            <a:off x="4572567" y="4465767"/>
+            <a:ext cx="3192657" cy="1990135"/>
+          </a:xfrm>
+          <a:prstGeom prst="roundRect">
+            <a:avLst>
+              <a:gd name="adj" fmla="val 4729"/>
+            </a:avLst>
+          </a:prstGeom>
+          <a:noFill/>
+          <a:ln>
+            <a:noFill/>
+          </a:ln>
+          <a:effectLst>
+            <a:outerShdw blurRad="63500" sx="102000" sy="102000" algn="ctr" rotWithShape="0">
+              <a:srgbClr val="000000">
+                <a:alpha val="9800"/>
+              </a:srgbClr>
+            </a:outerShdw>
+          </a:effectLst>
+        </p:spPr>
+      </p:pic>
+      <p:pic>
+        <p:nvPicPr>
+          <p:cNvPr id="13" name="Google Shape;483;p33">
+            <a:extLst>
+              <a:ext uri="{FF2B5EF4-FFF2-40B4-BE49-F238E27FC236}">
+                <a16:creationId xmlns:a16="http://schemas.microsoft.com/office/drawing/2014/main" id="{C3C27BF9-8BA5-8E93-A42B-86600556BFD3}"/>
+              </a:ext>
+            </a:extLst>
+          </p:cNvPr>
+          <p:cNvPicPr preferRelativeResize="0"/>
+          <p:nvPr/>
+        </p:nvPicPr>
+        <p:blipFill rotWithShape="1">
+          <a:blip r:embed="rId6"/>
+          <a:srcRect l="581" t="16670" r="-581" b="1524"/>
+          <a:stretch/>
+        </p:blipFill>
+        <p:spPr>
+          <a:xfrm>
+            <a:off x="8413244" y="2086927"/>
+            <a:ext cx="3192657" cy="1990135"/>
+          </a:xfrm>
+          <a:prstGeom prst="roundRect">
+            <a:avLst>
+              <a:gd name="adj" fmla="val 4729"/>
+            </a:avLst>
+          </a:prstGeom>
+          <a:noFill/>
+          <a:ln>
+            <a:noFill/>
+          </a:ln>
+          <a:effectLst>
+            <a:outerShdw blurRad="63500" sx="102000" sy="102000" algn="ctr" rotWithShape="0">
+              <a:srgbClr val="000000">
+                <a:alpha val="9800"/>
+              </a:srgbClr>
+            </a:outerShdw>
+          </a:effectLst>
+        </p:spPr>
+      </p:pic>
+    </p:spTree>
+    <p:extLst>
+      <p:ext uri="{BB962C8B-B14F-4D97-AF65-F5344CB8AC3E}">
+        <p14:creationId xmlns:p14="http://schemas.microsoft.com/office/powerpoint/2010/main" val="3783838841"/>
+      </p:ext>
+    </p:extLst>
+  </p:cSld>
+  <p:clrMapOvr>
+    <a:masterClrMapping/>
+  </p:clrMapOvr>
+</p:sld>
+</file>
+
+<file path=ppt/slides/slide28.xml><?xml version="1.0" encoding="utf-8"?>
 <p:sld xmlns:a="http://schemas.openxmlformats.org/drawingml/2006/main" xmlns:r="http://schemas.openxmlformats.org/officeDocument/2006/relationships" xmlns:p="http://schemas.openxmlformats.org/presentationml/2006/main">
   <p:cSld>
     <p:spTree>
@@ -44720,7 +48169,7 @@
             </a:pPr>
             <a:r>
               <a:rPr lang="en" sz="4800" dirty="0"/>
-              <a:t>BEHAVIOR OF THE SERVER</a:t>
+              <a:t>SERVER </a:t>
             </a:r>
             <a:r>
               <a:rPr lang="en" sz="6600" dirty="0">
@@ -44786,7 +48235,75 @@
             </a:pPr>
             <a:r>
               <a:rPr lang="it-IT" dirty="0"/>
-              <a:t>text</a:t>
+              <a:t>The </a:t>
+            </a:r>
+            <a:r>
+              <a:rPr lang="it-IT" dirty="0" err="1">
+                <a:solidFill>
+                  <a:schemeClr val="accent3"/>
+                </a:solidFill>
+              </a:rPr>
+              <a:t>memory</a:t>
+            </a:r>
+            <a:r>
+              <a:rPr lang="it-IT" dirty="0">
+                <a:solidFill>
+                  <a:schemeClr val="accent3"/>
+                </a:solidFill>
+              </a:rPr>
+              <a:t> </a:t>
+            </a:r>
+            <a:r>
+              <a:rPr lang="it-IT" dirty="0" err="1">
+                <a:solidFill>
+                  <a:schemeClr val="accent3"/>
+                </a:solidFill>
+              </a:rPr>
+              <a:t>cleaning</a:t>
+            </a:r>
+            <a:r>
+              <a:rPr lang="it-IT" dirty="0"/>
+              <a:t> </a:t>
+            </a:r>
+            <a:r>
+              <a:rPr lang="it-IT" dirty="0" err="1"/>
+              <a:t>mechanisms</a:t>
+            </a:r>
+            <a:r>
+              <a:rPr lang="it-IT" dirty="0"/>
+              <a:t> </a:t>
+            </a:r>
+            <a:r>
+              <a:rPr lang="it-IT" dirty="0" err="1"/>
+              <a:t>allow</a:t>
+            </a:r>
+            <a:r>
+              <a:rPr lang="it-IT" dirty="0"/>
+              <a:t> the server to be </a:t>
+            </a:r>
+            <a:r>
+              <a:rPr lang="it-IT" dirty="0" err="1"/>
+              <a:t>basically</a:t>
+            </a:r>
+            <a:r>
+              <a:rPr lang="it-IT" dirty="0"/>
+              <a:t> </a:t>
+            </a:r>
+            <a:r>
+              <a:rPr lang="it-IT" dirty="0" err="1">
+                <a:solidFill>
+                  <a:schemeClr val="accent1"/>
+                </a:solidFill>
+              </a:rPr>
+              <a:t>unaffected</a:t>
+            </a:r>
+            <a:r>
+              <a:rPr lang="it-IT" dirty="0"/>
+              <a:t> by the </a:t>
+            </a:r>
+            <a:r>
+              <a:rPr lang="it-IT" dirty="0" err="1"/>
+              <a:t>attack</a:t>
             </a:r>
             <a:endParaRPr dirty="0"/>
           </a:p>
@@ -44817,8 +48334,8 @@
         </p:blipFill>
         <p:spPr>
           <a:xfrm>
-            <a:off x="6870875" y="1675739"/>
-            <a:ext cx="4665600" cy="3506400"/>
+            <a:off x="6806037" y="1622524"/>
+            <a:ext cx="4942184" cy="3761234"/>
           </a:xfrm>
           <a:prstGeom prst="roundRect">
             <a:avLst>
@@ -45164,434 +48681,6 @@
 </p:sld>
 </file>
 
-<file path=ppt/slides/slide28.xml><?xml version="1.0" encoding="utf-8"?>
-<p:sld xmlns:a="http://schemas.openxmlformats.org/drawingml/2006/main" xmlns:r="http://schemas.openxmlformats.org/officeDocument/2006/relationships" xmlns:p="http://schemas.openxmlformats.org/presentationml/2006/main">
-  <p:cSld>
-    <p:spTree>
-      <p:nvGrpSpPr>
-        <p:cNvPr id="1" name="Shape 392"/>
-        <p:cNvGrpSpPr/>
-        <p:nvPr/>
-      </p:nvGrpSpPr>
-      <p:grpSpPr>
-        <a:xfrm>
-          <a:off x="0" y="0"/>
-          <a:ext cx="0" cy="0"/>
-          <a:chOff x="0" y="0"/>
-          <a:chExt cx="0" cy="0"/>
-        </a:xfrm>
-      </p:grpSpPr>
-      <p:pic>
-        <p:nvPicPr>
-          <p:cNvPr id="2" name="Google Shape;483;p33">
-            <a:extLst>
-              <a:ext uri="{FF2B5EF4-FFF2-40B4-BE49-F238E27FC236}">
-                <a16:creationId xmlns:a16="http://schemas.microsoft.com/office/drawing/2014/main" id="{72F129D8-C805-0C7B-63CD-7938052E80FE}"/>
-              </a:ext>
-            </a:extLst>
-          </p:cNvPr>
-          <p:cNvPicPr preferRelativeResize="0"/>
-          <p:nvPr/>
-        </p:nvPicPr>
-        <p:blipFill>
-          <a:blip r:embed="rId3"/>
-          <a:srcRect l="103" r="103"/>
-          <a:stretch/>
-        </p:blipFill>
-        <p:spPr>
-          <a:xfrm>
-            <a:off x="4560211" y="2123997"/>
-            <a:ext cx="3192657" cy="1990135"/>
-          </a:xfrm>
-          <a:prstGeom prst="roundRect">
-            <a:avLst>
-              <a:gd name="adj" fmla="val 4729"/>
-            </a:avLst>
-          </a:prstGeom>
-          <a:noFill/>
-          <a:ln>
-            <a:noFill/>
-          </a:ln>
-          <a:effectLst>
-            <a:outerShdw blurRad="63500" sx="102000" sy="102000" algn="ctr" rotWithShape="0">
-              <a:srgbClr val="000000">
-                <a:alpha val="9800"/>
-              </a:srgbClr>
-            </a:outerShdw>
-          </a:effectLst>
-        </p:spPr>
-      </p:pic>
-      <p:sp>
-        <p:nvSpPr>
-          <p:cNvPr id="394" name="Google Shape;394;p24"/>
-          <p:cNvSpPr txBox="1">
-            <a:spLocks noGrp="1"/>
-          </p:cNvSpPr>
-          <p:nvPr>
-            <p:ph type="title"/>
-          </p:nvPr>
-        </p:nvSpPr>
-        <p:spPr>
-          <a:xfrm>
-            <a:off x="490775" y="523275"/>
-            <a:ext cx="11210400" cy="763500"/>
-          </a:xfrm>
-          <a:prstGeom prst="rect">
-            <a:avLst/>
-          </a:prstGeom>
-        </p:spPr>
-        <p:txBody>
-          <a:bodyPr spcFirstLastPara="1" wrap="square" lIns="121900" tIns="121900" rIns="121900" bIns="121900" anchor="t" anchorCtr="0">
-            <a:noAutofit/>
-          </a:bodyPr>
-          <a:lstStyle/>
-          <a:p>
-            <a:pPr marL="0" lvl="0" indent="0" algn="l" rtl="0">
-              <a:spcBef>
-                <a:spcPts val="0"/>
-              </a:spcBef>
-              <a:spcAft>
-                <a:spcPts val="0"/>
-              </a:spcAft>
-              <a:buNone/>
-            </a:pPr>
-            <a:r>
-              <a:rPr lang="en" dirty="0"/>
-              <a:t>PERFORMANCE OF THE SERVER </a:t>
-            </a:r>
-            <a:r>
-              <a:rPr lang="en" sz="6000" dirty="0">
-                <a:solidFill>
-                  <a:schemeClr val="accent2"/>
-                </a:solidFill>
-              </a:rPr>
-              <a:t>CPU.</a:t>
-            </a:r>
-            <a:endParaRPr sz="6000" dirty="0">
-              <a:solidFill>
-                <a:schemeClr val="accent2"/>
-              </a:solidFill>
-            </a:endParaRPr>
-          </a:p>
-        </p:txBody>
-      </p:sp>
-      <p:sp>
-        <p:nvSpPr>
-          <p:cNvPr id="395" name="Google Shape;395;p24"/>
-          <p:cNvSpPr txBox="1">
-            <a:spLocks noGrp="1"/>
-          </p:cNvSpPr>
-          <p:nvPr>
-            <p:ph type="body" idx="1"/>
-          </p:nvPr>
-        </p:nvSpPr>
-        <p:spPr>
-          <a:xfrm>
-            <a:off x="575950" y="2437574"/>
-            <a:ext cx="3294600" cy="1206300"/>
-          </a:xfrm>
-          <a:prstGeom prst="rect">
-            <a:avLst/>
-          </a:prstGeom>
-        </p:spPr>
-        <p:txBody>
-          <a:bodyPr spcFirstLastPara="1" wrap="square" lIns="121900" tIns="121900" rIns="121900" bIns="121900" anchor="ctr" anchorCtr="0">
-            <a:noAutofit/>
-          </a:bodyPr>
-          <a:lstStyle/>
-          <a:p>
-            <a:pPr marL="0" lvl="0" indent="0" algn="l" rtl="0">
-              <a:spcBef>
-                <a:spcPts val="0"/>
-              </a:spcBef>
-              <a:spcAft>
-                <a:spcPts val="2100"/>
-              </a:spcAft>
-              <a:buNone/>
-            </a:pPr>
-            <a:r>
-              <a:rPr lang="en" dirty="0"/>
-              <a:t>text</a:t>
-            </a:r>
-            <a:endParaRPr dirty="0"/>
-          </a:p>
-        </p:txBody>
-      </p:sp>
-      <p:sp>
-        <p:nvSpPr>
-          <p:cNvPr id="397" name="Google Shape;397;p24"/>
-          <p:cNvSpPr txBox="1">
-            <a:spLocks noGrp="1"/>
-          </p:cNvSpPr>
-          <p:nvPr>
-            <p:ph type="body" idx="3"/>
-          </p:nvPr>
-        </p:nvSpPr>
-        <p:spPr>
-          <a:xfrm>
-            <a:off x="575950" y="4783425"/>
-            <a:ext cx="3294600" cy="1206300"/>
-          </a:xfrm>
-          <a:prstGeom prst="rect">
-            <a:avLst/>
-          </a:prstGeom>
-        </p:spPr>
-        <p:txBody>
-          <a:bodyPr spcFirstLastPara="1" wrap="square" lIns="121900" tIns="121900" rIns="121900" bIns="121900" anchor="ctr" anchorCtr="0">
-            <a:noAutofit/>
-          </a:bodyPr>
-          <a:lstStyle/>
-          <a:p>
-            <a:pPr marL="0" lvl="0" indent="0" algn="l" rtl="0">
-              <a:spcBef>
-                <a:spcPts val="0"/>
-              </a:spcBef>
-              <a:spcAft>
-                <a:spcPts val="2100"/>
-              </a:spcAft>
-              <a:buNone/>
-            </a:pPr>
-            <a:r>
-              <a:rPr lang="en" dirty="0"/>
-              <a:t>text</a:t>
-            </a:r>
-            <a:endParaRPr dirty="0"/>
-          </a:p>
-        </p:txBody>
-      </p:sp>
-      <p:sp>
-        <p:nvSpPr>
-          <p:cNvPr id="399" name="Google Shape;399;p24"/>
-          <p:cNvSpPr txBox="1">
-            <a:spLocks noGrp="1"/>
-          </p:cNvSpPr>
-          <p:nvPr>
-            <p:ph type="title" idx="5"/>
-          </p:nvPr>
-        </p:nvSpPr>
-        <p:spPr>
-          <a:xfrm>
-            <a:off x="1807075" y="1818000"/>
-            <a:ext cx="2166900" cy="695700"/>
-          </a:xfrm>
-          <a:prstGeom prst="rect">
-            <a:avLst/>
-          </a:prstGeom>
-        </p:spPr>
-        <p:txBody>
-          <a:bodyPr spcFirstLastPara="1" wrap="square" lIns="121900" tIns="121900" rIns="121900" bIns="121900" anchor="t" anchorCtr="0">
-            <a:noAutofit/>
-          </a:bodyPr>
-          <a:lstStyle/>
-          <a:p>
-            <a:pPr marL="0" lvl="0" indent="0" algn="r" rtl="0">
-              <a:spcBef>
-                <a:spcPts val="0"/>
-              </a:spcBef>
-              <a:spcAft>
-                <a:spcPts val="0"/>
-              </a:spcAft>
-              <a:buNone/>
-            </a:pPr>
-            <a:r>
-              <a:rPr lang="en" dirty="0">
-                <a:solidFill>
-                  <a:schemeClr val="accent1"/>
-                </a:solidFill>
-              </a:rPr>
-              <a:t>Type A</a:t>
-            </a:r>
-            <a:endParaRPr dirty="0">
-              <a:solidFill>
-                <a:schemeClr val="accent1"/>
-              </a:solidFill>
-            </a:endParaRPr>
-          </a:p>
-        </p:txBody>
-      </p:sp>
-      <p:sp>
-        <p:nvSpPr>
-          <p:cNvPr id="404" name="Google Shape;404;p24"/>
-          <p:cNvSpPr txBox="1">
-            <a:spLocks noGrp="1"/>
-          </p:cNvSpPr>
-          <p:nvPr>
-            <p:ph type="title" idx="5"/>
-          </p:nvPr>
-        </p:nvSpPr>
-        <p:spPr>
-          <a:xfrm>
-            <a:off x="1807075" y="4180200"/>
-            <a:ext cx="2166900" cy="695700"/>
-          </a:xfrm>
-          <a:prstGeom prst="rect">
-            <a:avLst/>
-          </a:prstGeom>
-        </p:spPr>
-        <p:txBody>
-          <a:bodyPr spcFirstLastPara="1" wrap="square" lIns="121900" tIns="121900" rIns="121900" bIns="121900" anchor="t" anchorCtr="0">
-            <a:noAutofit/>
-          </a:bodyPr>
-          <a:lstStyle/>
-          <a:p>
-            <a:pPr marL="0" lvl="0" indent="0" algn="r" rtl="0">
-              <a:spcBef>
-                <a:spcPts val="0"/>
-              </a:spcBef>
-              <a:spcAft>
-                <a:spcPts val="0"/>
-              </a:spcAft>
-              <a:buNone/>
-            </a:pPr>
-            <a:r>
-              <a:rPr lang="en" dirty="0">
-                <a:solidFill>
-                  <a:schemeClr val="accent1"/>
-                </a:solidFill>
-              </a:rPr>
-              <a:t>Type ANY</a:t>
-            </a:r>
-            <a:endParaRPr dirty="0">
-              <a:solidFill>
-                <a:schemeClr val="accent1"/>
-              </a:solidFill>
-            </a:endParaRPr>
-          </a:p>
-        </p:txBody>
-      </p:sp>
-      <p:pic>
-        <p:nvPicPr>
-          <p:cNvPr id="11" name="Google Shape;483;p33">
-            <a:extLst>
-              <a:ext uri="{FF2B5EF4-FFF2-40B4-BE49-F238E27FC236}">
-                <a16:creationId xmlns:a16="http://schemas.microsoft.com/office/drawing/2014/main" id="{ABDDA37C-6FA3-9484-41CC-1B0729B73D16}"/>
-              </a:ext>
-            </a:extLst>
-          </p:cNvPr>
-          <p:cNvPicPr preferRelativeResize="0"/>
-          <p:nvPr/>
-        </p:nvPicPr>
-        <p:blipFill>
-          <a:blip r:embed="rId3"/>
-          <a:srcRect l="103" r="103"/>
-          <a:stretch/>
-        </p:blipFill>
-        <p:spPr>
-          <a:xfrm>
-            <a:off x="8394688" y="4490980"/>
-            <a:ext cx="3192657" cy="1990135"/>
-          </a:xfrm>
-          <a:prstGeom prst="roundRect">
-            <a:avLst>
-              <a:gd name="adj" fmla="val 4729"/>
-            </a:avLst>
-          </a:prstGeom>
-          <a:noFill/>
-          <a:ln>
-            <a:noFill/>
-          </a:ln>
-          <a:effectLst>
-            <a:outerShdw blurRad="63500" sx="102000" sy="102000" algn="ctr" rotWithShape="0">
-              <a:srgbClr val="000000">
-                <a:alpha val="9800"/>
-              </a:srgbClr>
-            </a:outerShdw>
-          </a:effectLst>
-        </p:spPr>
-      </p:pic>
-      <p:pic>
-        <p:nvPicPr>
-          <p:cNvPr id="12" name="Google Shape;483;p33">
-            <a:extLst>
-              <a:ext uri="{FF2B5EF4-FFF2-40B4-BE49-F238E27FC236}">
-                <a16:creationId xmlns:a16="http://schemas.microsoft.com/office/drawing/2014/main" id="{D82EEBAD-B898-EEEC-1D72-AF37C581881C}"/>
-              </a:ext>
-            </a:extLst>
-          </p:cNvPr>
-          <p:cNvPicPr preferRelativeResize="0"/>
-          <p:nvPr/>
-        </p:nvPicPr>
-        <p:blipFill>
-          <a:blip r:embed="rId3"/>
-          <a:srcRect l="103" r="103"/>
-          <a:stretch/>
-        </p:blipFill>
-        <p:spPr>
-          <a:xfrm>
-            <a:off x="4572567" y="4465767"/>
-            <a:ext cx="3192657" cy="1990135"/>
-          </a:xfrm>
-          <a:prstGeom prst="roundRect">
-            <a:avLst>
-              <a:gd name="adj" fmla="val 4729"/>
-            </a:avLst>
-          </a:prstGeom>
-          <a:noFill/>
-          <a:ln>
-            <a:noFill/>
-          </a:ln>
-          <a:effectLst>
-            <a:outerShdw blurRad="63500" sx="102000" sy="102000" algn="ctr" rotWithShape="0">
-              <a:srgbClr val="000000">
-                <a:alpha val="9800"/>
-              </a:srgbClr>
-            </a:outerShdw>
-          </a:effectLst>
-        </p:spPr>
-      </p:pic>
-      <p:pic>
-        <p:nvPicPr>
-          <p:cNvPr id="13" name="Google Shape;483;p33">
-            <a:extLst>
-              <a:ext uri="{FF2B5EF4-FFF2-40B4-BE49-F238E27FC236}">
-                <a16:creationId xmlns:a16="http://schemas.microsoft.com/office/drawing/2014/main" id="{C3C27BF9-8BA5-8E93-A42B-86600556BFD3}"/>
-              </a:ext>
-            </a:extLst>
-          </p:cNvPr>
-          <p:cNvPicPr preferRelativeResize="0"/>
-          <p:nvPr/>
-        </p:nvPicPr>
-        <p:blipFill>
-          <a:blip r:embed="rId3"/>
-          <a:srcRect l="103" r="103"/>
-          <a:stretch/>
-        </p:blipFill>
-        <p:spPr>
-          <a:xfrm>
-            <a:off x="8413244" y="2086927"/>
-            <a:ext cx="3192657" cy="1990135"/>
-          </a:xfrm>
-          <a:prstGeom prst="roundRect">
-            <a:avLst>
-              <a:gd name="adj" fmla="val 4729"/>
-            </a:avLst>
-          </a:prstGeom>
-          <a:noFill/>
-          <a:ln>
-            <a:noFill/>
-          </a:ln>
-          <a:effectLst>
-            <a:outerShdw blurRad="63500" sx="102000" sy="102000" algn="ctr" rotWithShape="0">
-              <a:srgbClr val="000000">
-                <a:alpha val="9800"/>
-              </a:srgbClr>
-            </a:outerShdw>
-          </a:effectLst>
-        </p:spPr>
-      </p:pic>
-    </p:spTree>
-    <p:extLst>
-      <p:ext uri="{BB962C8B-B14F-4D97-AF65-F5344CB8AC3E}">
-        <p14:creationId xmlns:p14="http://schemas.microsoft.com/office/powerpoint/2010/main" val="3783838841"/>
-      </p:ext>
-    </p:extLst>
-  </p:cSld>
-  <p:clrMapOvr>
-    <a:masterClrMapping/>
-  </p:clrMapOvr>
-</p:sld>
-</file>
-
 <file path=ppt/slides/slide29.xml><?xml version="1.0" encoding="utf-8"?>
 <p:sld xmlns:a="http://schemas.openxmlformats.org/drawingml/2006/main" xmlns:r="http://schemas.openxmlformats.org/officeDocument/2006/relationships" xmlns:p="http://schemas.openxmlformats.org/presentationml/2006/main">
   <p:cSld>
@@ -45717,7 +48806,7 @@
         </p:nvSpPr>
         <p:spPr>
           <a:xfrm>
-            <a:off x="8454700" y="4636157"/>
+            <a:off x="8454700" y="4303307"/>
             <a:ext cx="3231000" cy="606900"/>
           </a:xfrm>
           <a:prstGeom prst="rect">
@@ -45783,7 +48872,87 @@
             </a:pPr>
             <a:r>
               <a:rPr lang="it-IT" dirty="0"/>
-              <a:t>text</a:t>
+              <a:t>The </a:t>
+            </a:r>
+            <a:r>
+              <a:rPr lang="it-IT" dirty="0" err="1"/>
+              <a:t>latency</a:t>
+            </a:r>
+            <a:r>
+              <a:rPr lang="it-IT" dirty="0"/>
+              <a:t> </a:t>
+            </a:r>
+            <a:r>
+              <a:rPr lang="it-IT" dirty="0" err="1"/>
+              <a:t>reached</a:t>
+            </a:r>
+            <a:r>
+              <a:rPr lang="it-IT" dirty="0"/>
+              <a:t> a </a:t>
+            </a:r>
+            <a:r>
+              <a:rPr lang="it-IT" dirty="0" err="1"/>
+              <a:t>mean</a:t>
+            </a:r>
+            <a:r>
+              <a:rPr lang="it-IT" dirty="0"/>
+              <a:t> </a:t>
+            </a:r>
+            <a:r>
+              <a:rPr lang="it-IT" dirty="0" err="1"/>
+              <a:t>value</a:t>
+            </a:r>
+            <a:r>
+              <a:rPr lang="it-IT" dirty="0"/>
+              <a:t> of </a:t>
+            </a:r>
+            <a:r>
+              <a:rPr lang="it-IT" dirty="0">
+                <a:solidFill>
+                  <a:schemeClr val="accent1"/>
+                </a:solidFill>
+              </a:rPr>
+              <a:t>174 ms</a:t>
+            </a:r>
+            <a:r>
+              <a:rPr lang="it-IT" dirty="0"/>
+              <a:t>. </a:t>
+            </a:r>
+            <a:r>
+              <a:rPr lang="it-IT" dirty="0" err="1"/>
+              <a:t>This</a:t>
+            </a:r>
+            <a:r>
+              <a:rPr lang="it-IT" dirty="0"/>
+              <a:t> </a:t>
+            </a:r>
+            <a:r>
+              <a:rPr lang="it-IT" dirty="0" err="1"/>
+              <a:t>has</a:t>
+            </a:r>
+            <a:r>
+              <a:rPr lang="it-IT" dirty="0"/>
+              <a:t> a </a:t>
+            </a:r>
+            <a:r>
+              <a:rPr lang="it-IT" dirty="0" err="1">
+                <a:solidFill>
+                  <a:schemeClr val="accent3"/>
+                </a:solidFill>
+              </a:rPr>
+              <a:t>noticeable</a:t>
+            </a:r>
+            <a:r>
+              <a:rPr lang="it-IT" dirty="0"/>
+              <a:t> impact on the user </a:t>
+            </a:r>
+            <a:r>
+              <a:rPr lang="it-IT" dirty="0" err="1"/>
+              <a:t>experience</a:t>
+            </a:r>
+            <a:r>
+              <a:rPr lang="it-IT" dirty="0"/>
+              <a:t>.</a:t>
             </a:r>
             <a:endParaRPr dirty="0"/>
           </a:p>
@@ -45813,7 +48982,7 @@
         </p:nvSpPr>
         <p:spPr>
           <a:xfrm>
-            <a:off x="8454700" y="5040100"/>
+            <a:off x="8454700" y="4738967"/>
             <a:ext cx="3231000" cy="872700"/>
           </a:xfrm>
           <a:prstGeom prst="rect">
@@ -45837,7 +49006,119 @@
             </a:pPr>
             <a:r>
               <a:rPr lang="it-IT" dirty="0"/>
-              <a:t>text</a:t>
+              <a:t>The </a:t>
+            </a:r>
+            <a:r>
+              <a:rPr lang="it-IT" dirty="0" err="1"/>
+              <a:t>server’s</a:t>
+            </a:r>
+            <a:r>
+              <a:rPr lang="it-IT" dirty="0"/>
+              <a:t> processing power </a:t>
+            </a:r>
+            <a:r>
+              <a:rPr lang="it-IT" dirty="0" err="1"/>
+              <a:t>was</a:t>
+            </a:r>
+            <a:r>
+              <a:rPr lang="it-IT" dirty="0"/>
+              <a:t> put under </a:t>
+            </a:r>
+            <a:r>
+              <a:rPr lang="it-IT" dirty="0" err="1">
+                <a:solidFill>
+                  <a:schemeClr val="accent1"/>
+                </a:solidFill>
+              </a:rPr>
+              <a:t>great</a:t>
+            </a:r>
+            <a:r>
+              <a:rPr lang="it-IT" dirty="0">
+                <a:solidFill>
+                  <a:schemeClr val="accent1"/>
+                </a:solidFill>
+              </a:rPr>
+              <a:t> strain</a:t>
+            </a:r>
+            <a:r>
+              <a:rPr lang="it-IT" dirty="0"/>
+              <a:t>, </a:t>
+            </a:r>
+            <a:r>
+              <a:rPr lang="it-IT" dirty="0" err="1"/>
+              <a:t>reaching</a:t>
+            </a:r>
+            <a:r>
+              <a:rPr lang="it-IT" dirty="0"/>
+              <a:t> a </a:t>
+            </a:r>
+            <a:r>
+              <a:rPr lang="it-IT" dirty="0" err="1"/>
+              <a:t>mean</a:t>
+            </a:r>
+            <a:r>
+              <a:rPr lang="it-IT" dirty="0"/>
+              <a:t> </a:t>
+            </a:r>
+            <a:r>
+              <a:rPr lang="it-IT" dirty="0" err="1"/>
+              <a:t>usage</a:t>
+            </a:r>
+            <a:r>
+              <a:rPr lang="it-IT" dirty="0"/>
+              <a:t> of </a:t>
+            </a:r>
+            <a:r>
+              <a:rPr lang="it-IT" dirty="0">
+                <a:solidFill>
+                  <a:schemeClr val="accent1"/>
+                </a:solidFill>
+              </a:rPr>
+              <a:t>24.5%</a:t>
+            </a:r>
+            <a:r>
+              <a:rPr lang="it-IT" dirty="0"/>
+              <a:t>. </a:t>
+            </a:r>
+            <a:r>
+              <a:rPr lang="it-IT" dirty="0" err="1"/>
+              <a:t>Possibly</a:t>
+            </a:r>
+            <a:r>
+              <a:rPr lang="it-IT" dirty="0"/>
+              <a:t> </a:t>
+            </a:r>
+            <a:r>
+              <a:rPr lang="it-IT" dirty="0" err="1"/>
+              <a:t>because</a:t>
+            </a:r>
+            <a:r>
+              <a:rPr lang="it-IT" dirty="0"/>
+              <a:t> of some </a:t>
+            </a:r>
+            <a:r>
+              <a:rPr lang="it-IT" dirty="0" err="1">
+                <a:solidFill>
+                  <a:schemeClr val="accent3"/>
+                </a:solidFill>
+              </a:rPr>
+              <a:t>packet</a:t>
+            </a:r>
+            <a:r>
+              <a:rPr lang="it-IT" dirty="0">
+                <a:solidFill>
+                  <a:schemeClr val="accent3"/>
+                </a:solidFill>
+              </a:rPr>
+              <a:t> filtering </a:t>
+            </a:r>
+            <a:r>
+              <a:rPr lang="it-IT" dirty="0" err="1"/>
+              <a:t>behavior</a:t>
+            </a:r>
+            <a:r>
+              <a:rPr lang="it-IT" dirty="0"/>
+              <a:t>.</a:t>
             </a:r>
             <a:endParaRPr dirty="0"/>
           </a:p>
@@ -45867,15 +49148,15 @@
           <p:cNvPicPr preferRelativeResize="0"/>
           <p:nvPr/>
         </p:nvPicPr>
-        <p:blipFill>
+        <p:blipFill rotWithShape="1">
           <a:blip r:embed="rId3"/>
-          <a:srcRect l="103" r="103"/>
+          <a:srcRect l="-387" t="9604" r="387" b="10078"/>
           <a:stretch/>
         </p:blipFill>
         <p:spPr>
           <a:xfrm>
-            <a:off x="673433" y="1856707"/>
-            <a:ext cx="3192657" cy="1990135"/>
+            <a:off x="711775" y="1856706"/>
+            <a:ext cx="3192657" cy="1990136"/>
           </a:xfrm>
           <a:prstGeom prst="roundRect">
             <a:avLst>
@@ -45907,9 +49188,9 @@
           <p:cNvPicPr preferRelativeResize="0"/>
           <p:nvPr/>
         </p:nvPicPr>
-        <p:blipFill>
-          <a:blip r:embed="rId3"/>
-          <a:srcRect l="103" r="103"/>
+        <p:blipFill rotWithShape="1">
+          <a:blip r:embed="rId4"/>
+          <a:srcRect l="-387" t="15213" r="387" b="1819"/>
           <a:stretch/>
         </p:blipFill>
         <p:spPr>
@@ -45948,8 +49229,8 @@
           <p:nvPr/>
         </p:nvPicPr>
         <p:blipFill>
-          <a:blip r:embed="rId3"/>
-          <a:srcRect l="103" r="103"/>
+          <a:blip r:embed="rId5"/>
+          <a:srcRect t="9938" b="9938"/>
           <a:stretch/>
         </p:blipFill>
         <p:spPr>
@@ -45987,9 +49268,9 @@
           <p:cNvPicPr preferRelativeResize="0"/>
           <p:nvPr/>
         </p:nvPicPr>
-        <p:blipFill>
-          <a:blip r:embed="rId3"/>
-          <a:srcRect l="103" r="103"/>
+        <p:blipFill rotWithShape="1">
+          <a:blip r:embed="rId6"/>
+          <a:srcRect l="-387" t="12636" r="387" b="2070"/>
           <a:stretch/>
         </p:blipFill>
         <p:spPr>
@@ -46015,6 +49296,329 @@
           </a:effectLst>
         </p:spPr>
       </p:pic>
+      <p:sp>
+        <p:nvSpPr>
+          <p:cNvPr id="6" name="Google Shape;786;p39">
+            <a:extLst>
+              <a:ext uri="{FF2B5EF4-FFF2-40B4-BE49-F238E27FC236}">
+                <a16:creationId xmlns:a16="http://schemas.microsoft.com/office/drawing/2014/main" id="{2E741D82-750E-74D9-5854-475DD60B3B46}"/>
+              </a:ext>
+            </a:extLst>
+          </p:cNvPr>
+          <p:cNvSpPr txBox="1">
+            <a:spLocks/>
+          </p:cNvSpPr>
+          <p:nvPr/>
+        </p:nvSpPr>
+        <p:spPr>
+          <a:xfrm>
+            <a:off x="8176355" y="1969911"/>
+            <a:ext cx="3624348" cy="872700"/>
+          </a:xfrm>
+          <a:prstGeom prst="rect">
+            <a:avLst/>
+          </a:prstGeom>
+          <a:noFill/>
+          <a:ln>
+            <a:noFill/>
+          </a:ln>
+        </p:spPr>
+        <p:txBody>
+          <a:bodyPr spcFirstLastPara="1" wrap="square" lIns="121900" tIns="121900" rIns="121900" bIns="121900" anchor="t" anchorCtr="0">
+            <a:noAutofit/>
+          </a:bodyPr>
+          <a:lstStyle>
+            <a:defPPr marR="0" lvl="0" algn="l" rtl="0">
+              <a:lnSpc>
+                <a:spcPct val="100000"/>
+              </a:lnSpc>
+              <a:spcBef>
+                <a:spcPts val="0"/>
+              </a:spcBef>
+              <a:spcAft>
+                <a:spcPts val="0"/>
+              </a:spcAft>
+            </a:defPPr>
+            <a:lvl1pPr marL="457200" marR="0" lvl="0" indent="-317500" algn="l" rtl="0">
+              <a:lnSpc>
+                <a:spcPct val="100000"/>
+              </a:lnSpc>
+              <a:spcBef>
+                <a:spcPts val="0"/>
+              </a:spcBef>
+              <a:spcAft>
+                <a:spcPts val="0"/>
+              </a:spcAft>
+              <a:buClr>
+                <a:schemeClr val="dk2"/>
+              </a:buClr>
+              <a:buSzPts val="1400"/>
+              <a:buFont typeface="Roboto Mono"/>
+              <a:buChar char="●"/>
+              <a:defRPr sz="1400" b="0" i="0" u="none" strike="noStrike" cap="none">
+                <a:solidFill>
+                  <a:schemeClr val="dk2"/>
+                </a:solidFill>
+                <a:latin typeface="Roboto Mono"/>
+                <a:ea typeface="Roboto Mono"/>
+                <a:cs typeface="Roboto Mono"/>
+                <a:sym typeface="Roboto Mono"/>
+              </a:defRPr>
+            </a:lvl1pPr>
+            <a:lvl2pPr marL="914400" marR="0" lvl="1" indent="-317500" algn="l" rtl="0">
+              <a:lnSpc>
+                <a:spcPct val="100000"/>
+              </a:lnSpc>
+              <a:spcBef>
+                <a:spcPts val="0"/>
+              </a:spcBef>
+              <a:spcAft>
+                <a:spcPts val="0"/>
+              </a:spcAft>
+              <a:buClr>
+                <a:schemeClr val="dk2"/>
+              </a:buClr>
+              <a:buSzPts val="1400"/>
+              <a:buFont typeface="Roboto Mono"/>
+              <a:buChar char="○"/>
+              <a:defRPr sz="1400" b="0" i="0" u="none" strike="noStrike" cap="none">
+                <a:solidFill>
+                  <a:schemeClr val="dk2"/>
+                </a:solidFill>
+                <a:latin typeface="Roboto Mono"/>
+                <a:ea typeface="Roboto Mono"/>
+                <a:cs typeface="Roboto Mono"/>
+                <a:sym typeface="Roboto Mono"/>
+              </a:defRPr>
+            </a:lvl2pPr>
+            <a:lvl3pPr marL="1371600" marR="0" lvl="2" indent="-317500" algn="l" rtl="0">
+              <a:lnSpc>
+                <a:spcPct val="100000"/>
+              </a:lnSpc>
+              <a:spcBef>
+                <a:spcPts val="0"/>
+              </a:spcBef>
+              <a:spcAft>
+                <a:spcPts val="0"/>
+              </a:spcAft>
+              <a:buClr>
+                <a:schemeClr val="dk2"/>
+              </a:buClr>
+              <a:buSzPts val="1400"/>
+              <a:buFont typeface="Roboto Mono"/>
+              <a:buChar char="■"/>
+              <a:defRPr sz="1400" b="0" i="0" u="none" strike="noStrike" cap="none">
+                <a:solidFill>
+                  <a:schemeClr val="dk2"/>
+                </a:solidFill>
+                <a:latin typeface="Roboto Mono"/>
+                <a:ea typeface="Roboto Mono"/>
+                <a:cs typeface="Roboto Mono"/>
+                <a:sym typeface="Roboto Mono"/>
+              </a:defRPr>
+            </a:lvl3pPr>
+            <a:lvl4pPr marL="1828800" marR="0" lvl="3" indent="-317500" algn="l" rtl="0">
+              <a:lnSpc>
+                <a:spcPct val="100000"/>
+              </a:lnSpc>
+              <a:spcBef>
+                <a:spcPts val="0"/>
+              </a:spcBef>
+              <a:spcAft>
+                <a:spcPts val="0"/>
+              </a:spcAft>
+              <a:buClr>
+                <a:schemeClr val="dk2"/>
+              </a:buClr>
+              <a:buSzPts val="1400"/>
+              <a:buFont typeface="Roboto Mono"/>
+              <a:buChar char="●"/>
+              <a:defRPr sz="1400" b="0" i="0" u="none" strike="noStrike" cap="none">
+                <a:solidFill>
+                  <a:schemeClr val="dk2"/>
+                </a:solidFill>
+                <a:latin typeface="Roboto Mono"/>
+                <a:ea typeface="Roboto Mono"/>
+                <a:cs typeface="Roboto Mono"/>
+                <a:sym typeface="Roboto Mono"/>
+              </a:defRPr>
+            </a:lvl4pPr>
+            <a:lvl5pPr marL="2286000" marR="0" lvl="4" indent="-317500" algn="l" rtl="0">
+              <a:lnSpc>
+                <a:spcPct val="100000"/>
+              </a:lnSpc>
+              <a:spcBef>
+                <a:spcPts val="0"/>
+              </a:spcBef>
+              <a:spcAft>
+                <a:spcPts val="0"/>
+              </a:spcAft>
+              <a:buClr>
+                <a:schemeClr val="dk2"/>
+              </a:buClr>
+              <a:buSzPts val="1400"/>
+              <a:buFont typeface="Roboto Mono"/>
+              <a:buChar char="○"/>
+              <a:defRPr sz="1400" b="0" i="0" u="none" strike="noStrike" cap="none">
+                <a:solidFill>
+                  <a:schemeClr val="dk2"/>
+                </a:solidFill>
+                <a:latin typeface="Roboto Mono"/>
+                <a:ea typeface="Roboto Mono"/>
+                <a:cs typeface="Roboto Mono"/>
+                <a:sym typeface="Roboto Mono"/>
+              </a:defRPr>
+            </a:lvl5pPr>
+            <a:lvl6pPr marL="2743200" marR="0" lvl="5" indent="-317500" algn="l" rtl="0">
+              <a:lnSpc>
+                <a:spcPct val="100000"/>
+              </a:lnSpc>
+              <a:spcBef>
+                <a:spcPts val="0"/>
+              </a:spcBef>
+              <a:spcAft>
+                <a:spcPts val="0"/>
+              </a:spcAft>
+              <a:buClr>
+                <a:schemeClr val="dk2"/>
+              </a:buClr>
+              <a:buSzPts val="1400"/>
+              <a:buFont typeface="Roboto Mono"/>
+              <a:buChar char="■"/>
+              <a:defRPr sz="1400" b="0" i="0" u="none" strike="noStrike" cap="none">
+                <a:solidFill>
+                  <a:schemeClr val="dk2"/>
+                </a:solidFill>
+                <a:latin typeface="Roboto Mono"/>
+                <a:ea typeface="Roboto Mono"/>
+                <a:cs typeface="Roboto Mono"/>
+                <a:sym typeface="Roboto Mono"/>
+              </a:defRPr>
+            </a:lvl6pPr>
+            <a:lvl7pPr marL="3200400" marR="0" lvl="6" indent="-317500" algn="l" rtl="0">
+              <a:lnSpc>
+                <a:spcPct val="100000"/>
+              </a:lnSpc>
+              <a:spcBef>
+                <a:spcPts val="0"/>
+              </a:spcBef>
+              <a:spcAft>
+                <a:spcPts val="0"/>
+              </a:spcAft>
+              <a:buClr>
+                <a:schemeClr val="dk2"/>
+              </a:buClr>
+              <a:buSzPts val="1400"/>
+              <a:buFont typeface="Roboto Mono"/>
+              <a:buChar char="●"/>
+              <a:defRPr sz="1400" b="0" i="0" u="none" strike="noStrike" cap="none">
+                <a:solidFill>
+                  <a:schemeClr val="dk2"/>
+                </a:solidFill>
+                <a:latin typeface="Roboto Mono"/>
+                <a:ea typeface="Roboto Mono"/>
+                <a:cs typeface="Roboto Mono"/>
+                <a:sym typeface="Roboto Mono"/>
+              </a:defRPr>
+            </a:lvl7pPr>
+            <a:lvl8pPr marL="3657600" marR="0" lvl="7" indent="-317500" algn="l" rtl="0">
+              <a:lnSpc>
+                <a:spcPct val="100000"/>
+              </a:lnSpc>
+              <a:spcBef>
+                <a:spcPts val="0"/>
+              </a:spcBef>
+              <a:spcAft>
+                <a:spcPts val="0"/>
+              </a:spcAft>
+              <a:buClr>
+                <a:schemeClr val="dk2"/>
+              </a:buClr>
+              <a:buSzPts val="1400"/>
+              <a:buFont typeface="Roboto Mono"/>
+              <a:buChar char="○"/>
+              <a:defRPr sz="1400" b="0" i="0" u="none" strike="noStrike" cap="none">
+                <a:solidFill>
+                  <a:schemeClr val="dk2"/>
+                </a:solidFill>
+                <a:latin typeface="Roboto Mono"/>
+                <a:ea typeface="Roboto Mono"/>
+                <a:cs typeface="Roboto Mono"/>
+                <a:sym typeface="Roboto Mono"/>
+              </a:defRPr>
+            </a:lvl8pPr>
+            <a:lvl9pPr marL="4114800" marR="0" lvl="8" indent="-317500" algn="l" rtl="0">
+              <a:lnSpc>
+                <a:spcPct val="100000"/>
+              </a:lnSpc>
+              <a:spcBef>
+                <a:spcPts val="0"/>
+              </a:spcBef>
+              <a:spcAft>
+                <a:spcPts val="0"/>
+              </a:spcAft>
+              <a:buClr>
+                <a:schemeClr val="dk2"/>
+              </a:buClr>
+              <a:buSzPts val="1400"/>
+              <a:buFont typeface="Roboto Mono"/>
+              <a:buChar char="■"/>
+              <a:defRPr sz="1400" b="0" i="0" u="none" strike="noStrike" cap="none">
+                <a:solidFill>
+                  <a:schemeClr val="dk2"/>
+                </a:solidFill>
+                <a:latin typeface="Roboto Mono"/>
+                <a:ea typeface="Roboto Mono"/>
+                <a:cs typeface="Roboto Mono"/>
+                <a:sym typeface="Roboto Mono"/>
+              </a:defRPr>
+            </a:lvl9pPr>
+          </a:lstStyle>
+          <a:p>
+            <a:pPr marL="0" indent="0">
+              <a:buFont typeface="Roboto Mono"/>
+              <a:buNone/>
+            </a:pPr>
+            <a:r>
+              <a:rPr lang="it-IT" sz="1600" dirty="0">
+                <a:solidFill>
+                  <a:schemeClr val="accent3">
+                    <a:lumMod val="75000"/>
+                  </a:schemeClr>
+                </a:solidFill>
+              </a:rPr>
+              <a:t>50,000 </a:t>
+            </a:r>
+            <a:r>
+              <a:rPr lang="it-IT" sz="1600" dirty="0" err="1">
+                <a:solidFill>
+                  <a:schemeClr val="accent3">
+                    <a:lumMod val="75000"/>
+                  </a:schemeClr>
+                </a:solidFill>
+              </a:rPr>
+              <a:t>requests</a:t>
+            </a:r>
+            <a:r>
+              <a:rPr lang="it-IT" sz="1600" dirty="0">
+                <a:solidFill>
+                  <a:schemeClr val="accent3">
+                    <a:lumMod val="75000"/>
+                  </a:schemeClr>
+                </a:solidFill>
+              </a:rPr>
+              <a:t> per second</a:t>
+            </a:r>
+          </a:p>
+          <a:p>
+            <a:pPr marL="0" indent="0">
+              <a:buFont typeface="Roboto Mono"/>
+              <a:buNone/>
+            </a:pPr>
+            <a:endParaRPr lang="it-IT" dirty="0"/>
+          </a:p>
+        </p:txBody>
+      </p:sp>
     </p:spTree>
   </p:cSld>
   <p:clrMapOvr>
@@ -55977,6 +59581,15 @@
 </file>
 
 <file path=customXml/item1.xml><?xml version="1.0" encoding="utf-8"?>
+<?mso-contentType ?>
+<FormTemplates xmlns="http://schemas.microsoft.com/sharepoint/v3/contenttype/forms">
+  <Display>DocumentLibraryForm</Display>
+  <Edit>DocumentLibraryForm</Edit>
+  <New>DocumentLibraryForm</New>
+</FormTemplates>
+</file>
+
+<file path=customXml/item2.xml><?xml version="1.0" encoding="utf-8"?>
 <ct:contentTypeSchema xmlns:ct="http://schemas.microsoft.com/office/2006/metadata/contentType" xmlns:ma="http://schemas.microsoft.com/office/2006/metadata/properties/metaAttributes" ct:_="" ma:_="" ma:contentTypeName="Documento" ma:contentTypeID="0x01010084810589CC74B74C8B7E1854161A6674" ma:contentTypeVersion="13" ma:contentTypeDescription="Creare un nuovo documento." ma:contentTypeScope="" ma:versionID="4eb2f32668f8afd9e5294ccd37eb6a67">
   <xsd:schema xmlns:xsd="http://www.w3.org/2001/XMLSchema" xmlns:xs="http://www.w3.org/2001/XMLSchema" xmlns:p="http://schemas.microsoft.com/office/2006/metadata/properties" xmlns:ns3="c3ab20fa-e76c-446e-a00b-196a3ad77dae" xmlns:ns4="f118f4c6-d6e7-4e9a-9f70-97674d31cadf" targetNamespace="http://schemas.microsoft.com/office/2006/metadata/properties" ma:root="true" ma:fieldsID="9576c5b617f31cb8b208bdf71c26ad10" ns3:_="" ns4:_="">
     <xsd:import namespace="c3ab20fa-e76c-446e-a00b-196a3ad77dae"/>
@@ -56197,15 +59810,6 @@
 </ct:contentTypeSchema>
 </file>
 
-<file path=customXml/item2.xml><?xml version="1.0" encoding="utf-8"?>
-<?mso-contentType ?>
-<FormTemplates xmlns="http://schemas.microsoft.com/sharepoint/v3/contenttype/forms">
-  <Display>DocumentLibraryForm</Display>
-  <Edit>DocumentLibraryForm</Edit>
-  <New>DocumentLibraryForm</New>
-</FormTemplates>
-</file>
-
 <file path=customXml/item3.xml><?xml version="1.0" encoding="utf-8"?>
 <p:properties xmlns:p="http://schemas.microsoft.com/office/2006/metadata/properties" xmlns:xsi="http://www.w3.org/2001/XMLSchema-instance" xmlns:pc="http://schemas.microsoft.com/office/infopath/2007/PartnerControls">
   <documentManagement>
@@ -56215,6 +59819,14 @@
 </file>
 
 <file path=customXml/itemProps1.xml><?xml version="1.0" encoding="utf-8"?>
+<ds:datastoreItem xmlns:ds="http://schemas.openxmlformats.org/officeDocument/2006/customXml" ds:itemID="{DCB84741-F706-468E-87AF-CB06C784C6BF}">
+  <ds:schemaRefs>
+    <ds:schemaRef ds:uri="http://schemas.microsoft.com/sharepoint/v3/contenttype/forms"/>
+  </ds:schemaRefs>
+</ds:datastoreItem>
+</file>
+
+<file path=customXml/itemProps2.xml><?xml version="1.0" encoding="utf-8"?>
 <ds:datastoreItem xmlns:ds="http://schemas.openxmlformats.org/officeDocument/2006/customXml" ds:itemID="{D63BBF55-43EB-4998-B852-DA7B2EED4E65}">
   <ds:schemaRefs>
     <ds:schemaRef ds:uri="http://schemas.microsoft.com/office/2006/metadata/contentType"/>
@@ -56233,14 +59845,6 @@
 </ds:datastoreItem>
 </file>
 
-<file path=customXml/itemProps2.xml><?xml version="1.0" encoding="utf-8"?>
-<ds:datastoreItem xmlns:ds="http://schemas.openxmlformats.org/officeDocument/2006/customXml" ds:itemID="{DCB84741-F706-468E-87AF-CB06C784C6BF}">
-  <ds:schemaRefs>
-    <ds:schemaRef ds:uri="http://schemas.microsoft.com/sharepoint/v3/contenttype/forms"/>
-  </ds:schemaRefs>
-</ds:datastoreItem>
-</file>
-
 <file path=customXml/itemProps3.xml><?xml version="1.0" encoding="utf-8"?>
 <ds:datastoreItem xmlns:ds="http://schemas.openxmlformats.org/officeDocument/2006/customXml" ds:itemID="{E2405579-CFCE-4655-AFF9-83FA17AFCD16}">
   <ds:schemaRefs>
